--- a/doc/workshop/forwardSampling/ForwardSampling.pptx
+++ b/doc/workshop/forwardSampling/ForwardSampling.pptx
@@ -35070,7 +35070,7 @@
           <p:nvPr>
             <p:extLst>
               <p:ext uri="{D42A27DB-BD31-4B8C-83A1-F6EECF244321}">
-                <p14:modId xmlns:p14="http://schemas.microsoft.com/office/powerpoint/2010/main" val="305189904"/>
+                <p14:modId xmlns:p14="http://schemas.microsoft.com/office/powerpoint/2010/main" val="2391556355"/>
               </p:ext>
             </p:extLst>
           </p:nvPr>
@@ -35139,7 +35139,7 @@
                       <a:r>
                         <a:rPr lang="en-US" sz="1600" b="0" dirty="0" err="1">
                           <a:solidFill>
-                            <a:srgbClr val="0000FF"/>
+                            <a:schemeClr val="tx1"/>
                           </a:solidFill>
                           <a:latin typeface="Arial"/>
                           <a:cs typeface="Arial"/>
@@ -35148,7 +35148,7 @@
                       </a:r>
                       <a:endParaRPr lang="en-US" sz="1600" b="0" dirty="0">
                         <a:solidFill>
-                          <a:srgbClr val="0000FF"/>
+                          <a:schemeClr val="tx1"/>
                         </a:solidFill>
                         <a:latin typeface="Arial"/>
                         <a:cs typeface="Arial"/>
@@ -35172,14 +35172,69 @@
                       <a:r>
                         <a:rPr lang="en-US" sz="1600" b="0" dirty="0">
                           <a:solidFill>
-                            <a:srgbClr val="0000FF"/>
+                            <a:schemeClr val="tx1"/>
                           </a:solidFill>
                           <a:latin typeface="Arial"/>
                           <a:cs typeface="Arial"/>
                         </a:rPr>
                         <a:t>Distributions</a:t>
                       </a:r>
+                    </a:p>
+                  </a:txBody>
+                  <a:tcPr>
+                    <a:solidFill>
+                      <a:schemeClr val="bg1">
+                        <a:lumMod val="85000"/>
+                      </a:schemeClr>
+                    </a:solidFill>
+                  </a:tcPr>
+                </a:tc>
+                <a:tc>
+                  <a:txBody>
+                    <a:bodyPr/>
+                    <a:lstStyle/>
+                    <a:p>
+                      <a:pPr algn="ctr"/>
+                      <a:r>
+                        <a:rPr lang="en-US" sz="1600" b="0" dirty="0">
+                          <a:solidFill>
+                            <a:schemeClr val="tx1"/>
+                          </a:solidFill>
+                          <a:latin typeface="Arial"/>
+                          <a:cs typeface="Arial"/>
+                        </a:rPr>
+                        <a:t>Samplers</a:t>
+                      </a:r>
+                    </a:p>
+                  </a:txBody>
+                  <a:tcPr>
+                    <a:solidFill>
+                      <a:schemeClr val="bg1">
+                        <a:lumMod val="85000"/>
+                      </a:schemeClr>
+                    </a:solidFill>
+                  </a:tcPr>
+                </a:tc>
+                <a:tc>
+                  <a:txBody>
+                    <a:bodyPr/>
+                    <a:lstStyle/>
+                    <a:p>
+                      <a:pPr algn="ctr"/>
+                      <a:r>
+                        <a:rPr lang="en-US" sz="1600" b="0" dirty="0" err="1">
+                          <a:solidFill>
+                            <a:schemeClr val="tx1"/>
+                          </a:solidFill>
+                          <a:latin typeface="Arial"/>
+                          <a:cs typeface="Arial"/>
+                        </a:rPr>
+                        <a:t>DataObjects</a:t>
+                      </a:r>
                       <a:endParaRPr lang="en-US" sz="1600" b="0" dirty="0">
+                        <a:solidFill>
+                          <a:schemeClr val="tx1"/>
+                        </a:solidFill>
                         <a:latin typeface="Arial"/>
                         <a:cs typeface="Arial"/>
                       </a:endParaRPr>
@@ -35202,47 +35257,13 @@
                       <a:r>
                         <a:rPr lang="en-US" sz="1600" b="0" dirty="0">
                           <a:solidFill>
-                            <a:srgbClr val="0000FF"/>
+                            <a:schemeClr val="tx1"/>
                           </a:solidFill>
                           <a:latin typeface="Arial"/>
                           <a:cs typeface="Arial"/>
                         </a:rPr>
-                        <a:t>Samplers</a:t>
+                        <a:t>Models</a:t>
                       </a:r>
-                      <a:endParaRPr lang="en-US" sz="1600" b="0" dirty="0">
-                        <a:latin typeface="Arial"/>
-                        <a:cs typeface="Arial"/>
-                      </a:endParaRPr>
-                    </a:p>
-                  </a:txBody>
-                  <a:tcPr>
-                    <a:solidFill>
-                      <a:schemeClr val="bg1">
-                        <a:lumMod val="85000"/>
-                      </a:schemeClr>
-                    </a:solidFill>
-                  </a:tcPr>
-                </a:tc>
-                <a:tc>
-                  <a:txBody>
-                    <a:bodyPr/>
-                    <a:lstStyle/>
-                    <a:p>
-                      <a:pPr algn="ctr"/>
-                      <a:r>
-                        <a:rPr lang="en-US" sz="1600" b="0" dirty="0" err="1">
-                          <a:solidFill>
-                            <a:srgbClr val="0000FF"/>
-                          </a:solidFill>
-                          <a:latin typeface="Arial"/>
-                          <a:cs typeface="Arial"/>
-                        </a:rPr>
-                        <a:t>DataObjects</a:t>
-                      </a:r>
-                      <a:endParaRPr lang="en-US" sz="1600" b="0" dirty="0">
-                        <a:latin typeface="Arial"/>
-                        <a:cs typeface="Arial"/>
-                      </a:endParaRPr>
                     </a:p>
                   </a:txBody>
                   <a:tcPr>
@@ -35262,47 +35283,13 @@
                       <a:r>
                         <a:rPr lang="en-US" sz="1600" b="0" dirty="0">
                           <a:solidFill>
-                            <a:srgbClr val="0000FF"/>
-                          </a:solidFill>
-                          <a:latin typeface="Arial"/>
-                          <a:cs typeface="Arial"/>
-                        </a:rPr>
-                        <a:t>Models</a:t>
-                      </a:r>
-                      <a:endParaRPr lang="en-US" sz="1600" b="0" dirty="0">
-                        <a:latin typeface="Arial"/>
-                        <a:cs typeface="Arial"/>
-                      </a:endParaRPr>
-                    </a:p>
-                  </a:txBody>
-                  <a:tcPr>
-                    <a:solidFill>
-                      <a:schemeClr val="bg1">
-                        <a:lumMod val="85000"/>
-                      </a:schemeClr>
-                    </a:solidFill>
-                  </a:tcPr>
-                </a:tc>
-                <a:tc>
-                  <a:txBody>
-                    <a:bodyPr/>
-                    <a:lstStyle/>
-                    <a:p>
-                      <a:pPr algn="ctr"/>
-                      <a:r>
-                        <a:rPr lang="en-US" sz="1600" b="0" dirty="0">
-                          <a:solidFill>
-                            <a:srgbClr val="0000FF"/>
+                            <a:schemeClr val="tx1"/>
                           </a:solidFill>
                           <a:latin typeface="Arial"/>
                           <a:cs typeface="Arial"/>
                         </a:rPr>
                         <a:t>Files</a:t>
                       </a:r>
-                      <a:endParaRPr lang="en-US" sz="1600" b="0" dirty="0">
-                        <a:latin typeface="Arial"/>
-                        <a:cs typeface="Arial"/>
-                      </a:endParaRPr>
                     </a:p>
                   </a:txBody>
                   <a:tcPr>
@@ -35329,7 +35316,7 @@
                       <a:r>
                         <a:rPr lang="en-US" sz="1600" b="0" dirty="0" err="1">
                           <a:solidFill>
-                            <a:srgbClr val="0000FF"/>
+                            <a:schemeClr val="tx1"/>
                           </a:solidFill>
                           <a:latin typeface="Arial"/>
                           <a:cs typeface="Arial"/>
@@ -35337,6 +35324,9 @@
                         <a:t>OutStreams</a:t>
                       </a:r>
                       <a:endParaRPr lang="en-US" sz="1600" b="0" dirty="0">
+                        <a:solidFill>
+                          <a:schemeClr val="tx1"/>
+                        </a:solidFill>
                         <a:latin typeface="Arial"/>
                         <a:cs typeface="Arial"/>
                       </a:endParaRPr>
@@ -35359,17 +35349,13 @@
                       <a:r>
                         <a:rPr lang="en-US" sz="1600" b="0" dirty="0">
                           <a:solidFill>
-                            <a:srgbClr val="0000FF"/>
+                            <a:schemeClr val="tx1"/>
                           </a:solidFill>
                           <a:latin typeface="Arial"/>
                           <a:cs typeface="Arial"/>
                         </a:rPr>
                         <a:t>Steps</a:t>
                       </a:r>
-                      <a:endParaRPr lang="en-US" sz="1600" b="0" dirty="0">
-                        <a:latin typeface="Arial"/>
-                        <a:cs typeface="Arial"/>
-                      </a:endParaRPr>
                     </a:p>
                   </a:txBody>
                   <a:tcPr>
@@ -35387,6 +35373,9 @@
                     <a:p>
                       <a:pPr algn="ctr"/>
                       <a:endParaRPr lang="en-US" sz="1600" b="0" dirty="0">
+                        <a:solidFill>
+                          <a:schemeClr val="tx1"/>
+                        </a:solidFill>
                         <a:latin typeface="Arial"/>
                         <a:cs typeface="Arial"/>
                       </a:endParaRPr>
@@ -35407,6 +35396,9 @@
                     <a:p>
                       <a:pPr algn="ctr"/>
                       <a:endParaRPr lang="en-US" sz="1600" b="0" dirty="0">
+                        <a:solidFill>
+                          <a:schemeClr val="tx1"/>
+                        </a:solidFill>
                         <a:latin typeface="Arial"/>
                         <a:cs typeface="Arial"/>
                       </a:endParaRPr>
@@ -35427,6 +35419,9 @@
                     <a:p>
                       <a:pPr algn="ctr"/>
                       <a:endParaRPr lang="en-US" sz="1600" b="0" dirty="0">
+                        <a:solidFill>
+                          <a:schemeClr val="tx1"/>
+                        </a:solidFill>
                         <a:latin typeface="Arial"/>
                         <a:cs typeface="Arial"/>
                       </a:endParaRPr>
@@ -35447,6 +35442,9 @@
                     <a:p>
                       <a:pPr algn="ctr"/>
                       <a:endParaRPr lang="en-US" sz="1600" b="0" dirty="0">
+                        <a:solidFill>
+                          <a:schemeClr val="tx1"/>
+                        </a:solidFill>
                         <a:latin typeface="Arial"/>
                         <a:cs typeface="Arial"/>
                       </a:endParaRPr>
@@ -37625,7 +37623,7 @@
           <a:p>
             <a:r>
               <a:rPr lang="en-US" b="0" dirty="0"/>
-              <a:t>Adding a New Sampler (test3.xml)</a:t>
+              <a:t>Adding a New Sampler</a:t>
             </a:r>
           </a:p>
         </p:txBody>
@@ -38782,6 +38780,44 @@
           </a:graphicData>
         </a:graphic>
       </p:graphicFrame>
+      <p:sp>
+        <p:nvSpPr>
+          <p:cNvPr id="5" name="TextBox 4">
+            <a:extLst>
+              <a:ext uri="{FF2B5EF4-FFF2-40B4-BE49-F238E27FC236}">
+                <a16:creationId xmlns:a16="http://schemas.microsoft.com/office/drawing/2014/main" id="{7AA70586-C49B-3749-B2C9-AE3286112425}"/>
+              </a:ext>
+            </a:extLst>
+          </p:cNvPr>
+          <p:cNvSpPr txBox="1"/>
+          <p:nvPr/>
+        </p:nvSpPr>
+        <p:spPr>
+          <a:xfrm>
+            <a:off x="0" y="6553200"/>
+            <a:ext cx="9144000" cy="307777"/>
+          </a:xfrm>
+          <a:prstGeom prst="rect">
+            <a:avLst/>
+          </a:prstGeom>
+          <a:noFill/>
+        </p:spPr>
+        <p:txBody>
+          <a:bodyPr wrap="square" rtlCol="0">
+            <a:spAutoFit/>
+          </a:bodyPr>
+          <a:lstStyle/>
+          <a:p>
+            <a:pPr algn="ctr"/>
+            <a:r>
+              <a:rPr lang="en-US" sz="1400" dirty="0">
+                <a:latin typeface="+mn-lt"/>
+              </a:rPr>
+              <a:t>Input file name: ForwardSampling3.xml</a:t>
+            </a:r>
+          </a:p>
+        </p:txBody>
+      </p:sp>
     </p:spTree>
     <p:extLst>
       <p:ext uri="{BB962C8B-B14F-4D97-AF65-F5344CB8AC3E}">
@@ -38846,7 +38882,7 @@
           <a:p>
             <a:r>
               <a:rPr lang="en-US" b="0" dirty="0"/>
-              <a:t>Changing the Used Sampler  (test3.xml)</a:t>
+              <a:t>Changing the Used Sampler</a:t>
             </a:r>
           </a:p>
         </p:txBody>
@@ -40092,7 +40128,7 @@
           <p:nvPr>
             <p:extLst>
               <p:ext uri="{D42A27DB-BD31-4B8C-83A1-F6EECF244321}">
-                <p14:modId xmlns:p14="http://schemas.microsoft.com/office/powerpoint/2010/main" val="4242187428"/>
+                <p14:modId xmlns:p14="http://schemas.microsoft.com/office/powerpoint/2010/main" val="2581485414"/>
               </p:ext>
             </p:extLst>
           </p:nvPr>
@@ -40161,7 +40197,7 @@
                       <a:r>
                         <a:rPr lang="en-US" sz="1600" b="0" dirty="0" err="1">
                           <a:solidFill>
-                            <a:srgbClr val="0000FF"/>
+                            <a:schemeClr val="tx1"/>
                           </a:solidFill>
                           <a:latin typeface="Arial"/>
                           <a:cs typeface="Arial"/>
@@ -40170,7 +40206,7 @@
                       </a:r>
                       <a:endParaRPr lang="en-US" sz="1600" b="0" dirty="0">
                         <a:solidFill>
-                          <a:srgbClr val="0000FF"/>
+                          <a:schemeClr val="tx1"/>
                         </a:solidFill>
                         <a:latin typeface="Arial"/>
                         <a:cs typeface="Arial"/>
@@ -40194,14 +40230,69 @@
                       <a:r>
                         <a:rPr lang="en-US" sz="1600" b="0" dirty="0">
                           <a:solidFill>
-                            <a:srgbClr val="0000FF"/>
+                            <a:schemeClr val="tx1"/>
                           </a:solidFill>
                           <a:latin typeface="Arial"/>
                           <a:cs typeface="Arial"/>
                         </a:rPr>
                         <a:t>Distributions</a:t>
                       </a:r>
+                    </a:p>
+                  </a:txBody>
+                  <a:tcPr>
+                    <a:solidFill>
+                      <a:schemeClr val="bg1">
+                        <a:lumMod val="85000"/>
+                      </a:schemeClr>
+                    </a:solidFill>
+                  </a:tcPr>
+                </a:tc>
+                <a:tc>
+                  <a:txBody>
+                    <a:bodyPr/>
+                    <a:lstStyle/>
+                    <a:p>
+                      <a:pPr algn="ctr"/>
+                      <a:r>
+                        <a:rPr lang="en-US" sz="1600" b="0" dirty="0">
+                          <a:solidFill>
+                            <a:schemeClr val="tx1"/>
+                          </a:solidFill>
+                          <a:latin typeface="Arial"/>
+                          <a:cs typeface="Arial"/>
+                        </a:rPr>
+                        <a:t>Samplers</a:t>
+                      </a:r>
+                    </a:p>
+                  </a:txBody>
+                  <a:tcPr>
+                    <a:solidFill>
+                      <a:schemeClr val="bg1">
+                        <a:lumMod val="85000"/>
+                      </a:schemeClr>
+                    </a:solidFill>
+                  </a:tcPr>
+                </a:tc>
+                <a:tc>
+                  <a:txBody>
+                    <a:bodyPr/>
+                    <a:lstStyle/>
+                    <a:p>
+                      <a:pPr algn="ctr"/>
+                      <a:r>
+                        <a:rPr lang="en-US" sz="1600" b="0" dirty="0" err="1">
+                          <a:solidFill>
+                            <a:schemeClr val="tx1"/>
+                          </a:solidFill>
+                          <a:latin typeface="Arial"/>
+                          <a:cs typeface="Arial"/>
+                        </a:rPr>
+                        <a:t>DataObjects</a:t>
+                      </a:r>
                       <a:endParaRPr lang="en-US" sz="1600" b="0" dirty="0">
+                        <a:solidFill>
+                          <a:schemeClr val="tx1"/>
+                        </a:solidFill>
                         <a:latin typeface="Arial"/>
                         <a:cs typeface="Arial"/>
                       </a:endParaRPr>
@@ -40224,47 +40315,13 @@
                       <a:r>
                         <a:rPr lang="en-US" sz="1600" b="0" dirty="0">
                           <a:solidFill>
-                            <a:srgbClr val="0000FF"/>
+                            <a:schemeClr val="tx1"/>
                           </a:solidFill>
                           <a:latin typeface="Arial"/>
                           <a:cs typeface="Arial"/>
                         </a:rPr>
-                        <a:t>Samplers</a:t>
+                        <a:t>Models</a:t>
                       </a:r>
-                      <a:endParaRPr lang="en-US" sz="1600" b="0" dirty="0">
-                        <a:latin typeface="Arial"/>
-                        <a:cs typeface="Arial"/>
-                      </a:endParaRPr>
-                    </a:p>
-                  </a:txBody>
-                  <a:tcPr>
-                    <a:solidFill>
-                      <a:schemeClr val="bg1">
-                        <a:lumMod val="85000"/>
-                      </a:schemeClr>
-                    </a:solidFill>
-                  </a:tcPr>
-                </a:tc>
-                <a:tc>
-                  <a:txBody>
-                    <a:bodyPr/>
-                    <a:lstStyle/>
-                    <a:p>
-                      <a:pPr algn="ctr"/>
-                      <a:r>
-                        <a:rPr lang="en-US" sz="1600" b="0" dirty="0" err="1">
-                          <a:solidFill>
-                            <a:srgbClr val="0000FF"/>
-                          </a:solidFill>
-                          <a:latin typeface="Arial"/>
-                          <a:cs typeface="Arial"/>
-                        </a:rPr>
-                        <a:t>DataObjects</a:t>
-                      </a:r>
-                      <a:endParaRPr lang="en-US" sz="1600" b="0" dirty="0">
-                        <a:latin typeface="Arial"/>
-                        <a:cs typeface="Arial"/>
-                      </a:endParaRPr>
                     </a:p>
                   </a:txBody>
                   <a:tcPr>
@@ -40284,47 +40341,13 @@
                       <a:r>
                         <a:rPr lang="en-US" sz="1600" b="0" dirty="0">
                           <a:solidFill>
-                            <a:srgbClr val="0000FF"/>
-                          </a:solidFill>
-                          <a:latin typeface="Arial"/>
-                          <a:cs typeface="Arial"/>
-                        </a:rPr>
-                        <a:t>Models</a:t>
-                      </a:r>
-                      <a:endParaRPr lang="en-US" sz="1600" b="0" dirty="0">
-                        <a:latin typeface="Arial"/>
-                        <a:cs typeface="Arial"/>
-                      </a:endParaRPr>
-                    </a:p>
-                  </a:txBody>
-                  <a:tcPr>
-                    <a:solidFill>
-                      <a:schemeClr val="bg1">
-                        <a:lumMod val="85000"/>
-                      </a:schemeClr>
-                    </a:solidFill>
-                  </a:tcPr>
-                </a:tc>
-                <a:tc>
-                  <a:txBody>
-                    <a:bodyPr/>
-                    <a:lstStyle/>
-                    <a:p>
-                      <a:pPr algn="ctr"/>
-                      <a:r>
-                        <a:rPr lang="en-US" sz="1600" b="0" dirty="0">
-                          <a:solidFill>
-                            <a:srgbClr val="0000FF"/>
+                            <a:schemeClr val="tx1"/>
                           </a:solidFill>
                           <a:latin typeface="Arial"/>
                           <a:cs typeface="Arial"/>
                         </a:rPr>
                         <a:t>Files</a:t>
                       </a:r>
-                      <a:endParaRPr lang="en-US" sz="1600" b="0" dirty="0">
-                        <a:latin typeface="Arial"/>
-                        <a:cs typeface="Arial"/>
-                      </a:endParaRPr>
                     </a:p>
                   </a:txBody>
                   <a:tcPr>
@@ -40351,7 +40374,7 @@
                       <a:r>
                         <a:rPr lang="en-US" sz="1600" b="0" dirty="0" err="1">
                           <a:solidFill>
-                            <a:srgbClr val="0000FF"/>
+                            <a:schemeClr val="tx1"/>
                           </a:solidFill>
                           <a:latin typeface="Arial"/>
                           <a:cs typeface="Arial"/>
@@ -40359,6 +40382,9 @@
                         <a:t>OutStreams</a:t>
                       </a:r>
                       <a:endParaRPr lang="en-US" sz="1600" b="0" dirty="0">
+                        <a:solidFill>
+                          <a:schemeClr val="tx1"/>
+                        </a:solidFill>
                         <a:latin typeface="Arial"/>
                         <a:cs typeface="Arial"/>
                       </a:endParaRPr>
@@ -40381,17 +40407,13 @@
                       <a:r>
                         <a:rPr lang="en-US" sz="1600" b="0" dirty="0">
                           <a:solidFill>
-                            <a:srgbClr val="0000FF"/>
+                            <a:schemeClr val="tx1"/>
                           </a:solidFill>
                           <a:latin typeface="Arial"/>
                           <a:cs typeface="Arial"/>
                         </a:rPr>
                         <a:t>Steps</a:t>
                       </a:r>
-                      <a:endParaRPr lang="en-US" sz="1600" b="0" dirty="0">
-                        <a:latin typeface="Arial"/>
-                        <a:cs typeface="Arial"/>
-                      </a:endParaRPr>
                     </a:p>
                   </a:txBody>
                   <a:tcPr>
@@ -40409,6 +40431,9 @@
                     <a:p>
                       <a:pPr algn="ctr"/>
                       <a:endParaRPr lang="en-US" sz="1600" b="0" dirty="0">
+                        <a:solidFill>
+                          <a:schemeClr val="tx1"/>
+                        </a:solidFill>
                         <a:latin typeface="Arial"/>
                         <a:cs typeface="Arial"/>
                       </a:endParaRPr>
@@ -40429,6 +40454,9 @@
                     <a:p>
                       <a:pPr algn="ctr"/>
                       <a:endParaRPr lang="en-US" sz="1600" b="0" dirty="0">
+                        <a:solidFill>
+                          <a:schemeClr val="tx1"/>
+                        </a:solidFill>
                         <a:latin typeface="Arial"/>
                         <a:cs typeface="Arial"/>
                       </a:endParaRPr>
@@ -40449,6 +40477,9 @@
                     <a:p>
                       <a:pPr algn="ctr"/>
                       <a:endParaRPr lang="en-US" sz="1600" b="0" dirty="0">
+                        <a:solidFill>
+                          <a:schemeClr val="tx1"/>
+                        </a:solidFill>
                         <a:latin typeface="Arial"/>
                         <a:cs typeface="Arial"/>
                       </a:endParaRPr>
@@ -40469,6 +40500,9 @@
                     <a:p>
                       <a:pPr algn="ctr"/>
                       <a:endParaRPr lang="en-US" sz="1600" b="0" dirty="0">
+                        <a:solidFill>
+                          <a:schemeClr val="tx1"/>
+                        </a:solidFill>
                         <a:latin typeface="Arial"/>
                         <a:cs typeface="Arial"/>
                       </a:endParaRPr>
@@ -40492,6 +40526,44 @@
           </a:graphicData>
         </a:graphic>
       </p:graphicFrame>
+      <p:sp>
+        <p:nvSpPr>
+          <p:cNvPr id="5" name="TextBox 4">
+            <a:extLst>
+              <a:ext uri="{FF2B5EF4-FFF2-40B4-BE49-F238E27FC236}">
+                <a16:creationId xmlns:a16="http://schemas.microsoft.com/office/drawing/2014/main" id="{86768D69-DFB0-E34C-8734-58876F0CB966}"/>
+              </a:ext>
+            </a:extLst>
+          </p:cNvPr>
+          <p:cNvSpPr txBox="1"/>
+          <p:nvPr/>
+        </p:nvSpPr>
+        <p:spPr>
+          <a:xfrm>
+            <a:off x="0" y="6553200"/>
+            <a:ext cx="9144000" cy="307777"/>
+          </a:xfrm>
+          <a:prstGeom prst="rect">
+            <a:avLst/>
+          </a:prstGeom>
+          <a:noFill/>
+        </p:spPr>
+        <p:txBody>
+          <a:bodyPr wrap="square" rtlCol="0">
+            <a:spAutoFit/>
+          </a:bodyPr>
+          <a:lstStyle/>
+          <a:p>
+            <a:pPr algn="ctr"/>
+            <a:r>
+              <a:rPr lang="en-US" sz="1400" dirty="0">
+                <a:latin typeface="+mn-lt"/>
+              </a:rPr>
+              <a:t>Input file name: ForwardSampling3.xml</a:t>
+            </a:r>
+          </a:p>
+        </p:txBody>
+      </p:sp>
     </p:spTree>
     <p:extLst>
       <p:ext uri="{BB962C8B-B14F-4D97-AF65-F5344CB8AC3E}">
@@ -40633,7 +40705,7 @@
           <a:p>
             <a:r>
               <a:rPr lang="en-US" b="0" dirty="0"/>
-              <a:t>Adding a New Sampler  (test4.xml)</a:t>
+              <a:t>Adding a New Sampler</a:t>
             </a:r>
           </a:p>
         </p:txBody>
@@ -40646,7 +40718,7 @@
         </p:nvSpPr>
         <p:spPr>
           <a:xfrm>
-            <a:off x="283275" y="2880743"/>
+            <a:off x="283275" y="2326554"/>
             <a:ext cx="8689594" cy="3893374"/>
           </a:xfrm>
           <a:prstGeom prst="rect">
@@ -41492,7 +41564,7 @@
           <p:nvPr>
             <p:extLst>
               <p:ext uri="{D42A27DB-BD31-4B8C-83A1-F6EECF244321}">
-                <p14:modId xmlns:p14="http://schemas.microsoft.com/office/powerpoint/2010/main" val="387013661"/>
+                <p14:modId xmlns:p14="http://schemas.microsoft.com/office/powerpoint/2010/main" val="1510342054"/>
               </p:ext>
             </p:extLst>
           </p:nvPr>
@@ -41561,7 +41633,7 @@
                       <a:r>
                         <a:rPr lang="en-US" sz="1600" b="0" dirty="0" err="1">
                           <a:solidFill>
-                            <a:srgbClr val="0000FF"/>
+                            <a:schemeClr val="tx1"/>
                           </a:solidFill>
                           <a:latin typeface="Arial"/>
                           <a:cs typeface="Arial"/>
@@ -41570,7 +41642,7 @@
                       </a:r>
                       <a:endParaRPr lang="en-US" sz="1600" b="0" dirty="0">
                         <a:solidFill>
-                          <a:srgbClr val="0000FF"/>
+                          <a:schemeClr val="tx1"/>
                         </a:solidFill>
                         <a:latin typeface="Arial"/>
                         <a:cs typeface="Arial"/>
@@ -41594,14 +41666,69 @@
                       <a:r>
                         <a:rPr lang="en-US" sz="1600" b="0" dirty="0">
                           <a:solidFill>
-                            <a:srgbClr val="0000FF"/>
+                            <a:schemeClr val="tx1"/>
                           </a:solidFill>
                           <a:latin typeface="Arial"/>
                           <a:cs typeface="Arial"/>
                         </a:rPr>
                         <a:t>Distributions</a:t>
                       </a:r>
+                    </a:p>
+                  </a:txBody>
+                  <a:tcPr>
+                    <a:solidFill>
+                      <a:schemeClr val="bg1">
+                        <a:lumMod val="85000"/>
+                      </a:schemeClr>
+                    </a:solidFill>
+                  </a:tcPr>
+                </a:tc>
+                <a:tc>
+                  <a:txBody>
+                    <a:bodyPr/>
+                    <a:lstStyle/>
+                    <a:p>
+                      <a:pPr algn="ctr"/>
+                      <a:r>
+                        <a:rPr lang="en-US" sz="1600" b="0" dirty="0">
+                          <a:solidFill>
+                            <a:schemeClr val="tx1"/>
+                          </a:solidFill>
+                          <a:latin typeface="Arial"/>
+                          <a:cs typeface="Arial"/>
+                        </a:rPr>
+                        <a:t>Samplers</a:t>
+                      </a:r>
+                    </a:p>
+                  </a:txBody>
+                  <a:tcPr>
+                    <a:solidFill>
+                      <a:schemeClr val="bg1">
+                        <a:lumMod val="65000"/>
+                      </a:schemeClr>
+                    </a:solidFill>
+                  </a:tcPr>
+                </a:tc>
+                <a:tc>
+                  <a:txBody>
+                    <a:bodyPr/>
+                    <a:lstStyle/>
+                    <a:p>
+                      <a:pPr algn="ctr"/>
+                      <a:r>
+                        <a:rPr lang="en-US" sz="1600" b="0" dirty="0" err="1">
+                          <a:solidFill>
+                            <a:schemeClr val="tx1"/>
+                          </a:solidFill>
+                          <a:latin typeface="Arial"/>
+                          <a:cs typeface="Arial"/>
+                        </a:rPr>
+                        <a:t>DataObjects</a:t>
+                      </a:r>
                       <a:endParaRPr lang="en-US" sz="1600" b="0" dirty="0">
+                        <a:solidFill>
+                          <a:schemeClr val="tx1"/>
+                        </a:solidFill>
                         <a:latin typeface="Arial"/>
                         <a:cs typeface="Arial"/>
                       </a:endParaRPr>
@@ -41624,47 +41751,13 @@
                       <a:r>
                         <a:rPr lang="en-US" sz="1600" b="0" dirty="0">
                           <a:solidFill>
-                            <a:srgbClr val="0000FF"/>
+                            <a:schemeClr val="tx1"/>
                           </a:solidFill>
                           <a:latin typeface="Arial"/>
                           <a:cs typeface="Arial"/>
                         </a:rPr>
-                        <a:t>Samplers</a:t>
+                        <a:t>Models</a:t>
                       </a:r>
-                      <a:endParaRPr lang="en-US" sz="1600" b="0" dirty="0">
-                        <a:latin typeface="Arial"/>
-                        <a:cs typeface="Arial"/>
-                      </a:endParaRPr>
-                    </a:p>
-                  </a:txBody>
-                  <a:tcPr>
-                    <a:solidFill>
-                      <a:schemeClr val="bg1">
-                        <a:lumMod val="65000"/>
-                      </a:schemeClr>
-                    </a:solidFill>
-                  </a:tcPr>
-                </a:tc>
-                <a:tc>
-                  <a:txBody>
-                    <a:bodyPr/>
-                    <a:lstStyle/>
-                    <a:p>
-                      <a:pPr algn="ctr"/>
-                      <a:r>
-                        <a:rPr lang="en-US" sz="1600" b="0" dirty="0" err="1">
-                          <a:solidFill>
-                            <a:srgbClr val="0000FF"/>
-                          </a:solidFill>
-                          <a:latin typeface="Arial"/>
-                          <a:cs typeface="Arial"/>
-                        </a:rPr>
-                        <a:t>DataObjects</a:t>
-                      </a:r>
-                      <a:endParaRPr lang="en-US" sz="1600" b="0" dirty="0">
-                        <a:latin typeface="Arial"/>
-                        <a:cs typeface="Arial"/>
-                      </a:endParaRPr>
                     </a:p>
                   </a:txBody>
                   <a:tcPr>
@@ -41684,47 +41777,13 @@
                       <a:r>
                         <a:rPr lang="en-US" sz="1600" b="0" dirty="0">
                           <a:solidFill>
-                            <a:srgbClr val="0000FF"/>
-                          </a:solidFill>
-                          <a:latin typeface="Arial"/>
-                          <a:cs typeface="Arial"/>
-                        </a:rPr>
-                        <a:t>Models</a:t>
-                      </a:r>
-                      <a:endParaRPr lang="en-US" sz="1600" b="0" dirty="0">
-                        <a:latin typeface="Arial"/>
-                        <a:cs typeface="Arial"/>
-                      </a:endParaRPr>
-                    </a:p>
-                  </a:txBody>
-                  <a:tcPr>
-                    <a:solidFill>
-                      <a:schemeClr val="bg1">
-                        <a:lumMod val="85000"/>
-                      </a:schemeClr>
-                    </a:solidFill>
-                  </a:tcPr>
-                </a:tc>
-                <a:tc>
-                  <a:txBody>
-                    <a:bodyPr/>
-                    <a:lstStyle/>
-                    <a:p>
-                      <a:pPr algn="ctr"/>
-                      <a:r>
-                        <a:rPr lang="en-US" sz="1600" b="0" dirty="0">
-                          <a:solidFill>
-                            <a:srgbClr val="0000FF"/>
+                            <a:schemeClr val="tx1"/>
                           </a:solidFill>
                           <a:latin typeface="Arial"/>
                           <a:cs typeface="Arial"/>
                         </a:rPr>
                         <a:t>Files</a:t>
                       </a:r>
-                      <a:endParaRPr lang="en-US" sz="1600" b="0" dirty="0">
-                        <a:latin typeface="Arial"/>
-                        <a:cs typeface="Arial"/>
-                      </a:endParaRPr>
                     </a:p>
                   </a:txBody>
                   <a:tcPr>
@@ -41751,7 +41810,7 @@
                       <a:r>
                         <a:rPr lang="en-US" sz="1600" b="0" dirty="0" err="1">
                           <a:solidFill>
-                            <a:srgbClr val="0000FF"/>
+                            <a:schemeClr val="tx1"/>
                           </a:solidFill>
                           <a:latin typeface="Arial"/>
                           <a:cs typeface="Arial"/>
@@ -41759,6 +41818,9 @@
                         <a:t>OutStreams</a:t>
                       </a:r>
                       <a:endParaRPr lang="en-US" sz="1600" b="0" dirty="0">
+                        <a:solidFill>
+                          <a:schemeClr val="tx1"/>
+                        </a:solidFill>
                         <a:latin typeface="Arial"/>
                         <a:cs typeface="Arial"/>
                       </a:endParaRPr>
@@ -41781,14 +41843,33 @@
                       <a:r>
                         <a:rPr lang="en-US" sz="1600" b="0" dirty="0">
                           <a:solidFill>
-                            <a:srgbClr val="0000FF"/>
+                            <a:schemeClr val="tx1"/>
                           </a:solidFill>
                           <a:latin typeface="Arial"/>
                           <a:cs typeface="Arial"/>
                         </a:rPr>
                         <a:t>Steps</a:t>
                       </a:r>
+                    </a:p>
+                  </a:txBody>
+                  <a:tcPr>
+                    <a:solidFill>
+                      <a:schemeClr val="bg1">
+                        <a:lumMod val="85000"/>
+                      </a:schemeClr>
+                    </a:solidFill>
+                  </a:tcPr>
+                </a:tc>
+                <a:tc>
+                  <a:txBody>
+                    <a:bodyPr/>
+                    <a:lstStyle/>
+                    <a:p>
+                      <a:pPr algn="ctr"/>
                       <a:endParaRPr lang="en-US" sz="1600" b="0" dirty="0">
+                        <a:solidFill>
+                          <a:schemeClr val="tx1"/>
+                        </a:solidFill>
                         <a:latin typeface="Arial"/>
                         <a:cs typeface="Arial"/>
                       </a:endParaRPr>
@@ -41809,6 +41890,9 @@
                     <a:p>
                       <a:pPr algn="ctr"/>
                       <a:endParaRPr lang="en-US" sz="1600" b="0" dirty="0">
+                        <a:solidFill>
+                          <a:schemeClr val="tx1"/>
+                        </a:solidFill>
                         <a:latin typeface="Arial"/>
                         <a:cs typeface="Arial"/>
                       </a:endParaRPr>
@@ -41829,6 +41913,9 @@
                     <a:p>
                       <a:pPr algn="ctr"/>
                       <a:endParaRPr lang="en-US" sz="1600" b="0" dirty="0">
+                        <a:solidFill>
+                          <a:schemeClr val="tx1"/>
+                        </a:solidFill>
                         <a:latin typeface="Arial"/>
                         <a:cs typeface="Arial"/>
                       </a:endParaRPr>
@@ -41849,26 +41936,9 @@
                     <a:p>
                       <a:pPr algn="ctr"/>
                       <a:endParaRPr lang="en-US" sz="1600" b="0" dirty="0">
-                        <a:latin typeface="Arial"/>
-                        <a:cs typeface="Arial"/>
-                      </a:endParaRPr>
-                    </a:p>
-                  </a:txBody>
-                  <a:tcPr>
-                    <a:solidFill>
-                      <a:schemeClr val="bg1">
-                        <a:lumMod val="85000"/>
-                      </a:schemeClr>
-                    </a:solidFill>
-                  </a:tcPr>
-                </a:tc>
-                <a:tc>
-                  <a:txBody>
-                    <a:bodyPr/>
-                    <a:lstStyle/>
-                    <a:p>
-                      <a:pPr algn="ctr"/>
-                      <a:endParaRPr lang="en-US" sz="1600" b="0" dirty="0">
+                        <a:solidFill>
+                          <a:schemeClr val="tx1"/>
+                        </a:solidFill>
                         <a:latin typeface="Arial"/>
                         <a:cs typeface="Arial"/>
                       </a:endParaRPr>
@@ -41892,6 +41962,44 @@
           </a:graphicData>
         </a:graphic>
       </p:graphicFrame>
+      <p:sp>
+        <p:nvSpPr>
+          <p:cNvPr id="5" name="TextBox 4">
+            <a:extLst>
+              <a:ext uri="{FF2B5EF4-FFF2-40B4-BE49-F238E27FC236}">
+                <a16:creationId xmlns:a16="http://schemas.microsoft.com/office/drawing/2014/main" id="{0B5A4848-F7D8-5341-A20C-05EADA895270}"/>
+              </a:ext>
+            </a:extLst>
+          </p:cNvPr>
+          <p:cNvSpPr txBox="1"/>
+          <p:nvPr/>
+        </p:nvSpPr>
+        <p:spPr>
+          <a:xfrm>
+            <a:off x="0" y="6553200"/>
+            <a:ext cx="9144000" cy="307777"/>
+          </a:xfrm>
+          <a:prstGeom prst="rect">
+            <a:avLst/>
+          </a:prstGeom>
+          <a:noFill/>
+        </p:spPr>
+        <p:txBody>
+          <a:bodyPr wrap="square" rtlCol="0">
+            <a:spAutoFit/>
+          </a:bodyPr>
+          <a:lstStyle/>
+          <a:p>
+            <a:pPr algn="ctr"/>
+            <a:r>
+              <a:rPr lang="en-US" sz="1400" dirty="0">
+                <a:latin typeface="+mn-lt"/>
+              </a:rPr>
+              <a:t>Input file name: ForwardSampling4.xml</a:t>
+            </a:r>
+          </a:p>
+        </p:txBody>
+      </p:sp>
     </p:spTree>
     <p:extLst>
       <p:ext uri="{BB962C8B-B14F-4D97-AF65-F5344CB8AC3E}">
@@ -41956,7 +42064,7 @@
           <a:p>
             <a:r>
               <a:rPr lang="en-US" b="0" dirty="0"/>
-              <a:t>Changing the Used Sampler  (test4.xml)</a:t>
+              <a:t>Changing the Used Sampler</a:t>
             </a:r>
           </a:p>
         </p:txBody>
@@ -43218,7 +43326,7 @@
           <p:nvPr>
             <p:extLst>
               <p:ext uri="{D42A27DB-BD31-4B8C-83A1-F6EECF244321}">
-                <p14:modId xmlns:p14="http://schemas.microsoft.com/office/powerpoint/2010/main" val="3133236201"/>
+                <p14:modId xmlns:p14="http://schemas.microsoft.com/office/powerpoint/2010/main" val="3247798708"/>
               </p:ext>
             </p:extLst>
           </p:nvPr>
@@ -43287,7 +43395,7 @@
                       <a:r>
                         <a:rPr lang="en-US" sz="1600" b="0" dirty="0" err="1">
                           <a:solidFill>
-                            <a:srgbClr val="0000FF"/>
+                            <a:schemeClr val="tx1"/>
                           </a:solidFill>
                           <a:latin typeface="Arial"/>
                           <a:cs typeface="Arial"/>
@@ -43296,7 +43404,7 @@
                       </a:r>
                       <a:endParaRPr lang="en-US" sz="1600" b="0" dirty="0">
                         <a:solidFill>
-                          <a:srgbClr val="0000FF"/>
+                          <a:schemeClr val="tx1"/>
                         </a:solidFill>
                         <a:latin typeface="Arial"/>
                         <a:cs typeface="Arial"/>
@@ -43320,14 +43428,69 @@
                       <a:r>
                         <a:rPr lang="en-US" sz="1600" b="0" dirty="0">
                           <a:solidFill>
-                            <a:srgbClr val="0000FF"/>
+                            <a:schemeClr val="tx1"/>
                           </a:solidFill>
                           <a:latin typeface="Arial"/>
                           <a:cs typeface="Arial"/>
                         </a:rPr>
                         <a:t>Distributions</a:t>
                       </a:r>
+                    </a:p>
+                  </a:txBody>
+                  <a:tcPr>
+                    <a:solidFill>
+                      <a:schemeClr val="bg1">
+                        <a:lumMod val="85000"/>
+                      </a:schemeClr>
+                    </a:solidFill>
+                  </a:tcPr>
+                </a:tc>
+                <a:tc>
+                  <a:txBody>
+                    <a:bodyPr/>
+                    <a:lstStyle/>
+                    <a:p>
+                      <a:pPr algn="ctr"/>
+                      <a:r>
+                        <a:rPr lang="en-US" sz="1600" b="0" dirty="0">
+                          <a:solidFill>
+                            <a:schemeClr val="tx1"/>
+                          </a:solidFill>
+                          <a:latin typeface="Arial"/>
+                          <a:cs typeface="Arial"/>
+                        </a:rPr>
+                        <a:t>Samplers</a:t>
+                      </a:r>
+                    </a:p>
+                  </a:txBody>
+                  <a:tcPr>
+                    <a:solidFill>
+                      <a:schemeClr val="bg1">
+                        <a:lumMod val="85000"/>
+                      </a:schemeClr>
+                    </a:solidFill>
+                  </a:tcPr>
+                </a:tc>
+                <a:tc>
+                  <a:txBody>
+                    <a:bodyPr/>
+                    <a:lstStyle/>
+                    <a:p>
+                      <a:pPr algn="ctr"/>
+                      <a:r>
+                        <a:rPr lang="en-US" sz="1600" b="0" dirty="0" err="1">
+                          <a:solidFill>
+                            <a:schemeClr val="tx1"/>
+                          </a:solidFill>
+                          <a:latin typeface="Arial"/>
+                          <a:cs typeface="Arial"/>
+                        </a:rPr>
+                        <a:t>DataObjects</a:t>
+                      </a:r>
                       <a:endParaRPr lang="en-US" sz="1600" b="0" dirty="0">
+                        <a:solidFill>
+                          <a:schemeClr val="tx1"/>
+                        </a:solidFill>
                         <a:latin typeface="Arial"/>
                         <a:cs typeface="Arial"/>
                       </a:endParaRPr>
@@ -43350,47 +43513,13 @@
                       <a:r>
                         <a:rPr lang="en-US" sz="1600" b="0" dirty="0">
                           <a:solidFill>
-                            <a:srgbClr val="0000FF"/>
+                            <a:schemeClr val="tx1"/>
                           </a:solidFill>
                           <a:latin typeface="Arial"/>
                           <a:cs typeface="Arial"/>
                         </a:rPr>
-                        <a:t>Samplers</a:t>
+                        <a:t>Models</a:t>
                       </a:r>
-                      <a:endParaRPr lang="en-US" sz="1600" b="0" dirty="0">
-                        <a:latin typeface="Arial"/>
-                        <a:cs typeface="Arial"/>
-                      </a:endParaRPr>
-                    </a:p>
-                  </a:txBody>
-                  <a:tcPr>
-                    <a:solidFill>
-                      <a:schemeClr val="bg1">
-                        <a:lumMod val="85000"/>
-                      </a:schemeClr>
-                    </a:solidFill>
-                  </a:tcPr>
-                </a:tc>
-                <a:tc>
-                  <a:txBody>
-                    <a:bodyPr/>
-                    <a:lstStyle/>
-                    <a:p>
-                      <a:pPr algn="ctr"/>
-                      <a:r>
-                        <a:rPr lang="en-US" sz="1600" b="0" dirty="0" err="1">
-                          <a:solidFill>
-                            <a:srgbClr val="0000FF"/>
-                          </a:solidFill>
-                          <a:latin typeface="Arial"/>
-                          <a:cs typeface="Arial"/>
-                        </a:rPr>
-                        <a:t>DataObjects</a:t>
-                      </a:r>
-                      <a:endParaRPr lang="en-US" sz="1600" b="0" dirty="0">
-                        <a:latin typeface="Arial"/>
-                        <a:cs typeface="Arial"/>
-                      </a:endParaRPr>
                     </a:p>
                   </a:txBody>
                   <a:tcPr>
@@ -43410,47 +43539,13 @@
                       <a:r>
                         <a:rPr lang="en-US" sz="1600" b="0" dirty="0">
                           <a:solidFill>
-                            <a:srgbClr val="0000FF"/>
-                          </a:solidFill>
-                          <a:latin typeface="Arial"/>
-                          <a:cs typeface="Arial"/>
-                        </a:rPr>
-                        <a:t>Models</a:t>
-                      </a:r>
-                      <a:endParaRPr lang="en-US" sz="1600" b="0" dirty="0">
-                        <a:latin typeface="Arial"/>
-                        <a:cs typeface="Arial"/>
-                      </a:endParaRPr>
-                    </a:p>
-                  </a:txBody>
-                  <a:tcPr>
-                    <a:solidFill>
-                      <a:schemeClr val="bg1">
-                        <a:lumMod val="85000"/>
-                      </a:schemeClr>
-                    </a:solidFill>
-                  </a:tcPr>
-                </a:tc>
-                <a:tc>
-                  <a:txBody>
-                    <a:bodyPr/>
-                    <a:lstStyle/>
-                    <a:p>
-                      <a:pPr algn="ctr"/>
-                      <a:r>
-                        <a:rPr lang="en-US" sz="1600" b="0" dirty="0">
-                          <a:solidFill>
-                            <a:srgbClr val="0000FF"/>
+                            <a:schemeClr val="tx1"/>
                           </a:solidFill>
                           <a:latin typeface="Arial"/>
                           <a:cs typeface="Arial"/>
                         </a:rPr>
                         <a:t>Files</a:t>
                       </a:r>
-                      <a:endParaRPr lang="en-US" sz="1600" b="0" dirty="0">
-                        <a:latin typeface="Arial"/>
-                        <a:cs typeface="Arial"/>
-                      </a:endParaRPr>
                     </a:p>
                   </a:txBody>
                   <a:tcPr>
@@ -43477,7 +43572,7 @@
                       <a:r>
                         <a:rPr lang="en-US" sz="1600" b="0" dirty="0" err="1">
                           <a:solidFill>
-                            <a:srgbClr val="0000FF"/>
+                            <a:schemeClr val="tx1"/>
                           </a:solidFill>
                           <a:latin typeface="Arial"/>
                           <a:cs typeface="Arial"/>
@@ -43485,6 +43580,9 @@
                         <a:t>OutStreams</a:t>
                       </a:r>
                       <a:endParaRPr lang="en-US" sz="1600" b="0" dirty="0">
+                        <a:solidFill>
+                          <a:schemeClr val="tx1"/>
+                        </a:solidFill>
                         <a:latin typeface="Arial"/>
                         <a:cs typeface="Arial"/>
                       </a:endParaRPr>
@@ -43507,17 +43605,13 @@
                       <a:r>
                         <a:rPr lang="en-US" sz="1600" b="0" dirty="0">
                           <a:solidFill>
-                            <a:srgbClr val="0000FF"/>
+                            <a:schemeClr val="tx1"/>
                           </a:solidFill>
                           <a:latin typeface="Arial"/>
                           <a:cs typeface="Arial"/>
                         </a:rPr>
                         <a:t>Steps</a:t>
                       </a:r>
-                      <a:endParaRPr lang="en-US" sz="1600" b="0" dirty="0">
-                        <a:latin typeface="Arial"/>
-                        <a:cs typeface="Arial"/>
-                      </a:endParaRPr>
                     </a:p>
                   </a:txBody>
                   <a:tcPr>
@@ -43535,6 +43629,9 @@
                     <a:p>
                       <a:pPr algn="ctr"/>
                       <a:endParaRPr lang="en-US" sz="1600" b="0" dirty="0">
+                        <a:solidFill>
+                          <a:schemeClr val="tx1"/>
+                        </a:solidFill>
                         <a:latin typeface="Arial"/>
                         <a:cs typeface="Arial"/>
                       </a:endParaRPr>
@@ -43555,6 +43652,9 @@
                     <a:p>
                       <a:pPr algn="ctr"/>
                       <a:endParaRPr lang="en-US" sz="1600" b="0" dirty="0">
+                        <a:solidFill>
+                          <a:schemeClr val="tx1"/>
+                        </a:solidFill>
                         <a:latin typeface="Arial"/>
                         <a:cs typeface="Arial"/>
                       </a:endParaRPr>
@@ -43575,6 +43675,9 @@
                     <a:p>
                       <a:pPr algn="ctr"/>
                       <a:endParaRPr lang="en-US" sz="1600" b="0" dirty="0">
+                        <a:solidFill>
+                          <a:schemeClr val="tx1"/>
+                        </a:solidFill>
                         <a:latin typeface="Arial"/>
                         <a:cs typeface="Arial"/>
                       </a:endParaRPr>
@@ -43595,6 +43698,9 @@
                     <a:p>
                       <a:pPr algn="ctr"/>
                       <a:endParaRPr lang="en-US" sz="1600" b="0" dirty="0">
+                        <a:solidFill>
+                          <a:schemeClr val="tx1"/>
+                        </a:solidFill>
                         <a:latin typeface="Arial"/>
                         <a:cs typeface="Arial"/>
                       </a:endParaRPr>
@@ -43618,6 +43724,44 @@
           </a:graphicData>
         </a:graphic>
       </p:graphicFrame>
+      <p:sp>
+        <p:nvSpPr>
+          <p:cNvPr id="5" name="TextBox 4">
+            <a:extLst>
+              <a:ext uri="{FF2B5EF4-FFF2-40B4-BE49-F238E27FC236}">
+                <a16:creationId xmlns:a16="http://schemas.microsoft.com/office/drawing/2014/main" id="{C110BFF8-87AE-5A43-8253-508BC6D91E57}"/>
+              </a:ext>
+            </a:extLst>
+          </p:cNvPr>
+          <p:cNvSpPr txBox="1"/>
+          <p:nvPr/>
+        </p:nvSpPr>
+        <p:spPr>
+          <a:xfrm>
+            <a:off x="0" y="6553200"/>
+            <a:ext cx="9144000" cy="307777"/>
+          </a:xfrm>
+          <a:prstGeom prst="rect">
+            <a:avLst/>
+          </a:prstGeom>
+          <a:noFill/>
+        </p:spPr>
+        <p:txBody>
+          <a:bodyPr wrap="square" rtlCol="0">
+            <a:spAutoFit/>
+          </a:bodyPr>
+          <a:lstStyle/>
+          <a:p>
+            <a:pPr algn="ctr"/>
+            <a:r>
+              <a:rPr lang="en-US" sz="1400" dirty="0">
+                <a:latin typeface="+mn-lt"/>
+              </a:rPr>
+              <a:t>Input file name: ForwardSampling4.xml</a:t>
+            </a:r>
+          </a:p>
+        </p:txBody>
+      </p:sp>
     </p:spTree>
     <p:extLst>
       <p:ext uri="{BB962C8B-B14F-4D97-AF65-F5344CB8AC3E}">
@@ -43716,13 +43860,7 @@
           <a:p>
             <a:r>
               <a:rPr lang="en-US" dirty="0"/>
-              <a:t>Learn the concept of RAVEN “Step”</a:t>
-            </a:r>
-          </a:p>
-          <a:p>
-            <a:r>
-              <a:rPr lang="en-US" dirty="0"/>
-              <a:t>Learn how RAVEN Steps and Entities are assembled in the input file</a:t>
+              <a:t>Learn how RAVEN Steps and Entities are assembled in the input file for statistical analysis</a:t>
             </a:r>
           </a:p>
           <a:p>
@@ -43754,33 +43892,6 @@
           </a:p>
           <a:p>
             <a:endParaRPr lang="en-US" dirty="0"/>
-          </a:p>
-          <a:p>
-            <a:r>
-              <a:rPr lang="en-US" dirty="0"/>
-              <a:t>Additional info</a:t>
-            </a:r>
-          </a:p>
-          <a:p>
-            <a:pPr lvl="1"/>
-            <a:r>
-              <a:rPr lang="en-US" dirty="0"/>
-              <a:t>RAVEN user manual (user guide)</a:t>
-            </a:r>
-          </a:p>
-          <a:p>
-            <a:pPr lvl="1"/>
-            <a:r>
-              <a:rPr lang="en-US" dirty="0"/>
-              <a:t>Input files shown in this workshop</a:t>
-            </a:r>
-          </a:p>
-          <a:p>
-            <a:pPr lvl="1"/>
-            <a:r>
-              <a:rPr lang="en-US" dirty="0"/>
-              <a:t>RAVEN regression tests</a:t>
-            </a:r>
           </a:p>
           <a:p>
             <a:endParaRPr lang="en-US" dirty="0"/>
@@ -44826,7 +44937,7 @@
           <p:nvPr>
             <p:extLst>
               <p:ext uri="{D42A27DB-BD31-4B8C-83A1-F6EECF244321}">
-                <p14:modId xmlns:p14="http://schemas.microsoft.com/office/powerpoint/2010/main" val="1788724961"/>
+                <p14:modId xmlns:p14="http://schemas.microsoft.com/office/powerpoint/2010/main" val="2296677091"/>
               </p:ext>
             </p:extLst>
           </p:nvPr>
@@ -44895,7 +45006,7 @@
                       <a:r>
                         <a:rPr lang="en-US" sz="1600" b="0" dirty="0" err="1">
                           <a:solidFill>
-                            <a:srgbClr val="0000FF"/>
+                            <a:schemeClr val="tx1"/>
                           </a:solidFill>
                           <a:latin typeface="Arial"/>
                           <a:cs typeface="Arial"/>
@@ -44904,7 +45015,7 @@
                       </a:r>
                       <a:endParaRPr lang="en-US" sz="1600" b="0" dirty="0">
                         <a:solidFill>
-                          <a:srgbClr val="0000FF"/>
+                          <a:schemeClr val="tx1"/>
                         </a:solidFill>
                         <a:latin typeface="Arial"/>
                         <a:cs typeface="Arial"/>
@@ -44928,14 +45039,69 @@
                       <a:r>
                         <a:rPr lang="en-US" sz="1600" b="0" dirty="0">
                           <a:solidFill>
-                            <a:srgbClr val="0000FF"/>
+                            <a:schemeClr val="tx1"/>
                           </a:solidFill>
                           <a:latin typeface="Arial"/>
                           <a:cs typeface="Arial"/>
                         </a:rPr>
                         <a:t>Distributions</a:t>
                       </a:r>
+                    </a:p>
+                  </a:txBody>
+                  <a:tcPr>
+                    <a:solidFill>
+                      <a:schemeClr val="bg1">
+                        <a:lumMod val="85000"/>
+                      </a:schemeClr>
+                    </a:solidFill>
+                  </a:tcPr>
+                </a:tc>
+                <a:tc>
+                  <a:txBody>
+                    <a:bodyPr/>
+                    <a:lstStyle/>
+                    <a:p>
+                      <a:pPr algn="ctr"/>
+                      <a:r>
+                        <a:rPr lang="en-US" sz="1600" b="0" dirty="0">
+                          <a:solidFill>
+                            <a:schemeClr val="tx1"/>
+                          </a:solidFill>
+                          <a:latin typeface="Arial"/>
+                          <a:cs typeface="Arial"/>
+                        </a:rPr>
+                        <a:t>Samplers</a:t>
+                      </a:r>
+                    </a:p>
+                  </a:txBody>
+                  <a:tcPr>
+                    <a:solidFill>
+                      <a:schemeClr val="bg1">
+                        <a:lumMod val="85000"/>
+                      </a:schemeClr>
+                    </a:solidFill>
+                  </a:tcPr>
+                </a:tc>
+                <a:tc>
+                  <a:txBody>
+                    <a:bodyPr/>
+                    <a:lstStyle/>
+                    <a:p>
+                      <a:pPr algn="ctr"/>
+                      <a:r>
+                        <a:rPr lang="en-US" sz="1600" b="0" dirty="0" err="1">
+                          <a:solidFill>
+                            <a:schemeClr val="tx1"/>
+                          </a:solidFill>
+                          <a:latin typeface="Arial"/>
+                          <a:cs typeface="Arial"/>
+                        </a:rPr>
+                        <a:t>DataObjects</a:t>
+                      </a:r>
                       <a:endParaRPr lang="en-US" sz="1600" b="0" dirty="0">
+                        <a:solidFill>
+                          <a:schemeClr val="tx1"/>
+                        </a:solidFill>
                         <a:latin typeface="Arial"/>
                         <a:cs typeface="Arial"/>
                       </a:endParaRPr>
@@ -44958,47 +45124,13 @@
                       <a:r>
                         <a:rPr lang="en-US" sz="1600" b="0" dirty="0">
                           <a:solidFill>
-                            <a:srgbClr val="0000FF"/>
+                            <a:schemeClr val="tx1"/>
                           </a:solidFill>
                           <a:latin typeface="Arial"/>
                           <a:cs typeface="Arial"/>
                         </a:rPr>
-                        <a:t>Samplers</a:t>
+                        <a:t>Models</a:t>
                       </a:r>
-                      <a:endParaRPr lang="en-US" sz="1600" b="0" dirty="0">
-                        <a:latin typeface="Arial"/>
-                        <a:cs typeface="Arial"/>
-                      </a:endParaRPr>
-                    </a:p>
-                  </a:txBody>
-                  <a:tcPr>
-                    <a:solidFill>
-                      <a:schemeClr val="bg1">
-                        <a:lumMod val="85000"/>
-                      </a:schemeClr>
-                    </a:solidFill>
-                  </a:tcPr>
-                </a:tc>
-                <a:tc>
-                  <a:txBody>
-                    <a:bodyPr/>
-                    <a:lstStyle/>
-                    <a:p>
-                      <a:pPr algn="ctr"/>
-                      <a:r>
-                        <a:rPr lang="en-US" sz="1600" b="0" dirty="0" err="1">
-                          <a:solidFill>
-                            <a:srgbClr val="0000FF"/>
-                          </a:solidFill>
-                          <a:latin typeface="Arial"/>
-                          <a:cs typeface="Arial"/>
-                        </a:rPr>
-                        <a:t>DataObjects</a:t>
-                      </a:r>
-                      <a:endParaRPr lang="en-US" sz="1600" b="0" dirty="0">
-                        <a:latin typeface="Arial"/>
-                        <a:cs typeface="Arial"/>
-                      </a:endParaRPr>
                     </a:p>
                   </a:txBody>
                   <a:tcPr>
@@ -45018,47 +45150,13 @@
                       <a:r>
                         <a:rPr lang="en-US" sz="1600" b="0" dirty="0">
                           <a:solidFill>
-                            <a:srgbClr val="0000FF"/>
-                          </a:solidFill>
-                          <a:latin typeface="Arial"/>
-                          <a:cs typeface="Arial"/>
-                        </a:rPr>
-                        <a:t>Models</a:t>
-                      </a:r>
-                      <a:endParaRPr lang="en-US" sz="1600" b="0" dirty="0">
-                        <a:latin typeface="Arial"/>
-                        <a:cs typeface="Arial"/>
-                      </a:endParaRPr>
-                    </a:p>
-                  </a:txBody>
-                  <a:tcPr>
-                    <a:solidFill>
-                      <a:schemeClr val="bg1">
-                        <a:lumMod val="85000"/>
-                      </a:schemeClr>
-                    </a:solidFill>
-                  </a:tcPr>
-                </a:tc>
-                <a:tc>
-                  <a:txBody>
-                    <a:bodyPr/>
-                    <a:lstStyle/>
-                    <a:p>
-                      <a:pPr algn="ctr"/>
-                      <a:r>
-                        <a:rPr lang="en-US" sz="1600" b="0" dirty="0">
-                          <a:solidFill>
-                            <a:srgbClr val="0000FF"/>
+                            <a:schemeClr val="tx1"/>
                           </a:solidFill>
                           <a:latin typeface="Arial"/>
                           <a:cs typeface="Arial"/>
                         </a:rPr>
                         <a:t>Files</a:t>
                       </a:r>
-                      <a:endParaRPr lang="en-US" sz="1600" b="0" dirty="0">
-                        <a:latin typeface="Arial"/>
-                        <a:cs typeface="Arial"/>
-                      </a:endParaRPr>
                     </a:p>
                   </a:txBody>
                   <a:tcPr>
@@ -45085,7 +45183,7 @@
                       <a:r>
                         <a:rPr lang="en-US" sz="1600" b="0" dirty="0" err="1">
                           <a:solidFill>
-                            <a:srgbClr val="0000FF"/>
+                            <a:schemeClr val="tx1"/>
                           </a:solidFill>
                           <a:latin typeface="Arial"/>
                           <a:cs typeface="Arial"/>
@@ -45093,6 +45191,9 @@
                         <a:t>OutStreams</a:t>
                       </a:r>
                       <a:endParaRPr lang="en-US" sz="1600" b="0" dirty="0">
+                        <a:solidFill>
+                          <a:schemeClr val="tx1"/>
+                        </a:solidFill>
                         <a:latin typeface="Arial"/>
                         <a:cs typeface="Arial"/>
                       </a:endParaRPr>
@@ -45115,14 +45216,33 @@
                       <a:r>
                         <a:rPr lang="en-US" sz="1600" b="0" dirty="0">
                           <a:solidFill>
-                            <a:srgbClr val="0000FF"/>
+                            <a:schemeClr val="tx1"/>
                           </a:solidFill>
                           <a:latin typeface="Arial"/>
                           <a:cs typeface="Arial"/>
                         </a:rPr>
                         <a:t>Steps</a:t>
                       </a:r>
+                    </a:p>
+                  </a:txBody>
+                  <a:tcPr>
+                    <a:solidFill>
+                      <a:schemeClr val="bg1">
+                        <a:lumMod val="85000"/>
+                      </a:schemeClr>
+                    </a:solidFill>
+                  </a:tcPr>
+                </a:tc>
+                <a:tc>
+                  <a:txBody>
+                    <a:bodyPr/>
+                    <a:lstStyle/>
+                    <a:p>
+                      <a:pPr algn="ctr"/>
                       <a:endParaRPr lang="en-US" sz="1600" b="0" dirty="0">
+                        <a:solidFill>
+                          <a:schemeClr val="tx1"/>
+                        </a:solidFill>
                         <a:latin typeface="Arial"/>
                         <a:cs typeface="Arial"/>
                       </a:endParaRPr>
@@ -45143,6 +45263,9 @@
                     <a:p>
                       <a:pPr algn="ctr"/>
                       <a:endParaRPr lang="en-US" sz="1600" b="0" dirty="0">
+                        <a:solidFill>
+                          <a:schemeClr val="tx1"/>
+                        </a:solidFill>
                         <a:latin typeface="Arial"/>
                         <a:cs typeface="Arial"/>
                       </a:endParaRPr>
@@ -45163,6 +45286,9 @@
                     <a:p>
                       <a:pPr algn="ctr"/>
                       <a:endParaRPr lang="en-US" sz="1600" b="0" dirty="0">
+                        <a:solidFill>
+                          <a:schemeClr val="tx1"/>
+                        </a:solidFill>
                         <a:latin typeface="Arial"/>
                         <a:cs typeface="Arial"/>
                       </a:endParaRPr>
@@ -45183,26 +45309,9 @@
                     <a:p>
                       <a:pPr algn="ctr"/>
                       <a:endParaRPr lang="en-US" sz="1600" b="0" dirty="0">
-                        <a:latin typeface="Arial"/>
-                        <a:cs typeface="Arial"/>
-                      </a:endParaRPr>
-                    </a:p>
-                  </a:txBody>
-                  <a:tcPr>
-                    <a:solidFill>
-                      <a:schemeClr val="bg1">
-                        <a:lumMod val="85000"/>
-                      </a:schemeClr>
-                    </a:solidFill>
-                  </a:tcPr>
-                </a:tc>
-                <a:tc>
-                  <a:txBody>
-                    <a:bodyPr/>
-                    <a:lstStyle/>
-                    <a:p>
-                      <a:pPr algn="ctr"/>
-                      <a:endParaRPr lang="en-US" sz="1600" b="0" dirty="0">
+                        <a:solidFill>
+                          <a:schemeClr val="tx1"/>
+                        </a:solidFill>
                         <a:latin typeface="Arial"/>
                         <a:cs typeface="Arial"/>
                       </a:endParaRPr>
@@ -45226,6 +45335,44 @@
           </a:graphicData>
         </a:graphic>
       </p:graphicFrame>
+      <p:sp>
+        <p:nvSpPr>
+          <p:cNvPr id="5" name="TextBox 4">
+            <a:extLst>
+              <a:ext uri="{FF2B5EF4-FFF2-40B4-BE49-F238E27FC236}">
+                <a16:creationId xmlns:a16="http://schemas.microsoft.com/office/drawing/2014/main" id="{27A9A636-B165-2D43-BB33-763EDC56F6FD}"/>
+              </a:ext>
+            </a:extLst>
+          </p:cNvPr>
+          <p:cNvSpPr txBox="1"/>
+          <p:nvPr/>
+        </p:nvSpPr>
+        <p:spPr>
+          <a:xfrm>
+            <a:off x="0" y="6553200"/>
+            <a:ext cx="9144000" cy="307777"/>
+          </a:xfrm>
+          <a:prstGeom prst="rect">
+            <a:avLst/>
+          </a:prstGeom>
+          <a:noFill/>
+        </p:spPr>
+        <p:txBody>
+          <a:bodyPr wrap="square" rtlCol="0">
+            <a:spAutoFit/>
+          </a:bodyPr>
+          <a:lstStyle/>
+          <a:p>
+            <a:pPr algn="ctr"/>
+            <a:r>
+              <a:rPr lang="en-US" sz="1400" dirty="0">
+                <a:latin typeface="+mn-lt"/>
+              </a:rPr>
+              <a:t>Input file name: ForwardSampling5.xml</a:t>
+            </a:r>
+          </a:p>
+        </p:txBody>
+      </p:sp>
     </p:spTree>
     <p:extLst>
       <p:ext uri="{BB962C8B-B14F-4D97-AF65-F5344CB8AC3E}">
@@ -45290,7 +45437,7 @@
           <a:p>
             <a:r>
               <a:rPr lang="en-US" b="0" dirty="0"/>
-              <a:t>Adding a post processor action (test5.xml)</a:t>
+              <a:t>Adding a post processor action</a:t>
             </a:r>
           </a:p>
         </p:txBody>
@@ -45607,7 +45754,7 @@
           <p:nvPr>
             <p:extLst>
               <p:ext uri="{D42A27DB-BD31-4B8C-83A1-F6EECF244321}">
-                <p14:modId xmlns:p14="http://schemas.microsoft.com/office/powerpoint/2010/main" val="1752728706"/>
+                <p14:modId xmlns:p14="http://schemas.microsoft.com/office/powerpoint/2010/main" val="1342216127"/>
               </p:ext>
             </p:extLst>
           </p:nvPr>
@@ -45676,7 +45823,7 @@
                       <a:r>
                         <a:rPr lang="en-US" sz="1600" b="0" dirty="0" err="1">
                           <a:solidFill>
-                            <a:srgbClr val="0000FF"/>
+                            <a:schemeClr val="tx1"/>
                           </a:solidFill>
                           <a:latin typeface="Arial"/>
                           <a:cs typeface="Arial"/>
@@ -45685,7 +45832,7 @@
                       </a:r>
                       <a:endParaRPr lang="en-US" sz="1600" b="0" dirty="0">
                         <a:solidFill>
-                          <a:srgbClr val="0000FF"/>
+                          <a:schemeClr val="tx1"/>
                         </a:solidFill>
                         <a:latin typeface="Arial"/>
                         <a:cs typeface="Arial"/>
@@ -45709,14 +45856,69 @@
                       <a:r>
                         <a:rPr lang="en-US" sz="1600" b="0" dirty="0">
                           <a:solidFill>
-                            <a:srgbClr val="0000FF"/>
+                            <a:schemeClr val="tx1"/>
                           </a:solidFill>
                           <a:latin typeface="Arial"/>
                           <a:cs typeface="Arial"/>
                         </a:rPr>
                         <a:t>Distributions</a:t>
                       </a:r>
+                    </a:p>
+                  </a:txBody>
+                  <a:tcPr>
+                    <a:solidFill>
+                      <a:schemeClr val="bg1">
+                        <a:lumMod val="85000"/>
+                      </a:schemeClr>
+                    </a:solidFill>
+                  </a:tcPr>
+                </a:tc>
+                <a:tc>
+                  <a:txBody>
+                    <a:bodyPr/>
+                    <a:lstStyle/>
+                    <a:p>
+                      <a:pPr algn="ctr"/>
+                      <a:r>
+                        <a:rPr lang="en-US" sz="1600" b="0" dirty="0">
+                          <a:solidFill>
+                            <a:schemeClr val="tx1"/>
+                          </a:solidFill>
+                          <a:latin typeface="Arial"/>
+                          <a:cs typeface="Arial"/>
+                        </a:rPr>
+                        <a:t>Samplers</a:t>
+                      </a:r>
+                    </a:p>
+                  </a:txBody>
+                  <a:tcPr>
+                    <a:solidFill>
+                      <a:schemeClr val="bg1">
+                        <a:lumMod val="85000"/>
+                      </a:schemeClr>
+                    </a:solidFill>
+                  </a:tcPr>
+                </a:tc>
+                <a:tc>
+                  <a:txBody>
+                    <a:bodyPr/>
+                    <a:lstStyle/>
+                    <a:p>
+                      <a:pPr algn="ctr"/>
+                      <a:r>
+                        <a:rPr lang="en-US" sz="1600" b="0" dirty="0" err="1">
+                          <a:solidFill>
+                            <a:schemeClr val="tx1"/>
+                          </a:solidFill>
+                          <a:latin typeface="Arial"/>
+                          <a:cs typeface="Arial"/>
+                        </a:rPr>
+                        <a:t>DataObjects</a:t>
+                      </a:r>
                       <a:endParaRPr lang="en-US" sz="1600" b="0" dirty="0">
+                        <a:solidFill>
+                          <a:schemeClr val="tx1"/>
+                        </a:solidFill>
                         <a:latin typeface="Arial"/>
                         <a:cs typeface="Arial"/>
                       </a:endParaRPr>
@@ -45739,77 +45941,13 @@
                       <a:r>
                         <a:rPr lang="en-US" sz="1600" b="0" dirty="0">
                           <a:solidFill>
-                            <a:srgbClr val="0000FF"/>
-                          </a:solidFill>
-                          <a:latin typeface="Arial"/>
-                          <a:cs typeface="Arial"/>
-                        </a:rPr>
-                        <a:t>Samplers</a:t>
-                      </a:r>
-                      <a:endParaRPr lang="en-US" sz="1600" b="0" dirty="0">
-                        <a:latin typeface="Arial"/>
-                        <a:cs typeface="Arial"/>
-                      </a:endParaRPr>
-                    </a:p>
-                  </a:txBody>
-                  <a:tcPr>
-                    <a:solidFill>
-                      <a:schemeClr val="bg1">
-                        <a:lumMod val="85000"/>
-                      </a:schemeClr>
-                    </a:solidFill>
-                  </a:tcPr>
-                </a:tc>
-                <a:tc>
-                  <a:txBody>
-                    <a:bodyPr/>
-                    <a:lstStyle/>
-                    <a:p>
-                      <a:pPr algn="ctr"/>
-                      <a:r>
-                        <a:rPr lang="en-US" sz="1600" b="0" dirty="0" err="1">
-                          <a:solidFill>
-                            <a:srgbClr val="0000FF"/>
-                          </a:solidFill>
-                          <a:latin typeface="Arial"/>
-                          <a:cs typeface="Arial"/>
-                        </a:rPr>
-                        <a:t>DataObjects</a:t>
-                      </a:r>
-                      <a:endParaRPr lang="en-US" sz="1600" b="0" dirty="0">
-                        <a:latin typeface="Arial"/>
-                        <a:cs typeface="Arial"/>
-                      </a:endParaRPr>
-                    </a:p>
-                  </a:txBody>
-                  <a:tcPr>
-                    <a:solidFill>
-                      <a:schemeClr val="bg1">
-                        <a:lumMod val="85000"/>
-                      </a:schemeClr>
-                    </a:solidFill>
-                  </a:tcPr>
-                </a:tc>
-                <a:tc>
-                  <a:txBody>
-                    <a:bodyPr/>
-                    <a:lstStyle/>
-                    <a:p>
-                      <a:pPr algn="ctr"/>
-                      <a:r>
-                        <a:rPr lang="en-US" sz="1600" b="0" dirty="0">
-                          <a:solidFill>
-                            <a:srgbClr val="0000FF"/>
+                            <a:schemeClr val="tx1"/>
                           </a:solidFill>
                           <a:latin typeface="Arial"/>
                           <a:cs typeface="Arial"/>
                         </a:rPr>
                         <a:t>Models</a:t>
                       </a:r>
-                      <a:endParaRPr lang="en-US" sz="1600" b="0" dirty="0">
-                        <a:latin typeface="Arial"/>
-                        <a:cs typeface="Arial"/>
-                      </a:endParaRPr>
                     </a:p>
                   </a:txBody>
                   <a:tcPr>
@@ -45829,17 +45967,13 @@
                       <a:r>
                         <a:rPr lang="en-US" sz="1600" b="0" dirty="0">
                           <a:solidFill>
-                            <a:srgbClr val="0000FF"/>
+                            <a:schemeClr val="tx1"/>
                           </a:solidFill>
                           <a:latin typeface="Arial"/>
                           <a:cs typeface="Arial"/>
                         </a:rPr>
                         <a:t>Files</a:t>
                       </a:r>
-                      <a:endParaRPr lang="en-US" sz="1600" b="0" dirty="0">
-                        <a:latin typeface="Arial"/>
-                        <a:cs typeface="Arial"/>
-                      </a:endParaRPr>
                     </a:p>
                   </a:txBody>
                   <a:tcPr>
@@ -45866,7 +46000,7 @@
                       <a:r>
                         <a:rPr lang="en-US" sz="1600" b="0" dirty="0" err="1">
                           <a:solidFill>
-                            <a:srgbClr val="0000FF"/>
+                            <a:schemeClr val="tx1"/>
                           </a:solidFill>
                           <a:latin typeface="Arial"/>
                           <a:cs typeface="Arial"/>
@@ -45874,6 +46008,9 @@
                         <a:t>OutStreams</a:t>
                       </a:r>
                       <a:endParaRPr lang="en-US" sz="1600" b="0" dirty="0">
+                        <a:solidFill>
+                          <a:schemeClr val="tx1"/>
+                        </a:solidFill>
                         <a:latin typeface="Arial"/>
                         <a:cs typeface="Arial"/>
                       </a:endParaRPr>
@@ -45896,14 +46033,33 @@
                       <a:r>
                         <a:rPr lang="en-US" sz="1600" b="0" dirty="0">
                           <a:solidFill>
-                            <a:srgbClr val="0000FF"/>
+                            <a:schemeClr val="tx1"/>
                           </a:solidFill>
                           <a:latin typeface="Arial"/>
                           <a:cs typeface="Arial"/>
                         </a:rPr>
                         <a:t>Steps</a:t>
                       </a:r>
+                    </a:p>
+                  </a:txBody>
+                  <a:tcPr>
+                    <a:solidFill>
+                      <a:schemeClr val="bg1">
+                        <a:lumMod val="85000"/>
+                      </a:schemeClr>
+                    </a:solidFill>
+                  </a:tcPr>
+                </a:tc>
+                <a:tc>
+                  <a:txBody>
+                    <a:bodyPr/>
+                    <a:lstStyle/>
+                    <a:p>
+                      <a:pPr algn="ctr"/>
                       <a:endParaRPr lang="en-US" sz="1600" b="0" dirty="0">
+                        <a:solidFill>
+                          <a:schemeClr val="tx1"/>
+                        </a:solidFill>
                         <a:latin typeface="Arial"/>
                         <a:cs typeface="Arial"/>
                       </a:endParaRPr>
@@ -45924,6 +46080,9 @@
                     <a:p>
                       <a:pPr algn="ctr"/>
                       <a:endParaRPr lang="en-US" sz="1600" b="0" dirty="0">
+                        <a:solidFill>
+                          <a:schemeClr val="tx1"/>
+                        </a:solidFill>
                         <a:latin typeface="Arial"/>
                         <a:cs typeface="Arial"/>
                       </a:endParaRPr>
@@ -45944,6 +46103,9 @@
                     <a:p>
                       <a:pPr algn="ctr"/>
                       <a:endParaRPr lang="en-US" sz="1600" b="0" dirty="0">
+                        <a:solidFill>
+                          <a:schemeClr val="tx1"/>
+                        </a:solidFill>
                         <a:latin typeface="Arial"/>
                         <a:cs typeface="Arial"/>
                       </a:endParaRPr>
@@ -45964,26 +46126,9 @@
                     <a:p>
                       <a:pPr algn="ctr"/>
                       <a:endParaRPr lang="en-US" sz="1600" b="0" dirty="0">
-                        <a:latin typeface="Arial"/>
-                        <a:cs typeface="Arial"/>
-                      </a:endParaRPr>
-                    </a:p>
-                  </a:txBody>
-                  <a:tcPr>
-                    <a:solidFill>
-                      <a:schemeClr val="bg1">
-                        <a:lumMod val="85000"/>
-                      </a:schemeClr>
-                    </a:solidFill>
-                  </a:tcPr>
-                </a:tc>
-                <a:tc>
-                  <a:txBody>
-                    <a:bodyPr/>
-                    <a:lstStyle/>
-                    <a:p>
-                      <a:pPr algn="ctr"/>
-                      <a:endParaRPr lang="en-US" sz="1600" b="0" dirty="0">
+                        <a:solidFill>
+                          <a:schemeClr val="tx1"/>
+                        </a:solidFill>
                         <a:latin typeface="Arial"/>
                         <a:cs typeface="Arial"/>
                       </a:endParaRPr>
@@ -46007,6 +46152,44 @@
           </a:graphicData>
         </a:graphic>
       </p:graphicFrame>
+      <p:sp>
+        <p:nvSpPr>
+          <p:cNvPr id="5" name="TextBox 4">
+            <a:extLst>
+              <a:ext uri="{FF2B5EF4-FFF2-40B4-BE49-F238E27FC236}">
+                <a16:creationId xmlns:a16="http://schemas.microsoft.com/office/drawing/2014/main" id="{A868DFA4-F299-184F-A8EF-3334A4FA2BA9}"/>
+              </a:ext>
+            </a:extLst>
+          </p:cNvPr>
+          <p:cNvSpPr txBox="1"/>
+          <p:nvPr/>
+        </p:nvSpPr>
+        <p:spPr>
+          <a:xfrm>
+            <a:off x="0" y="6553200"/>
+            <a:ext cx="9144000" cy="307777"/>
+          </a:xfrm>
+          <a:prstGeom prst="rect">
+            <a:avLst/>
+          </a:prstGeom>
+          <a:noFill/>
+        </p:spPr>
+        <p:txBody>
+          <a:bodyPr wrap="square" rtlCol="0">
+            <a:spAutoFit/>
+          </a:bodyPr>
+          <a:lstStyle/>
+          <a:p>
+            <a:pPr algn="ctr"/>
+            <a:r>
+              <a:rPr lang="en-US" sz="1400" dirty="0">
+                <a:latin typeface="+mn-lt"/>
+              </a:rPr>
+              <a:t>Input file name: ForwardSampling5.xml</a:t>
+            </a:r>
+          </a:p>
+        </p:txBody>
+      </p:sp>
     </p:spTree>
     <p:extLst>
       <p:ext uri="{BB962C8B-B14F-4D97-AF65-F5344CB8AC3E}">
@@ -46071,7 +46254,7 @@
           <a:p>
             <a:r>
               <a:rPr lang="en-US" b="0" dirty="0"/>
-              <a:t>Adding Export File (test5.xml)</a:t>
+              <a:t>Adding Export File</a:t>
             </a:r>
           </a:p>
         </p:txBody>
@@ -46235,7 +46418,7 @@
           <p:nvPr>
             <p:extLst>
               <p:ext uri="{D42A27DB-BD31-4B8C-83A1-F6EECF244321}">
-                <p14:modId xmlns:p14="http://schemas.microsoft.com/office/powerpoint/2010/main" val="465513731"/>
+                <p14:modId xmlns:p14="http://schemas.microsoft.com/office/powerpoint/2010/main" val="680980486"/>
               </p:ext>
             </p:extLst>
           </p:nvPr>
@@ -46304,7 +46487,7 @@
                       <a:r>
                         <a:rPr lang="en-US" sz="1600" b="0" dirty="0" err="1">
                           <a:solidFill>
-                            <a:srgbClr val="0000FF"/>
+                            <a:schemeClr val="tx1"/>
                           </a:solidFill>
                           <a:latin typeface="Arial"/>
                           <a:cs typeface="Arial"/>
@@ -46313,7 +46496,7 @@
                       </a:r>
                       <a:endParaRPr lang="en-US" sz="1600" b="0" dirty="0">
                         <a:solidFill>
-                          <a:srgbClr val="0000FF"/>
+                          <a:schemeClr val="tx1"/>
                         </a:solidFill>
                         <a:latin typeface="Arial"/>
                         <a:cs typeface="Arial"/>
@@ -46337,14 +46520,69 @@
                       <a:r>
                         <a:rPr lang="en-US" sz="1600" b="0" dirty="0">
                           <a:solidFill>
-                            <a:srgbClr val="0000FF"/>
+                            <a:schemeClr val="tx1"/>
                           </a:solidFill>
                           <a:latin typeface="Arial"/>
                           <a:cs typeface="Arial"/>
                         </a:rPr>
                         <a:t>Distributions</a:t>
                       </a:r>
+                    </a:p>
+                  </a:txBody>
+                  <a:tcPr>
+                    <a:solidFill>
+                      <a:schemeClr val="bg1">
+                        <a:lumMod val="85000"/>
+                      </a:schemeClr>
+                    </a:solidFill>
+                  </a:tcPr>
+                </a:tc>
+                <a:tc>
+                  <a:txBody>
+                    <a:bodyPr/>
+                    <a:lstStyle/>
+                    <a:p>
+                      <a:pPr algn="ctr"/>
+                      <a:r>
+                        <a:rPr lang="en-US" sz="1600" b="0" dirty="0">
+                          <a:solidFill>
+                            <a:schemeClr val="tx1"/>
+                          </a:solidFill>
+                          <a:latin typeface="Arial"/>
+                          <a:cs typeface="Arial"/>
+                        </a:rPr>
+                        <a:t>Samplers</a:t>
+                      </a:r>
+                    </a:p>
+                  </a:txBody>
+                  <a:tcPr>
+                    <a:solidFill>
+                      <a:schemeClr val="bg1">
+                        <a:lumMod val="85000"/>
+                      </a:schemeClr>
+                    </a:solidFill>
+                  </a:tcPr>
+                </a:tc>
+                <a:tc>
+                  <a:txBody>
+                    <a:bodyPr/>
+                    <a:lstStyle/>
+                    <a:p>
+                      <a:pPr algn="ctr"/>
+                      <a:r>
+                        <a:rPr lang="en-US" sz="1600" b="0" dirty="0" err="1">
+                          <a:solidFill>
+                            <a:schemeClr val="tx1"/>
+                          </a:solidFill>
+                          <a:latin typeface="Arial"/>
+                          <a:cs typeface="Arial"/>
+                        </a:rPr>
+                        <a:t>DataObjects</a:t>
+                      </a:r>
                       <a:endParaRPr lang="en-US" sz="1600" b="0" dirty="0">
+                        <a:solidFill>
+                          <a:schemeClr val="tx1"/>
+                        </a:solidFill>
                         <a:latin typeface="Arial"/>
                         <a:cs typeface="Arial"/>
                       </a:endParaRPr>
@@ -46367,47 +46605,13 @@
                       <a:r>
                         <a:rPr lang="en-US" sz="1600" b="0" dirty="0">
                           <a:solidFill>
-                            <a:srgbClr val="0000FF"/>
+                            <a:schemeClr val="tx1"/>
                           </a:solidFill>
                           <a:latin typeface="Arial"/>
                           <a:cs typeface="Arial"/>
                         </a:rPr>
-                        <a:t>Samplers</a:t>
+                        <a:t>Models</a:t>
                       </a:r>
-                      <a:endParaRPr lang="en-US" sz="1600" b="0" dirty="0">
-                        <a:latin typeface="Arial"/>
-                        <a:cs typeface="Arial"/>
-                      </a:endParaRPr>
-                    </a:p>
-                  </a:txBody>
-                  <a:tcPr>
-                    <a:solidFill>
-                      <a:schemeClr val="bg1">
-                        <a:lumMod val="85000"/>
-                      </a:schemeClr>
-                    </a:solidFill>
-                  </a:tcPr>
-                </a:tc>
-                <a:tc>
-                  <a:txBody>
-                    <a:bodyPr/>
-                    <a:lstStyle/>
-                    <a:p>
-                      <a:pPr algn="ctr"/>
-                      <a:r>
-                        <a:rPr lang="en-US" sz="1600" b="0" dirty="0" err="1">
-                          <a:solidFill>
-                            <a:srgbClr val="0000FF"/>
-                          </a:solidFill>
-                          <a:latin typeface="Arial"/>
-                          <a:cs typeface="Arial"/>
-                        </a:rPr>
-                        <a:t>DataObjects</a:t>
-                      </a:r>
-                      <a:endParaRPr lang="en-US" sz="1600" b="0" dirty="0">
-                        <a:latin typeface="Arial"/>
-                        <a:cs typeface="Arial"/>
-                      </a:endParaRPr>
                     </a:p>
                   </a:txBody>
                   <a:tcPr>
@@ -46427,47 +46631,13 @@
                       <a:r>
                         <a:rPr lang="en-US" sz="1600" b="0" dirty="0">
                           <a:solidFill>
-                            <a:srgbClr val="0000FF"/>
-                          </a:solidFill>
-                          <a:latin typeface="Arial"/>
-                          <a:cs typeface="Arial"/>
-                        </a:rPr>
-                        <a:t>Models</a:t>
-                      </a:r>
-                      <a:endParaRPr lang="en-US" sz="1600" b="0" dirty="0">
-                        <a:latin typeface="Arial"/>
-                        <a:cs typeface="Arial"/>
-                      </a:endParaRPr>
-                    </a:p>
-                  </a:txBody>
-                  <a:tcPr>
-                    <a:solidFill>
-                      <a:schemeClr val="bg1">
-                        <a:lumMod val="85000"/>
-                      </a:schemeClr>
-                    </a:solidFill>
-                  </a:tcPr>
-                </a:tc>
-                <a:tc>
-                  <a:txBody>
-                    <a:bodyPr/>
-                    <a:lstStyle/>
-                    <a:p>
-                      <a:pPr algn="ctr"/>
-                      <a:r>
-                        <a:rPr lang="en-US" sz="1600" b="0" dirty="0">
-                          <a:solidFill>
-                            <a:srgbClr val="0000FF"/>
+                            <a:schemeClr val="tx1"/>
                           </a:solidFill>
                           <a:latin typeface="Arial"/>
                           <a:cs typeface="Arial"/>
                         </a:rPr>
                         <a:t>Files</a:t>
                       </a:r>
-                      <a:endParaRPr lang="en-US" sz="1600" b="0" dirty="0">
-                        <a:latin typeface="Arial"/>
-                        <a:cs typeface="Arial"/>
-                      </a:endParaRPr>
                     </a:p>
                   </a:txBody>
                   <a:tcPr>
@@ -46494,7 +46664,7 @@
                       <a:r>
                         <a:rPr lang="en-US" sz="1600" b="0" dirty="0" err="1">
                           <a:solidFill>
-                            <a:srgbClr val="0000FF"/>
+                            <a:schemeClr val="tx1"/>
                           </a:solidFill>
                           <a:latin typeface="Arial"/>
                           <a:cs typeface="Arial"/>
@@ -46502,6 +46672,9 @@
                         <a:t>OutStreams</a:t>
                       </a:r>
                       <a:endParaRPr lang="en-US" sz="1600" b="0" dirty="0">
+                        <a:solidFill>
+                          <a:schemeClr val="tx1"/>
+                        </a:solidFill>
                         <a:latin typeface="Arial"/>
                         <a:cs typeface="Arial"/>
                       </a:endParaRPr>
@@ -46524,14 +46697,33 @@
                       <a:r>
                         <a:rPr lang="en-US" sz="1600" b="0" dirty="0">
                           <a:solidFill>
-                            <a:srgbClr val="0000FF"/>
+                            <a:schemeClr val="tx1"/>
                           </a:solidFill>
                           <a:latin typeface="Arial"/>
                           <a:cs typeface="Arial"/>
                         </a:rPr>
                         <a:t>Steps</a:t>
                       </a:r>
+                    </a:p>
+                  </a:txBody>
+                  <a:tcPr>
+                    <a:solidFill>
+                      <a:schemeClr val="bg1">
+                        <a:lumMod val="85000"/>
+                      </a:schemeClr>
+                    </a:solidFill>
+                  </a:tcPr>
+                </a:tc>
+                <a:tc>
+                  <a:txBody>
+                    <a:bodyPr/>
+                    <a:lstStyle/>
+                    <a:p>
+                      <a:pPr algn="ctr"/>
                       <a:endParaRPr lang="en-US" sz="1600" b="0" dirty="0">
+                        <a:solidFill>
+                          <a:schemeClr val="tx1"/>
+                        </a:solidFill>
                         <a:latin typeface="Arial"/>
                         <a:cs typeface="Arial"/>
                       </a:endParaRPr>
@@ -46552,6 +46744,9 @@
                     <a:p>
                       <a:pPr algn="ctr"/>
                       <a:endParaRPr lang="en-US" sz="1600" b="0" dirty="0">
+                        <a:solidFill>
+                          <a:schemeClr val="tx1"/>
+                        </a:solidFill>
                         <a:latin typeface="Arial"/>
                         <a:cs typeface="Arial"/>
                       </a:endParaRPr>
@@ -46572,6 +46767,9 @@
                     <a:p>
                       <a:pPr algn="ctr"/>
                       <a:endParaRPr lang="en-US" sz="1600" b="0" dirty="0">
+                        <a:solidFill>
+                          <a:schemeClr val="tx1"/>
+                        </a:solidFill>
                         <a:latin typeface="Arial"/>
                         <a:cs typeface="Arial"/>
                       </a:endParaRPr>
@@ -46592,26 +46790,9 @@
                     <a:p>
                       <a:pPr algn="ctr"/>
                       <a:endParaRPr lang="en-US" sz="1600" b="0" dirty="0">
-                        <a:latin typeface="Arial"/>
-                        <a:cs typeface="Arial"/>
-                      </a:endParaRPr>
-                    </a:p>
-                  </a:txBody>
-                  <a:tcPr>
-                    <a:solidFill>
-                      <a:schemeClr val="bg1">
-                        <a:lumMod val="85000"/>
-                      </a:schemeClr>
-                    </a:solidFill>
-                  </a:tcPr>
-                </a:tc>
-                <a:tc>
-                  <a:txBody>
-                    <a:bodyPr/>
-                    <a:lstStyle/>
-                    <a:p>
-                      <a:pPr algn="ctr"/>
-                      <a:endParaRPr lang="en-US" sz="1600" b="0" dirty="0">
+                        <a:solidFill>
+                          <a:schemeClr val="tx1"/>
+                        </a:solidFill>
                         <a:latin typeface="Arial"/>
                         <a:cs typeface="Arial"/>
                       </a:endParaRPr>
@@ -46635,6 +46816,44 @@
           </a:graphicData>
         </a:graphic>
       </p:graphicFrame>
+      <p:sp>
+        <p:nvSpPr>
+          <p:cNvPr id="5" name="TextBox 4">
+            <a:extLst>
+              <a:ext uri="{FF2B5EF4-FFF2-40B4-BE49-F238E27FC236}">
+                <a16:creationId xmlns:a16="http://schemas.microsoft.com/office/drawing/2014/main" id="{22035192-7F34-FE42-B9F6-7A144E12CFCF}"/>
+              </a:ext>
+            </a:extLst>
+          </p:cNvPr>
+          <p:cNvSpPr txBox="1"/>
+          <p:nvPr/>
+        </p:nvSpPr>
+        <p:spPr>
+          <a:xfrm>
+            <a:off x="0" y="6553200"/>
+            <a:ext cx="9144000" cy="307777"/>
+          </a:xfrm>
+          <a:prstGeom prst="rect">
+            <a:avLst/>
+          </a:prstGeom>
+          <a:noFill/>
+        </p:spPr>
+        <p:txBody>
+          <a:bodyPr wrap="square" rtlCol="0">
+            <a:spAutoFit/>
+          </a:bodyPr>
+          <a:lstStyle/>
+          <a:p>
+            <a:pPr algn="ctr"/>
+            <a:r>
+              <a:rPr lang="en-US" sz="1400" dirty="0">
+                <a:latin typeface="+mn-lt"/>
+              </a:rPr>
+              <a:t>Input file name: ForwardSampling5.xml</a:t>
+            </a:r>
+          </a:p>
+        </p:txBody>
+      </p:sp>
     </p:spTree>
     <p:extLst>
       <p:ext uri="{BB962C8B-B14F-4D97-AF65-F5344CB8AC3E}">
@@ -46712,7 +46931,7 @@
         </p:nvSpPr>
         <p:spPr>
           <a:xfrm>
-            <a:off x="283275" y="2880743"/>
+            <a:off x="283275" y="2326550"/>
             <a:ext cx="8689594" cy="3893374"/>
           </a:xfrm>
           <a:prstGeom prst="rect">
@@ -47786,7 +48005,7 @@
           <p:nvPr>
             <p:extLst>
               <p:ext uri="{D42A27DB-BD31-4B8C-83A1-F6EECF244321}">
-                <p14:modId xmlns:p14="http://schemas.microsoft.com/office/powerpoint/2010/main" val="3068459584"/>
+                <p14:modId xmlns:p14="http://schemas.microsoft.com/office/powerpoint/2010/main" val="748644176"/>
               </p:ext>
             </p:extLst>
           </p:nvPr>
@@ -47855,7 +48074,7 @@
                       <a:r>
                         <a:rPr lang="en-US" sz="1600" b="0" dirty="0" err="1">
                           <a:solidFill>
-                            <a:srgbClr val="0000FF"/>
+                            <a:schemeClr val="tx1"/>
                           </a:solidFill>
                           <a:latin typeface="Arial"/>
                           <a:cs typeface="Arial"/>
@@ -47864,7 +48083,7 @@
                       </a:r>
                       <a:endParaRPr lang="en-US" sz="1600" b="0" dirty="0">
                         <a:solidFill>
-                          <a:srgbClr val="0000FF"/>
+                          <a:schemeClr val="tx1"/>
                         </a:solidFill>
                         <a:latin typeface="Arial"/>
                         <a:cs typeface="Arial"/>
@@ -47888,14 +48107,69 @@
                       <a:r>
                         <a:rPr lang="en-US" sz="1600" b="0" dirty="0">
                           <a:solidFill>
-                            <a:srgbClr val="0000FF"/>
+                            <a:schemeClr val="tx1"/>
                           </a:solidFill>
                           <a:latin typeface="Arial"/>
                           <a:cs typeface="Arial"/>
                         </a:rPr>
                         <a:t>Distributions</a:t>
                       </a:r>
+                    </a:p>
+                  </a:txBody>
+                  <a:tcPr>
+                    <a:solidFill>
+                      <a:schemeClr val="bg1">
+                        <a:lumMod val="85000"/>
+                      </a:schemeClr>
+                    </a:solidFill>
+                  </a:tcPr>
+                </a:tc>
+                <a:tc>
+                  <a:txBody>
+                    <a:bodyPr/>
+                    <a:lstStyle/>
+                    <a:p>
+                      <a:pPr algn="ctr"/>
+                      <a:r>
+                        <a:rPr lang="en-US" sz="1600" b="0" dirty="0">
+                          <a:solidFill>
+                            <a:schemeClr val="tx1"/>
+                          </a:solidFill>
+                          <a:latin typeface="Arial"/>
+                          <a:cs typeface="Arial"/>
+                        </a:rPr>
+                        <a:t>Samplers</a:t>
+                      </a:r>
+                    </a:p>
+                  </a:txBody>
+                  <a:tcPr>
+                    <a:solidFill>
+                      <a:schemeClr val="bg1">
+                        <a:lumMod val="85000"/>
+                      </a:schemeClr>
+                    </a:solidFill>
+                  </a:tcPr>
+                </a:tc>
+                <a:tc>
+                  <a:txBody>
+                    <a:bodyPr/>
+                    <a:lstStyle/>
+                    <a:p>
+                      <a:pPr algn="ctr"/>
+                      <a:r>
+                        <a:rPr lang="en-US" sz="1600" b="0" dirty="0" err="1">
+                          <a:solidFill>
+                            <a:schemeClr val="tx1"/>
+                          </a:solidFill>
+                          <a:latin typeface="Arial"/>
+                          <a:cs typeface="Arial"/>
+                        </a:rPr>
+                        <a:t>DataObjects</a:t>
+                      </a:r>
                       <a:endParaRPr lang="en-US" sz="1600" b="0" dirty="0">
+                        <a:solidFill>
+                          <a:schemeClr val="tx1"/>
+                        </a:solidFill>
                         <a:latin typeface="Arial"/>
                         <a:cs typeface="Arial"/>
                       </a:endParaRPr>
@@ -47918,47 +48192,13 @@
                       <a:r>
                         <a:rPr lang="en-US" sz="1600" b="0" dirty="0">
                           <a:solidFill>
-                            <a:srgbClr val="0000FF"/>
+                            <a:schemeClr val="tx1"/>
                           </a:solidFill>
                           <a:latin typeface="Arial"/>
                           <a:cs typeface="Arial"/>
                         </a:rPr>
-                        <a:t>Samplers</a:t>
+                        <a:t>Models</a:t>
                       </a:r>
-                      <a:endParaRPr lang="en-US" sz="1600" b="0" dirty="0">
-                        <a:latin typeface="Arial"/>
-                        <a:cs typeface="Arial"/>
-                      </a:endParaRPr>
-                    </a:p>
-                  </a:txBody>
-                  <a:tcPr>
-                    <a:solidFill>
-                      <a:schemeClr val="bg1">
-                        <a:lumMod val="85000"/>
-                      </a:schemeClr>
-                    </a:solidFill>
-                  </a:tcPr>
-                </a:tc>
-                <a:tc>
-                  <a:txBody>
-                    <a:bodyPr/>
-                    <a:lstStyle/>
-                    <a:p>
-                      <a:pPr algn="ctr"/>
-                      <a:r>
-                        <a:rPr lang="en-US" sz="1600" b="0" dirty="0" err="1">
-                          <a:solidFill>
-                            <a:srgbClr val="0000FF"/>
-                          </a:solidFill>
-                          <a:latin typeface="Arial"/>
-                          <a:cs typeface="Arial"/>
-                        </a:rPr>
-                        <a:t>DataObjects</a:t>
-                      </a:r>
-                      <a:endParaRPr lang="en-US" sz="1600" b="0" dirty="0">
-                        <a:latin typeface="Arial"/>
-                        <a:cs typeface="Arial"/>
-                      </a:endParaRPr>
                     </a:p>
                   </a:txBody>
                   <a:tcPr>
@@ -47978,47 +48218,13 @@
                       <a:r>
                         <a:rPr lang="en-US" sz="1600" b="0" dirty="0">
                           <a:solidFill>
-                            <a:srgbClr val="0000FF"/>
-                          </a:solidFill>
-                          <a:latin typeface="Arial"/>
-                          <a:cs typeface="Arial"/>
-                        </a:rPr>
-                        <a:t>Models</a:t>
-                      </a:r>
-                      <a:endParaRPr lang="en-US" sz="1600" b="0" dirty="0">
-                        <a:latin typeface="Arial"/>
-                        <a:cs typeface="Arial"/>
-                      </a:endParaRPr>
-                    </a:p>
-                  </a:txBody>
-                  <a:tcPr>
-                    <a:solidFill>
-                      <a:schemeClr val="bg1">
-                        <a:lumMod val="85000"/>
-                      </a:schemeClr>
-                    </a:solidFill>
-                  </a:tcPr>
-                </a:tc>
-                <a:tc>
-                  <a:txBody>
-                    <a:bodyPr/>
-                    <a:lstStyle/>
-                    <a:p>
-                      <a:pPr algn="ctr"/>
-                      <a:r>
-                        <a:rPr lang="en-US" sz="1600" b="0" dirty="0">
-                          <a:solidFill>
-                            <a:srgbClr val="0000FF"/>
+                            <a:schemeClr val="tx1"/>
                           </a:solidFill>
                           <a:latin typeface="Arial"/>
                           <a:cs typeface="Arial"/>
                         </a:rPr>
                         <a:t>Files</a:t>
                       </a:r>
-                      <a:endParaRPr lang="en-US" sz="1600" b="0" dirty="0">
-                        <a:latin typeface="Arial"/>
-                        <a:cs typeface="Arial"/>
-                      </a:endParaRPr>
                     </a:p>
                   </a:txBody>
                   <a:tcPr>
@@ -48045,7 +48251,7 @@
                       <a:r>
                         <a:rPr lang="en-US" sz="1600" b="0" dirty="0" err="1">
                           <a:solidFill>
-                            <a:srgbClr val="0000FF"/>
+                            <a:schemeClr val="tx1"/>
                           </a:solidFill>
                           <a:latin typeface="Arial"/>
                           <a:cs typeface="Arial"/>
@@ -48053,6 +48259,9 @@
                         <a:t>OutStreams</a:t>
                       </a:r>
                       <a:endParaRPr lang="en-US" sz="1600" b="0" dirty="0">
+                        <a:solidFill>
+                          <a:schemeClr val="tx1"/>
+                        </a:solidFill>
                         <a:latin typeface="Arial"/>
                         <a:cs typeface="Arial"/>
                       </a:endParaRPr>
@@ -48075,17 +48284,13 @@
                       <a:r>
                         <a:rPr lang="en-US" sz="1600" b="0" dirty="0">
                           <a:solidFill>
-                            <a:srgbClr val="0000FF"/>
+                            <a:schemeClr val="tx1"/>
                           </a:solidFill>
                           <a:latin typeface="Arial"/>
                           <a:cs typeface="Arial"/>
                         </a:rPr>
                         <a:t>Steps</a:t>
                       </a:r>
-                      <a:endParaRPr lang="en-US" sz="1600" b="0" dirty="0">
-                        <a:latin typeface="Arial"/>
-                        <a:cs typeface="Arial"/>
-                      </a:endParaRPr>
                     </a:p>
                   </a:txBody>
                   <a:tcPr>
@@ -48103,6 +48308,9 @@
                     <a:p>
                       <a:pPr algn="ctr"/>
                       <a:endParaRPr lang="en-US" sz="1600" b="0" dirty="0">
+                        <a:solidFill>
+                          <a:schemeClr val="tx1"/>
+                        </a:solidFill>
                         <a:latin typeface="Arial"/>
                         <a:cs typeface="Arial"/>
                       </a:endParaRPr>
@@ -48123,6 +48331,9 @@
                     <a:p>
                       <a:pPr algn="ctr"/>
                       <a:endParaRPr lang="en-US" sz="1600" b="0" dirty="0">
+                        <a:solidFill>
+                          <a:schemeClr val="tx1"/>
+                        </a:solidFill>
                         <a:latin typeface="Arial"/>
                         <a:cs typeface="Arial"/>
                       </a:endParaRPr>
@@ -48143,6 +48354,9 @@
                     <a:p>
                       <a:pPr algn="ctr"/>
                       <a:endParaRPr lang="en-US" sz="1600" b="0" dirty="0">
+                        <a:solidFill>
+                          <a:schemeClr val="tx1"/>
+                        </a:solidFill>
                         <a:latin typeface="Arial"/>
                         <a:cs typeface="Arial"/>
                       </a:endParaRPr>
@@ -48163,6 +48377,9 @@
                     <a:p>
                       <a:pPr algn="ctr"/>
                       <a:endParaRPr lang="en-US" sz="1600" b="0" dirty="0">
+                        <a:solidFill>
+                          <a:schemeClr val="tx1"/>
+                        </a:solidFill>
                         <a:latin typeface="Arial"/>
                         <a:cs typeface="Arial"/>
                       </a:endParaRPr>
@@ -48186,6 +48403,44 @@
           </a:graphicData>
         </a:graphic>
       </p:graphicFrame>
+      <p:sp>
+        <p:nvSpPr>
+          <p:cNvPr id="5" name="TextBox 4">
+            <a:extLst>
+              <a:ext uri="{FF2B5EF4-FFF2-40B4-BE49-F238E27FC236}">
+                <a16:creationId xmlns:a16="http://schemas.microsoft.com/office/drawing/2014/main" id="{85893AF4-A5F0-B546-A9B3-2DA40067E2E9}"/>
+              </a:ext>
+            </a:extLst>
+          </p:cNvPr>
+          <p:cNvSpPr txBox="1"/>
+          <p:nvPr/>
+        </p:nvSpPr>
+        <p:spPr>
+          <a:xfrm>
+            <a:off x="0" y="6553200"/>
+            <a:ext cx="9144000" cy="307777"/>
+          </a:xfrm>
+          <a:prstGeom prst="rect">
+            <a:avLst/>
+          </a:prstGeom>
+          <a:noFill/>
+        </p:spPr>
+        <p:txBody>
+          <a:bodyPr wrap="square" rtlCol="0">
+            <a:spAutoFit/>
+          </a:bodyPr>
+          <a:lstStyle/>
+          <a:p>
+            <a:pPr algn="ctr"/>
+            <a:r>
+              <a:rPr lang="en-US" sz="1400" dirty="0">
+                <a:latin typeface="+mn-lt"/>
+              </a:rPr>
+              <a:t>Input file name: ForwardSampling5.xml</a:t>
+            </a:r>
+          </a:p>
+        </p:txBody>
+      </p:sp>
     </p:spTree>
     <p:extLst>
       <p:ext uri="{BB962C8B-B14F-4D97-AF65-F5344CB8AC3E}">
@@ -49610,7 +49865,7 @@
           <p:nvPr>
             <p:extLst>
               <p:ext uri="{D42A27DB-BD31-4B8C-83A1-F6EECF244321}">
-                <p14:modId xmlns:p14="http://schemas.microsoft.com/office/powerpoint/2010/main" val="2096481287"/>
+                <p14:modId xmlns:p14="http://schemas.microsoft.com/office/powerpoint/2010/main" val="1844823398"/>
               </p:ext>
             </p:extLst>
           </p:nvPr>
@@ -49679,7 +49934,7 @@
                       <a:r>
                         <a:rPr lang="en-US" sz="1600" b="0" dirty="0" err="1">
                           <a:solidFill>
-                            <a:srgbClr val="0000FF"/>
+                            <a:schemeClr val="tx1"/>
                           </a:solidFill>
                           <a:latin typeface="Arial"/>
                           <a:cs typeface="Arial"/>
@@ -49688,7 +49943,7 @@
                       </a:r>
                       <a:endParaRPr lang="en-US" sz="1600" b="0" dirty="0">
                         <a:solidFill>
-                          <a:srgbClr val="0000FF"/>
+                          <a:schemeClr val="tx1"/>
                         </a:solidFill>
                         <a:latin typeface="Arial"/>
                         <a:cs typeface="Arial"/>
@@ -49712,14 +49967,69 @@
                       <a:r>
                         <a:rPr lang="en-US" sz="1600" b="0" dirty="0">
                           <a:solidFill>
-                            <a:srgbClr val="0000FF"/>
+                            <a:schemeClr val="tx1"/>
                           </a:solidFill>
                           <a:latin typeface="Arial"/>
                           <a:cs typeface="Arial"/>
                         </a:rPr>
                         <a:t>Distributions</a:t>
                       </a:r>
+                    </a:p>
+                  </a:txBody>
+                  <a:tcPr>
+                    <a:solidFill>
+                      <a:schemeClr val="bg1">
+                        <a:lumMod val="85000"/>
+                      </a:schemeClr>
+                    </a:solidFill>
+                  </a:tcPr>
+                </a:tc>
+                <a:tc>
+                  <a:txBody>
+                    <a:bodyPr/>
+                    <a:lstStyle/>
+                    <a:p>
+                      <a:pPr algn="ctr"/>
+                      <a:r>
+                        <a:rPr lang="en-US" sz="1600" b="0" dirty="0">
+                          <a:solidFill>
+                            <a:schemeClr val="tx1"/>
+                          </a:solidFill>
+                          <a:latin typeface="Arial"/>
+                          <a:cs typeface="Arial"/>
+                        </a:rPr>
+                        <a:t>Samplers</a:t>
+                      </a:r>
+                    </a:p>
+                  </a:txBody>
+                  <a:tcPr>
+                    <a:solidFill>
+                      <a:schemeClr val="bg1">
+                        <a:lumMod val="85000"/>
+                      </a:schemeClr>
+                    </a:solidFill>
+                  </a:tcPr>
+                </a:tc>
+                <a:tc>
+                  <a:txBody>
+                    <a:bodyPr/>
+                    <a:lstStyle/>
+                    <a:p>
+                      <a:pPr algn="ctr"/>
+                      <a:r>
+                        <a:rPr lang="en-US" sz="1600" b="0" dirty="0" err="1">
+                          <a:solidFill>
+                            <a:schemeClr val="tx1"/>
+                          </a:solidFill>
+                          <a:latin typeface="Arial"/>
+                          <a:cs typeface="Arial"/>
+                        </a:rPr>
+                        <a:t>DataObjects</a:t>
+                      </a:r>
                       <a:endParaRPr lang="en-US" sz="1600" b="0" dirty="0">
+                        <a:solidFill>
+                          <a:schemeClr val="tx1"/>
+                        </a:solidFill>
                         <a:latin typeface="Arial"/>
                         <a:cs typeface="Arial"/>
                       </a:endParaRPr>
@@ -49742,47 +50052,13 @@
                       <a:r>
                         <a:rPr lang="en-US" sz="1600" b="0" dirty="0">
                           <a:solidFill>
-                            <a:srgbClr val="0000FF"/>
+                            <a:schemeClr val="tx1"/>
                           </a:solidFill>
                           <a:latin typeface="Arial"/>
                           <a:cs typeface="Arial"/>
                         </a:rPr>
-                        <a:t>Samplers</a:t>
+                        <a:t>Models</a:t>
                       </a:r>
-                      <a:endParaRPr lang="en-US" sz="1600" b="0" dirty="0">
-                        <a:latin typeface="Arial"/>
-                        <a:cs typeface="Arial"/>
-                      </a:endParaRPr>
-                    </a:p>
-                  </a:txBody>
-                  <a:tcPr>
-                    <a:solidFill>
-                      <a:schemeClr val="bg1">
-                        <a:lumMod val="85000"/>
-                      </a:schemeClr>
-                    </a:solidFill>
-                  </a:tcPr>
-                </a:tc>
-                <a:tc>
-                  <a:txBody>
-                    <a:bodyPr/>
-                    <a:lstStyle/>
-                    <a:p>
-                      <a:pPr algn="ctr"/>
-                      <a:r>
-                        <a:rPr lang="en-US" sz="1600" b="0" dirty="0" err="1">
-                          <a:solidFill>
-                            <a:srgbClr val="0000FF"/>
-                          </a:solidFill>
-                          <a:latin typeface="Arial"/>
-                          <a:cs typeface="Arial"/>
-                        </a:rPr>
-                        <a:t>DataObjects</a:t>
-                      </a:r>
-                      <a:endParaRPr lang="en-US" sz="1600" b="0" dirty="0">
-                        <a:latin typeface="Arial"/>
-                        <a:cs typeface="Arial"/>
-                      </a:endParaRPr>
                     </a:p>
                   </a:txBody>
                   <a:tcPr>
@@ -49802,47 +50078,13 @@
                       <a:r>
                         <a:rPr lang="en-US" sz="1600" b="0" dirty="0">
                           <a:solidFill>
-                            <a:srgbClr val="0000FF"/>
-                          </a:solidFill>
-                          <a:latin typeface="Arial"/>
-                          <a:cs typeface="Arial"/>
-                        </a:rPr>
-                        <a:t>Models</a:t>
-                      </a:r>
-                      <a:endParaRPr lang="en-US" sz="1600" b="0" dirty="0">
-                        <a:latin typeface="Arial"/>
-                        <a:cs typeface="Arial"/>
-                      </a:endParaRPr>
-                    </a:p>
-                  </a:txBody>
-                  <a:tcPr>
-                    <a:solidFill>
-                      <a:schemeClr val="bg1">
-                        <a:lumMod val="85000"/>
-                      </a:schemeClr>
-                    </a:solidFill>
-                  </a:tcPr>
-                </a:tc>
-                <a:tc>
-                  <a:txBody>
-                    <a:bodyPr/>
-                    <a:lstStyle/>
-                    <a:p>
-                      <a:pPr algn="ctr"/>
-                      <a:r>
-                        <a:rPr lang="en-US" sz="1600" b="0" dirty="0">
-                          <a:solidFill>
-                            <a:srgbClr val="0000FF"/>
+                            <a:schemeClr val="tx1"/>
                           </a:solidFill>
                           <a:latin typeface="Arial"/>
                           <a:cs typeface="Arial"/>
                         </a:rPr>
                         <a:t>Files</a:t>
                       </a:r>
-                      <a:endParaRPr lang="en-US" sz="1600" b="0" dirty="0">
-                        <a:latin typeface="Arial"/>
-                        <a:cs typeface="Arial"/>
-                      </a:endParaRPr>
                     </a:p>
                   </a:txBody>
                   <a:tcPr>
@@ -49869,7 +50111,7 @@
                       <a:r>
                         <a:rPr lang="en-US" sz="1600" b="0" dirty="0" err="1">
                           <a:solidFill>
-                            <a:srgbClr val="0000FF"/>
+                            <a:schemeClr val="tx1"/>
                           </a:solidFill>
                           <a:latin typeface="Arial"/>
                           <a:cs typeface="Arial"/>
@@ -49877,6 +50119,9 @@
                         <a:t>OutStreams</a:t>
                       </a:r>
                       <a:endParaRPr lang="en-US" sz="1600" b="0" dirty="0">
+                        <a:solidFill>
+                          <a:schemeClr val="tx1"/>
+                        </a:solidFill>
                         <a:latin typeface="Arial"/>
                         <a:cs typeface="Arial"/>
                       </a:endParaRPr>
@@ -49899,14 +50144,33 @@
                       <a:r>
                         <a:rPr lang="en-US" sz="1600" b="0" dirty="0">
                           <a:solidFill>
-                            <a:srgbClr val="0000FF"/>
+                            <a:schemeClr val="tx1"/>
                           </a:solidFill>
                           <a:latin typeface="Arial"/>
                           <a:cs typeface="Arial"/>
                         </a:rPr>
                         <a:t>Steps</a:t>
                       </a:r>
+                    </a:p>
+                  </a:txBody>
+                  <a:tcPr>
+                    <a:solidFill>
+                      <a:schemeClr val="bg1">
+                        <a:lumMod val="85000"/>
+                      </a:schemeClr>
+                    </a:solidFill>
+                  </a:tcPr>
+                </a:tc>
+                <a:tc>
+                  <a:txBody>
+                    <a:bodyPr/>
+                    <a:lstStyle/>
+                    <a:p>
+                      <a:pPr algn="ctr"/>
                       <a:endParaRPr lang="en-US" sz="1600" b="0" dirty="0">
+                        <a:solidFill>
+                          <a:schemeClr val="tx1"/>
+                        </a:solidFill>
                         <a:latin typeface="Arial"/>
                         <a:cs typeface="Arial"/>
                       </a:endParaRPr>
@@ -49927,6 +50191,9 @@
                     <a:p>
                       <a:pPr algn="ctr"/>
                       <a:endParaRPr lang="en-US" sz="1600" b="0" dirty="0">
+                        <a:solidFill>
+                          <a:schemeClr val="tx1"/>
+                        </a:solidFill>
                         <a:latin typeface="Arial"/>
                         <a:cs typeface="Arial"/>
                       </a:endParaRPr>
@@ -49947,6 +50214,9 @@
                     <a:p>
                       <a:pPr algn="ctr"/>
                       <a:endParaRPr lang="en-US" sz="1600" b="0" dirty="0">
+                        <a:solidFill>
+                          <a:schemeClr val="tx1"/>
+                        </a:solidFill>
                         <a:latin typeface="Arial"/>
                         <a:cs typeface="Arial"/>
                       </a:endParaRPr>
@@ -49967,26 +50237,9 @@
                     <a:p>
                       <a:pPr algn="ctr"/>
                       <a:endParaRPr lang="en-US" sz="1600" b="0" dirty="0">
-                        <a:latin typeface="Arial"/>
-                        <a:cs typeface="Arial"/>
-                      </a:endParaRPr>
-                    </a:p>
-                  </a:txBody>
-                  <a:tcPr>
-                    <a:solidFill>
-                      <a:schemeClr val="bg1">
-                        <a:lumMod val="85000"/>
-                      </a:schemeClr>
-                    </a:solidFill>
-                  </a:tcPr>
-                </a:tc>
-                <a:tc>
-                  <a:txBody>
-                    <a:bodyPr/>
-                    <a:lstStyle/>
-                    <a:p>
-                      <a:pPr algn="ctr"/>
-                      <a:endParaRPr lang="en-US" sz="1600" b="0" dirty="0">
+                        <a:solidFill>
+                          <a:schemeClr val="tx1"/>
+                        </a:solidFill>
                         <a:latin typeface="Arial"/>
                         <a:cs typeface="Arial"/>
                       </a:endParaRPr>
@@ -50697,7 +50950,7 @@
           <p:nvPr>
             <p:extLst>
               <p:ext uri="{D42A27DB-BD31-4B8C-83A1-F6EECF244321}">
-                <p14:modId xmlns:p14="http://schemas.microsoft.com/office/powerpoint/2010/main" val="315119229"/>
+                <p14:modId xmlns:p14="http://schemas.microsoft.com/office/powerpoint/2010/main" val="306059312"/>
               </p:ext>
             </p:extLst>
           </p:nvPr>
@@ -50766,7 +51019,7 @@
                       <a:r>
                         <a:rPr lang="en-US" sz="1600" b="0" dirty="0" err="1">
                           <a:solidFill>
-                            <a:srgbClr val="0000FF"/>
+                            <a:schemeClr val="tx1"/>
                           </a:solidFill>
                           <a:latin typeface="Arial"/>
                           <a:cs typeface="Arial"/>
@@ -50775,7 +51028,7 @@
                       </a:r>
                       <a:endParaRPr lang="en-US" sz="1600" b="0" dirty="0">
                         <a:solidFill>
-                          <a:srgbClr val="0000FF"/>
+                          <a:schemeClr val="tx1"/>
                         </a:solidFill>
                         <a:latin typeface="Arial"/>
                         <a:cs typeface="Arial"/>
@@ -50799,17 +51052,13 @@
                       <a:r>
                         <a:rPr lang="en-US" sz="1600" b="0" dirty="0">
                           <a:solidFill>
-                            <a:srgbClr val="0000FF"/>
+                            <a:schemeClr val="tx1"/>
                           </a:solidFill>
                           <a:latin typeface="Arial"/>
                           <a:cs typeface="Arial"/>
                         </a:rPr>
                         <a:t>Distributions</a:t>
                       </a:r>
-                      <a:endParaRPr lang="en-US" sz="1600" b="0" dirty="0">
-                        <a:latin typeface="Arial"/>
-                        <a:cs typeface="Arial"/>
-                      </a:endParaRPr>
                     </a:p>
                   </a:txBody>
                   <a:tcPr>
@@ -50829,17 +51078,13 @@
                       <a:r>
                         <a:rPr lang="en-US" sz="1600" b="0" dirty="0">
                           <a:solidFill>
-                            <a:srgbClr val="0000FF"/>
+                            <a:schemeClr val="tx1"/>
                           </a:solidFill>
                           <a:latin typeface="Arial"/>
                           <a:cs typeface="Arial"/>
                         </a:rPr>
                         <a:t>Samplers</a:t>
                       </a:r>
-                      <a:endParaRPr lang="en-US" sz="1600" b="0" dirty="0">
-                        <a:latin typeface="Arial"/>
-                        <a:cs typeface="Arial"/>
-                      </a:endParaRPr>
                     </a:p>
                   </a:txBody>
                   <a:tcPr>
@@ -50859,7 +51104,7 @@
                       <a:r>
                         <a:rPr lang="en-US" sz="1600" b="0" dirty="0" err="1">
                           <a:solidFill>
-                            <a:srgbClr val="0000FF"/>
+                            <a:schemeClr val="tx1"/>
                           </a:solidFill>
                           <a:latin typeface="Arial"/>
                           <a:cs typeface="Arial"/>
@@ -50867,6 +51112,9 @@
                         <a:t>DataObjects</a:t>
                       </a:r>
                       <a:endParaRPr lang="en-US" sz="1600" b="0" dirty="0">
+                        <a:solidFill>
+                          <a:schemeClr val="tx1"/>
+                        </a:solidFill>
                         <a:latin typeface="Arial"/>
                         <a:cs typeface="Arial"/>
                       </a:endParaRPr>
@@ -50889,17 +51137,13 @@
                       <a:r>
                         <a:rPr lang="en-US" sz="1600" b="0" dirty="0">
                           <a:solidFill>
-                            <a:srgbClr val="0000FF"/>
+                            <a:schemeClr val="tx1"/>
                           </a:solidFill>
                           <a:latin typeface="Arial"/>
                           <a:cs typeface="Arial"/>
                         </a:rPr>
                         <a:t>Models</a:t>
                       </a:r>
-                      <a:endParaRPr lang="en-US" sz="1600" b="0" dirty="0">
-                        <a:latin typeface="Arial"/>
-                        <a:cs typeface="Arial"/>
-                      </a:endParaRPr>
                     </a:p>
                   </a:txBody>
                   <a:tcPr>
@@ -50919,17 +51163,13 @@
                       <a:r>
                         <a:rPr lang="en-US" sz="1600" b="0" dirty="0">
                           <a:solidFill>
-                            <a:srgbClr val="0000FF"/>
+                            <a:schemeClr val="tx1"/>
                           </a:solidFill>
                           <a:latin typeface="Arial"/>
                           <a:cs typeface="Arial"/>
                         </a:rPr>
                         <a:t>Files</a:t>
                       </a:r>
-                      <a:endParaRPr lang="en-US" sz="1600" b="0" dirty="0">
-                        <a:latin typeface="Arial"/>
-                        <a:cs typeface="Arial"/>
-                      </a:endParaRPr>
                     </a:p>
                   </a:txBody>
                   <a:tcPr>
@@ -50956,7 +51196,7 @@
                       <a:r>
                         <a:rPr lang="en-US" sz="1600" b="0" dirty="0" err="1">
                           <a:solidFill>
-                            <a:srgbClr val="0000FF"/>
+                            <a:schemeClr val="tx1"/>
                           </a:solidFill>
                           <a:latin typeface="Arial"/>
                           <a:cs typeface="Arial"/>
@@ -50964,6 +51204,9 @@
                         <a:t>OutStreams</a:t>
                       </a:r>
                       <a:endParaRPr lang="en-US" sz="1600" b="0" dirty="0">
+                        <a:solidFill>
+                          <a:schemeClr val="tx1"/>
+                        </a:solidFill>
                         <a:latin typeface="Arial"/>
                         <a:cs typeface="Arial"/>
                       </a:endParaRPr>
@@ -50986,14 +51229,33 @@
                       <a:r>
                         <a:rPr lang="en-US" sz="1600" b="0" dirty="0">
                           <a:solidFill>
-                            <a:srgbClr val="0000FF"/>
+                            <a:schemeClr val="tx1"/>
                           </a:solidFill>
                           <a:latin typeface="Arial"/>
                           <a:cs typeface="Arial"/>
                         </a:rPr>
                         <a:t>Steps</a:t>
                       </a:r>
+                    </a:p>
+                  </a:txBody>
+                  <a:tcPr>
+                    <a:solidFill>
+                      <a:schemeClr val="bg1">
+                        <a:lumMod val="85000"/>
+                      </a:schemeClr>
+                    </a:solidFill>
+                  </a:tcPr>
+                </a:tc>
+                <a:tc>
+                  <a:txBody>
+                    <a:bodyPr/>
+                    <a:lstStyle/>
+                    <a:p>
+                      <a:pPr algn="ctr"/>
                       <a:endParaRPr lang="en-US" sz="1600" b="0" dirty="0">
+                        <a:solidFill>
+                          <a:schemeClr val="tx1"/>
+                        </a:solidFill>
                         <a:latin typeface="Arial"/>
                         <a:cs typeface="Arial"/>
                       </a:endParaRPr>
@@ -51014,6 +51276,9 @@
                     <a:p>
                       <a:pPr algn="ctr"/>
                       <a:endParaRPr lang="en-US" sz="1600" b="0" dirty="0">
+                        <a:solidFill>
+                          <a:schemeClr val="tx1"/>
+                        </a:solidFill>
                         <a:latin typeface="Arial"/>
                         <a:cs typeface="Arial"/>
                       </a:endParaRPr>
@@ -51034,6 +51299,9 @@
                     <a:p>
                       <a:pPr algn="ctr"/>
                       <a:endParaRPr lang="en-US" sz="1600" b="0" dirty="0">
+                        <a:solidFill>
+                          <a:schemeClr val="tx1"/>
+                        </a:solidFill>
                         <a:latin typeface="Arial"/>
                         <a:cs typeface="Arial"/>
                       </a:endParaRPr>
@@ -51054,26 +51322,9 @@
                     <a:p>
                       <a:pPr algn="ctr"/>
                       <a:endParaRPr lang="en-US" sz="1600" b="0" dirty="0">
-                        <a:latin typeface="Arial"/>
-                        <a:cs typeface="Arial"/>
-                      </a:endParaRPr>
-                    </a:p>
-                  </a:txBody>
-                  <a:tcPr>
-                    <a:solidFill>
-                      <a:schemeClr val="bg1">
-                        <a:lumMod val="85000"/>
-                      </a:schemeClr>
-                    </a:solidFill>
-                  </a:tcPr>
-                </a:tc>
-                <a:tc>
-                  <a:txBody>
-                    <a:bodyPr/>
-                    <a:lstStyle/>
-                    <a:p>
-                      <a:pPr algn="ctr"/>
-                      <a:endParaRPr lang="en-US" sz="1600" b="0" dirty="0">
+                        <a:solidFill>
+                          <a:schemeClr val="tx1"/>
+                        </a:solidFill>
                         <a:latin typeface="Arial"/>
                         <a:cs typeface="Arial"/>
                       </a:endParaRPr>
@@ -51705,7 +51956,7 @@
           <p:nvPr>
             <p:extLst>
               <p:ext uri="{D42A27DB-BD31-4B8C-83A1-F6EECF244321}">
-                <p14:modId xmlns:p14="http://schemas.microsoft.com/office/powerpoint/2010/main" val="609027741"/>
+                <p14:modId xmlns:p14="http://schemas.microsoft.com/office/powerpoint/2010/main" val="4088202378"/>
               </p:ext>
             </p:extLst>
           </p:nvPr>
@@ -51774,7 +52025,7 @@
                       <a:r>
                         <a:rPr lang="en-US" sz="1600" b="0" dirty="0" err="1">
                           <a:solidFill>
-                            <a:srgbClr val="0000FF"/>
+                            <a:schemeClr val="tx1"/>
                           </a:solidFill>
                           <a:latin typeface="Arial"/>
                           <a:cs typeface="Arial"/>
@@ -51783,7 +52034,7 @@
                       </a:r>
                       <a:endParaRPr lang="en-US" sz="1600" b="0" dirty="0">
                         <a:solidFill>
-                          <a:srgbClr val="0000FF"/>
+                          <a:schemeClr val="tx1"/>
                         </a:solidFill>
                         <a:latin typeface="Arial"/>
                         <a:cs typeface="Arial"/>
@@ -51807,14 +52058,69 @@
                       <a:r>
                         <a:rPr lang="en-US" sz="1600" b="0" dirty="0">
                           <a:solidFill>
-                            <a:srgbClr val="0000FF"/>
+                            <a:schemeClr val="tx1"/>
                           </a:solidFill>
                           <a:latin typeface="Arial"/>
                           <a:cs typeface="Arial"/>
                         </a:rPr>
                         <a:t>Distributions</a:t>
                       </a:r>
+                    </a:p>
+                  </a:txBody>
+                  <a:tcPr>
+                    <a:solidFill>
+                      <a:schemeClr val="bg1">
+                        <a:lumMod val="85000"/>
+                      </a:schemeClr>
+                    </a:solidFill>
+                  </a:tcPr>
+                </a:tc>
+                <a:tc>
+                  <a:txBody>
+                    <a:bodyPr/>
+                    <a:lstStyle/>
+                    <a:p>
+                      <a:pPr algn="ctr"/>
+                      <a:r>
+                        <a:rPr lang="en-US" sz="1600" b="0" dirty="0">
+                          <a:solidFill>
+                            <a:schemeClr val="tx1"/>
+                          </a:solidFill>
+                          <a:latin typeface="Arial"/>
+                          <a:cs typeface="Arial"/>
+                        </a:rPr>
+                        <a:t>Samplers</a:t>
+                      </a:r>
+                    </a:p>
+                  </a:txBody>
+                  <a:tcPr>
+                    <a:solidFill>
+                      <a:schemeClr val="bg1">
+                        <a:lumMod val="65000"/>
+                      </a:schemeClr>
+                    </a:solidFill>
+                  </a:tcPr>
+                </a:tc>
+                <a:tc>
+                  <a:txBody>
+                    <a:bodyPr/>
+                    <a:lstStyle/>
+                    <a:p>
+                      <a:pPr algn="ctr"/>
+                      <a:r>
+                        <a:rPr lang="en-US" sz="1600" b="0" dirty="0" err="1">
+                          <a:solidFill>
+                            <a:schemeClr val="tx1"/>
+                          </a:solidFill>
+                          <a:latin typeface="Arial"/>
+                          <a:cs typeface="Arial"/>
+                        </a:rPr>
+                        <a:t>DataObjects</a:t>
+                      </a:r>
                       <a:endParaRPr lang="en-US" sz="1600" b="0" dirty="0">
+                        <a:solidFill>
+                          <a:schemeClr val="tx1"/>
+                        </a:solidFill>
                         <a:latin typeface="Arial"/>
                         <a:cs typeface="Arial"/>
                       </a:endParaRPr>
@@ -51837,47 +52143,13 @@
                       <a:r>
                         <a:rPr lang="en-US" sz="1600" b="0" dirty="0">
                           <a:solidFill>
-                            <a:srgbClr val="0000FF"/>
+                            <a:schemeClr val="tx1"/>
                           </a:solidFill>
                           <a:latin typeface="Arial"/>
                           <a:cs typeface="Arial"/>
                         </a:rPr>
-                        <a:t>Samplers</a:t>
+                        <a:t>Models</a:t>
                       </a:r>
-                      <a:endParaRPr lang="en-US" sz="1600" b="0" dirty="0">
-                        <a:latin typeface="Arial"/>
-                        <a:cs typeface="Arial"/>
-                      </a:endParaRPr>
-                    </a:p>
-                  </a:txBody>
-                  <a:tcPr>
-                    <a:solidFill>
-                      <a:schemeClr val="bg1">
-                        <a:lumMod val="65000"/>
-                      </a:schemeClr>
-                    </a:solidFill>
-                  </a:tcPr>
-                </a:tc>
-                <a:tc>
-                  <a:txBody>
-                    <a:bodyPr/>
-                    <a:lstStyle/>
-                    <a:p>
-                      <a:pPr algn="ctr"/>
-                      <a:r>
-                        <a:rPr lang="en-US" sz="1600" b="0" dirty="0" err="1">
-                          <a:solidFill>
-                            <a:srgbClr val="0000FF"/>
-                          </a:solidFill>
-                          <a:latin typeface="Arial"/>
-                          <a:cs typeface="Arial"/>
-                        </a:rPr>
-                        <a:t>DataObjects</a:t>
-                      </a:r>
-                      <a:endParaRPr lang="en-US" sz="1600" b="0" dirty="0">
-                        <a:latin typeface="Arial"/>
-                        <a:cs typeface="Arial"/>
-                      </a:endParaRPr>
                     </a:p>
                   </a:txBody>
                   <a:tcPr>
@@ -51897,47 +52169,13 @@
                       <a:r>
                         <a:rPr lang="en-US" sz="1600" b="0" dirty="0">
                           <a:solidFill>
-                            <a:srgbClr val="0000FF"/>
-                          </a:solidFill>
-                          <a:latin typeface="Arial"/>
-                          <a:cs typeface="Arial"/>
-                        </a:rPr>
-                        <a:t>Models</a:t>
-                      </a:r>
-                      <a:endParaRPr lang="en-US" sz="1600" b="0" dirty="0">
-                        <a:latin typeface="Arial"/>
-                        <a:cs typeface="Arial"/>
-                      </a:endParaRPr>
-                    </a:p>
-                  </a:txBody>
-                  <a:tcPr>
-                    <a:solidFill>
-                      <a:schemeClr val="bg1">
-                        <a:lumMod val="85000"/>
-                      </a:schemeClr>
-                    </a:solidFill>
-                  </a:tcPr>
-                </a:tc>
-                <a:tc>
-                  <a:txBody>
-                    <a:bodyPr/>
-                    <a:lstStyle/>
-                    <a:p>
-                      <a:pPr algn="ctr"/>
-                      <a:r>
-                        <a:rPr lang="en-US" sz="1600" b="0" dirty="0">
-                          <a:solidFill>
-                            <a:srgbClr val="0000FF"/>
+                            <a:schemeClr val="tx1"/>
                           </a:solidFill>
                           <a:latin typeface="Arial"/>
                           <a:cs typeface="Arial"/>
                         </a:rPr>
                         <a:t>Files</a:t>
                       </a:r>
-                      <a:endParaRPr lang="en-US" sz="1600" b="0" dirty="0">
-                        <a:latin typeface="Arial"/>
-                        <a:cs typeface="Arial"/>
-                      </a:endParaRPr>
                     </a:p>
                   </a:txBody>
                   <a:tcPr>
@@ -51964,7 +52202,7 @@
                       <a:r>
                         <a:rPr lang="en-US" sz="1600" b="0" dirty="0" err="1">
                           <a:solidFill>
-                            <a:srgbClr val="0000FF"/>
+                            <a:schemeClr val="tx1"/>
                           </a:solidFill>
                           <a:latin typeface="Arial"/>
                           <a:cs typeface="Arial"/>
@@ -51972,6 +52210,9 @@
                         <a:t>OutStreams</a:t>
                       </a:r>
                       <a:endParaRPr lang="en-US" sz="1600" b="0" dirty="0">
+                        <a:solidFill>
+                          <a:schemeClr val="tx1"/>
+                        </a:solidFill>
                         <a:latin typeface="Arial"/>
                         <a:cs typeface="Arial"/>
                       </a:endParaRPr>
@@ -51994,14 +52235,33 @@
                       <a:r>
                         <a:rPr lang="en-US" sz="1600" b="0" dirty="0">
                           <a:solidFill>
-                            <a:srgbClr val="0000FF"/>
+                            <a:schemeClr val="tx1"/>
                           </a:solidFill>
                           <a:latin typeface="Arial"/>
                           <a:cs typeface="Arial"/>
                         </a:rPr>
                         <a:t>Steps</a:t>
                       </a:r>
+                    </a:p>
+                  </a:txBody>
+                  <a:tcPr>
+                    <a:solidFill>
+                      <a:schemeClr val="bg1">
+                        <a:lumMod val="85000"/>
+                      </a:schemeClr>
+                    </a:solidFill>
+                  </a:tcPr>
+                </a:tc>
+                <a:tc>
+                  <a:txBody>
+                    <a:bodyPr/>
+                    <a:lstStyle/>
+                    <a:p>
+                      <a:pPr algn="ctr"/>
                       <a:endParaRPr lang="en-US" sz="1600" b="0" dirty="0">
+                        <a:solidFill>
+                          <a:schemeClr val="tx1"/>
+                        </a:solidFill>
                         <a:latin typeface="Arial"/>
                         <a:cs typeface="Arial"/>
                       </a:endParaRPr>
@@ -52022,6 +52282,9 @@
                     <a:p>
                       <a:pPr algn="ctr"/>
                       <a:endParaRPr lang="en-US" sz="1600" b="0" dirty="0">
+                        <a:solidFill>
+                          <a:schemeClr val="tx1"/>
+                        </a:solidFill>
                         <a:latin typeface="Arial"/>
                         <a:cs typeface="Arial"/>
                       </a:endParaRPr>
@@ -52042,6 +52305,9 @@
                     <a:p>
                       <a:pPr algn="ctr"/>
                       <a:endParaRPr lang="en-US" sz="1600" b="0" dirty="0">
+                        <a:solidFill>
+                          <a:schemeClr val="tx1"/>
+                        </a:solidFill>
                         <a:latin typeface="Arial"/>
                         <a:cs typeface="Arial"/>
                       </a:endParaRPr>
@@ -52062,26 +52328,9 @@
                     <a:p>
                       <a:pPr algn="ctr"/>
                       <a:endParaRPr lang="en-US" sz="1600" b="0" dirty="0">
-                        <a:latin typeface="Arial"/>
-                        <a:cs typeface="Arial"/>
-                      </a:endParaRPr>
-                    </a:p>
-                  </a:txBody>
-                  <a:tcPr>
-                    <a:solidFill>
-                      <a:schemeClr val="bg1">
-                        <a:lumMod val="85000"/>
-                      </a:schemeClr>
-                    </a:solidFill>
-                  </a:tcPr>
-                </a:tc>
-                <a:tc>
-                  <a:txBody>
-                    <a:bodyPr/>
-                    <a:lstStyle/>
-                    <a:p>
-                      <a:pPr algn="ctr"/>
-                      <a:endParaRPr lang="en-US" sz="1600" b="0" dirty="0">
+                        <a:solidFill>
+                          <a:schemeClr val="tx1"/>
+                        </a:solidFill>
                         <a:latin typeface="Arial"/>
                         <a:cs typeface="Arial"/>
                       </a:endParaRPr>
@@ -52638,7 +52887,7 @@
           <p:nvPr>
             <p:extLst>
               <p:ext uri="{D42A27DB-BD31-4B8C-83A1-F6EECF244321}">
-                <p14:modId xmlns:p14="http://schemas.microsoft.com/office/powerpoint/2010/main" val="1164278224"/>
+                <p14:modId xmlns:p14="http://schemas.microsoft.com/office/powerpoint/2010/main" val="462459651"/>
               </p:ext>
             </p:extLst>
           </p:nvPr>
@@ -52707,7 +52956,7 @@
                       <a:r>
                         <a:rPr lang="en-US" sz="1600" b="0" dirty="0" err="1">
                           <a:solidFill>
-                            <a:srgbClr val="0000FF"/>
+                            <a:schemeClr val="tx1"/>
                           </a:solidFill>
                           <a:latin typeface="Arial"/>
                           <a:cs typeface="Arial"/>
@@ -52716,7 +52965,7 @@
                       </a:r>
                       <a:endParaRPr lang="en-US" sz="1600" b="0" dirty="0">
                         <a:solidFill>
-                          <a:srgbClr val="0000FF"/>
+                          <a:schemeClr val="tx1"/>
                         </a:solidFill>
                         <a:latin typeface="Arial"/>
                         <a:cs typeface="Arial"/>
@@ -52740,17 +52989,13 @@
                       <a:r>
                         <a:rPr lang="en-US" sz="1600" b="0" dirty="0">
                           <a:solidFill>
-                            <a:srgbClr val="0000FF"/>
+                            <a:schemeClr val="tx1"/>
                           </a:solidFill>
                           <a:latin typeface="Arial"/>
                           <a:cs typeface="Arial"/>
                         </a:rPr>
                         <a:t>Distributions</a:t>
                       </a:r>
-                      <a:endParaRPr lang="en-US" sz="1600" b="0" dirty="0">
-                        <a:latin typeface="Arial"/>
-                        <a:cs typeface="Arial"/>
-                      </a:endParaRPr>
                     </a:p>
                   </a:txBody>
                   <a:tcPr>
@@ -52770,17 +53015,13 @@
                       <a:r>
                         <a:rPr lang="en-US" sz="1600" b="0" dirty="0">
                           <a:solidFill>
-                            <a:srgbClr val="0000FF"/>
+                            <a:schemeClr val="tx1"/>
                           </a:solidFill>
                           <a:latin typeface="Arial"/>
                           <a:cs typeface="Arial"/>
                         </a:rPr>
                         <a:t>Samplers</a:t>
                       </a:r>
-                      <a:endParaRPr lang="en-US" sz="1600" b="0" dirty="0">
-                        <a:latin typeface="Arial"/>
-                        <a:cs typeface="Arial"/>
-                      </a:endParaRPr>
                     </a:p>
                   </a:txBody>
                   <a:tcPr>
@@ -52800,7 +53041,7 @@
                       <a:r>
                         <a:rPr lang="en-US" sz="1600" b="0" dirty="0" err="1">
                           <a:solidFill>
-                            <a:srgbClr val="0000FF"/>
+                            <a:schemeClr val="tx1"/>
                           </a:solidFill>
                           <a:latin typeface="Arial"/>
                           <a:cs typeface="Arial"/>
@@ -52808,6 +53049,9 @@
                         <a:t>DataObjects</a:t>
                       </a:r>
                       <a:endParaRPr lang="en-US" sz="1600" b="0" dirty="0">
+                        <a:solidFill>
+                          <a:schemeClr val="tx1"/>
+                        </a:solidFill>
                         <a:latin typeface="Arial"/>
                         <a:cs typeface="Arial"/>
                       </a:endParaRPr>
@@ -52830,17 +53074,13 @@
                       <a:r>
                         <a:rPr lang="en-US" sz="1600" b="0" dirty="0">
                           <a:solidFill>
-                            <a:srgbClr val="0000FF"/>
+                            <a:schemeClr val="tx1"/>
                           </a:solidFill>
                           <a:latin typeface="Arial"/>
                           <a:cs typeface="Arial"/>
                         </a:rPr>
                         <a:t>Models</a:t>
                       </a:r>
-                      <a:endParaRPr lang="en-US" sz="1600" b="0" dirty="0">
-                        <a:latin typeface="Arial"/>
-                        <a:cs typeface="Arial"/>
-                      </a:endParaRPr>
                     </a:p>
                   </a:txBody>
                   <a:tcPr>
@@ -52860,17 +53100,13 @@
                       <a:r>
                         <a:rPr lang="en-US" sz="1600" b="0" dirty="0">
                           <a:solidFill>
-                            <a:srgbClr val="0000FF"/>
+                            <a:schemeClr val="tx1"/>
                           </a:solidFill>
                           <a:latin typeface="Arial"/>
                           <a:cs typeface="Arial"/>
                         </a:rPr>
                         <a:t>Files</a:t>
                       </a:r>
-                      <a:endParaRPr lang="en-US" sz="1600" b="0" dirty="0">
-                        <a:latin typeface="Arial"/>
-                        <a:cs typeface="Arial"/>
-                      </a:endParaRPr>
                     </a:p>
                   </a:txBody>
                   <a:tcPr>
@@ -52897,7 +53133,7 @@
                       <a:r>
                         <a:rPr lang="en-US" sz="1600" b="0" dirty="0" err="1">
                           <a:solidFill>
-                            <a:srgbClr val="0000FF"/>
+                            <a:schemeClr val="tx1"/>
                           </a:solidFill>
                           <a:latin typeface="Arial"/>
                           <a:cs typeface="Arial"/>
@@ -52905,6 +53141,9 @@
                         <a:t>OutStreams</a:t>
                       </a:r>
                       <a:endParaRPr lang="en-US" sz="1600" b="0" dirty="0">
+                        <a:solidFill>
+                          <a:schemeClr val="tx1"/>
+                        </a:solidFill>
                         <a:latin typeface="Arial"/>
                         <a:cs typeface="Arial"/>
                       </a:endParaRPr>
@@ -52927,14 +53166,33 @@
                       <a:r>
                         <a:rPr lang="en-US" sz="1600" b="0" dirty="0">
                           <a:solidFill>
-                            <a:srgbClr val="0000FF"/>
+                            <a:schemeClr val="tx1"/>
                           </a:solidFill>
                           <a:latin typeface="Arial"/>
                           <a:cs typeface="Arial"/>
                         </a:rPr>
                         <a:t>Steps</a:t>
                       </a:r>
+                    </a:p>
+                  </a:txBody>
+                  <a:tcPr>
+                    <a:solidFill>
+                      <a:schemeClr val="bg1">
+                        <a:lumMod val="85000"/>
+                      </a:schemeClr>
+                    </a:solidFill>
+                  </a:tcPr>
+                </a:tc>
+                <a:tc>
+                  <a:txBody>
+                    <a:bodyPr/>
+                    <a:lstStyle/>
+                    <a:p>
+                      <a:pPr algn="ctr"/>
                       <a:endParaRPr lang="en-US" sz="1600" b="0" dirty="0">
+                        <a:solidFill>
+                          <a:schemeClr val="tx1"/>
+                        </a:solidFill>
                         <a:latin typeface="Arial"/>
                         <a:cs typeface="Arial"/>
                       </a:endParaRPr>
@@ -52955,6 +53213,9 @@
                     <a:p>
                       <a:pPr algn="ctr"/>
                       <a:endParaRPr lang="en-US" sz="1600" b="0" dirty="0">
+                        <a:solidFill>
+                          <a:schemeClr val="tx1"/>
+                        </a:solidFill>
                         <a:latin typeface="Arial"/>
                         <a:cs typeface="Arial"/>
                       </a:endParaRPr>
@@ -52975,6 +53236,9 @@
                     <a:p>
                       <a:pPr algn="ctr"/>
                       <a:endParaRPr lang="en-US" sz="1600" b="0" dirty="0">
+                        <a:solidFill>
+                          <a:schemeClr val="tx1"/>
+                        </a:solidFill>
                         <a:latin typeface="Arial"/>
                         <a:cs typeface="Arial"/>
                       </a:endParaRPr>
@@ -52995,26 +53259,9 @@
                     <a:p>
                       <a:pPr algn="ctr"/>
                       <a:endParaRPr lang="en-US" sz="1600" b="0" dirty="0">
-                        <a:latin typeface="Arial"/>
-                        <a:cs typeface="Arial"/>
-                      </a:endParaRPr>
-                    </a:p>
-                  </a:txBody>
-                  <a:tcPr>
-                    <a:solidFill>
-                      <a:schemeClr val="bg1">
-                        <a:lumMod val="85000"/>
-                      </a:schemeClr>
-                    </a:solidFill>
-                  </a:tcPr>
-                </a:tc>
-                <a:tc>
-                  <a:txBody>
-                    <a:bodyPr/>
-                    <a:lstStyle/>
-                    <a:p>
-                      <a:pPr algn="ctr"/>
-                      <a:endParaRPr lang="en-US" sz="1600" b="0" dirty="0">
+                        <a:solidFill>
+                          <a:schemeClr val="tx1"/>
+                        </a:solidFill>
                         <a:latin typeface="Arial"/>
                         <a:cs typeface="Arial"/>
                       </a:endParaRPr>
@@ -53653,7 +53900,7 @@
           <p:nvPr>
             <p:extLst>
               <p:ext uri="{D42A27DB-BD31-4B8C-83A1-F6EECF244321}">
-                <p14:modId xmlns:p14="http://schemas.microsoft.com/office/powerpoint/2010/main" val="3222333225"/>
+                <p14:modId xmlns:p14="http://schemas.microsoft.com/office/powerpoint/2010/main" val="238278182"/>
               </p:ext>
             </p:extLst>
           </p:nvPr>
@@ -53722,7 +53969,7 @@
                       <a:r>
                         <a:rPr lang="en-US" sz="1600" b="0" dirty="0" err="1">
                           <a:solidFill>
-                            <a:srgbClr val="0000FF"/>
+                            <a:schemeClr val="tx1"/>
                           </a:solidFill>
                           <a:latin typeface="Arial"/>
                           <a:cs typeface="Arial"/>
@@ -53731,7 +53978,7 @@
                       </a:r>
                       <a:endParaRPr lang="en-US" sz="1600" b="0" dirty="0">
                         <a:solidFill>
-                          <a:srgbClr val="0000FF"/>
+                          <a:schemeClr val="tx1"/>
                         </a:solidFill>
                         <a:latin typeface="Arial"/>
                         <a:cs typeface="Arial"/>
@@ -53755,14 +54002,69 @@
                       <a:r>
                         <a:rPr lang="en-US" sz="1600" b="0" dirty="0">
                           <a:solidFill>
-                            <a:srgbClr val="0000FF"/>
+                            <a:schemeClr val="tx1"/>
                           </a:solidFill>
                           <a:latin typeface="Arial"/>
                           <a:cs typeface="Arial"/>
                         </a:rPr>
                         <a:t>Distributions</a:t>
                       </a:r>
+                    </a:p>
+                  </a:txBody>
+                  <a:tcPr>
+                    <a:solidFill>
+                      <a:schemeClr val="bg1">
+                        <a:lumMod val="85000"/>
+                      </a:schemeClr>
+                    </a:solidFill>
+                  </a:tcPr>
+                </a:tc>
+                <a:tc>
+                  <a:txBody>
+                    <a:bodyPr/>
+                    <a:lstStyle/>
+                    <a:p>
+                      <a:pPr algn="ctr"/>
+                      <a:r>
+                        <a:rPr lang="en-US" sz="1600" b="0" dirty="0">
+                          <a:solidFill>
+                            <a:schemeClr val="tx1"/>
+                          </a:solidFill>
+                          <a:latin typeface="Arial"/>
+                          <a:cs typeface="Arial"/>
+                        </a:rPr>
+                        <a:t>Samplers</a:t>
+                      </a:r>
+                    </a:p>
+                  </a:txBody>
+                  <a:tcPr>
+                    <a:solidFill>
+                      <a:schemeClr val="bg1">
+                        <a:lumMod val="85000"/>
+                      </a:schemeClr>
+                    </a:solidFill>
+                  </a:tcPr>
+                </a:tc>
+                <a:tc>
+                  <a:txBody>
+                    <a:bodyPr/>
+                    <a:lstStyle/>
+                    <a:p>
+                      <a:pPr algn="ctr"/>
+                      <a:r>
+                        <a:rPr lang="en-US" sz="1600" b="0" dirty="0" err="1">
+                          <a:solidFill>
+                            <a:schemeClr val="tx1"/>
+                          </a:solidFill>
+                          <a:latin typeface="Arial"/>
+                          <a:cs typeface="Arial"/>
+                        </a:rPr>
+                        <a:t>DataObjects</a:t>
+                      </a:r>
                       <a:endParaRPr lang="en-US" sz="1600" b="0" dirty="0">
+                        <a:solidFill>
+                          <a:schemeClr val="tx1"/>
+                        </a:solidFill>
                         <a:latin typeface="Arial"/>
                         <a:cs typeface="Arial"/>
                       </a:endParaRPr>
@@ -53785,77 +54087,13 @@
                       <a:r>
                         <a:rPr lang="en-US" sz="1600" b="0" dirty="0">
                           <a:solidFill>
-                            <a:srgbClr val="0000FF"/>
-                          </a:solidFill>
-                          <a:latin typeface="Arial"/>
-                          <a:cs typeface="Arial"/>
-                        </a:rPr>
-                        <a:t>Samplers</a:t>
-                      </a:r>
-                      <a:endParaRPr lang="en-US" sz="1600" b="0" dirty="0">
-                        <a:latin typeface="Arial"/>
-                        <a:cs typeface="Arial"/>
-                      </a:endParaRPr>
-                    </a:p>
-                  </a:txBody>
-                  <a:tcPr>
-                    <a:solidFill>
-                      <a:schemeClr val="bg1">
-                        <a:lumMod val="85000"/>
-                      </a:schemeClr>
-                    </a:solidFill>
-                  </a:tcPr>
-                </a:tc>
-                <a:tc>
-                  <a:txBody>
-                    <a:bodyPr/>
-                    <a:lstStyle/>
-                    <a:p>
-                      <a:pPr algn="ctr"/>
-                      <a:r>
-                        <a:rPr lang="en-US" sz="1600" b="0" dirty="0" err="1">
-                          <a:solidFill>
-                            <a:srgbClr val="0000FF"/>
-                          </a:solidFill>
-                          <a:latin typeface="Arial"/>
-                          <a:cs typeface="Arial"/>
-                        </a:rPr>
-                        <a:t>DataObjects</a:t>
-                      </a:r>
-                      <a:endParaRPr lang="en-US" sz="1600" b="0" dirty="0">
-                        <a:latin typeface="Arial"/>
-                        <a:cs typeface="Arial"/>
-                      </a:endParaRPr>
-                    </a:p>
-                  </a:txBody>
-                  <a:tcPr>
-                    <a:solidFill>
-                      <a:schemeClr val="bg1">
-                        <a:lumMod val="85000"/>
-                      </a:schemeClr>
-                    </a:solidFill>
-                  </a:tcPr>
-                </a:tc>
-                <a:tc>
-                  <a:txBody>
-                    <a:bodyPr/>
-                    <a:lstStyle/>
-                    <a:p>
-                      <a:pPr algn="ctr"/>
-                      <a:r>
-                        <a:rPr lang="en-US" sz="1600" b="0" dirty="0">
-                          <a:solidFill>
-                            <a:srgbClr val="0000FF"/>
+                            <a:schemeClr val="tx1"/>
                           </a:solidFill>
                           <a:latin typeface="Arial"/>
                           <a:cs typeface="Arial"/>
                         </a:rPr>
                         <a:t>Models</a:t>
                       </a:r>
-                      <a:endParaRPr lang="en-US" sz="1600" b="0" dirty="0">
-                        <a:latin typeface="Arial"/>
-                        <a:cs typeface="Arial"/>
-                      </a:endParaRPr>
                     </a:p>
                   </a:txBody>
                   <a:tcPr>
@@ -53875,17 +54113,13 @@
                       <a:r>
                         <a:rPr lang="en-US" sz="1600" b="0" dirty="0">
                           <a:solidFill>
-                            <a:srgbClr val="0000FF"/>
+                            <a:schemeClr val="tx1"/>
                           </a:solidFill>
                           <a:latin typeface="Arial"/>
                           <a:cs typeface="Arial"/>
                         </a:rPr>
                         <a:t>Files</a:t>
                       </a:r>
-                      <a:endParaRPr lang="en-US" sz="1600" b="0" dirty="0">
-                        <a:latin typeface="Arial"/>
-                        <a:cs typeface="Arial"/>
-                      </a:endParaRPr>
                     </a:p>
                   </a:txBody>
                   <a:tcPr>
@@ -53912,7 +54146,7 @@
                       <a:r>
                         <a:rPr lang="en-US" sz="1600" b="0" dirty="0" err="1">
                           <a:solidFill>
-                            <a:srgbClr val="0000FF"/>
+                            <a:schemeClr val="tx1"/>
                           </a:solidFill>
                           <a:latin typeface="Arial"/>
                           <a:cs typeface="Arial"/>
@@ -53920,6 +54154,9 @@
                         <a:t>OutStreams</a:t>
                       </a:r>
                       <a:endParaRPr lang="en-US" sz="1600" b="0" dirty="0">
+                        <a:solidFill>
+                          <a:schemeClr val="tx1"/>
+                        </a:solidFill>
                         <a:latin typeface="Arial"/>
                         <a:cs typeface="Arial"/>
                       </a:endParaRPr>
@@ -53942,14 +54179,33 @@
                       <a:r>
                         <a:rPr lang="en-US" sz="1600" b="0" dirty="0">
                           <a:solidFill>
-                            <a:srgbClr val="0000FF"/>
+                            <a:schemeClr val="tx1"/>
                           </a:solidFill>
                           <a:latin typeface="Arial"/>
                           <a:cs typeface="Arial"/>
                         </a:rPr>
                         <a:t>Steps</a:t>
                       </a:r>
+                    </a:p>
+                  </a:txBody>
+                  <a:tcPr>
+                    <a:solidFill>
+                      <a:schemeClr val="bg1">
+                        <a:lumMod val="85000"/>
+                      </a:schemeClr>
+                    </a:solidFill>
+                  </a:tcPr>
+                </a:tc>
+                <a:tc>
+                  <a:txBody>
+                    <a:bodyPr/>
+                    <a:lstStyle/>
+                    <a:p>
+                      <a:pPr algn="ctr"/>
                       <a:endParaRPr lang="en-US" sz="1600" b="0" dirty="0">
+                        <a:solidFill>
+                          <a:schemeClr val="tx1"/>
+                        </a:solidFill>
                         <a:latin typeface="Arial"/>
                         <a:cs typeface="Arial"/>
                       </a:endParaRPr>
@@ -53970,6 +54226,9 @@
                     <a:p>
                       <a:pPr algn="ctr"/>
                       <a:endParaRPr lang="en-US" sz="1600" b="0" dirty="0">
+                        <a:solidFill>
+                          <a:schemeClr val="tx1"/>
+                        </a:solidFill>
                         <a:latin typeface="Arial"/>
                         <a:cs typeface="Arial"/>
                       </a:endParaRPr>
@@ -53990,6 +54249,9 @@
                     <a:p>
                       <a:pPr algn="ctr"/>
                       <a:endParaRPr lang="en-US" sz="1600" b="0" dirty="0">
+                        <a:solidFill>
+                          <a:schemeClr val="tx1"/>
+                        </a:solidFill>
                         <a:latin typeface="Arial"/>
                         <a:cs typeface="Arial"/>
                       </a:endParaRPr>
@@ -54010,26 +54272,9 @@
                     <a:p>
                       <a:pPr algn="ctr"/>
                       <a:endParaRPr lang="en-US" sz="1600" b="0" dirty="0">
-                        <a:latin typeface="Arial"/>
-                        <a:cs typeface="Arial"/>
-                      </a:endParaRPr>
-                    </a:p>
-                  </a:txBody>
-                  <a:tcPr>
-                    <a:solidFill>
-                      <a:schemeClr val="bg1">
-                        <a:lumMod val="85000"/>
-                      </a:schemeClr>
-                    </a:solidFill>
-                  </a:tcPr>
-                </a:tc>
-                <a:tc>
-                  <a:txBody>
-                    <a:bodyPr/>
-                    <a:lstStyle/>
-                    <a:p>
-                      <a:pPr algn="ctr"/>
-                      <a:endParaRPr lang="en-US" sz="1600" b="0" dirty="0">
+                        <a:solidFill>
+                          <a:schemeClr val="tx1"/>
+                        </a:solidFill>
                         <a:latin typeface="Arial"/>
                         <a:cs typeface="Arial"/>
                       </a:endParaRPr>
@@ -55139,7 +55384,7 @@
           <p:nvPr>
             <p:extLst>
               <p:ext uri="{D42A27DB-BD31-4B8C-83A1-F6EECF244321}">
-                <p14:modId xmlns:p14="http://schemas.microsoft.com/office/powerpoint/2010/main" val="3982427651"/>
+                <p14:modId xmlns:p14="http://schemas.microsoft.com/office/powerpoint/2010/main" val="1643079489"/>
               </p:ext>
             </p:extLst>
           </p:nvPr>
@@ -55208,7 +55453,7 @@
                       <a:r>
                         <a:rPr lang="en-US" sz="1600" b="0" dirty="0" err="1">
                           <a:solidFill>
-                            <a:srgbClr val="0000FF"/>
+                            <a:schemeClr val="tx1"/>
                           </a:solidFill>
                           <a:latin typeface="Arial"/>
                           <a:cs typeface="Arial"/>
@@ -55217,7 +55462,7 @@
                       </a:r>
                       <a:endParaRPr lang="en-US" sz="1600" b="0" dirty="0">
                         <a:solidFill>
-                          <a:srgbClr val="0000FF"/>
+                          <a:schemeClr val="tx1"/>
                         </a:solidFill>
                         <a:latin typeface="Arial"/>
                         <a:cs typeface="Arial"/>
@@ -55241,14 +55486,69 @@
                       <a:r>
                         <a:rPr lang="en-US" sz="1600" b="0" dirty="0">
                           <a:solidFill>
-                            <a:srgbClr val="0000FF"/>
+                            <a:schemeClr val="tx1"/>
                           </a:solidFill>
                           <a:latin typeface="Arial"/>
                           <a:cs typeface="Arial"/>
                         </a:rPr>
                         <a:t>Distributions</a:t>
                       </a:r>
+                    </a:p>
+                  </a:txBody>
+                  <a:tcPr>
+                    <a:solidFill>
+                      <a:schemeClr val="bg1">
+                        <a:lumMod val="85000"/>
+                      </a:schemeClr>
+                    </a:solidFill>
+                  </a:tcPr>
+                </a:tc>
+                <a:tc>
+                  <a:txBody>
+                    <a:bodyPr/>
+                    <a:lstStyle/>
+                    <a:p>
+                      <a:pPr algn="ctr"/>
+                      <a:r>
+                        <a:rPr lang="en-US" sz="1600" b="0" dirty="0">
+                          <a:solidFill>
+                            <a:schemeClr val="tx1"/>
+                          </a:solidFill>
+                          <a:latin typeface="Arial"/>
+                          <a:cs typeface="Arial"/>
+                        </a:rPr>
+                        <a:t>Samplers</a:t>
+                      </a:r>
+                    </a:p>
+                  </a:txBody>
+                  <a:tcPr>
+                    <a:solidFill>
+                      <a:schemeClr val="bg1">
+                        <a:lumMod val="85000"/>
+                      </a:schemeClr>
+                    </a:solidFill>
+                  </a:tcPr>
+                </a:tc>
+                <a:tc>
+                  <a:txBody>
+                    <a:bodyPr/>
+                    <a:lstStyle/>
+                    <a:p>
+                      <a:pPr algn="ctr"/>
+                      <a:r>
+                        <a:rPr lang="en-US" sz="1600" b="0" dirty="0" err="1">
+                          <a:solidFill>
+                            <a:schemeClr val="tx1"/>
+                          </a:solidFill>
+                          <a:latin typeface="Arial"/>
+                          <a:cs typeface="Arial"/>
+                        </a:rPr>
+                        <a:t>DataObjects</a:t>
+                      </a:r>
                       <a:endParaRPr lang="en-US" sz="1600" b="0" dirty="0">
+                        <a:solidFill>
+                          <a:schemeClr val="tx1"/>
+                        </a:solidFill>
                         <a:latin typeface="Arial"/>
                         <a:cs typeface="Arial"/>
                       </a:endParaRPr>
@@ -55271,47 +55571,13 @@
                       <a:r>
                         <a:rPr lang="en-US" sz="1600" b="0" dirty="0">
                           <a:solidFill>
-                            <a:srgbClr val="0000FF"/>
+                            <a:schemeClr val="tx1"/>
                           </a:solidFill>
                           <a:latin typeface="Arial"/>
                           <a:cs typeface="Arial"/>
                         </a:rPr>
-                        <a:t>Samplers</a:t>
+                        <a:t>Models</a:t>
                       </a:r>
-                      <a:endParaRPr lang="en-US" sz="1600" b="0" dirty="0">
-                        <a:latin typeface="Arial"/>
-                        <a:cs typeface="Arial"/>
-                      </a:endParaRPr>
-                    </a:p>
-                  </a:txBody>
-                  <a:tcPr>
-                    <a:solidFill>
-                      <a:schemeClr val="bg1">
-                        <a:lumMod val="85000"/>
-                      </a:schemeClr>
-                    </a:solidFill>
-                  </a:tcPr>
-                </a:tc>
-                <a:tc>
-                  <a:txBody>
-                    <a:bodyPr/>
-                    <a:lstStyle/>
-                    <a:p>
-                      <a:pPr algn="ctr"/>
-                      <a:r>
-                        <a:rPr lang="en-US" sz="1600" b="0" dirty="0" err="1">
-                          <a:solidFill>
-                            <a:srgbClr val="0000FF"/>
-                          </a:solidFill>
-                          <a:latin typeface="Arial"/>
-                          <a:cs typeface="Arial"/>
-                        </a:rPr>
-                        <a:t>DataObjects</a:t>
-                      </a:r>
-                      <a:endParaRPr lang="en-US" sz="1600" b="0" dirty="0">
-                        <a:latin typeface="Arial"/>
-                        <a:cs typeface="Arial"/>
-                      </a:endParaRPr>
                     </a:p>
                   </a:txBody>
                   <a:tcPr>
@@ -55331,47 +55597,13 @@
                       <a:r>
                         <a:rPr lang="en-US" sz="1600" b="0" dirty="0">
                           <a:solidFill>
-                            <a:srgbClr val="0000FF"/>
-                          </a:solidFill>
-                          <a:latin typeface="Arial"/>
-                          <a:cs typeface="Arial"/>
-                        </a:rPr>
-                        <a:t>Models</a:t>
-                      </a:r>
-                      <a:endParaRPr lang="en-US" sz="1600" b="0" dirty="0">
-                        <a:latin typeface="Arial"/>
-                        <a:cs typeface="Arial"/>
-                      </a:endParaRPr>
-                    </a:p>
-                  </a:txBody>
-                  <a:tcPr>
-                    <a:solidFill>
-                      <a:schemeClr val="bg1">
-                        <a:lumMod val="85000"/>
-                      </a:schemeClr>
-                    </a:solidFill>
-                  </a:tcPr>
-                </a:tc>
-                <a:tc>
-                  <a:txBody>
-                    <a:bodyPr/>
-                    <a:lstStyle/>
-                    <a:p>
-                      <a:pPr algn="ctr"/>
-                      <a:r>
-                        <a:rPr lang="en-US" sz="1600" b="0" dirty="0">
-                          <a:solidFill>
-                            <a:srgbClr val="0000FF"/>
+                            <a:schemeClr val="tx1"/>
                           </a:solidFill>
                           <a:latin typeface="Arial"/>
                           <a:cs typeface="Arial"/>
                         </a:rPr>
                         <a:t>Files</a:t>
                       </a:r>
-                      <a:endParaRPr lang="en-US" sz="1600" b="0" dirty="0">
-                        <a:latin typeface="Arial"/>
-                        <a:cs typeface="Arial"/>
-                      </a:endParaRPr>
                     </a:p>
                   </a:txBody>
                   <a:tcPr>
@@ -55398,7 +55630,7 @@
                       <a:r>
                         <a:rPr lang="en-US" sz="1600" b="0" dirty="0" err="1">
                           <a:solidFill>
-                            <a:srgbClr val="0000FF"/>
+                            <a:schemeClr val="tx1"/>
                           </a:solidFill>
                           <a:latin typeface="Arial"/>
                           <a:cs typeface="Arial"/>
@@ -55406,6 +55638,9 @@
                         <a:t>OutStreams</a:t>
                       </a:r>
                       <a:endParaRPr lang="en-US" sz="1600" b="0" dirty="0">
+                        <a:solidFill>
+                          <a:schemeClr val="tx1"/>
+                        </a:solidFill>
                         <a:latin typeface="Arial"/>
                         <a:cs typeface="Arial"/>
                       </a:endParaRPr>
@@ -55428,14 +55663,33 @@
                       <a:r>
                         <a:rPr lang="en-US" sz="1600" b="0" dirty="0">
                           <a:solidFill>
-                            <a:srgbClr val="0000FF"/>
+                            <a:schemeClr val="tx1"/>
                           </a:solidFill>
                           <a:latin typeface="Arial"/>
                           <a:cs typeface="Arial"/>
                         </a:rPr>
                         <a:t>Steps</a:t>
                       </a:r>
+                    </a:p>
+                  </a:txBody>
+                  <a:tcPr>
+                    <a:solidFill>
+                      <a:schemeClr val="bg1">
+                        <a:lumMod val="85000"/>
+                      </a:schemeClr>
+                    </a:solidFill>
+                  </a:tcPr>
+                </a:tc>
+                <a:tc>
+                  <a:txBody>
+                    <a:bodyPr/>
+                    <a:lstStyle/>
+                    <a:p>
+                      <a:pPr algn="ctr"/>
                       <a:endParaRPr lang="en-US" sz="1600" b="0" dirty="0">
+                        <a:solidFill>
+                          <a:schemeClr val="tx1"/>
+                        </a:solidFill>
                         <a:latin typeface="Arial"/>
                         <a:cs typeface="Arial"/>
                       </a:endParaRPr>
@@ -55456,6 +55710,9 @@
                     <a:p>
                       <a:pPr algn="ctr"/>
                       <a:endParaRPr lang="en-US" sz="1600" b="0" dirty="0">
+                        <a:solidFill>
+                          <a:schemeClr val="tx1"/>
+                        </a:solidFill>
                         <a:latin typeface="Arial"/>
                         <a:cs typeface="Arial"/>
                       </a:endParaRPr>
@@ -55476,6 +55733,9 @@
                     <a:p>
                       <a:pPr algn="ctr"/>
                       <a:endParaRPr lang="en-US" sz="1600" b="0" dirty="0">
+                        <a:solidFill>
+                          <a:schemeClr val="tx1"/>
+                        </a:solidFill>
                         <a:latin typeface="Arial"/>
                         <a:cs typeface="Arial"/>
                       </a:endParaRPr>
@@ -55496,26 +55756,9 @@
                     <a:p>
                       <a:pPr algn="ctr"/>
                       <a:endParaRPr lang="en-US" sz="1600" b="0" dirty="0">
-                        <a:latin typeface="Arial"/>
-                        <a:cs typeface="Arial"/>
-                      </a:endParaRPr>
-                    </a:p>
-                  </a:txBody>
-                  <a:tcPr>
-                    <a:solidFill>
-                      <a:schemeClr val="bg1">
-                        <a:lumMod val="85000"/>
-                      </a:schemeClr>
-                    </a:solidFill>
-                  </a:tcPr>
-                </a:tc>
-                <a:tc>
-                  <a:txBody>
-                    <a:bodyPr/>
-                    <a:lstStyle/>
-                    <a:p>
-                      <a:pPr algn="ctr"/>
-                      <a:endParaRPr lang="en-US" sz="1600" b="0" dirty="0">
+                        <a:solidFill>
+                          <a:schemeClr val="tx1"/>
+                        </a:solidFill>
                         <a:latin typeface="Arial"/>
                         <a:cs typeface="Arial"/>
                       </a:endParaRPr>

--- a/doc/workshop/forwardSampling/ForwardSampling.pptx
+++ b/doc/workshop/forwardSampling/ForwardSampling.pptx
@@ -45451,7 +45451,7 @@
         <p:spPr>
           <a:xfrm>
             <a:off x="283275" y="2880743"/>
-            <a:ext cx="8689594" cy="1892826"/>
+            <a:ext cx="8689594" cy="2893100"/>
           </a:xfrm>
           <a:prstGeom prst="rect">
             <a:avLst/>
@@ -45488,7 +45488,7 @@
                 <a:latin typeface="Curier"/>
                 <a:cs typeface="Curier"/>
               </a:rPr>
-              <a:t>….</a:t>
+              <a:t>  ….</a:t>
             </a:r>
           </a:p>
           <a:p>
@@ -45500,7 +45500,7 @@
                 <a:latin typeface="Curier"/>
                 <a:cs typeface="Curier"/>
               </a:rPr>
-              <a:t> &lt;</a:t>
+              <a:t>  &lt;</a:t>
             </a:r>
             <a:r>
               <a:rPr lang="en-US" sz="1300" dirty="0" err="1">
@@ -45619,8 +45619,22 @@
                 <a:latin typeface="Curier"/>
                 <a:cs typeface="Curier"/>
               </a:rPr>
-              <a:t>      &lt;all&gt;</a:t>
-            </a:r>
+              <a:t>      </a:t>
+            </a:r>
+            <a:r>
+              <a:rPr lang="en-US" sz="1300" dirty="0">
+                <a:latin typeface="Curier"/>
+                <a:cs typeface="Curier"/>
+              </a:rPr>
+              <a:t>…</a:t>
+            </a:r>
+            <a:endParaRPr lang="en-US" sz="1300" dirty="0">
+              <a:solidFill>
+                <a:srgbClr val="32946A"/>
+              </a:solidFill>
+              <a:latin typeface="Curier"/>
+              <a:cs typeface="Curier"/>
+            </a:endParaRPr>
           </a:p>
           <a:p>
             <a:r>
@@ -45631,24 +45645,104 @@
                 <a:latin typeface="Curier"/>
                 <a:cs typeface="Curier"/>
               </a:rPr>
-              <a:t>        &lt;targets&gt;</a:t>
-            </a:r>
-            <a:r>
-              <a:rPr lang="en-US" sz="1300" dirty="0">
-                <a:latin typeface="Curier"/>
-                <a:cs typeface="Curier"/>
-              </a:rPr>
-              <a:t>X1,X2,Y1,Y2</a:t>
-            </a:r>
-            <a:r>
-              <a:rPr lang="en-US" sz="1300" dirty="0">
-                <a:solidFill>
-                  <a:srgbClr val="32946A"/>
-                </a:solidFill>
-                <a:latin typeface="Curier"/>
-                <a:cs typeface="Curier"/>
-              </a:rPr>
-              <a:t>&lt;/targets&gt;</a:t>
+              <a:t>      &lt;</a:t>
+            </a:r>
+            <a:r>
+              <a:rPr lang="en-US" sz="1300" dirty="0" err="1">
+                <a:solidFill>
+                  <a:srgbClr val="32946A"/>
+                </a:solidFill>
+                <a:latin typeface="Curier"/>
+                <a:cs typeface="Curier"/>
+              </a:rPr>
+              <a:t>expectedValue</a:t>
+            </a:r>
+            <a:r>
+              <a:rPr lang="en-US" sz="1300" dirty="0">
+                <a:solidFill>
+                  <a:srgbClr val="32946A"/>
+                </a:solidFill>
+                <a:latin typeface="Curier"/>
+                <a:cs typeface="Curier"/>
+              </a:rPr>
+              <a:t> </a:t>
+            </a:r>
+            <a:r>
+              <a:rPr lang="en-US" sz="1300" dirty="0">
+                <a:solidFill>
+                  <a:srgbClr val="660066"/>
+                </a:solidFill>
+                <a:latin typeface="Curier"/>
+                <a:cs typeface="Curier"/>
+              </a:rPr>
+              <a:t>prefix</a:t>
+            </a:r>
+            <a:r>
+              <a:rPr lang="en-US" sz="1300" dirty="0">
+                <a:solidFill>
+                  <a:srgbClr val="32946A"/>
+                </a:solidFill>
+                <a:latin typeface="Curier"/>
+                <a:cs typeface="Curier"/>
+              </a:rPr>
+              <a:t>=</a:t>
+            </a:r>
+            <a:r>
+              <a:rPr lang="en-US" sz="1300" dirty="0">
+                <a:solidFill>
+                  <a:srgbClr val="0033CC"/>
+                </a:solidFill>
+                <a:latin typeface="Curier"/>
+                <a:cs typeface="Curier"/>
+              </a:rPr>
+              <a:t>”mean" </a:t>
+            </a:r>
+            <a:r>
+              <a:rPr lang="en-US" sz="1300" dirty="0">
+                <a:solidFill>
+                  <a:srgbClr val="32946A"/>
+                </a:solidFill>
+                <a:latin typeface="Curier"/>
+                <a:cs typeface="Curier"/>
+              </a:rPr>
+              <a:t>&gt;</a:t>
+            </a:r>
+            <a:r>
+              <a:rPr lang="en-US" sz="1300" dirty="0">
+                <a:latin typeface="Curier"/>
+                <a:cs typeface="Curier"/>
+              </a:rPr>
+              <a:t> X1,X2,Y1,Y2 </a:t>
+            </a:r>
+            <a:r>
+              <a:rPr lang="en-US" sz="1300" dirty="0">
+                <a:solidFill>
+                  <a:srgbClr val="32946A"/>
+                </a:solidFill>
+                <a:latin typeface="Curier"/>
+                <a:cs typeface="Curier"/>
+              </a:rPr>
+              <a:t>&lt;/</a:t>
+            </a:r>
+            <a:r>
+              <a:rPr lang="en-US" sz="1300" dirty="0" err="1">
+                <a:solidFill>
+                  <a:srgbClr val="32946A"/>
+                </a:solidFill>
+                <a:latin typeface="Curier"/>
+                <a:cs typeface="Curier"/>
+              </a:rPr>
+              <a:t>expectedValue</a:t>
+            </a:r>
+            <a:r>
+              <a:rPr lang="en-US" sz="1300" dirty="0">
+                <a:solidFill>
+                  <a:srgbClr val="32946A"/>
+                </a:solidFill>
+                <a:latin typeface="Curier"/>
+                <a:cs typeface="Curier"/>
+              </a:rPr>
+              <a:t>&gt;</a:t>
             </a:r>
           </a:p>
           <a:p>
@@ -45660,24 +45754,84 @@
                 <a:latin typeface="Curier"/>
                 <a:cs typeface="Curier"/>
               </a:rPr>
-              <a:t>        &lt;features&gt;</a:t>
-            </a:r>
-            <a:r>
-              <a:rPr lang="en-US" sz="1300" dirty="0">
-                <a:latin typeface="Curier"/>
-                <a:cs typeface="Curier"/>
-              </a:rPr>
-              <a:t>X1,X2,Y1,Y2</a:t>
-            </a:r>
-            <a:r>
-              <a:rPr lang="en-US" sz="1300" dirty="0">
-                <a:solidFill>
-                  <a:srgbClr val="32946A"/>
-                </a:solidFill>
-                <a:latin typeface="Curier"/>
-                <a:cs typeface="Curier"/>
-              </a:rPr>
-              <a:t>&lt;/features&gt;</a:t>
+              <a:t>      &lt;variance </a:t>
+            </a:r>
+            <a:r>
+              <a:rPr lang="en-US" sz="1300" dirty="0">
+                <a:solidFill>
+                  <a:srgbClr val="660066"/>
+                </a:solidFill>
+                <a:latin typeface="Curier"/>
+                <a:cs typeface="Curier"/>
+              </a:rPr>
+              <a:t>prefix</a:t>
+            </a:r>
+            <a:r>
+              <a:rPr lang="en-US" sz="1300" dirty="0">
+                <a:solidFill>
+                  <a:srgbClr val="32946A"/>
+                </a:solidFill>
+                <a:latin typeface="Curier"/>
+                <a:cs typeface="Curier"/>
+              </a:rPr>
+              <a:t>=</a:t>
+            </a:r>
+            <a:r>
+              <a:rPr lang="en-US" sz="1300" dirty="0">
+                <a:solidFill>
+                  <a:srgbClr val="0033CC"/>
+                </a:solidFill>
+                <a:latin typeface="Curier"/>
+                <a:cs typeface="Curier"/>
+              </a:rPr>
+              <a:t>”</a:t>
+            </a:r>
+            <a:r>
+              <a:rPr lang="en-US" sz="1300" dirty="0" err="1">
+                <a:solidFill>
+                  <a:srgbClr val="0033CC"/>
+                </a:solidFill>
+                <a:latin typeface="Curier"/>
+                <a:cs typeface="Curier"/>
+              </a:rPr>
+              <a:t>var</a:t>
+            </a:r>
+            <a:r>
+              <a:rPr lang="en-US" sz="1300" dirty="0">
+                <a:solidFill>
+                  <a:srgbClr val="0033CC"/>
+                </a:solidFill>
+                <a:latin typeface="Curier"/>
+                <a:cs typeface="Curier"/>
+              </a:rPr>
+              <a:t>" </a:t>
+            </a:r>
+            <a:r>
+              <a:rPr lang="en-US" sz="1300" dirty="0">
+                <a:solidFill>
+                  <a:srgbClr val="32946A"/>
+                </a:solidFill>
+                <a:latin typeface="Curier"/>
+                <a:cs typeface="Curier"/>
+              </a:rPr>
+              <a:t>&gt;</a:t>
+            </a:r>
+            <a:r>
+              <a:rPr lang="en-US" sz="1300" dirty="0">
+                <a:latin typeface="Curier"/>
+                <a:cs typeface="Curier"/>
+              </a:rPr>
+              <a:t> X1,X2,Y1,Y2 </a:t>
+            </a:r>
+            <a:r>
+              <a:rPr lang="en-US" sz="1300" dirty="0">
+                <a:solidFill>
+                  <a:srgbClr val="32946A"/>
+                </a:solidFill>
+                <a:latin typeface="Curier"/>
+                <a:cs typeface="Curier"/>
+              </a:rPr>
+              <a:t>&lt;/ variance&gt;</a:t>
             </a:r>
           </a:p>
           <a:p>
@@ -45689,8 +45843,233 @@
                 <a:latin typeface="Curier"/>
                 <a:cs typeface="Curier"/>
               </a:rPr>
-              <a:t>      &lt;/all&gt;</a:t>
-            </a:r>
+              <a:t>      &lt;kurtosis </a:t>
+            </a:r>
+            <a:r>
+              <a:rPr lang="en-US" sz="1300" dirty="0">
+                <a:solidFill>
+                  <a:srgbClr val="660066"/>
+                </a:solidFill>
+                <a:latin typeface="Curier"/>
+                <a:cs typeface="Curier"/>
+              </a:rPr>
+              <a:t>prefix</a:t>
+            </a:r>
+            <a:r>
+              <a:rPr lang="en-US" sz="1300" dirty="0">
+                <a:solidFill>
+                  <a:srgbClr val="32946A"/>
+                </a:solidFill>
+                <a:latin typeface="Curier"/>
+                <a:cs typeface="Curier"/>
+              </a:rPr>
+              <a:t>=</a:t>
+            </a:r>
+            <a:r>
+              <a:rPr lang="en-US" sz="1300" dirty="0">
+                <a:solidFill>
+                  <a:srgbClr val="0033CC"/>
+                </a:solidFill>
+                <a:latin typeface="Curier"/>
+                <a:cs typeface="Curier"/>
+              </a:rPr>
+              <a:t>”</a:t>
+            </a:r>
+            <a:r>
+              <a:rPr lang="en-US" sz="1300" dirty="0" err="1">
+                <a:solidFill>
+                  <a:srgbClr val="0033CC"/>
+                </a:solidFill>
+                <a:latin typeface="Curier"/>
+                <a:cs typeface="Curier"/>
+              </a:rPr>
+              <a:t>kurt</a:t>
+            </a:r>
+            <a:r>
+              <a:rPr lang="en-US" sz="1300" dirty="0">
+                <a:solidFill>
+                  <a:srgbClr val="0033CC"/>
+                </a:solidFill>
+                <a:latin typeface="Curier"/>
+                <a:cs typeface="Curier"/>
+              </a:rPr>
+              <a:t>" </a:t>
+            </a:r>
+            <a:r>
+              <a:rPr lang="en-US" sz="1300" dirty="0">
+                <a:solidFill>
+                  <a:srgbClr val="32946A"/>
+                </a:solidFill>
+                <a:latin typeface="Curier"/>
+                <a:cs typeface="Curier"/>
+              </a:rPr>
+              <a:t>&gt;</a:t>
+            </a:r>
+            <a:r>
+              <a:rPr lang="en-US" sz="1300" dirty="0">
+                <a:latin typeface="Curier"/>
+                <a:cs typeface="Curier"/>
+              </a:rPr>
+              <a:t> X1,X2,Y1,Y2 </a:t>
+            </a:r>
+            <a:r>
+              <a:rPr lang="en-US" sz="1300" dirty="0">
+                <a:solidFill>
+                  <a:srgbClr val="32946A"/>
+                </a:solidFill>
+                <a:latin typeface="Curier"/>
+                <a:cs typeface="Curier"/>
+              </a:rPr>
+              <a:t>&lt;/ kurtosis&gt;</a:t>
+            </a:r>
+          </a:p>
+          <a:p>
+            <a:r>
+              <a:rPr lang="en-US" sz="1300" dirty="0">
+                <a:solidFill>
+                  <a:srgbClr val="32946A"/>
+                </a:solidFill>
+                <a:latin typeface="Curier"/>
+                <a:cs typeface="Curier"/>
+              </a:rPr>
+              <a:t>      &lt;</a:t>
+            </a:r>
+            <a:r>
+              <a:rPr lang="en-US" sz="1300" dirty="0" err="1">
+                <a:solidFill>
+                  <a:srgbClr val="32946A"/>
+                </a:solidFill>
+                <a:latin typeface="Curier"/>
+                <a:cs typeface="Curier"/>
+              </a:rPr>
+              <a:t>pearson</a:t>
+            </a:r>
+            <a:r>
+              <a:rPr lang="en-US" sz="1300" dirty="0">
+                <a:solidFill>
+                  <a:srgbClr val="32946A"/>
+                </a:solidFill>
+                <a:latin typeface="Curier"/>
+                <a:cs typeface="Curier"/>
+              </a:rPr>
+              <a:t>&gt;</a:t>
+            </a:r>
+          </a:p>
+          <a:p>
+            <a:r>
+              <a:rPr lang="en-US" sz="1300" dirty="0">
+                <a:solidFill>
+                  <a:srgbClr val="32946A"/>
+                </a:solidFill>
+                <a:latin typeface="Curier"/>
+                <a:cs typeface="Curier"/>
+              </a:rPr>
+              <a:t>        &lt;targets&gt;</a:t>
+            </a:r>
+            <a:r>
+              <a:rPr lang="en-US" sz="1300" dirty="0">
+                <a:latin typeface="Curier"/>
+                <a:cs typeface="Curier"/>
+              </a:rPr>
+              <a:t>X1,X2,Y1,Y2</a:t>
+            </a:r>
+            <a:r>
+              <a:rPr lang="en-US" sz="1300" dirty="0">
+                <a:solidFill>
+                  <a:srgbClr val="32946A"/>
+                </a:solidFill>
+                <a:latin typeface="Curier"/>
+                <a:cs typeface="Curier"/>
+              </a:rPr>
+              <a:t>&lt;/targets&gt;</a:t>
+            </a:r>
+          </a:p>
+          <a:p>
+            <a:r>
+              <a:rPr lang="en-US" sz="1300" dirty="0">
+                <a:solidFill>
+                  <a:srgbClr val="32946A"/>
+                </a:solidFill>
+                <a:latin typeface="Curier"/>
+                <a:cs typeface="Curier"/>
+              </a:rPr>
+              <a:t>        &lt;features&gt;</a:t>
+            </a:r>
+            <a:r>
+              <a:rPr lang="en-US" sz="1300" dirty="0">
+                <a:latin typeface="Curier"/>
+                <a:cs typeface="Curier"/>
+              </a:rPr>
+              <a:t>X1,X2,Y1,Y2</a:t>
+            </a:r>
+            <a:r>
+              <a:rPr lang="en-US" sz="1300" dirty="0">
+                <a:solidFill>
+                  <a:srgbClr val="32946A"/>
+                </a:solidFill>
+                <a:latin typeface="Curier"/>
+                <a:cs typeface="Curier"/>
+              </a:rPr>
+              <a:t>&lt;/features&gt;</a:t>
+            </a:r>
+          </a:p>
+          <a:p>
+            <a:r>
+              <a:rPr lang="en-US" sz="1300" dirty="0">
+                <a:solidFill>
+                  <a:srgbClr val="32946A"/>
+                </a:solidFill>
+                <a:latin typeface="Curier"/>
+                <a:cs typeface="Curier"/>
+              </a:rPr>
+              <a:t>      &lt;/</a:t>
+            </a:r>
+            <a:r>
+              <a:rPr lang="en-US" sz="1300" dirty="0" err="1">
+                <a:solidFill>
+                  <a:srgbClr val="32946A"/>
+                </a:solidFill>
+                <a:latin typeface="Curier"/>
+                <a:cs typeface="Curier"/>
+              </a:rPr>
+              <a:t>pearson</a:t>
+            </a:r>
+            <a:r>
+              <a:rPr lang="en-US" sz="1300" dirty="0">
+                <a:solidFill>
+                  <a:srgbClr val="32946A"/>
+                </a:solidFill>
+                <a:latin typeface="Curier"/>
+                <a:cs typeface="Curier"/>
+              </a:rPr>
+              <a:t>&gt;</a:t>
+            </a:r>
+          </a:p>
+          <a:p>
+            <a:r>
+              <a:rPr lang="en-US" sz="1300" dirty="0">
+                <a:solidFill>
+                  <a:srgbClr val="32946A"/>
+                </a:solidFill>
+                <a:latin typeface="Curier"/>
+                <a:cs typeface="Curier"/>
+              </a:rPr>
+              <a:t>       </a:t>
+            </a:r>
+            <a:r>
+              <a:rPr lang="en-US" sz="1300" dirty="0">
+                <a:latin typeface="Curier"/>
+                <a:cs typeface="Curier"/>
+              </a:rPr>
+              <a:t> …</a:t>
+            </a:r>
+            <a:endParaRPr lang="en-US" sz="1300" dirty="0">
+              <a:solidFill>
+                <a:srgbClr val="32946A"/>
+              </a:solidFill>
+              <a:latin typeface="Curier"/>
+              <a:cs typeface="Curier"/>
+            </a:endParaRPr>
           </a:p>
           <a:p>
             <a:r>
@@ -52651,7 +53030,7 @@
                 <a:latin typeface="Curier"/>
                 <a:cs typeface="Curier"/>
               </a:rPr>
-              <a:t>&lt;/</a:t>
+              <a:t>   &lt;/</a:t>
             </a:r>
             <a:r>
               <a:rPr lang="fi-FI" sz="1300" dirty="0" err="1">
@@ -53498,7 +53877,7 @@
                 <a:latin typeface="Curier"/>
                 <a:cs typeface="Curier"/>
               </a:rPr>
-              <a:t>"</a:t>
+              <a:t>”</a:t>
             </a:r>
             <a:r>
               <a:rPr lang="en-US" sz="1300" i="1" dirty="0" err="1">
@@ -53508,7 +53887,7 @@
                 <a:latin typeface="Curier"/>
                 <a:cs typeface="Curier"/>
               </a:rPr>
-              <a:t>CrisForwSampl</a:t>
+              <a:t>ForwardSamplerExampleModel</a:t>
             </a:r>
             <a:r>
               <a:rPr lang="en-US" sz="1300" i="1" dirty="0">

--- a/doc/workshop/forwardSampling/ForwardSampling.pptx
+++ b/doc/workshop/forwardSampling/ForwardSampling.pptx
@@ -15,32 +15,32 @@
     <p:sldId id="273" r:id="rId3"/>
     <p:sldId id="278" r:id="rId4"/>
     <p:sldId id="305" r:id="rId5"/>
-    <p:sldId id="306" r:id="rId6"/>
-    <p:sldId id="307" r:id="rId7"/>
-    <p:sldId id="308" r:id="rId8"/>
-    <p:sldId id="309" r:id="rId9"/>
-    <p:sldId id="310" r:id="rId10"/>
-    <p:sldId id="311" r:id="rId11"/>
-    <p:sldId id="313" r:id="rId12"/>
-    <p:sldId id="314" r:id="rId13"/>
-    <p:sldId id="312" r:id="rId14"/>
-    <p:sldId id="315" r:id="rId15"/>
-    <p:sldId id="322" r:id="rId16"/>
-    <p:sldId id="323" r:id="rId17"/>
-    <p:sldId id="324" r:id="rId18"/>
-    <p:sldId id="316" r:id="rId19"/>
-    <p:sldId id="317" r:id="rId20"/>
-    <p:sldId id="318" r:id="rId21"/>
-    <p:sldId id="325" r:id="rId22"/>
-    <p:sldId id="326" r:id="rId23"/>
-    <p:sldId id="319" r:id="rId24"/>
-    <p:sldId id="327" r:id="rId25"/>
-    <p:sldId id="328" r:id="rId26"/>
-    <p:sldId id="329" r:id="rId27"/>
-    <p:sldId id="330" r:id="rId28"/>
-    <p:sldId id="331" r:id="rId29"/>
-    <p:sldId id="332" r:id="rId30"/>
-    <p:sldId id="333" r:id="rId31"/>
+    <p:sldId id="311" r:id="rId6"/>
+    <p:sldId id="306" r:id="rId7"/>
+    <p:sldId id="307" r:id="rId8"/>
+    <p:sldId id="308" r:id="rId9"/>
+    <p:sldId id="309" r:id="rId10"/>
+    <p:sldId id="310" r:id="rId11"/>
+    <p:sldId id="333" r:id="rId12"/>
+    <p:sldId id="313" r:id="rId13"/>
+    <p:sldId id="314" r:id="rId14"/>
+    <p:sldId id="312" r:id="rId15"/>
+    <p:sldId id="315" r:id="rId16"/>
+    <p:sldId id="322" r:id="rId17"/>
+    <p:sldId id="323" r:id="rId18"/>
+    <p:sldId id="324" r:id="rId19"/>
+    <p:sldId id="316" r:id="rId20"/>
+    <p:sldId id="317" r:id="rId21"/>
+    <p:sldId id="318" r:id="rId22"/>
+    <p:sldId id="325" r:id="rId23"/>
+    <p:sldId id="326" r:id="rId24"/>
+    <p:sldId id="319" r:id="rId25"/>
+    <p:sldId id="327" r:id="rId26"/>
+    <p:sldId id="328" r:id="rId27"/>
+    <p:sldId id="329" r:id="rId28"/>
+    <p:sldId id="330" r:id="rId29"/>
+    <p:sldId id="331" r:id="rId30"/>
+    <p:sldId id="332" r:id="rId31"/>
   </p:sldIdLst>
   <p:sldSz cx="9144000" cy="6858000" type="screen4x3"/>
   <p:notesSz cx="7010400" cy="9296400"/>
@@ -33790,6 +33790,1490 @@
           <a:p>
             <a:r>
               <a:rPr lang="en-US" b="0" dirty="0"/>
+              <a:t>Define the exporting method</a:t>
+            </a:r>
+          </a:p>
+        </p:txBody>
+      </p:sp>
+      <p:sp>
+        <p:nvSpPr>
+          <p:cNvPr id="19" name="TextBox 18"/>
+          <p:cNvSpPr txBox="1"/>
+          <p:nvPr/>
+        </p:nvSpPr>
+        <p:spPr>
+          <a:xfrm>
+            <a:off x="227203" y="2307603"/>
+            <a:ext cx="8689594" cy="4293484"/>
+          </a:xfrm>
+          <a:prstGeom prst="rect">
+            <a:avLst/>
+          </a:prstGeom>
+          <a:solidFill>
+            <a:schemeClr val="bg1">
+              <a:lumMod val="85000"/>
+            </a:schemeClr>
+          </a:solidFill>
+          <a:ln>
+            <a:noFill/>
+          </a:ln>
+        </p:spPr>
+        <p:txBody>
+          <a:bodyPr wrap="square" rtlCol="0">
+            <a:spAutoFit/>
+          </a:bodyPr>
+          <a:lstStyle/>
+          <a:p>
+            <a:r>
+              <a:rPr lang="en-US" sz="1300" dirty="0">
+                <a:solidFill>
+                  <a:srgbClr val="32946A"/>
+                </a:solidFill>
+                <a:latin typeface="Curier"/>
+                <a:cs typeface="Curier"/>
+              </a:rPr>
+              <a:t> &lt;</a:t>
+            </a:r>
+            <a:r>
+              <a:rPr lang="en-US" sz="1300" dirty="0" err="1">
+                <a:solidFill>
+                  <a:srgbClr val="32946A"/>
+                </a:solidFill>
+                <a:latin typeface="Curier"/>
+                <a:cs typeface="Curier"/>
+              </a:rPr>
+              <a:t>OutStreams</a:t>
+            </a:r>
+            <a:r>
+              <a:rPr lang="en-US" sz="1300" dirty="0">
+                <a:solidFill>
+                  <a:srgbClr val="32946A"/>
+                </a:solidFill>
+                <a:latin typeface="Curier"/>
+                <a:cs typeface="Curier"/>
+              </a:rPr>
+              <a:t>&gt;</a:t>
+            </a:r>
+          </a:p>
+          <a:p>
+            <a:r>
+              <a:rPr lang="en-US" sz="1300" dirty="0">
+                <a:solidFill>
+                  <a:srgbClr val="32946A"/>
+                </a:solidFill>
+                <a:latin typeface="Curier"/>
+                <a:cs typeface="Curier"/>
+              </a:rPr>
+              <a:t>  &lt;Print </a:t>
+            </a:r>
+            <a:r>
+              <a:rPr lang="en-US" sz="1300" dirty="0">
+                <a:solidFill>
+                  <a:srgbClr val="660066"/>
+                </a:solidFill>
+                <a:latin typeface="Curier"/>
+                <a:cs typeface="Curier"/>
+              </a:rPr>
+              <a:t>name</a:t>
+            </a:r>
+            <a:r>
+              <a:rPr lang="en-US" sz="1300" dirty="0">
+                <a:solidFill>
+                  <a:srgbClr val="32946A"/>
+                </a:solidFill>
+                <a:latin typeface="Curier"/>
+                <a:cs typeface="Curier"/>
+              </a:rPr>
+              <a:t>=</a:t>
+            </a:r>
+            <a:r>
+              <a:rPr lang="en-US" sz="1300" i="1" dirty="0">
+                <a:solidFill>
+                  <a:srgbClr val="0033CC"/>
+                </a:solidFill>
+                <a:latin typeface="Curier"/>
+                <a:cs typeface="Curier"/>
+              </a:rPr>
+              <a:t>"</a:t>
+            </a:r>
+            <a:r>
+              <a:rPr lang="en-US" sz="1300" i="1" dirty="0" err="1">
+                <a:solidFill>
+                  <a:srgbClr val="0033CC"/>
+                </a:solidFill>
+                <a:latin typeface="Curier"/>
+                <a:cs typeface="Curier"/>
+              </a:rPr>
+              <a:t>fileOut</a:t>
+            </a:r>
+            <a:r>
+              <a:rPr lang="en-US" sz="1300" i="1" dirty="0">
+                <a:solidFill>
+                  <a:srgbClr val="0033CC"/>
+                </a:solidFill>
+                <a:latin typeface="Curier"/>
+                <a:cs typeface="Curier"/>
+              </a:rPr>
+              <a:t>"</a:t>
+            </a:r>
+            <a:r>
+              <a:rPr lang="en-US" sz="1300" i="1" dirty="0">
+                <a:solidFill>
+                  <a:srgbClr val="32946A"/>
+                </a:solidFill>
+                <a:latin typeface="Curier"/>
+                <a:cs typeface="Curier"/>
+              </a:rPr>
+              <a:t>&gt;</a:t>
+            </a:r>
+          </a:p>
+          <a:p>
+            <a:r>
+              <a:rPr lang="hu-HU" sz="1300" dirty="0">
+                <a:solidFill>
+                  <a:srgbClr val="32946A"/>
+                </a:solidFill>
+                <a:latin typeface="Curier"/>
+                <a:cs typeface="Curier"/>
+              </a:rPr>
+              <a:t>      &lt;type&gt;</a:t>
+            </a:r>
+            <a:r>
+              <a:rPr lang="hu-HU" sz="1300" dirty="0">
+                <a:latin typeface="Curier"/>
+                <a:cs typeface="Curier"/>
+              </a:rPr>
+              <a:t>csv</a:t>
+            </a:r>
+            <a:r>
+              <a:rPr lang="hu-HU" sz="1300" dirty="0">
+                <a:solidFill>
+                  <a:srgbClr val="32946A"/>
+                </a:solidFill>
+                <a:latin typeface="Curier"/>
+                <a:cs typeface="Curier"/>
+              </a:rPr>
+              <a:t>&lt;/type&gt;</a:t>
+            </a:r>
+          </a:p>
+          <a:p>
+            <a:r>
+              <a:rPr lang="en-US" sz="1300" dirty="0">
+                <a:solidFill>
+                  <a:srgbClr val="32946A"/>
+                </a:solidFill>
+                <a:latin typeface="Curier"/>
+                <a:cs typeface="Curier"/>
+              </a:rPr>
+              <a:t>      &lt;source&gt;</a:t>
+            </a:r>
+            <a:r>
+              <a:rPr lang="en-US" sz="1300" dirty="0">
+                <a:latin typeface="Curier"/>
+                <a:cs typeface="Curier"/>
+              </a:rPr>
+              <a:t>Out</a:t>
+            </a:r>
+            <a:r>
+              <a:rPr lang="en-US" sz="1300" dirty="0">
+                <a:solidFill>
+                  <a:srgbClr val="32946A"/>
+                </a:solidFill>
+                <a:latin typeface="Curier"/>
+                <a:cs typeface="Curier"/>
+              </a:rPr>
+              <a:t>&lt;/source&gt;</a:t>
+            </a:r>
+          </a:p>
+          <a:p>
+            <a:r>
+              <a:rPr lang="en-US" sz="1300" dirty="0">
+                <a:solidFill>
+                  <a:srgbClr val="32946A"/>
+                </a:solidFill>
+                <a:latin typeface="Curier"/>
+                <a:cs typeface="Curier"/>
+              </a:rPr>
+              <a:t>    &lt;/Print&gt;</a:t>
+            </a:r>
+          </a:p>
+          <a:p>
+            <a:r>
+              <a:rPr lang="en-US" sz="1300" dirty="0">
+                <a:latin typeface="Curier"/>
+                <a:cs typeface="Curier"/>
+              </a:rPr>
+              <a:t>    </a:t>
+            </a:r>
+            <a:r>
+              <a:rPr lang="en-US" sz="1300" dirty="0">
+                <a:solidFill>
+                  <a:srgbClr val="32946A"/>
+                </a:solidFill>
+                <a:latin typeface="Curier"/>
+                <a:cs typeface="Curier"/>
+              </a:rPr>
+              <a:t>&lt;Plot  </a:t>
+            </a:r>
+            <a:r>
+              <a:rPr lang="en-US" sz="1300" dirty="0">
+                <a:solidFill>
+                  <a:srgbClr val="660066"/>
+                </a:solidFill>
+                <a:latin typeface="Curier"/>
+                <a:cs typeface="Curier"/>
+              </a:rPr>
+              <a:t>name</a:t>
+            </a:r>
+            <a:r>
+              <a:rPr lang="en-US" sz="1300" dirty="0">
+                <a:solidFill>
+                  <a:srgbClr val="32946A"/>
+                </a:solidFill>
+                <a:latin typeface="Curier"/>
+                <a:cs typeface="Curier"/>
+              </a:rPr>
+              <a:t>=</a:t>
+            </a:r>
+            <a:r>
+              <a:rPr lang="en-US" sz="1300" i="1" dirty="0">
+                <a:solidFill>
+                  <a:srgbClr val="0033CC"/>
+                </a:solidFill>
+                <a:latin typeface="Curier"/>
+                <a:cs typeface="Curier"/>
+              </a:rPr>
+              <a:t>"</a:t>
+            </a:r>
+            <a:r>
+              <a:rPr lang="en-US" sz="1300" i="1" dirty="0" err="1">
+                <a:solidFill>
+                  <a:srgbClr val="0033CC"/>
+                </a:solidFill>
+                <a:latin typeface="Curier"/>
+                <a:cs typeface="Curier"/>
+              </a:rPr>
+              <a:t>myPlot</a:t>
+            </a:r>
+            <a:r>
+              <a:rPr lang="en-US" sz="1300" i="1" dirty="0">
+                <a:solidFill>
+                  <a:srgbClr val="0033CC"/>
+                </a:solidFill>
+                <a:latin typeface="Curier"/>
+                <a:cs typeface="Curier"/>
+              </a:rPr>
+              <a:t>"</a:t>
+            </a:r>
+            <a:r>
+              <a:rPr lang="en-US" sz="1300" i="1" dirty="0">
+                <a:solidFill>
+                  <a:srgbClr val="32946A"/>
+                </a:solidFill>
+                <a:latin typeface="Curier"/>
+                <a:cs typeface="Curier"/>
+              </a:rPr>
+              <a:t>&gt;</a:t>
+            </a:r>
+          </a:p>
+          <a:p>
+            <a:r>
+              <a:rPr lang="en-US" sz="1300" dirty="0">
+                <a:solidFill>
+                  <a:srgbClr val="32946A"/>
+                </a:solidFill>
+                <a:latin typeface="Curier"/>
+                <a:cs typeface="Curier"/>
+              </a:rPr>
+              <a:t>      &lt;</a:t>
+            </a:r>
+            <a:r>
+              <a:rPr lang="en-US" sz="1300" dirty="0" err="1">
+                <a:solidFill>
+                  <a:srgbClr val="32946A"/>
+                </a:solidFill>
+                <a:latin typeface="Curier"/>
+                <a:cs typeface="Curier"/>
+              </a:rPr>
+              <a:t>plotSettings</a:t>
+            </a:r>
+            <a:r>
+              <a:rPr lang="en-US" sz="1300" dirty="0">
+                <a:solidFill>
+                  <a:srgbClr val="32946A"/>
+                </a:solidFill>
+                <a:latin typeface="Curier"/>
+                <a:cs typeface="Curier"/>
+              </a:rPr>
+              <a:t>&gt;</a:t>
+            </a:r>
+          </a:p>
+          <a:p>
+            <a:r>
+              <a:rPr lang="en-US" sz="1300" dirty="0">
+                <a:solidFill>
+                  <a:srgbClr val="32946A"/>
+                </a:solidFill>
+                <a:latin typeface="Curier"/>
+                <a:cs typeface="Curier"/>
+              </a:rPr>
+              <a:t>        &lt;plot&gt;</a:t>
+            </a:r>
+          </a:p>
+          <a:p>
+            <a:r>
+              <a:rPr lang="it-IT" sz="1300" dirty="0">
+                <a:solidFill>
+                  <a:srgbClr val="32946A"/>
+                </a:solidFill>
+                <a:latin typeface="Curier"/>
+                <a:cs typeface="Curier"/>
+              </a:rPr>
+              <a:t>          &lt;</a:t>
+            </a:r>
+            <a:r>
+              <a:rPr lang="it-IT" sz="1300" dirty="0" err="1">
+                <a:solidFill>
+                  <a:srgbClr val="32946A"/>
+                </a:solidFill>
+                <a:latin typeface="Curier"/>
+                <a:cs typeface="Curier"/>
+              </a:rPr>
+              <a:t>type</a:t>
+            </a:r>
+            <a:r>
+              <a:rPr lang="it-IT" sz="1300" dirty="0">
+                <a:solidFill>
+                  <a:srgbClr val="32946A"/>
+                </a:solidFill>
+                <a:latin typeface="Curier"/>
+                <a:cs typeface="Curier"/>
+              </a:rPr>
+              <a:t>&gt;</a:t>
+            </a:r>
+            <a:r>
+              <a:rPr lang="it-IT" sz="1300" dirty="0" err="1">
+                <a:latin typeface="Curier"/>
+                <a:cs typeface="Curier"/>
+              </a:rPr>
+              <a:t>scatter</a:t>
+            </a:r>
+            <a:r>
+              <a:rPr lang="it-IT" sz="1300" dirty="0">
+                <a:solidFill>
+                  <a:srgbClr val="32946A"/>
+                </a:solidFill>
+                <a:latin typeface="Curier"/>
+                <a:cs typeface="Curier"/>
+              </a:rPr>
+              <a:t>&lt;/</a:t>
+            </a:r>
+            <a:r>
+              <a:rPr lang="it-IT" sz="1300" dirty="0" err="1">
+                <a:solidFill>
+                  <a:srgbClr val="32946A"/>
+                </a:solidFill>
+                <a:latin typeface="Curier"/>
+                <a:cs typeface="Curier"/>
+              </a:rPr>
+              <a:t>type</a:t>
+            </a:r>
+            <a:r>
+              <a:rPr lang="it-IT" sz="1300" dirty="0">
+                <a:solidFill>
+                  <a:srgbClr val="32946A"/>
+                </a:solidFill>
+                <a:latin typeface="Curier"/>
+                <a:cs typeface="Curier"/>
+              </a:rPr>
+              <a:t>&gt;</a:t>
+            </a:r>
+          </a:p>
+          <a:p>
+            <a:r>
+              <a:rPr lang="pt-BR" sz="1300" dirty="0">
+                <a:solidFill>
+                  <a:srgbClr val="32946A"/>
+                </a:solidFill>
+                <a:latin typeface="Curier"/>
+                <a:cs typeface="Curier"/>
+              </a:rPr>
+              <a:t>          &lt;</a:t>
+            </a:r>
+            <a:r>
+              <a:rPr lang="pt-BR" sz="1300" dirty="0" err="1">
+                <a:solidFill>
+                  <a:srgbClr val="32946A"/>
+                </a:solidFill>
+                <a:latin typeface="Curier"/>
+                <a:cs typeface="Curier"/>
+              </a:rPr>
+              <a:t>x</a:t>
+            </a:r>
+            <a:r>
+              <a:rPr lang="pt-BR" sz="1300" dirty="0">
+                <a:solidFill>
+                  <a:srgbClr val="32946A"/>
+                </a:solidFill>
+                <a:latin typeface="Curier"/>
+                <a:cs typeface="Curier"/>
+              </a:rPr>
+              <a:t>&gt;</a:t>
+            </a:r>
+            <a:r>
+              <a:rPr lang="pt-BR" sz="1300" dirty="0">
+                <a:latin typeface="Curier"/>
+                <a:cs typeface="Curier"/>
+              </a:rPr>
+              <a:t>Out|Input|X1</a:t>
+            </a:r>
+            <a:r>
+              <a:rPr lang="pt-BR" sz="1300" dirty="0">
+                <a:solidFill>
+                  <a:srgbClr val="32946A"/>
+                </a:solidFill>
+                <a:latin typeface="Curier"/>
+                <a:cs typeface="Curier"/>
+              </a:rPr>
+              <a:t>&lt;/</a:t>
+            </a:r>
+            <a:r>
+              <a:rPr lang="pt-BR" sz="1300" dirty="0" err="1">
+                <a:solidFill>
+                  <a:srgbClr val="32946A"/>
+                </a:solidFill>
+                <a:latin typeface="Curier"/>
+                <a:cs typeface="Curier"/>
+              </a:rPr>
+              <a:t>x</a:t>
+            </a:r>
+            <a:r>
+              <a:rPr lang="pt-BR" sz="1300" dirty="0">
+                <a:solidFill>
+                  <a:srgbClr val="32946A"/>
+                </a:solidFill>
+                <a:latin typeface="Curier"/>
+                <a:cs typeface="Curier"/>
+              </a:rPr>
+              <a:t>&gt;</a:t>
+            </a:r>
+          </a:p>
+          <a:p>
+            <a:r>
+              <a:rPr lang="pt-BR" sz="1300" dirty="0">
+                <a:solidFill>
+                  <a:srgbClr val="32946A"/>
+                </a:solidFill>
+                <a:latin typeface="Curier"/>
+                <a:cs typeface="Curier"/>
+              </a:rPr>
+              <a:t>          &lt;</a:t>
+            </a:r>
+            <a:r>
+              <a:rPr lang="pt-BR" sz="1300" dirty="0" err="1">
+                <a:solidFill>
+                  <a:srgbClr val="32946A"/>
+                </a:solidFill>
+                <a:latin typeface="Curier"/>
+                <a:cs typeface="Curier"/>
+              </a:rPr>
+              <a:t>y</a:t>
+            </a:r>
+            <a:r>
+              <a:rPr lang="pt-BR" sz="1300" dirty="0">
+                <a:solidFill>
+                  <a:srgbClr val="32946A"/>
+                </a:solidFill>
+                <a:latin typeface="Curier"/>
+                <a:cs typeface="Curier"/>
+              </a:rPr>
+              <a:t>&gt;</a:t>
+            </a:r>
+            <a:r>
+              <a:rPr lang="pt-BR" sz="1300" dirty="0">
+                <a:latin typeface="Curier"/>
+                <a:cs typeface="Curier"/>
+              </a:rPr>
+              <a:t>Out|Input|X2</a:t>
+            </a:r>
+            <a:r>
+              <a:rPr lang="pt-BR" sz="1300" dirty="0">
+                <a:solidFill>
+                  <a:srgbClr val="32946A"/>
+                </a:solidFill>
+                <a:latin typeface="Curier"/>
+                <a:cs typeface="Curier"/>
+              </a:rPr>
+              <a:t>&lt;/</a:t>
+            </a:r>
+            <a:r>
+              <a:rPr lang="pt-BR" sz="1300" dirty="0" err="1">
+                <a:solidFill>
+                  <a:srgbClr val="32946A"/>
+                </a:solidFill>
+                <a:latin typeface="Curier"/>
+                <a:cs typeface="Curier"/>
+              </a:rPr>
+              <a:t>y</a:t>
+            </a:r>
+            <a:r>
+              <a:rPr lang="pt-BR" sz="1300" dirty="0">
+                <a:solidFill>
+                  <a:srgbClr val="32946A"/>
+                </a:solidFill>
+                <a:latin typeface="Curier"/>
+                <a:cs typeface="Curier"/>
+              </a:rPr>
+              <a:t>&gt;</a:t>
+            </a:r>
+          </a:p>
+          <a:p>
+            <a:r>
+              <a:rPr lang="en-US" sz="1300" dirty="0">
+                <a:solidFill>
+                  <a:srgbClr val="32946A"/>
+                </a:solidFill>
+                <a:latin typeface="Curier"/>
+                <a:cs typeface="Curier"/>
+              </a:rPr>
+              <a:t>          &lt;z&gt;</a:t>
+            </a:r>
+            <a:r>
+              <a:rPr lang="en-US" sz="1300" dirty="0">
+                <a:latin typeface="Curier"/>
+                <a:cs typeface="Curier"/>
+              </a:rPr>
+              <a:t>Out|Output|Y1</a:t>
+            </a:r>
+            <a:r>
+              <a:rPr lang="en-US" sz="1300" dirty="0">
+                <a:solidFill>
+                  <a:srgbClr val="32946A"/>
+                </a:solidFill>
+                <a:latin typeface="Curier"/>
+                <a:cs typeface="Curier"/>
+              </a:rPr>
+              <a:t>&lt;/z&gt;</a:t>
+            </a:r>
+          </a:p>
+          <a:p>
+            <a:r>
+              <a:rPr lang="en-US" sz="1300" dirty="0">
+                <a:solidFill>
+                  <a:srgbClr val="32946A"/>
+                </a:solidFill>
+                <a:latin typeface="Curier"/>
+                <a:cs typeface="Curier"/>
+              </a:rPr>
+              <a:t>          &lt;</a:t>
+            </a:r>
+            <a:r>
+              <a:rPr lang="en-US" sz="1300" dirty="0" err="1">
+                <a:solidFill>
+                  <a:srgbClr val="32946A"/>
+                </a:solidFill>
+                <a:latin typeface="Curier"/>
+                <a:cs typeface="Curier"/>
+              </a:rPr>
+              <a:t>colorMap</a:t>
+            </a:r>
+            <a:r>
+              <a:rPr lang="en-US" sz="1300" dirty="0">
+                <a:solidFill>
+                  <a:srgbClr val="32946A"/>
+                </a:solidFill>
+                <a:latin typeface="Curier"/>
+                <a:cs typeface="Curier"/>
+              </a:rPr>
+              <a:t>&gt;</a:t>
+            </a:r>
+            <a:r>
+              <a:rPr lang="en-US" sz="1300" dirty="0">
+                <a:latin typeface="Curier"/>
+                <a:cs typeface="Curier"/>
+              </a:rPr>
+              <a:t>Out|Output|Y2</a:t>
+            </a:r>
+            <a:r>
+              <a:rPr lang="en-US" sz="1300" dirty="0">
+                <a:solidFill>
+                  <a:srgbClr val="32946A"/>
+                </a:solidFill>
+                <a:latin typeface="Curier"/>
+                <a:cs typeface="Curier"/>
+              </a:rPr>
+              <a:t>&lt;/</a:t>
+            </a:r>
+            <a:r>
+              <a:rPr lang="en-US" sz="1300" dirty="0" err="1">
+                <a:solidFill>
+                  <a:srgbClr val="32946A"/>
+                </a:solidFill>
+                <a:latin typeface="Curier"/>
+                <a:cs typeface="Curier"/>
+              </a:rPr>
+              <a:t>colorMap</a:t>
+            </a:r>
+            <a:r>
+              <a:rPr lang="en-US" sz="1300" dirty="0">
+                <a:solidFill>
+                  <a:srgbClr val="32946A"/>
+                </a:solidFill>
+                <a:latin typeface="Curier"/>
+                <a:cs typeface="Curier"/>
+              </a:rPr>
+              <a:t>&gt;</a:t>
+            </a:r>
+          </a:p>
+          <a:p>
+            <a:r>
+              <a:rPr lang="en-US" sz="1300" dirty="0">
+                <a:solidFill>
+                  <a:srgbClr val="32946A"/>
+                </a:solidFill>
+                <a:latin typeface="Curier"/>
+                <a:cs typeface="Curier"/>
+              </a:rPr>
+              <a:t>        &lt;/plot&gt;</a:t>
+            </a:r>
+          </a:p>
+          <a:p>
+            <a:r>
+              <a:rPr lang="en-US" sz="1300" dirty="0">
+                <a:solidFill>
+                  <a:srgbClr val="32946A"/>
+                </a:solidFill>
+                <a:latin typeface="Curier"/>
+                <a:cs typeface="Curier"/>
+              </a:rPr>
+              <a:t>        &lt;</a:t>
+            </a:r>
+            <a:r>
+              <a:rPr lang="en-US" sz="1300" dirty="0" err="1">
+                <a:solidFill>
+                  <a:srgbClr val="32946A"/>
+                </a:solidFill>
+                <a:latin typeface="Curier"/>
+                <a:cs typeface="Curier"/>
+              </a:rPr>
+              <a:t>xlabel</a:t>
+            </a:r>
+            <a:r>
+              <a:rPr lang="en-US" sz="1300" dirty="0">
+                <a:solidFill>
+                  <a:srgbClr val="32946A"/>
+                </a:solidFill>
+                <a:latin typeface="Curier"/>
+                <a:cs typeface="Curier"/>
+              </a:rPr>
+              <a:t>&gt;</a:t>
+            </a:r>
+            <a:r>
+              <a:rPr lang="en-US" sz="1300" dirty="0">
+                <a:latin typeface="Curier"/>
+                <a:cs typeface="Curier"/>
+              </a:rPr>
+              <a:t>X1</a:t>
+            </a:r>
+            <a:r>
+              <a:rPr lang="en-US" sz="1300" dirty="0">
+                <a:solidFill>
+                  <a:srgbClr val="32946A"/>
+                </a:solidFill>
+                <a:latin typeface="Curier"/>
+                <a:cs typeface="Curier"/>
+              </a:rPr>
+              <a:t>&lt;/</a:t>
+            </a:r>
+            <a:r>
+              <a:rPr lang="en-US" sz="1300" dirty="0" err="1">
+                <a:solidFill>
+                  <a:srgbClr val="32946A"/>
+                </a:solidFill>
+                <a:latin typeface="Curier"/>
+                <a:cs typeface="Curier"/>
+              </a:rPr>
+              <a:t>xlabel</a:t>
+            </a:r>
+            <a:r>
+              <a:rPr lang="en-US" sz="1300" dirty="0">
+                <a:solidFill>
+                  <a:srgbClr val="32946A"/>
+                </a:solidFill>
+                <a:latin typeface="Curier"/>
+                <a:cs typeface="Curier"/>
+              </a:rPr>
+              <a:t>&gt;</a:t>
+            </a:r>
+          </a:p>
+          <a:p>
+            <a:r>
+              <a:rPr lang="cs-CZ" sz="1300" dirty="0">
+                <a:solidFill>
+                  <a:srgbClr val="32946A"/>
+                </a:solidFill>
+                <a:latin typeface="Curier"/>
+                <a:cs typeface="Curier"/>
+              </a:rPr>
+              <a:t>        &lt;</a:t>
+            </a:r>
+            <a:r>
+              <a:rPr lang="cs-CZ" sz="1300" dirty="0" err="1">
+                <a:solidFill>
+                  <a:srgbClr val="32946A"/>
+                </a:solidFill>
+                <a:latin typeface="Curier"/>
+                <a:cs typeface="Curier"/>
+              </a:rPr>
+              <a:t>ylabel</a:t>
+            </a:r>
+            <a:r>
+              <a:rPr lang="cs-CZ" sz="1300" dirty="0">
+                <a:solidFill>
+                  <a:srgbClr val="32946A"/>
+                </a:solidFill>
+                <a:latin typeface="Curier"/>
+                <a:cs typeface="Curier"/>
+              </a:rPr>
+              <a:t>&gt;</a:t>
+            </a:r>
+            <a:r>
+              <a:rPr lang="cs-CZ" sz="1300" dirty="0">
+                <a:latin typeface="Curier"/>
+                <a:cs typeface="Curier"/>
+              </a:rPr>
+              <a:t>X2</a:t>
+            </a:r>
+            <a:r>
+              <a:rPr lang="cs-CZ" sz="1300" dirty="0">
+                <a:solidFill>
+                  <a:srgbClr val="32946A"/>
+                </a:solidFill>
+                <a:latin typeface="Curier"/>
+                <a:cs typeface="Curier"/>
+              </a:rPr>
+              <a:t>&lt;/</a:t>
+            </a:r>
+            <a:r>
+              <a:rPr lang="cs-CZ" sz="1300" dirty="0" err="1">
+                <a:solidFill>
+                  <a:srgbClr val="32946A"/>
+                </a:solidFill>
+                <a:latin typeface="Curier"/>
+                <a:cs typeface="Curier"/>
+              </a:rPr>
+              <a:t>ylabel</a:t>
+            </a:r>
+            <a:r>
+              <a:rPr lang="cs-CZ" sz="1300" dirty="0">
+                <a:solidFill>
+                  <a:srgbClr val="32946A"/>
+                </a:solidFill>
+                <a:latin typeface="Curier"/>
+                <a:cs typeface="Curier"/>
+              </a:rPr>
+              <a:t>&gt;</a:t>
+            </a:r>
+          </a:p>
+          <a:p>
+            <a:r>
+              <a:rPr lang="tr-TR" sz="1300" dirty="0">
+                <a:solidFill>
+                  <a:srgbClr val="32946A"/>
+                </a:solidFill>
+                <a:latin typeface="Curier"/>
+                <a:cs typeface="Curier"/>
+              </a:rPr>
+              <a:t>        &lt;</a:t>
+            </a:r>
+            <a:r>
+              <a:rPr lang="tr-TR" sz="1300" dirty="0" err="1">
+                <a:solidFill>
+                  <a:srgbClr val="32946A"/>
+                </a:solidFill>
+                <a:latin typeface="Curier"/>
+                <a:cs typeface="Curier"/>
+              </a:rPr>
+              <a:t>zlabel</a:t>
+            </a:r>
+            <a:r>
+              <a:rPr lang="tr-TR" sz="1300" dirty="0">
+                <a:solidFill>
+                  <a:srgbClr val="32946A"/>
+                </a:solidFill>
+                <a:latin typeface="Curier"/>
+                <a:cs typeface="Curier"/>
+              </a:rPr>
+              <a:t>&gt;</a:t>
+            </a:r>
+            <a:r>
+              <a:rPr lang="tr-TR" sz="1300" dirty="0">
+                <a:latin typeface="Curier"/>
+                <a:cs typeface="Curier"/>
+              </a:rPr>
+              <a:t>Y1</a:t>
+            </a:r>
+            <a:r>
+              <a:rPr lang="tr-TR" sz="1300" dirty="0">
+                <a:solidFill>
+                  <a:srgbClr val="32946A"/>
+                </a:solidFill>
+                <a:latin typeface="Curier"/>
+                <a:cs typeface="Curier"/>
+              </a:rPr>
+              <a:t>&lt;/</a:t>
+            </a:r>
+            <a:r>
+              <a:rPr lang="tr-TR" sz="1300" dirty="0" err="1">
+                <a:solidFill>
+                  <a:srgbClr val="32946A"/>
+                </a:solidFill>
+                <a:latin typeface="Curier"/>
+                <a:cs typeface="Curier"/>
+              </a:rPr>
+              <a:t>zlabel</a:t>
+            </a:r>
+            <a:r>
+              <a:rPr lang="tr-TR" sz="1300" dirty="0">
+                <a:solidFill>
+                  <a:srgbClr val="32946A"/>
+                </a:solidFill>
+                <a:latin typeface="Curier"/>
+                <a:cs typeface="Curier"/>
+              </a:rPr>
+              <a:t>&gt;</a:t>
+            </a:r>
+          </a:p>
+          <a:p>
+            <a:r>
+              <a:rPr lang="tr-TR" sz="1300" dirty="0">
+                <a:solidFill>
+                  <a:srgbClr val="32946A"/>
+                </a:solidFill>
+                <a:latin typeface="Curier"/>
+                <a:cs typeface="Curier"/>
+              </a:rPr>
+              <a:t>      &lt;/</a:t>
+            </a:r>
+            <a:r>
+              <a:rPr lang="tr-TR" sz="1300" dirty="0" err="1">
+                <a:solidFill>
+                  <a:srgbClr val="32946A"/>
+                </a:solidFill>
+                <a:latin typeface="Curier"/>
+                <a:cs typeface="Curier"/>
+              </a:rPr>
+              <a:t>plotSettings</a:t>
+            </a:r>
+            <a:r>
+              <a:rPr lang="tr-TR" sz="1300" dirty="0">
+                <a:solidFill>
+                  <a:srgbClr val="32946A"/>
+                </a:solidFill>
+                <a:latin typeface="Curier"/>
+                <a:cs typeface="Curier"/>
+              </a:rPr>
+              <a:t>&gt;</a:t>
+            </a:r>
+          </a:p>
+          <a:p>
+            <a:r>
+              <a:rPr lang="en-US" sz="1300" dirty="0">
+                <a:latin typeface="Curier"/>
+                <a:cs typeface="Curier"/>
+              </a:rPr>
+              <a:t>     </a:t>
+            </a:r>
+            <a:r>
+              <a:rPr lang="en-US" sz="1300" dirty="0">
+                <a:solidFill>
+                  <a:srgbClr val="32946A"/>
+                </a:solidFill>
+                <a:latin typeface="Curier"/>
+                <a:cs typeface="Curier"/>
+              </a:rPr>
+              <a:t> &lt;actions&gt;&lt;how&gt;</a:t>
+            </a:r>
+            <a:r>
+              <a:rPr lang="en-US" sz="1300" dirty="0" err="1">
+                <a:latin typeface="Curier"/>
+                <a:cs typeface="Curier"/>
+              </a:rPr>
+              <a:t>png</a:t>
+            </a:r>
+            <a:r>
+              <a:rPr lang="en-US" sz="1300" dirty="0">
+                <a:latin typeface="Curier"/>
+                <a:cs typeface="Curier"/>
+              </a:rPr>
+              <a:t>, screen</a:t>
+            </a:r>
+            <a:r>
+              <a:rPr lang="en-US" sz="1300" dirty="0">
+                <a:solidFill>
+                  <a:srgbClr val="32946A"/>
+                </a:solidFill>
+                <a:latin typeface="Curier"/>
+                <a:cs typeface="Curier"/>
+              </a:rPr>
+              <a:t>&lt;/how&gt;&lt;/actions&gt;</a:t>
+            </a:r>
+          </a:p>
+          <a:p>
+            <a:r>
+              <a:rPr lang="en-US" sz="1300" dirty="0">
+                <a:solidFill>
+                  <a:srgbClr val="32946A"/>
+                </a:solidFill>
+                <a:latin typeface="Curier"/>
+                <a:cs typeface="Curier"/>
+              </a:rPr>
+              <a:t>    &lt;/Plot&gt;</a:t>
+            </a:r>
+          </a:p>
+          <a:p>
+            <a:r>
+              <a:rPr lang="en-US" sz="1300" dirty="0">
+                <a:solidFill>
+                  <a:srgbClr val="32946A"/>
+                </a:solidFill>
+                <a:latin typeface="Curier"/>
+                <a:cs typeface="Curier"/>
+              </a:rPr>
+              <a:t>  &lt;/</a:t>
+            </a:r>
+            <a:r>
+              <a:rPr lang="en-US" sz="1300" dirty="0" err="1">
+                <a:solidFill>
+                  <a:srgbClr val="32946A"/>
+                </a:solidFill>
+                <a:latin typeface="Curier"/>
+                <a:cs typeface="Curier"/>
+              </a:rPr>
+              <a:t>OutStreams</a:t>
+            </a:r>
+            <a:r>
+              <a:rPr lang="en-US" sz="1300" dirty="0">
+                <a:solidFill>
+                  <a:srgbClr val="32946A"/>
+                </a:solidFill>
+                <a:latin typeface="Curier"/>
+                <a:cs typeface="Curier"/>
+              </a:rPr>
+              <a:t>&gt;</a:t>
+            </a:r>
+          </a:p>
+        </p:txBody>
+      </p:sp>
+      <p:graphicFrame>
+        <p:nvGraphicFramePr>
+          <p:cNvPr id="12" name="Table 11"/>
+          <p:cNvGraphicFramePr>
+            <a:graphicFrameLocks noGrp="1"/>
+          </p:cNvGraphicFramePr>
+          <p:nvPr>
+            <p:extLst>
+              <p:ext uri="{D42A27DB-BD31-4B8C-83A1-F6EECF244321}">
+                <p14:modId xmlns:p14="http://schemas.microsoft.com/office/powerpoint/2010/main" val="1643079489"/>
+              </p:ext>
+            </p:extLst>
+          </p:nvPr>
+        </p:nvGraphicFramePr>
+        <p:xfrm>
+          <a:off x="455609" y="1436377"/>
+          <a:ext cx="8231190" cy="741680"/>
+        </p:xfrm>
+        <a:graphic>
+          <a:graphicData uri="http://schemas.openxmlformats.org/drawingml/2006/table">
+            <a:tbl>
+              <a:tblPr firstRow="1" bandRow="1">
+                <a:tableStyleId>{5C22544A-7EE6-4342-B048-85BDC9FD1C3A}</a:tableStyleId>
+              </a:tblPr>
+              <a:tblGrid>
+                <a:gridCol w="1371865">
+                  <a:extLst>
+                    <a:ext uri="{9D8B030D-6E8A-4147-A177-3AD203B41FA5}">
+                      <a16:colId xmlns:a16="http://schemas.microsoft.com/office/drawing/2014/main" val="20000"/>
+                    </a:ext>
+                  </a:extLst>
+                </a:gridCol>
+                <a:gridCol w="1371865">
+                  <a:extLst>
+                    <a:ext uri="{9D8B030D-6E8A-4147-A177-3AD203B41FA5}">
+                      <a16:colId xmlns:a16="http://schemas.microsoft.com/office/drawing/2014/main" val="20001"/>
+                    </a:ext>
+                  </a:extLst>
+                </a:gridCol>
+                <a:gridCol w="1371865">
+                  <a:extLst>
+                    <a:ext uri="{9D8B030D-6E8A-4147-A177-3AD203B41FA5}">
+                      <a16:colId xmlns:a16="http://schemas.microsoft.com/office/drawing/2014/main" val="20002"/>
+                    </a:ext>
+                  </a:extLst>
+                </a:gridCol>
+                <a:gridCol w="1371865">
+                  <a:extLst>
+                    <a:ext uri="{9D8B030D-6E8A-4147-A177-3AD203B41FA5}">
+                      <a16:colId xmlns:a16="http://schemas.microsoft.com/office/drawing/2014/main" val="20003"/>
+                    </a:ext>
+                  </a:extLst>
+                </a:gridCol>
+                <a:gridCol w="1371865">
+                  <a:extLst>
+                    <a:ext uri="{9D8B030D-6E8A-4147-A177-3AD203B41FA5}">
+                      <a16:colId xmlns:a16="http://schemas.microsoft.com/office/drawing/2014/main" val="20004"/>
+                    </a:ext>
+                  </a:extLst>
+                </a:gridCol>
+                <a:gridCol w="1371865">
+                  <a:extLst>
+                    <a:ext uri="{9D8B030D-6E8A-4147-A177-3AD203B41FA5}">
+                      <a16:colId xmlns:a16="http://schemas.microsoft.com/office/drawing/2014/main" val="20005"/>
+                    </a:ext>
+                  </a:extLst>
+                </a:gridCol>
+              </a:tblGrid>
+              <a:tr h="370840">
+                <a:tc>
+                  <a:txBody>
+                    <a:bodyPr/>
+                    <a:lstStyle/>
+                    <a:p>
+                      <a:pPr algn="ctr"/>
+                      <a:r>
+                        <a:rPr lang="en-US" sz="1600" b="0" dirty="0" err="1">
+                          <a:solidFill>
+                            <a:schemeClr val="tx1"/>
+                          </a:solidFill>
+                          <a:latin typeface="Arial"/>
+                          <a:cs typeface="Arial"/>
+                        </a:rPr>
+                        <a:t>RunInfo</a:t>
+                      </a:r>
+                      <a:endParaRPr lang="en-US" sz="1600" b="0" dirty="0">
+                        <a:solidFill>
+                          <a:schemeClr val="tx1"/>
+                        </a:solidFill>
+                        <a:latin typeface="Arial"/>
+                        <a:cs typeface="Arial"/>
+                      </a:endParaRPr>
+                    </a:p>
+                  </a:txBody>
+                  <a:tcPr>
+                    <a:solidFill>
+                      <a:schemeClr val="bg1">
+                        <a:lumMod val="85000"/>
+                      </a:schemeClr>
+                    </a:solidFill>
+                  </a:tcPr>
+                </a:tc>
+                <a:tc>
+                  <a:txBody>
+                    <a:bodyPr/>
+                    <a:lstStyle/>
+                    <a:p>
+                      <a:pPr algn="ctr"/>
+                      <a:r>
+                        <a:rPr lang="en-US" sz="1600" b="0" dirty="0">
+                          <a:solidFill>
+                            <a:schemeClr val="tx1"/>
+                          </a:solidFill>
+                          <a:latin typeface="Arial"/>
+                          <a:cs typeface="Arial"/>
+                        </a:rPr>
+                        <a:t>Distributions</a:t>
+                      </a:r>
+                    </a:p>
+                  </a:txBody>
+                  <a:tcPr>
+                    <a:solidFill>
+                      <a:schemeClr val="bg1">
+                        <a:lumMod val="85000"/>
+                      </a:schemeClr>
+                    </a:solidFill>
+                  </a:tcPr>
+                </a:tc>
+                <a:tc>
+                  <a:txBody>
+                    <a:bodyPr/>
+                    <a:lstStyle/>
+                    <a:p>
+                      <a:pPr algn="ctr"/>
+                      <a:r>
+                        <a:rPr lang="en-US" sz="1600" b="0" dirty="0">
+                          <a:solidFill>
+                            <a:schemeClr val="tx1"/>
+                          </a:solidFill>
+                          <a:latin typeface="Arial"/>
+                          <a:cs typeface="Arial"/>
+                        </a:rPr>
+                        <a:t>Samplers</a:t>
+                      </a:r>
+                    </a:p>
+                  </a:txBody>
+                  <a:tcPr>
+                    <a:solidFill>
+                      <a:schemeClr val="bg1">
+                        <a:lumMod val="85000"/>
+                      </a:schemeClr>
+                    </a:solidFill>
+                  </a:tcPr>
+                </a:tc>
+                <a:tc>
+                  <a:txBody>
+                    <a:bodyPr/>
+                    <a:lstStyle/>
+                    <a:p>
+                      <a:pPr algn="ctr"/>
+                      <a:r>
+                        <a:rPr lang="en-US" sz="1600" b="0" dirty="0" err="1">
+                          <a:solidFill>
+                            <a:schemeClr val="tx1"/>
+                          </a:solidFill>
+                          <a:latin typeface="Arial"/>
+                          <a:cs typeface="Arial"/>
+                        </a:rPr>
+                        <a:t>DataObjects</a:t>
+                      </a:r>
+                      <a:endParaRPr lang="en-US" sz="1600" b="0" dirty="0">
+                        <a:solidFill>
+                          <a:schemeClr val="tx1"/>
+                        </a:solidFill>
+                        <a:latin typeface="Arial"/>
+                        <a:cs typeface="Arial"/>
+                      </a:endParaRPr>
+                    </a:p>
+                  </a:txBody>
+                  <a:tcPr>
+                    <a:solidFill>
+                      <a:schemeClr val="bg1">
+                        <a:lumMod val="85000"/>
+                      </a:schemeClr>
+                    </a:solidFill>
+                  </a:tcPr>
+                </a:tc>
+                <a:tc>
+                  <a:txBody>
+                    <a:bodyPr/>
+                    <a:lstStyle/>
+                    <a:p>
+                      <a:pPr algn="ctr"/>
+                      <a:r>
+                        <a:rPr lang="en-US" sz="1600" b="0" dirty="0">
+                          <a:solidFill>
+                            <a:schemeClr val="tx1"/>
+                          </a:solidFill>
+                          <a:latin typeface="Arial"/>
+                          <a:cs typeface="Arial"/>
+                        </a:rPr>
+                        <a:t>Models</a:t>
+                      </a:r>
+                    </a:p>
+                  </a:txBody>
+                  <a:tcPr>
+                    <a:solidFill>
+                      <a:schemeClr val="bg1">
+                        <a:lumMod val="85000"/>
+                      </a:schemeClr>
+                    </a:solidFill>
+                  </a:tcPr>
+                </a:tc>
+                <a:tc>
+                  <a:txBody>
+                    <a:bodyPr/>
+                    <a:lstStyle/>
+                    <a:p>
+                      <a:pPr algn="ctr"/>
+                      <a:r>
+                        <a:rPr lang="en-US" sz="1600" b="0" dirty="0">
+                          <a:solidFill>
+                            <a:schemeClr val="tx1"/>
+                          </a:solidFill>
+                          <a:latin typeface="Arial"/>
+                          <a:cs typeface="Arial"/>
+                        </a:rPr>
+                        <a:t>Files</a:t>
+                      </a:r>
+                    </a:p>
+                  </a:txBody>
+                  <a:tcPr>
+                    <a:solidFill>
+                      <a:schemeClr val="bg1">
+                        <a:lumMod val="85000"/>
+                      </a:schemeClr>
+                    </a:solidFill>
+                  </a:tcPr>
+                </a:tc>
+                <a:extLst>
+                  <a:ext uri="{0D108BD9-81ED-4DB2-BD59-A6C34878D82A}">
+                    <a16:rowId xmlns:a16="http://schemas.microsoft.com/office/drawing/2014/main" val="10000"/>
+                  </a:ext>
+                </a:extLst>
+              </a:tr>
+              <a:tr h="370840">
+                <a:tc>
+                  <a:txBody>
+                    <a:bodyPr/>
+                    <a:lstStyle/>
+                    <a:p>
+                      <a:pPr algn="ctr"/>
+                      <a:r>
+                        <a:rPr lang="en-US" sz="1600" b="0" dirty="0" err="1">
+                          <a:solidFill>
+                            <a:schemeClr val="tx1"/>
+                          </a:solidFill>
+                          <a:latin typeface="Arial"/>
+                          <a:cs typeface="Arial"/>
+                        </a:rPr>
+                        <a:t>OutStreams</a:t>
+                      </a:r>
+                      <a:endParaRPr lang="en-US" sz="1600" b="0" dirty="0">
+                        <a:solidFill>
+                          <a:schemeClr val="tx1"/>
+                        </a:solidFill>
+                        <a:latin typeface="Arial"/>
+                        <a:cs typeface="Arial"/>
+                      </a:endParaRPr>
+                    </a:p>
+                  </a:txBody>
+                  <a:tcPr>
+                    <a:solidFill>
+                      <a:schemeClr val="bg1">
+                        <a:lumMod val="65000"/>
+                      </a:schemeClr>
+                    </a:solidFill>
+                  </a:tcPr>
+                </a:tc>
+                <a:tc>
+                  <a:txBody>
+                    <a:bodyPr/>
+                    <a:lstStyle/>
+                    <a:p>
+                      <a:pPr algn="ctr"/>
+                      <a:r>
+                        <a:rPr lang="en-US" sz="1600" b="0" dirty="0">
+                          <a:solidFill>
+                            <a:schemeClr val="tx1"/>
+                          </a:solidFill>
+                          <a:latin typeface="Arial"/>
+                          <a:cs typeface="Arial"/>
+                        </a:rPr>
+                        <a:t>Steps</a:t>
+                      </a:r>
+                    </a:p>
+                  </a:txBody>
+                  <a:tcPr>
+                    <a:solidFill>
+                      <a:schemeClr val="bg1">
+                        <a:lumMod val="85000"/>
+                      </a:schemeClr>
+                    </a:solidFill>
+                  </a:tcPr>
+                </a:tc>
+                <a:tc>
+                  <a:txBody>
+                    <a:bodyPr/>
+                    <a:lstStyle/>
+                    <a:p>
+                      <a:pPr algn="ctr"/>
+                      <a:endParaRPr lang="en-US" sz="1600" b="0" dirty="0">
+                        <a:solidFill>
+                          <a:schemeClr val="tx1"/>
+                        </a:solidFill>
+                        <a:latin typeface="Arial"/>
+                        <a:cs typeface="Arial"/>
+                      </a:endParaRPr>
+                    </a:p>
+                  </a:txBody>
+                  <a:tcPr>
+                    <a:solidFill>
+                      <a:schemeClr val="bg1">
+                        <a:lumMod val="85000"/>
+                      </a:schemeClr>
+                    </a:solidFill>
+                  </a:tcPr>
+                </a:tc>
+                <a:tc>
+                  <a:txBody>
+                    <a:bodyPr/>
+                    <a:lstStyle/>
+                    <a:p>
+                      <a:pPr algn="ctr"/>
+                      <a:endParaRPr lang="en-US" sz="1600" b="0" dirty="0">
+                        <a:solidFill>
+                          <a:schemeClr val="tx1"/>
+                        </a:solidFill>
+                        <a:latin typeface="Arial"/>
+                        <a:cs typeface="Arial"/>
+                      </a:endParaRPr>
+                    </a:p>
+                  </a:txBody>
+                  <a:tcPr>
+                    <a:solidFill>
+                      <a:schemeClr val="bg1">
+                        <a:lumMod val="85000"/>
+                      </a:schemeClr>
+                    </a:solidFill>
+                  </a:tcPr>
+                </a:tc>
+                <a:tc>
+                  <a:txBody>
+                    <a:bodyPr/>
+                    <a:lstStyle/>
+                    <a:p>
+                      <a:pPr algn="ctr"/>
+                      <a:endParaRPr lang="en-US" sz="1600" b="0" dirty="0">
+                        <a:solidFill>
+                          <a:schemeClr val="tx1"/>
+                        </a:solidFill>
+                        <a:latin typeface="Arial"/>
+                        <a:cs typeface="Arial"/>
+                      </a:endParaRPr>
+                    </a:p>
+                  </a:txBody>
+                  <a:tcPr>
+                    <a:solidFill>
+                      <a:schemeClr val="bg1">
+                        <a:lumMod val="85000"/>
+                      </a:schemeClr>
+                    </a:solidFill>
+                  </a:tcPr>
+                </a:tc>
+                <a:tc>
+                  <a:txBody>
+                    <a:bodyPr/>
+                    <a:lstStyle/>
+                    <a:p>
+                      <a:pPr algn="ctr"/>
+                      <a:endParaRPr lang="en-US" sz="1600" b="0" dirty="0">
+                        <a:solidFill>
+                          <a:schemeClr val="tx1"/>
+                        </a:solidFill>
+                        <a:latin typeface="Arial"/>
+                        <a:cs typeface="Arial"/>
+                      </a:endParaRPr>
+                    </a:p>
+                  </a:txBody>
+                  <a:tcPr>
+                    <a:solidFill>
+                      <a:schemeClr val="bg1">
+                        <a:lumMod val="85000"/>
+                      </a:schemeClr>
+                    </a:solidFill>
+                  </a:tcPr>
+                </a:tc>
+                <a:extLst>
+                  <a:ext uri="{0D108BD9-81ED-4DB2-BD59-A6C34878D82A}">
+                    <a16:rowId xmlns:a16="http://schemas.microsoft.com/office/drawing/2014/main" val="10001"/>
+                  </a:ext>
+                </a:extLst>
+              </a:tr>
+            </a:tbl>
+          </a:graphicData>
+        </a:graphic>
+      </p:graphicFrame>
+      <p:sp>
+        <p:nvSpPr>
+          <p:cNvPr id="5" name="TextBox 4">
+            <a:extLst>
+              <a:ext uri="{FF2B5EF4-FFF2-40B4-BE49-F238E27FC236}">
+                <a16:creationId xmlns:a16="http://schemas.microsoft.com/office/drawing/2014/main" id="{6A3B8148-D441-474F-B7DD-A8D2277656ED}"/>
+              </a:ext>
+            </a:extLst>
+          </p:cNvPr>
+          <p:cNvSpPr txBox="1"/>
+          <p:nvPr/>
+        </p:nvSpPr>
+        <p:spPr>
+          <a:xfrm>
+            <a:off x="0" y="6553200"/>
+            <a:ext cx="9144000" cy="307777"/>
+          </a:xfrm>
+          <a:prstGeom prst="rect">
+            <a:avLst/>
+          </a:prstGeom>
+          <a:noFill/>
+        </p:spPr>
+        <p:txBody>
+          <a:bodyPr wrap="square" rtlCol="0">
+            <a:spAutoFit/>
+          </a:bodyPr>
+          <a:lstStyle/>
+          <a:p>
+            <a:pPr algn="ctr"/>
+            <a:r>
+              <a:rPr lang="en-US" sz="1400" dirty="0">
+                <a:latin typeface="+mn-lt"/>
+              </a:rPr>
+              <a:t>Input file name: ForwardSampling1.xml</a:t>
+            </a:r>
+          </a:p>
+        </p:txBody>
+      </p:sp>
+    </p:spTree>
+    <p:extLst>
+      <p:ext uri="{BB962C8B-B14F-4D97-AF65-F5344CB8AC3E}">
+        <p14:creationId xmlns:p14="http://schemas.microsoft.com/office/powerpoint/2010/main" val="1187122587"/>
+      </p:ext>
+    </p:extLst>
+  </p:cSld>
+  <p:clrMapOvr>
+    <a:masterClrMapping/>
+  </p:clrMapOvr>
+  <mc:AlternateContent xmlns:mc="http://schemas.openxmlformats.org/markup-compatibility/2006" xmlns:p14="http://schemas.microsoft.com/office/powerpoint/2010/main">
+    <mc:Choice Requires="p14">
+      <p:transition spd="med" p14:dur="700">
+        <p:fade/>
+      </p:transition>
+    </mc:Choice>
+    <mc:Fallback xmlns="">
+      <p:transition xmlns:p14="http://schemas.microsoft.com/office/powerpoint/2010/main" spd="med">
+        <p:fade/>
+      </p:transition>
+    </mc:Fallback>
+  </mc:AlternateContent>
+</p:sld>
+</file>
+
+<file path=ppt/slides/slide11.xml><?xml version="1.0" encoding="utf-8"?>
+<p:sld xmlns:a="http://schemas.openxmlformats.org/drawingml/2006/main" xmlns:r="http://schemas.openxmlformats.org/officeDocument/2006/relationships" xmlns:p="http://schemas.openxmlformats.org/presentationml/2006/main">
+  <p:cSld>
+    <p:spTree>
+      <p:nvGrpSpPr>
+        <p:cNvPr id="1" name=""/>
+        <p:cNvGrpSpPr/>
+        <p:nvPr/>
+      </p:nvGrpSpPr>
+      <p:grpSpPr>
+        <a:xfrm>
+          <a:off x="0" y="0"/>
+          <a:ext cx="0" cy="0"/>
+          <a:chOff x="0" y="0"/>
+          <a:chExt cx="0" cy="0"/>
+        </a:xfrm>
+      </p:grpSpPr>
+      <p:sp>
+        <p:nvSpPr>
+          <p:cNvPr id="6" name="Title 1"/>
+          <p:cNvSpPr>
+            <a:spLocks noGrp="1"/>
+          </p:cNvSpPr>
+          <p:nvPr>
+            <p:ph type="title"/>
+          </p:nvPr>
+        </p:nvSpPr>
+        <p:spPr>
+          <a:xfrm>
+            <a:off x="455613" y="1004888"/>
+            <a:ext cx="8231187" cy="377026"/>
+          </a:xfrm>
+        </p:spPr>
+        <p:txBody>
+          <a:bodyPr/>
+          <a:lstStyle/>
+          <a:p>
+            <a:r>
+              <a:rPr lang="en-US" b="0" dirty="0"/>
               <a:t>Combine the “actors”</a:t>
             </a:r>
           </a:p>
@@ -35068,11 +36552,7 @@
             <a:graphicFrameLocks noGrp="1"/>
           </p:cNvGraphicFramePr>
           <p:nvPr>
-            <p:extLst>
-              <p:ext uri="{D42A27DB-BD31-4B8C-83A1-F6EECF244321}">
-                <p14:modId xmlns:p14="http://schemas.microsoft.com/office/powerpoint/2010/main" val="2391556355"/>
-              </p:ext>
-            </p:extLst>
+            <p:extLst/>
           </p:nvPr>
         </p:nvGraphicFramePr>
         <p:xfrm>
@@ -35509,7 +36989,7 @@
     </p:spTree>
     <p:extLst>
       <p:ext uri="{BB962C8B-B14F-4D97-AF65-F5344CB8AC3E}">
-        <p14:creationId xmlns:p14="http://schemas.microsoft.com/office/powerpoint/2010/main" val="1656314952"/>
+        <p14:creationId xmlns:p14="http://schemas.microsoft.com/office/powerpoint/2010/main" val="1416001790"/>
       </p:ext>
     </p:extLst>
   </p:cSld>
@@ -35531,7 +37011,7 @@
 </p:sld>
 </file>
 
-<file path=ppt/slides/slide11.xml><?xml version="1.0" encoding="utf-8"?>
+<file path=ppt/slides/slide12.xml><?xml version="1.0" encoding="utf-8"?>
 <p:sld xmlns:a="http://schemas.openxmlformats.org/drawingml/2006/main" xmlns:r="http://schemas.openxmlformats.org/officeDocument/2006/relationships" xmlns:p="http://schemas.openxmlformats.org/presentationml/2006/main">
   <p:cSld>
     <p:spTree>
@@ -35608,7 +37088,7 @@
 </p:sld>
 </file>
 
-<file path=ppt/slides/slide12.xml><?xml version="1.0" encoding="utf-8"?>
+<file path=ppt/slides/slide13.xml><?xml version="1.0" encoding="utf-8"?>
 <p:sld xmlns:a="http://schemas.openxmlformats.org/drawingml/2006/main" xmlns:r="http://schemas.openxmlformats.org/officeDocument/2006/relationships" xmlns:p="http://schemas.openxmlformats.org/presentationml/2006/main">
   <p:cSld>
     <p:spTree>
@@ -36497,7 +37977,7 @@
 </p:sld>
 </file>
 
-<file path=ppt/slides/slide13.xml><?xml version="1.0" encoding="utf-8"?>
+<file path=ppt/slides/slide14.xml><?xml version="1.0" encoding="utf-8"?>
 <p:sld xmlns:a="http://schemas.openxmlformats.org/drawingml/2006/main" xmlns:r="http://schemas.openxmlformats.org/officeDocument/2006/relationships" xmlns:p="http://schemas.openxmlformats.org/presentationml/2006/main">
   <p:cSld>
     <p:spTree>
@@ -36559,7 +38039,7 @@
             <a:fld id="{4B4332F1-BAE3-4172-AA6D-91F763B329EF}" type="slidenum">
               <a:rPr lang="en-US" smtClean="0"/>
               <a:pPr/>
-              <a:t>13</a:t>
+              <a:t>14</a:t>
             </a:fld>
             <a:endParaRPr lang="en-US"/>
           </a:p>
@@ -37507,7 +38987,7 @@
 </p:sld>
 </file>
 
-<file path=ppt/slides/slide14.xml><?xml version="1.0" encoding="utf-8"?>
+<file path=ppt/slides/slide15.xml><?xml version="1.0" encoding="utf-8"?>
 <p:sld xmlns:a="http://schemas.openxmlformats.org/drawingml/2006/main" xmlns:r="http://schemas.openxmlformats.org/officeDocument/2006/relationships" xmlns:p="http://schemas.openxmlformats.org/presentationml/2006/main">
   <p:cSld>
     <p:spTree>
@@ -37584,7 +39064,7 @@
 </p:sld>
 </file>
 
-<file path=ppt/slides/slide15.xml><?xml version="1.0" encoding="utf-8"?>
+<file path=ppt/slides/slide16.xml><?xml version="1.0" encoding="utf-8"?>
 <p:sld xmlns:a="http://schemas.openxmlformats.org/drawingml/2006/main" xmlns:r="http://schemas.openxmlformats.org/officeDocument/2006/relationships" xmlns:p="http://schemas.openxmlformats.org/presentationml/2006/main">
   <p:cSld>
     <p:spTree>
@@ -38843,7 +40323,7 @@
 </p:sld>
 </file>
 
-<file path=ppt/slides/slide16.xml><?xml version="1.0" encoding="utf-8"?>
+<file path=ppt/slides/slide17.xml><?xml version="1.0" encoding="utf-8"?>
 <p:sld xmlns:a="http://schemas.openxmlformats.org/drawingml/2006/main" xmlns:r="http://schemas.openxmlformats.org/officeDocument/2006/relationships" xmlns:p="http://schemas.openxmlformats.org/presentationml/2006/main">
   <p:cSld>
     <p:spTree>
@@ -40589,7 +42069,7 @@
 </p:sld>
 </file>
 
-<file path=ppt/slides/slide17.xml><?xml version="1.0" encoding="utf-8"?>
+<file path=ppt/slides/slide18.xml><?xml version="1.0" encoding="utf-8"?>
 <p:sld xmlns:a="http://schemas.openxmlformats.org/drawingml/2006/main" xmlns:r="http://schemas.openxmlformats.org/officeDocument/2006/relationships" xmlns:p="http://schemas.openxmlformats.org/presentationml/2006/main">
   <p:cSld>
     <p:spTree>
@@ -40666,7 +42146,7 @@
 </p:sld>
 </file>
 
-<file path=ppt/slides/slide18.xml><?xml version="1.0" encoding="utf-8"?>
+<file path=ppt/slides/slide19.xml><?xml version="1.0" encoding="utf-8"?>
 <p:sld xmlns:a="http://schemas.openxmlformats.org/drawingml/2006/main" xmlns:r="http://schemas.openxmlformats.org/officeDocument/2006/relationships" xmlns:p="http://schemas.openxmlformats.org/presentationml/2006/main">
   <p:cSld>
     <p:spTree>
@@ -42025,7 +43505,173 @@
 </p:sld>
 </file>
 
-<file path=ppt/slides/slide19.xml><?xml version="1.0" encoding="utf-8"?>
+<file path=ppt/slides/slide2.xml><?xml version="1.0" encoding="utf-8"?>
+<p:sld xmlns:a="http://schemas.openxmlformats.org/drawingml/2006/main" xmlns:r="http://schemas.openxmlformats.org/officeDocument/2006/relationships" xmlns:p="http://schemas.openxmlformats.org/presentationml/2006/main">
+  <p:cSld>
+    <p:spTree>
+      <p:nvGrpSpPr>
+        <p:cNvPr id="1" name=""/>
+        <p:cNvGrpSpPr/>
+        <p:nvPr/>
+      </p:nvGrpSpPr>
+      <p:grpSpPr>
+        <a:xfrm>
+          <a:off x="0" y="0"/>
+          <a:ext cx="0" cy="0"/>
+          <a:chOff x="0" y="0"/>
+          <a:chExt cx="0" cy="0"/>
+        </a:xfrm>
+      </p:grpSpPr>
+      <p:sp>
+        <p:nvSpPr>
+          <p:cNvPr id="70658" name="Rectangle 2"/>
+          <p:cNvSpPr>
+            <a:spLocks noGrp="1" noChangeArrowheads="1"/>
+          </p:cNvSpPr>
+          <p:nvPr>
+            <p:ph type="title"/>
+          </p:nvPr>
+        </p:nvSpPr>
+        <p:spPr>
+          <a:xfrm>
+            <a:off x="455613" y="1004888"/>
+            <a:ext cx="8231187" cy="377026"/>
+          </a:xfrm>
+        </p:spPr>
+        <p:txBody>
+          <a:bodyPr/>
+          <a:lstStyle/>
+          <a:p>
+            <a:r>
+              <a:rPr lang="en-US" b="0" dirty="0"/>
+              <a:t>Objectives</a:t>
+            </a:r>
+          </a:p>
+        </p:txBody>
+      </p:sp>
+      <p:sp>
+        <p:nvSpPr>
+          <p:cNvPr id="70659" name="Rectangle 3"/>
+          <p:cNvSpPr>
+            <a:spLocks noGrp="1" noChangeArrowheads="1"/>
+          </p:cNvSpPr>
+          <p:nvPr>
+            <p:ph type="body" idx="1"/>
+          </p:nvPr>
+        </p:nvSpPr>
+        <p:spPr/>
+        <p:txBody>
+          <a:bodyPr/>
+          <a:lstStyle/>
+          <a:p>
+            <a:r>
+              <a:rPr lang="en-US" dirty="0"/>
+              <a:t>Try your first RAVEN input!</a:t>
+            </a:r>
+          </a:p>
+          <a:p>
+            <a:pPr marL="0" indent="0">
+              <a:buNone/>
+            </a:pPr>
+            <a:endParaRPr lang="en-US" dirty="0"/>
+          </a:p>
+          <a:p>
+            <a:r>
+              <a:rPr lang="en-US" dirty="0"/>
+              <a:t>Navigate to:</a:t>
+            </a:r>
+          </a:p>
+          <a:p>
+            <a:pPr lvl="1"/>
+            <a:r>
+              <a:rPr lang="en-US" dirty="0"/>
+              <a:t>raven/doc/workshop/</a:t>
+            </a:r>
+            <a:r>
+              <a:rPr lang="en-US" dirty="0" err="1"/>
+              <a:t>forwardSampling</a:t>
+            </a:r>
+            <a:r>
+              <a:rPr lang="en-US" dirty="0"/>
+              <a:t>/inputs/</a:t>
+            </a:r>
+          </a:p>
+          <a:p>
+            <a:pPr lvl="1"/>
+            <a:endParaRPr lang="en-US" dirty="0"/>
+          </a:p>
+          <a:p>
+            <a:pPr lvl="1"/>
+            <a:r>
+              <a:rPr lang="en-US" dirty="0"/>
+              <a:t>Open up ForwardSampling1.xml in your favorite text editor</a:t>
+            </a:r>
+          </a:p>
+          <a:p>
+            <a:pPr lvl="1"/>
+            <a:endParaRPr lang="en-US" dirty="0"/>
+          </a:p>
+          <a:p>
+            <a:pPr lvl="1"/>
+            <a:r>
+              <a:rPr lang="en-US" dirty="0"/>
+              <a:t>Extra Credit: Find XML syntax highlighting in your editor</a:t>
+            </a:r>
+          </a:p>
+          <a:p>
+            <a:endParaRPr lang="en-US" dirty="0"/>
+          </a:p>
+          <a:p>
+            <a:endParaRPr lang="en-US" dirty="0"/>
+          </a:p>
+          <a:p>
+            <a:r>
+              <a:rPr lang="en-US" dirty="0"/>
+              <a:t>(mac/</a:t>
+            </a:r>
+            <a:r>
+              <a:rPr lang="en-US" dirty="0" err="1"/>
+              <a:t>linux</a:t>
+            </a:r>
+            <a:r>
+              <a:rPr lang="en-US" dirty="0"/>
+              <a:t>) source activate </a:t>
+            </a:r>
+            <a:r>
+              <a:rPr lang="en-US" dirty="0" err="1"/>
+              <a:t>raven_libraries</a:t>
+            </a:r>
+            <a:endParaRPr lang="en-US" dirty="0"/>
+          </a:p>
+          <a:p>
+            <a:r>
+              <a:rPr lang="en-US" dirty="0" err="1"/>
+              <a:t>conda</a:t>
+            </a:r>
+            <a:r>
+              <a:rPr lang="en-US" dirty="0"/>
+              <a:t> install </a:t>
+            </a:r>
+            <a:r>
+              <a:rPr lang="en-US" dirty="0" err="1"/>
+              <a:t>xarray</a:t>
+            </a:r>
+            <a:r>
+              <a:rPr lang="en-US" dirty="0"/>
+              <a:t>=0.9.5 netcdf4</a:t>
+            </a:r>
+          </a:p>
+        </p:txBody>
+      </p:sp>
+    </p:spTree>
+  </p:cSld>
+  <p:clrMapOvr>
+    <a:masterClrMapping/>
+  </p:clrMapOvr>
+</p:sld>
+</file>
+
+<file path=ppt/slides/slide20.xml><?xml version="1.0" encoding="utf-8"?>
 <p:sld xmlns:a="http://schemas.openxmlformats.org/drawingml/2006/main" xmlns:r="http://schemas.openxmlformats.org/officeDocument/2006/relationships" xmlns:p="http://schemas.openxmlformats.org/presentationml/2006/main">
   <p:cSld>
     <p:spTree>
@@ -43787,129 +45433,7 @@
 </p:sld>
 </file>
 
-<file path=ppt/slides/slide2.xml><?xml version="1.0" encoding="utf-8"?>
-<p:sld xmlns:a="http://schemas.openxmlformats.org/drawingml/2006/main" xmlns:r="http://schemas.openxmlformats.org/officeDocument/2006/relationships" xmlns:p="http://schemas.openxmlformats.org/presentationml/2006/main">
-  <p:cSld>
-    <p:spTree>
-      <p:nvGrpSpPr>
-        <p:cNvPr id="1" name=""/>
-        <p:cNvGrpSpPr/>
-        <p:nvPr/>
-      </p:nvGrpSpPr>
-      <p:grpSpPr>
-        <a:xfrm>
-          <a:off x="0" y="0"/>
-          <a:ext cx="0" cy="0"/>
-          <a:chOff x="0" y="0"/>
-          <a:chExt cx="0" cy="0"/>
-        </a:xfrm>
-      </p:grpSpPr>
-      <p:sp>
-        <p:nvSpPr>
-          <p:cNvPr id="70658" name="Rectangle 2"/>
-          <p:cNvSpPr>
-            <a:spLocks noGrp="1" noChangeArrowheads="1"/>
-          </p:cNvSpPr>
-          <p:nvPr>
-            <p:ph type="title"/>
-          </p:nvPr>
-        </p:nvSpPr>
-        <p:spPr>
-          <a:xfrm>
-            <a:off x="455613" y="1004888"/>
-            <a:ext cx="8231187" cy="377026"/>
-          </a:xfrm>
-        </p:spPr>
-        <p:txBody>
-          <a:bodyPr/>
-          <a:lstStyle/>
-          <a:p>
-            <a:r>
-              <a:rPr lang="en-US" b="0" dirty="0"/>
-              <a:t>Objectives</a:t>
-            </a:r>
-          </a:p>
-        </p:txBody>
-      </p:sp>
-      <p:sp>
-        <p:nvSpPr>
-          <p:cNvPr id="70659" name="Rectangle 3"/>
-          <p:cNvSpPr>
-            <a:spLocks noGrp="1" noChangeArrowheads="1"/>
-          </p:cNvSpPr>
-          <p:nvPr>
-            <p:ph type="body" idx="1"/>
-          </p:nvPr>
-        </p:nvSpPr>
-        <p:spPr/>
-        <p:txBody>
-          <a:bodyPr/>
-          <a:lstStyle/>
-          <a:p>
-            <a:r>
-              <a:rPr lang="en-US" dirty="0"/>
-              <a:t>Learn the “Entities” of a generic statistical analysis</a:t>
-            </a:r>
-          </a:p>
-          <a:p>
-            <a:r>
-              <a:rPr lang="en-US" dirty="0"/>
-              <a:t>Learn how these “Entities” are implemented in RAVEN</a:t>
-            </a:r>
-          </a:p>
-          <a:p>
-            <a:r>
-              <a:rPr lang="en-US" dirty="0"/>
-              <a:t>Learn how RAVEN Steps and Entities are assembled in the input file for statistical analysis</a:t>
-            </a:r>
-          </a:p>
-          <a:p>
-            <a:r>
-              <a:rPr lang="en-US" dirty="0"/>
-              <a:t>Learn how to visualize output</a:t>
-            </a:r>
-          </a:p>
-          <a:p>
-            <a:r>
-              <a:rPr lang="en-US" dirty="0"/>
-              <a:t>Learn how to perform a generic statistical analysis</a:t>
-            </a:r>
-          </a:p>
-          <a:p>
-            <a:r>
-              <a:rPr lang="en-US" dirty="0"/>
-              <a:t>Learn how to perform a correlation analysis</a:t>
-            </a:r>
-          </a:p>
-          <a:p>
-            <a:endParaRPr lang="en-US" dirty="0"/>
-          </a:p>
-          <a:p>
-            <a:r>
-              <a:rPr lang="en-US" dirty="0"/>
-              <a:t>Basically, you should be able to start playing with RAVEN</a:t>
-            </a:r>
-          </a:p>
-          <a:p>
-            <a:endParaRPr lang="en-US" dirty="0"/>
-          </a:p>
-          <a:p>
-            <a:endParaRPr lang="en-US" dirty="0"/>
-          </a:p>
-          <a:p>
-            <a:endParaRPr lang="en-US" dirty="0"/>
-          </a:p>
-        </p:txBody>
-      </p:sp>
-    </p:spTree>
-  </p:cSld>
-  <p:clrMapOvr>
-    <a:masterClrMapping/>
-  </p:clrMapOvr>
-</p:sld>
-</file>
-
-<file path=ppt/slides/slide20.xml><?xml version="1.0" encoding="utf-8"?>
+<file path=ppt/slides/slide21.xml><?xml version="1.0" encoding="utf-8"?>
 <p:sld xmlns:a="http://schemas.openxmlformats.org/drawingml/2006/main" xmlns:r="http://schemas.openxmlformats.org/officeDocument/2006/relationships" xmlns:p="http://schemas.openxmlformats.org/presentationml/2006/main">
   <p:cSld>
     <p:spTree>
@@ -43986,152 +45510,6 @@
 </p:sld>
 </file>
 
-<file path=ppt/slides/slide21.xml><?xml version="1.0" encoding="utf-8"?>
-<p:sld xmlns:a="http://schemas.openxmlformats.org/drawingml/2006/main" xmlns:r="http://schemas.openxmlformats.org/officeDocument/2006/relationships" xmlns:p="http://schemas.openxmlformats.org/presentationml/2006/main">
-  <p:cSld>
-    <p:spTree>
-      <p:nvGrpSpPr>
-        <p:cNvPr id="1" name=""/>
-        <p:cNvGrpSpPr/>
-        <p:nvPr/>
-      </p:nvGrpSpPr>
-      <p:grpSpPr>
-        <a:xfrm>
-          <a:off x="0" y="0"/>
-          <a:ext cx="0" cy="0"/>
-          <a:chOff x="0" y="0"/>
-          <a:chExt cx="0" cy="0"/>
-        </a:xfrm>
-      </p:grpSpPr>
-      <p:sp>
-        <p:nvSpPr>
-          <p:cNvPr id="2" name="Title 1"/>
-          <p:cNvSpPr>
-            <a:spLocks noGrp="1"/>
-          </p:cNvSpPr>
-          <p:nvPr>
-            <p:ph type="title"/>
-          </p:nvPr>
-        </p:nvSpPr>
-        <p:spPr>
-          <a:xfrm>
-            <a:off x="455613" y="1004888"/>
-            <a:ext cx="8231187" cy="377026"/>
-          </a:xfrm>
-        </p:spPr>
-        <p:txBody>
-          <a:bodyPr/>
-          <a:lstStyle/>
-          <a:p>
-            <a:r>
-              <a:rPr lang="en-US" dirty="0"/>
-              <a:t>Basic Statistic Recall</a:t>
-            </a:r>
-          </a:p>
-        </p:txBody>
-      </p:sp>
-      <p:sp>
-        <p:nvSpPr>
-          <p:cNvPr id="3" name="Content Placeholder 2"/>
-          <p:cNvSpPr>
-            <a:spLocks noGrp="1"/>
-          </p:cNvSpPr>
-          <p:nvPr>
-            <p:ph idx="1"/>
-          </p:nvPr>
-        </p:nvSpPr>
-        <p:spPr/>
-        <p:txBody>
-          <a:bodyPr/>
-          <a:lstStyle/>
-          <a:p>
-            <a:r>
-              <a:rPr lang="en-US" dirty="0"/>
-              <a:t>Expected Value</a:t>
-            </a:r>
-          </a:p>
-          <a:p>
-            <a:r>
-              <a:rPr lang="en-US" dirty="0"/>
-              <a:t>Minimum</a:t>
-            </a:r>
-          </a:p>
-          <a:p>
-            <a:r>
-              <a:rPr lang="en-US" dirty="0"/>
-              <a:t>Maximum</a:t>
-            </a:r>
-          </a:p>
-          <a:p>
-            <a:r>
-              <a:rPr lang="en-US" dirty="0"/>
-              <a:t>Median</a:t>
-            </a:r>
-          </a:p>
-          <a:p>
-            <a:r>
-              <a:rPr lang="en-US" dirty="0"/>
-              <a:t>Variance</a:t>
-            </a:r>
-          </a:p>
-          <a:p>
-            <a:r>
-              <a:rPr lang="en-US" dirty="0"/>
-              <a:t>Sigma</a:t>
-            </a:r>
-          </a:p>
-          <a:p>
-            <a:r>
-              <a:rPr lang="en-US" dirty="0"/>
-              <a:t>Variation Coefficient</a:t>
-            </a:r>
-          </a:p>
-          <a:p>
-            <a:r>
-              <a:rPr lang="en-US" dirty="0" err="1"/>
-              <a:t>Skewness</a:t>
-            </a:r>
-            <a:endParaRPr lang="en-US" dirty="0"/>
-          </a:p>
-          <a:p>
-            <a:r>
-              <a:rPr lang="en-US" dirty="0"/>
-              <a:t>Kurtosis</a:t>
-            </a:r>
-          </a:p>
-          <a:p>
-            <a:r>
-              <a:rPr lang="en-US" dirty="0"/>
-              <a:t>Samples</a:t>
-            </a:r>
-          </a:p>
-          <a:p>
-            <a:r>
-              <a:rPr lang="en-US" dirty="0"/>
-              <a:t>percentile_5</a:t>
-            </a:r>
-          </a:p>
-          <a:p>
-            <a:r>
-              <a:rPr lang="en-US" dirty="0"/>
-              <a:t>percentile_95 </a:t>
-            </a:r>
-          </a:p>
-        </p:txBody>
-      </p:sp>
-    </p:spTree>
-    <p:extLst>
-      <p:ext uri="{BB962C8B-B14F-4D97-AF65-F5344CB8AC3E}">
-        <p14:creationId xmlns:p14="http://schemas.microsoft.com/office/powerpoint/2010/main" val="2344972070"/>
-      </p:ext>
-    </p:extLst>
-  </p:cSld>
-  <p:clrMapOvr>
-    <a:masterClrMapping/>
-  </p:clrMapOvr>
-</p:sld>
-</file>
-
 <file path=ppt/slides/slide22.xml><?xml version="1.0" encoding="utf-8"?>
 <p:sld xmlns:a="http://schemas.openxmlformats.org/drawingml/2006/main" xmlns:r="http://schemas.openxmlformats.org/officeDocument/2006/relationships" xmlns:p="http://schemas.openxmlformats.org/presentationml/2006/main">
   <p:cSld>
@@ -44171,7 +45549,7 @@
           <a:p>
             <a:r>
               <a:rPr lang="en-US" dirty="0"/>
-              <a:t>Sensitivity Recall</a:t>
+              <a:t>Basic Statistics Options</a:t>
             </a:r>
           </a:p>
         </p:txBody>
@@ -44192,128 +45570,83 @@
           <a:lstStyle/>
           <a:p>
             <a:r>
-              <a:rPr lang="en-US" dirty="0">
-                <a:solidFill>
-                  <a:srgbClr val="000000"/>
-                </a:solidFill>
-                <a:latin typeface="Calibri"/>
-                <a:ea typeface="Calibri"/>
-                <a:cs typeface="Calibri"/>
-              </a:rPr>
-              <a:t>Sensitivity: derivate</a:t>
+              <a:rPr lang="en-US" dirty="0"/>
+              <a:t>Expected Value</a:t>
             </a:r>
           </a:p>
           <a:p>
-            <a:endParaRPr lang="en-US" dirty="0">
-              <a:solidFill>
-                <a:srgbClr val="000000"/>
-              </a:solidFill>
-              <a:latin typeface="Calibri"/>
-              <a:ea typeface="Calibri"/>
-              <a:cs typeface="Calibri"/>
-            </a:endParaRPr>
+            <a:r>
+              <a:rPr lang="en-US" dirty="0"/>
+              <a:t>Minimum</a:t>
+            </a:r>
           </a:p>
           <a:p>
             <a:r>
-              <a:rPr lang="en-US" dirty="0">
-                <a:solidFill>
-                  <a:srgbClr val="000000"/>
-                </a:solidFill>
-                <a:latin typeface="Calibri"/>
-                <a:ea typeface="Calibri"/>
-                <a:cs typeface="Calibri"/>
-              </a:rPr>
-              <a:t>Covariance: measure the degree of correlation in the variable dispersion</a:t>
+              <a:rPr lang="en-US" dirty="0"/>
+              <a:t>Maximum</a:t>
             </a:r>
           </a:p>
           <a:p>
-            <a:endParaRPr lang="en-US" dirty="0">
-              <a:solidFill>
-                <a:srgbClr val="000000"/>
-              </a:solidFill>
-              <a:latin typeface="Calibri"/>
-              <a:ea typeface="Calibri"/>
-              <a:cs typeface="Calibri"/>
-            </a:endParaRPr>
+            <a:r>
+              <a:rPr lang="en-US" dirty="0"/>
+              <a:t>Median</a:t>
+            </a:r>
           </a:p>
           <a:p>
             <a:r>
-              <a:rPr lang="en-US" dirty="0">
-                <a:solidFill>
-                  <a:srgbClr val="000000"/>
-                </a:solidFill>
-                <a:latin typeface="Calibri"/>
-                <a:ea typeface="Calibri"/>
-                <a:cs typeface="Calibri"/>
-              </a:rPr>
-              <a:t>Pearson, aka correlation (sigma normalized covariance): linearity measure</a:t>
+              <a:rPr lang="en-US" dirty="0"/>
+              <a:t>Variance</a:t>
             </a:r>
           </a:p>
           <a:p>
-            <a:endParaRPr lang="en-US" dirty="0">
-              <a:solidFill>
-                <a:srgbClr val="000000"/>
-              </a:solidFill>
-              <a:latin typeface="Calibri"/>
-              <a:ea typeface="Calibri"/>
-              <a:cs typeface="Calibri"/>
-            </a:endParaRPr>
+            <a:r>
+              <a:rPr lang="en-US" dirty="0"/>
+              <a:t>Sigma</a:t>
+            </a:r>
           </a:p>
           <a:p>
             <a:r>
-              <a:rPr lang="en-US" dirty="0">
-                <a:solidFill>
-                  <a:srgbClr val="000000"/>
-                </a:solidFill>
-                <a:latin typeface="Calibri"/>
-                <a:ea typeface="Calibri"/>
-                <a:cs typeface="Calibri"/>
-              </a:rPr>
-              <a:t>Normalized sensitivity: derivative normalized by the mean</a:t>
+              <a:rPr lang="en-US" dirty="0"/>
+              <a:t>Variation Coefficient</a:t>
             </a:r>
           </a:p>
           <a:p>
-            <a:endParaRPr lang="en-US" dirty="0">
-              <a:solidFill>
-                <a:srgbClr val="000000"/>
-              </a:solidFill>
-              <a:latin typeface="Calibri"/>
-              <a:ea typeface="Calibri"/>
-              <a:cs typeface="Calibri"/>
-            </a:endParaRPr>
+            <a:r>
+              <a:rPr lang="en-US" dirty="0" err="1"/>
+              <a:t>Skewness</a:t>
+            </a:r>
+            <a:endParaRPr lang="en-US" dirty="0"/>
           </a:p>
           <a:p>
             <a:r>
-              <a:rPr lang="en-US" dirty="0">
-                <a:solidFill>
-                  <a:srgbClr val="000000"/>
-                </a:solidFill>
-                <a:latin typeface="Calibri"/>
-                <a:ea typeface="Calibri"/>
-                <a:cs typeface="Calibri"/>
-              </a:rPr>
-              <a:t>Variance Dependent Sensitivity: </a:t>
+              <a:rPr lang="en-US" dirty="0"/>
+              <a:t>Kurtosis</a:t>
             </a:r>
           </a:p>
           <a:p>
-            <a:endParaRPr lang="en-US" dirty="0">
-              <a:solidFill>
-                <a:srgbClr val="000000"/>
-              </a:solidFill>
-              <a:latin typeface="Calibri"/>
-              <a:ea typeface="Calibri"/>
-              <a:cs typeface="Calibri"/>
-            </a:endParaRPr>
+            <a:r>
+              <a:rPr lang="en-US" dirty="0"/>
+              <a:t>Samples</a:t>
+            </a:r>
           </a:p>
           <a:p>
-            <a:endParaRPr lang="en-US" dirty="0"/>
+            <a:r>
+              <a:rPr lang="en-US" dirty="0"/>
+              <a:t>percentile_5</a:t>
+            </a:r>
+          </a:p>
+          <a:p>
+            <a:r>
+              <a:rPr lang="en-US" dirty="0"/>
+              <a:t>percentile_95 </a:t>
+            </a:r>
           </a:p>
         </p:txBody>
       </p:sp>
     </p:spTree>
     <p:extLst>
       <p:ext uri="{BB962C8B-B14F-4D97-AF65-F5344CB8AC3E}">
-        <p14:creationId xmlns:p14="http://schemas.microsoft.com/office/powerpoint/2010/main" val="1182777811"/>
+        <p14:creationId xmlns:p14="http://schemas.microsoft.com/office/powerpoint/2010/main" val="2344972070"/>
       </p:ext>
     </p:extLst>
   </p:cSld>
@@ -44362,6 +45695,164 @@
           <a:p>
             <a:r>
               <a:rPr lang="en-US" dirty="0"/>
+              <a:t>Sensitivity Options</a:t>
+            </a:r>
+          </a:p>
+        </p:txBody>
+      </p:sp>
+      <p:sp>
+        <p:nvSpPr>
+          <p:cNvPr id="3" name="Content Placeholder 2"/>
+          <p:cNvSpPr>
+            <a:spLocks noGrp="1"/>
+          </p:cNvSpPr>
+          <p:nvPr>
+            <p:ph idx="1"/>
+          </p:nvPr>
+        </p:nvSpPr>
+        <p:spPr/>
+        <p:txBody>
+          <a:bodyPr/>
+          <a:lstStyle/>
+          <a:p>
+            <a:r>
+              <a:rPr lang="en-US" dirty="0">
+                <a:solidFill>
+                  <a:srgbClr val="000000"/>
+                </a:solidFill>
+                <a:latin typeface="Calibri"/>
+                <a:ea typeface="Calibri"/>
+                <a:cs typeface="Calibri"/>
+              </a:rPr>
+              <a:t>Sensitivity: derivative</a:t>
+            </a:r>
+          </a:p>
+          <a:p>
+            <a:endParaRPr lang="en-US" dirty="0">
+              <a:solidFill>
+                <a:srgbClr val="000000"/>
+              </a:solidFill>
+              <a:latin typeface="Calibri"/>
+              <a:ea typeface="Calibri"/>
+              <a:cs typeface="Calibri"/>
+            </a:endParaRPr>
+          </a:p>
+          <a:p>
+            <a:r>
+              <a:rPr lang="en-US" dirty="0">
+                <a:solidFill>
+                  <a:srgbClr val="000000"/>
+                </a:solidFill>
+                <a:latin typeface="Calibri"/>
+                <a:ea typeface="Calibri"/>
+                <a:cs typeface="Calibri"/>
+              </a:rPr>
+              <a:t>Covariance: degree of correlation in the variable dispersion</a:t>
+            </a:r>
+          </a:p>
+          <a:p>
+            <a:endParaRPr lang="en-US" dirty="0">
+              <a:solidFill>
+                <a:srgbClr val="000000"/>
+              </a:solidFill>
+              <a:latin typeface="Calibri"/>
+              <a:ea typeface="Calibri"/>
+              <a:cs typeface="Calibri"/>
+            </a:endParaRPr>
+          </a:p>
+          <a:p>
+            <a:r>
+              <a:rPr lang="en-US" dirty="0">
+                <a:solidFill>
+                  <a:srgbClr val="000000"/>
+                </a:solidFill>
+                <a:latin typeface="Calibri"/>
+                <a:ea typeface="Calibri"/>
+                <a:cs typeface="Calibri"/>
+              </a:rPr>
+              <a:t>Pearson, aka correlation (sigma normalized covariance): linearity measure</a:t>
+            </a:r>
+          </a:p>
+          <a:p>
+            <a:endParaRPr lang="en-US" dirty="0">
+              <a:solidFill>
+                <a:srgbClr val="000000"/>
+              </a:solidFill>
+              <a:latin typeface="Calibri"/>
+              <a:ea typeface="Calibri"/>
+              <a:cs typeface="Calibri"/>
+            </a:endParaRPr>
+          </a:p>
+          <a:p>
+            <a:r>
+              <a:rPr lang="en-US" dirty="0">
+                <a:solidFill>
+                  <a:srgbClr val="000000"/>
+                </a:solidFill>
+                <a:latin typeface="Calibri"/>
+                <a:ea typeface="Calibri"/>
+                <a:cs typeface="Calibri"/>
+              </a:rPr>
+              <a:t>Normalized sensitivity: derivative normalized by the mean</a:t>
+            </a:r>
+          </a:p>
+          <a:p>
+            <a:endParaRPr lang="en-US" dirty="0"/>
+          </a:p>
+        </p:txBody>
+      </p:sp>
+    </p:spTree>
+    <p:extLst>
+      <p:ext uri="{BB962C8B-B14F-4D97-AF65-F5344CB8AC3E}">
+        <p14:creationId xmlns:p14="http://schemas.microsoft.com/office/powerpoint/2010/main" val="1182777811"/>
+      </p:ext>
+    </p:extLst>
+  </p:cSld>
+  <p:clrMapOvr>
+    <a:masterClrMapping/>
+  </p:clrMapOvr>
+</p:sld>
+</file>
+
+<file path=ppt/slides/slide24.xml><?xml version="1.0" encoding="utf-8"?>
+<p:sld xmlns:a="http://schemas.openxmlformats.org/drawingml/2006/main" xmlns:r="http://schemas.openxmlformats.org/officeDocument/2006/relationships" xmlns:p="http://schemas.openxmlformats.org/presentationml/2006/main">
+  <p:cSld>
+    <p:spTree>
+      <p:nvGrpSpPr>
+        <p:cNvPr id="1" name=""/>
+        <p:cNvGrpSpPr/>
+        <p:nvPr/>
+      </p:nvGrpSpPr>
+      <p:grpSpPr>
+        <a:xfrm>
+          <a:off x="0" y="0"/>
+          <a:ext cx="0" cy="0"/>
+          <a:chOff x="0" y="0"/>
+          <a:chExt cx="0" cy="0"/>
+        </a:xfrm>
+      </p:grpSpPr>
+      <p:sp>
+        <p:nvSpPr>
+          <p:cNvPr id="2" name="Title 1"/>
+          <p:cNvSpPr>
+            <a:spLocks noGrp="1"/>
+          </p:cNvSpPr>
+          <p:nvPr>
+            <p:ph type="title"/>
+          </p:nvPr>
+        </p:nvSpPr>
+        <p:spPr>
+          <a:xfrm>
+            <a:off x="455613" y="1004888"/>
+            <a:ext cx="8231187" cy="377026"/>
+          </a:xfrm>
+        </p:spPr>
+        <p:txBody>
+          <a:bodyPr/>
+          <a:lstStyle/>
+          <a:p>
+            <a:r>
+              <a:rPr lang="en-US" dirty="0"/>
               <a:t>Basic Statistic Analysis and Sensitivity Inputs</a:t>
             </a:r>
           </a:p>
@@ -44506,7 +45997,7 @@
 </p:sld>
 </file>
 
-<file path=ppt/slides/slide24.xml><?xml version="1.0" encoding="utf-8"?>
+<file path=ppt/slides/slide25.xml><?xml version="1.0" encoding="utf-8"?>
 <p:sld xmlns:a="http://schemas.openxmlformats.org/drawingml/2006/main" xmlns:r="http://schemas.openxmlformats.org/officeDocument/2006/relationships" xmlns:p="http://schemas.openxmlformats.org/presentationml/2006/main">
   <p:cSld>
     <p:spTree>
@@ -45398,7 +46889,7 @@
 </p:sld>
 </file>
 
-<file path=ppt/slides/slide25.xml><?xml version="1.0" encoding="utf-8"?>
+<file path=ppt/slides/slide26.xml><?xml version="1.0" encoding="utf-8"?>
 <p:sld xmlns:a="http://schemas.openxmlformats.org/drawingml/2006/main" xmlns:r="http://schemas.openxmlformats.org/officeDocument/2006/relationships" xmlns:p="http://schemas.openxmlformats.org/presentationml/2006/main">
   <p:cSld>
     <p:spTree>
@@ -46594,7 +48085,7 @@
 </p:sld>
 </file>
 
-<file path=ppt/slides/slide26.xml><?xml version="1.0" encoding="utf-8"?>
+<file path=ppt/slides/slide27.xml><?xml version="1.0" encoding="utf-8"?>
 <p:sld xmlns:a="http://schemas.openxmlformats.org/drawingml/2006/main" xmlns:r="http://schemas.openxmlformats.org/officeDocument/2006/relationships" xmlns:p="http://schemas.openxmlformats.org/presentationml/2006/main">
   <p:cSld>
     <p:spTree>
@@ -47258,7 +48749,7 @@
 </p:sld>
 </file>
 
-<file path=ppt/slides/slide27.xml><?xml version="1.0" encoding="utf-8"?>
+<file path=ppt/slides/slide28.xml><?xml version="1.0" encoding="utf-8"?>
 <p:sld xmlns:a="http://schemas.openxmlformats.org/drawingml/2006/main" xmlns:r="http://schemas.openxmlformats.org/officeDocument/2006/relationships" xmlns:p="http://schemas.openxmlformats.org/presentationml/2006/main">
   <p:cSld>
     <p:spTree>
@@ -48845,83 +50336,6 @@
 </p:sld>
 </file>
 
-<file path=ppt/slides/slide28.xml><?xml version="1.0" encoding="utf-8"?>
-<p:sld xmlns:a="http://schemas.openxmlformats.org/drawingml/2006/main" xmlns:r="http://schemas.openxmlformats.org/officeDocument/2006/relationships" xmlns:p="http://schemas.openxmlformats.org/presentationml/2006/main">
-  <p:cSld>
-    <p:spTree>
-      <p:nvGrpSpPr>
-        <p:cNvPr id="1" name=""/>
-        <p:cNvGrpSpPr/>
-        <p:nvPr/>
-      </p:nvGrpSpPr>
-      <p:grpSpPr>
-        <a:xfrm>
-          <a:off x="0" y="0"/>
-          <a:ext cx="0" cy="0"/>
-          <a:chOff x="0" y="0"/>
-          <a:chExt cx="0" cy="0"/>
-        </a:xfrm>
-      </p:grpSpPr>
-      <p:sp>
-        <p:nvSpPr>
-          <p:cNvPr id="3" name="Content Placeholder 2"/>
-          <p:cNvSpPr>
-            <a:spLocks noGrp="1"/>
-          </p:cNvSpPr>
-          <p:nvPr>
-            <p:ph idx="1"/>
-          </p:nvPr>
-        </p:nvSpPr>
-        <p:spPr/>
-        <p:txBody>
-          <a:bodyPr/>
-          <a:lstStyle/>
-          <a:p>
-            <a:pPr marL="0" indent="0">
-              <a:buNone/>
-            </a:pPr>
-            <a:endParaRPr lang="en-US" dirty="0"/>
-          </a:p>
-          <a:p>
-            <a:pPr marL="0" indent="0">
-              <a:buNone/>
-            </a:pPr>
-            <a:endParaRPr lang="en-US" dirty="0"/>
-          </a:p>
-          <a:p>
-            <a:pPr marL="0" indent="0">
-              <a:buNone/>
-            </a:pPr>
-            <a:endParaRPr lang="en-US" dirty="0"/>
-          </a:p>
-          <a:p>
-            <a:pPr marL="0" indent="0" algn="ctr">
-              <a:buNone/>
-            </a:pPr>
-            <a:r>
-              <a:rPr lang="en-US" sz="8000" i="1" dirty="0">
-                <a:solidFill>
-                  <a:srgbClr val="0000FF"/>
-                </a:solidFill>
-              </a:rPr>
-              <a:t>Running??</a:t>
-            </a:r>
-          </a:p>
-        </p:txBody>
-      </p:sp>
-    </p:spTree>
-    <p:extLst>
-      <p:ext uri="{BB962C8B-B14F-4D97-AF65-F5344CB8AC3E}">
-        <p14:creationId xmlns:p14="http://schemas.microsoft.com/office/powerpoint/2010/main" val="1010055820"/>
-      </p:ext>
-    </p:extLst>
-  </p:cSld>
-  <p:clrMapOvr>
-    <a:masterClrMapping/>
-  </p:clrMapOvr>
-</p:sld>
-</file>
-
 <file path=ppt/slides/slide29.xml><?xml version="1.0" encoding="utf-8"?>
 <p:sld xmlns:a="http://schemas.openxmlformats.org/drawingml/2006/main" xmlns:r="http://schemas.openxmlformats.org/officeDocument/2006/relationships" xmlns:p="http://schemas.openxmlformats.org/presentationml/2006/main">
   <p:cSld>
@@ -48976,12 +50390,12 @@
               <a:buNone/>
             </a:pPr>
             <a:r>
-              <a:rPr lang="en-US" sz="4000" i="1" dirty="0">
+              <a:rPr lang="en-US" sz="8000" i="1" dirty="0">
                 <a:solidFill>
                   <a:srgbClr val="0000FF"/>
                 </a:solidFill>
               </a:rPr>
-              <a:t>Playing with the Model</a:t>
+              <a:t>Running??</a:t>
             </a:r>
           </a:p>
         </p:txBody>
@@ -48989,7 +50403,7 @@
     </p:spTree>
     <p:extLst>
       <p:ext uri="{BB962C8B-B14F-4D97-AF65-F5344CB8AC3E}">
-        <p14:creationId xmlns:p14="http://schemas.microsoft.com/office/powerpoint/2010/main" val="586490177"/>
+        <p14:creationId xmlns:p14="http://schemas.microsoft.com/office/powerpoint/2010/main" val="1010055820"/>
       </p:ext>
     </p:extLst>
   </p:cSld>
@@ -49286,501 +50700,101 @@
       </p:grpSpPr>
       <p:sp>
         <p:nvSpPr>
-          <p:cNvPr id="6" name="Title 1"/>
+          <p:cNvPr id="3" name="Content Placeholder 2"/>
           <p:cNvSpPr>
             <a:spLocks noGrp="1"/>
           </p:cNvSpPr>
           <p:nvPr>
-            <p:ph type="title"/>
+            <p:ph idx="1"/>
           </p:nvPr>
         </p:nvSpPr>
         <p:spPr>
           <a:xfrm>
-            <a:off x="455613" y="1004888"/>
-            <a:ext cx="8231187" cy="377026"/>
+            <a:off x="555974" y="193560"/>
+            <a:ext cx="8231187" cy="2047836"/>
           </a:xfrm>
         </p:spPr>
         <p:txBody>
           <a:bodyPr/>
           <a:lstStyle/>
           <a:p>
-            <a:r>
-              <a:rPr lang="en-US" b="0" dirty="0"/>
-              <a:t>Changing the Analysis</a:t>
+            <a:pPr marL="0" indent="0">
+              <a:buNone/>
+            </a:pPr>
+            <a:endParaRPr lang="en-US" dirty="0"/>
+          </a:p>
+          <a:p>
+            <a:pPr marL="0" indent="0">
+              <a:buNone/>
+            </a:pPr>
+            <a:endParaRPr lang="en-US" dirty="0"/>
+          </a:p>
+          <a:p>
+            <a:pPr marL="0" indent="0">
+              <a:buNone/>
+            </a:pPr>
+            <a:endParaRPr lang="en-US" dirty="0"/>
+          </a:p>
+          <a:p>
+            <a:pPr marL="0" indent="0" algn="ctr">
+              <a:buNone/>
+            </a:pPr>
+            <a:r>
+              <a:rPr lang="en-US" sz="4000" i="1" dirty="0">
+                <a:solidFill>
+                  <a:srgbClr val="0000FF"/>
+                </a:solidFill>
+              </a:rPr>
+              <a:t>Play with the Model</a:t>
             </a:r>
           </a:p>
         </p:txBody>
       </p:sp>
       <p:sp>
         <p:nvSpPr>
-          <p:cNvPr id="19" name="TextBox 18"/>
+          <p:cNvPr id="2" name="TextBox 1">
+            <a:extLst>
+              <a:ext uri="{FF2B5EF4-FFF2-40B4-BE49-F238E27FC236}">
+                <a16:creationId xmlns:a16="http://schemas.microsoft.com/office/drawing/2014/main" id="{2E117CCE-279A-5E4B-8496-A7867D46F00F}"/>
+              </a:ext>
+            </a:extLst>
+          </p:cNvPr>
           <p:cNvSpPr txBox="1"/>
           <p:nvPr/>
         </p:nvSpPr>
         <p:spPr>
           <a:xfrm>
-            <a:off x="283275" y="2880743"/>
-            <a:ext cx="8689594" cy="292388"/>
+            <a:off x="3100039" y="3624146"/>
+            <a:ext cx="2608791" cy="461665"/>
           </a:xfrm>
           <a:prstGeom prst="rect">
             <a:avLst/>
           </a:prstGeom>
-          <a:solidFill>
-            <a:schemeClr val="bg1">
-              <a:lumMod val="85000"/>
-            </a:schemeClr>
-          </a:solidFill>
-          <a:ln>
-            <a:noFill/>
-          </a:ln>
+          <a:noFill/>
         </p:spPr>
         <p:txBody>
-          <a:bodyPr wrap="square" rtlCol="0">
+          <a:bodyPr wrap="none" rtlCol="0">
             <a:spAutoFit/>
           </a:bodyPr>
           <a:lstStyle/>
           <a:p>
-            <a:endParaRPr lang="en-US" sz="1300" dirty="0">
-              <a:solidFill>
-                <a:srgbClr val="008000"/>
-              </a:solidFill>
-              <a:latin typeface="Curier"/>
-              <a:cs typeface="Curier"/>
-            </a:endParaRPr>
+            <a:r>
+              <a:rPr lang="en-US" dirty="0"/>
+              <a:t>Try what you want!</a:t>
+            </a:r>
           </a:p>
         </p:txBody>
       </p:sp>
-      <p:graphicFrame>
-        <p:nvGraphicFramePr>
-          <p:cNvPr id="13" name="Table 12"/>
-          <p:cNvGraphicFramePr>
-            <a:graphicFrameLocks noGrp="1"/>
-          </p:cNvGraphicFramePr>
-          <p:nvPr>
-            <p:extLst>
-              <p:ext uri="{D42A27DB-BD31-4B8C-83A1-F6EECF244321}">
-                <p14:modId xmlns:p14="http://schemas.microsoft.com/office/powerpoint/2010/main" val="3818356555"/>
-              </p:ext>
-            </p:extLst>
-          </p:nvPr>
-        </p:nvGraphicFramePr>
-        <p:xfrm>
-          <a:off x="455609" y="1436377"/>
-          <a:ext cx="8231190" cy="741680"/>
-        </p:xfrm>
-        <a:graphic>
-          <a:graphicData uri="http://schemas.openxmlformats.org/drawingml/2006/table">
-            <a:tbl>
-              <a:tblPr firstRow="1" bandRow="1">
-                <a:tableStyleId>{5C22544A-7EE6-4342-B048-85BDC9FD1C3A}</a:tableStyleId>
-              </a:tblPr>
-              <a:tblGrid>
-                <a:gridCol w="1371865">
-                  <a:extLst>
-                    <a:ext uri="{9D8B030D-6E8A-4147-A177-3AD203B41FA5}">
-                      <a16:colId xmlns:a16="http://schemas.microsoft.com/office/drawing/2014/main" val="20000"/>
-                    </a:ext>
-                  </a:extLst>
-                </a:gridCol>
-                <a:gridCol w="1371865">
-                  <a:extLst>
-                    <a:ext uri="{9D8B030D-6E8A-4147-A177-3AD203B41FA5}">
-                      <a16:colId xmlns:a16="http://schemas.microsoft.com/office/drawing/2014/main" val="20001"/>
-                    </a:ext>
-                  </a:extLst>
-                </a:gridCol>
-                <a:gridCol w="1371865">
-                  <a:extLst>
-                    <a:ext uri="{9D8B030D-6E8A-4147-A177-3AD203B41FA5}">
-                      <a16:colId xmlns:a16="http://schemas.microsoft.com/office/drawing/2014/main" val="20002"/>
-                    </a:ext>
-                  </a:extLst>
-                </a:gridCol>
-                <a:gridCol w="1371865">
-                  <a:extLst>
-                    <a:ext uri="{9D8B030D-6E8A-4147-A177-3AD203B41FA5}">
-                      <a16:colId xmlns:a16="http://schemas.microsoft.com/office/drawing/2014/main" val="20003"/>
-                    </a:ext>
-                  </a:extLst>
-                </a:gridCol>
-                <a:gridCol w="1371865">
-                  <a:extLst>
-                    <a:ext uri="{9D8B030D-6E8A-4147-A177-3AD203B41FA5}">
-                      <a16:colId xmlns:a16="http://schemas.microsoft.com/office/drawing/2014/main" val="20004"/>
-                    </a:ext>
-                  </a:extLst>
-                </a:gridCol>
-                <a:gridCol w="1371865">
-                  <a:extLst>
-                    <a:ext uri="{9D8B030D-6E8A-4147-A177-3AD203B41FA5}">
-                      <a16:colId xmlns:a16="http://schemas.microsoft.com/office/drawing/2014/main" val="20005"/>
-                    </a:ext>
-                  </a:extLst>
-                </a:gridCol>
-              </a:tblGrid>
-              <a:tr h="370840">
-                <a:tc>
-                  <a:txBody>
-                    <a:bodyPr/>
-                    <a:lstStyle/>
-                    <a:p>
-                      <a:pPr algn="ctr"/>
-                      <a:r>
-                        <a:rPr lang="en-US" sz="1600" b="0" dirty="0" err="1">
-                          <a:solidFill>
-                            <a:srgbClr val="0000FF"/>
-                          </a:solidFill>
-                          <a:latin typeface="Arial"/>
-                          <a:cs typeface="Arial"/>
-                        </a:rPr>
-                        <a:t>RunInfo</a:t>
-                      </a:r>
-                      <a:endParaRPr lang="en-US" sz="1600" b="0" dirty="0">
-                        <a:solidFill>
-                          <a:srgbClr val="0000FF"/>
-                        </a:solidFill>
-                        <a:latin typeface="Arial"/>
-                        <a:cs typeface="Arial"/>
-                      </a:endParaRPr>
-                    </a:p>
-                  </a:txBody>
-                  <a:tcPr>
-                    <a:solidFill>
-                      <a:schemeClr val="bg1">
-                        <a:lumMod val="85000"/>
-                      </a:schemeClr>
-                    </a:solidFill>
-                  </a:tcPr>
-                </a:tc>
-                <a:tc>
-                  <a:txBody>
-                    <a:bodyPr/>
-                    <a:lstStyle/>
-                    <a:p>
-                      <a:pPr algn="ctr"/>
-                      <a:r>
-                        <a:rPr lang="en-US" sz="1600" b="0" dirty="0">
-                          <a:solidFill>
-                            <a:srgbClr val="0000FF"/>
-                          </a:solidFill>
-                          <a:latin typeface="Arial"/>
-                          <a:cs typeface="Arial"/>
-                        </a:rPr>
-                        <a:t>Distributions</a:t>
-                      </a:r>
-                      <a:endParaRPr lang="en-US" sz="1600" b="0" dirty="0">
-                        <a:latin typeface="Arial"/>
-                        <a:cs typeface="Arial"/>
-                      </a:endParaRPr>
-                    </a:p>
-                  </a:txBody>
-                  <a:tcPr>
-                    <a:solidFill>
-                      <a:schemeClr val="bg1">
-                        <a:lumMod val="85000"/>
-                      </a:schemeClr>
-                    </a:solidFill>
-                  </a:tcPr>
-                </a:tc>
-                <a:tc>
-                  <a:txBody>
-                    <a:bodyPr/>
-                    <a:lstStyle/>
-                    <a:p>
-                      <a:pPr algn="ctr"/>
-                      <a:r>
-                        <a:rPr lang="en-US" sz="1600" b="0" dirty="0">
-                          <a:solidFill>
-                            <a:srgbClr val="0000FF"/>
-                          </a:solidFill>
-                          <a:latin typeface="Arial"/>
-                          <a:cs typeface="Arial"/>
-                        </a:rPr>
-                        <a:t>Samplers</a:t>
-                      </a:r>
-                      <a:endParaRPr lang="en-US" sz="1600" b="0" dirty="0">
-                        <a:latin typeface="Arial"/>
-                        <a:cs typeface="Arial"/>
-                      </a:endParaRPr>
-                    </a:p>
-                  </a:txBody>
-                  <a:tcPr>
-                    <a:solidFill>
-                      <a:schemeClr val="bg1">
-                        <a:lumMod val="85000"/>
-                      </a:schemeClr>
-                    </a:solidFill>
-                  </a:tcPr>
-                </a:tc>
-                <a:tc>
-                  <a:txBody>
-                    <a:bodyPr/>
-                    <a:lstStyle/>
-                    <a:p>
-                      <a:pPr algn="ctr"/>
-                      <a:r>
-                        <a:rPr lang="en-US" sz="1600" b="0" dirty="0" err="1">
-                          <a:solidFill>
-                            <a:srgbClr val="0000FF"/>
-                          </a:solidFill>
-                          <a:latin typeface="Arial"/>
-                          <a:cs typeface="Arial"/>
-                        </a:rPr>
-                        <a:t>DataObjects</a:t>
-                      </a:r>
-                      <a:endParaRPr lang="en-US" sz="1600" b="0" dirty="0">
-                        <a:latin typeface="Arial"/>
-                        <a:cs typeface="Arial"/>
-                      </a:endParaRPr>
-                    </a:p>
-                  </a:txBody>
-                  <a:tcPr>
-                    <a:solidFill>
-                      <a:schemeClr val="bg1">
-                        <a:lumMod val="85000"/>
-                      </a:schemeClr>
-                    </a:solidFill>
-                  </a:tcPr>
-                </a:tc>
-                <a:tc>
-                  <a:txBody>
-                    <a:bodyPr/>
-                    <a:lstStyle/>
-                    <a:p>
-                      <a:pPr algn="ctr"/>
-                      <a:r>
-                        <a:rPr lang="en-US" sz="1600" b="0" dirty="0">
-                          <a:solidFill>
-                            <a:srgbClr val="0000FF"/>
-                          </a:solidFill>
-                          <a:latin typeface="Arial"/>
-                          <a:cs typeface="Arial"/>
-                        </a:rPr>
-                        <a:t>Models</a:t>
-                      </a:r>
-                      <a:endParaRPr lang="en-US" sz="1600" b="0" dirty="0">
-                        <a:latin typeface="Arial"/>
-                        <a:cs typeface="Arial"/>
-                      </a:endParaRPr>
-                    </a:p>
-                  </a:txBody>
-                  <a:tcPr>
-                    <a:solidFill>
-                      <a:schemeClr val="bg1">
-                        <a:lumMod val="65000"/>
-                      </a:schemeClr>
-                    </a:solidFill>
-                  </a:tcPr>
-                </a:tc>
-                <a:tc>
-                  <a:txBody>
-                    <a:bodyPr/>
-                    <a:lstStyle/>
-                    <a:p>
-                      <a:pPr algn="ctr"/>
-                      <a:r>
-                        <a:rPr lang="en-US" sz="1600" b="0" dirty="0">
-                          <a:solidFill>
-                            <a:srgbClr val="0000FF"/>
-                          </a:solidFill>
-                          <a:latin typeface="Arial"/>
-                          <a:cs typeface="Arial"/>
-                        </a:rPr>
-                        <a:t>Files</a:t>
-                      </a:r>
-                      <a:endParaRPr lang="en-US" sz="1600" b="0" dirty="0">
-                        <a:latin typeface="Arial"/>
-                        <a:cs typeface="Arial"/>
-                      </a:endParaRPr>
-                    </a:p>
-                  </a:txBody>
-                  <a:tcPr>
-                    <a:solidFill>
-                      <a:schemeClr val="bg1">
-                        <a:lumMod val="85000"/>
-                      </a:schemeClr>
-                    </a:solidFill>
-                  </a:tcPr>
-                </a:tc>
-                <a:extLst>
-                  <a:ext uri="{0D108BD9-81ED-4DB2-BD59-A6C34878D82A}">
-                    <a16:rowId xmlns:a16="http://schemas.microsoft.com/office/drawing/2014/main" val="10000"/>
-                  </a:ext>
-                </a:extLst>
-              </a:tr>
-              <a:tr h="370840">
-                <a:tc>
-                  <a:txBody>
-                    <a:bodyPr/>
-                    <a:lstStyle/>
-                    <a:p>
-                      <a:pPr algn="ctr"/>
-                      <a:r>
-                        <a:rPr lang="en-US" sz="1600" b="0" dirty="0" err="1">
-                          <a:solidFill>
-                            <a:srgbClr val="0000FF"/>
-                          </a:solidFill>
-                          <a:latin typeface="Arial"/>
-                          <a:cs typeface="Arial"/>
-                        </a:rPr>
-                        <a:t>OutStreams</a:t>
-                      </a:r>
-                      <a:endParaRPr lang="en-US" sz="1600" b="0" dirty="0">
-                        <a:latin typeface="Arial"/>
-                        <a:cs typeface="Arial"/>
-                      </a:endParaRPr>
-                    </a:p>
-                  </a:txBody>
-                  <a:tcPr>
-                    <a:solidFill>
-                      <a:schemeClr val="bg1">
-                        <a:lumMod val="85000"/>
-                      </a:schemeClr>
-                    </a:solidFill>
-                  </a:tcPr>
-                </a:tc>
-                <a:tc>
-                  <a:txBody>
-                    <a:bodyPr/>
-                    <a:lstStyle/>
-                    <a:p>
-                      <a:pPr algn="ctr"/>
-                      <a:r>
-                        <a:rPr lang="en-US" sz="1600" b="0" dirty="0">
-                          <a:solidFill>
-                            <a:srgbClr val="0000FF"/>
-                          </a:solidFill>
-                          <a:latin typeface="Arial"/>
-                          <a:cs typeface="Arial"/>
-                        </a:rPr>
-                        <a:t>Steps</a:t>
-                      </a:r>
-                      <a:endParaRPr lang="en-US" sz="1600" b="0" dirty="0">
-                        <a:latin typeface="Arial"/>
-                        <a:cs typeface="Arial"/>
-                      </a:endParaRPr>
-                    </a:p>
-                  </a:txBody>
-                  <a:tcPr>
-                    <a:solidFill>
-                      <a:schemeClr val="bg1">
-                        <a:lumMod val="85000"/>
-                      </a:schemeClr>
-                    </a:solidFill>
-                  </a:tcPr>
-                </a:tc>
-                <a:tc>
-                  <a:txBody>
-                    <a:bodyPr/>
-                    <a:lstStyle/>
-                    <a:p>
-                      <a:pPr algn="ctr"/>
-                      <a:endParaRPr lang="en-US" sz="1600" b="0" dirty="0">
-                        <a:latin typeface="Arial"/>
-                        <a:cs typeface="Arial"/>
-                      </a:endParaRPr>
-                    </a:p>
-                  </a:txBody>
-                  <a:tcPr>
-                    <a:solidFill>
-                      <a:schemeClr val="bg1">
-                        <a:lumMod val="85000"/>
-                      </a:schemeClr>
-                    </a:solidFill>
-                  </a:tcPr>
-                </a:tc>
-                <a:tc>
-                  <a:txBody>
-                    <a:bodyPr/>
-                    <a:lstStyle/>
-                    <a:p>
-                      <a:pPr algn="ctr"/>
-                      <a:endParaRPr lang="en-US" sz="1600" b="0" dirty="0">
-                        <a:latin typeface="Arial"/>
-                        <a:cs typeface="Arial"/>
-                      </a:endParaRPr>
-                    </a:p>
-                  </a:txBody>
-                  <a:tcPr>
-                    <a:solidFill>
-                      <a:schemeClr val="bg1">
-                        <a:lumMod val="85000"/>
-                      </a:schemeClr>
-                    </a:solidFill>
-                  </a:tcPr>
-                </a:tc>
-                <a:tc>
-                  <a:txBody>
-                    <a:bodyPr/>
-                    <a:lstStyle/>
-                    <a:p>
-                      <a:pPr algn="ctr"/>
-                      <a:endParaRPr lang="en-US" sz="1600" b="0" dirty="0">
-                        <a:latin typeface="Arial"/>
-                        <a:cs typeface="Arial"/>
-                      </a:endParaRPr>
-                    </a:p>
-                  </a:txBody>
-                  <a:tcPr>
-                    <a:solidFill>
-                      <a:schemeClr val="bg1">
-                        <a:lumMod val="85000"/>
-                      </a:schemeClr>
-                    </a:solidFill>
-                  </a:tcPr>
-                </a:tc>
-                <a:tc>
-                  <a:txBody>
-                    <a:bodyPr/>
-                    <a:lstStyle/>
-                    <a:p>
-                      <a:pPr algn="ctr"/>
-                      <a:endParaRPr lang="en-US" sz="1600" b="0" dirty="0">
-                        <a:latin typeface="Arial"/>
-                        <a:cs typeface="Arial"/>
-                      </a:endParaRPr>
-                    </a:p>
-                  </a:txBody>
-                  <a:tcPr>
-                    <a:solidFill>
-                      <a:schemeClr val="bg1">
-                        <a:lumMod val="85000"/>
-                      </a:schemeClr>
-                    </a:solidFill>
-                  </a:tcPr>
-                </a:tc>
-                <a:extLst>
-                  <a:ext uri="{0D108BD9-81ED-4DB2-BD59-A6C34878D82A}">
-                    <a16:rowId xmlns:a16="http://schemas.microsoft.com/office/drawing/2014/main" val="10001"/>
-                  </a:ext>
-                </a:extLst>
-              </a:tr>
-            </a:tbl>
-          </a:graphicData>
-        </a:graphic>
-      </p:graphicFrame>
     </p:spTree>
     <p:extLst>
       <p:ext uri="{BB962C8B-B14F-4D97-AF65-F5344CB8AC3E}">
-        <p14:creationId xmlns:p14="http://schemas.microsoft.com/office/powerpoint/2010/main" val="406321420"/>
+        <p14:creationId xmlns:p14="http://schemas.microsoft.com/office/powerpoint/2010/main" val="586490177"/>
       </p:ext>
     </p:extLst>
   </p:cSld>
   <p:clrMapOvr>
     <a:masterClrMapping/>
   </p:clrMapOvr>
-  <mc:AlternateContent xmlns:mc="http://schemas.openxmlformats.org/markup-compatibility/2006" xmlns:p14="http://schemas.microsoft.com/office/powerpoint/2010/main">
-    <mc:Choice Requires="p14">
-      <p:transition spd="med" p14:dur="700">
-        <p:fade/>
-      </p:transition>
-    </mc:Choice>
-    <mc:Fallback xmlns="">
-      <p:transition xmlns:p14="http://schemas.microsoft.com/office/powerpoint/2010/main" spd="med">
-        <p:fade/>
-      </p:transition>
-    </mc:Fallback>
-  </mc:AlternateContent>
 </p:sld>
 </file>
 
@@ -50732,6 +51746,1786 @@
           <a:p>
             <a:r>
               <a:rPr lang="en-US" b="0" dirty="0"/>
+              <a:t>Combine the “actors”</a:t>
+            </a:r>
+          </a:p>
+        </p:txBody>
+      </p:sp>
+      <p:sp>
+        <p:nvSpPr>
+          <p:cNvPr id="19" name="TextBox 18"/>
+          <p:cNvSpPr txBox="1"/>
+          <p:nvPr/>
+        </p:nvSpPr>
+        <p:spPr>
+          <a:xfrm>
+            <a:off x="283275" y="2880743"/>
+            <a:ext cx="8689594" cy="2739212"/>
+          </a:xfrm>
+          <a:prstGeom prst="rect">
+            <a:avLst/>
+          </a:prstGeom>
+          <a:solidFill>
+            <a:schemeClr val="bg1">
+              <a:lumMod val="85000"/>
+            </a:schemeClr>
+          </a:solidFill>
+          <a:ln>
+            <a:noFill/>
+          </a:ln>
+        </p:spPr>
+        <p:txBody>
+          <a:bodyPr wrap="square" rtlCol="0">
+            <a:spAutoFit/>
+          </a:bodyPr>
+          <a:lstStyle/>
+          <a:p>
+            <a:r>
+              <a:rPr lang="en-US" sz="1300" dirty="0">
+                <a:latin typeface="Curier"/>
+                <a:cs typeface="Curier"/>
+              </a:rPr>
+              <a:t> </a:t>
+            </a:r>
+            <a:r>
+              <a:rPr lang="en-US" sz="1300" dirty="0">
+                <a:solidFill>
+                  <a:srgbClr val="32946A"/>
+                </a:solidFill>
+                <a:latin typeface="Curier"/>
+                <a:cs typeface="Curier"/>
+              </a:rPr>
+              <a:t>&lt;Steps&gt;</a:t>
+            </a:r>
+          </a:p>
+          <a:p>
+            <a:r>
+              <a:rPr lang="en-US" sz="1300" dirty="0">
+                <a:solidFill>
+                  <a:srgbClr val="32946A"/>
+                </a:solidFill>
+                <a:latin typeface="Curier"/>
+                <a:cs typeface="Curier"/>
+              </a:rPr>
+              <a:t>    &lt;</a:t>
+            </a:r>
+            <a:r>
+              <a:rPr lang="en-US" sz="1300" dirty="0" err="1">
+                <a:solidFill>
+                  <a:srgbClr val="32946A"/>
+                </a:solidFill>
+                <a:latin typeface="Curier"/>
+                <a:cs typeface="Curier"/>
+              </a:rPr>
+              <a:t>MultiRun</a:t>
+            </a:r>
+            <a:r>
+              <a:rPr lang="en-US" sz="1300" dirty="0">
+                <a:latin typeface="Curier"/>
+                <a:cs typeface="Curier"/>
+              </a:rPr>
+              <a:t> </a:t>
+            </a:r>
+            <a:r>
+              <a:rPr lang="en-US" sz="1300" dirty="0">
+                <a:solidFill>
+                  <a:srgbClr val="660066"/>
+                </a:solidFill>
+                <a:latin typeface="Curier"/>
+                <a:cs typeface="Curier"/>
+              </a:rPr>
+              <a:t>name</a:t>
+            </a:r>
+            <a:r>
+              <a:rPr lang="en-US" sz="1300" dirty="0">
+                <a:solidFill>
+                  <a:srgbClr val="32946A"/>
+                </a:solidFill>
+                <a:latin typeface="Curier"/>
+                <a:cs typeface="Curier"/>
+              </a:rPr>
+              <a:t>=</a:t>
+            </a:r>
+            <a:r>
+              <a:rPr lang="en-US" sz="1300" dirty="0">
+                <a:solidFill>
+                  <a:srgbClr val="0033CC"/>
+                </a:solidFill>
+                <a:latin typeface="Curier"/>
+                <a:cs typeface="Curier"/>
+              </a:rPr>
+              <a:t>"</a:t>
+            </a:r>
+            <a:r>
+              <a:rPr lang="en-US" sz="1300" dirty="0" err="1">
+                <a:solidFill>
+                  <a:srgbClr val="0033CC"/>
+                </a:solidFill>
+                <a:latin typeface="Curier"/>
+                <a:cs typeface="Curier"/>
+              </a:rPr>
+              <a:t>GenerateData</a:t>
+            </a:r>
+            <a:r>
+              <a:rPr lang="en-US" sz="1300" dirty="0">
+                <a:solidFill>
+                  <a:srgbClr val="0033CC"/>
+                </a:solidFill>
+                <a:latin typeface="Curier"/>
+                <a:cs typeface="Curier"/>
+              </a:rPr>
+              <a:t>"</a:t>
+            </a:r>
+            <a:r>
+              <a:rPr lang="en-US" sz="1300" dirty="0">
+                <a:solidFill>
+                  <a:srgbClr val="32946A"/>
+                </a:solidFill>
+                <a:latin typeface="Curier"/>
+                <a:cs typeface="Curier"/>
+              </a:rPr>
+              <a:t>&gt;</a:t>
+            </a:r>
+          </a:p>
+          <a:p>
+            <a:r>
+              <a:rPr lang="en-US" sz="1300" dirty="0">
+                <a:solidFill>
+                  <a:srgbClr val="32946A"/>
+                </a:solidFill>
+                <a:latin typeface="Curier"/>
+                <a:cs typeface="Curier"/>
+              </a:rPr>
+              <a:t>      &lt;Sampler</a:t>
+            </a:r>
+            <a:r>
+              <a:rPr lang="en-US" sz="1300" dirty="0">
+                <a:latin typeface="Curier"/>
+                <a:cs typeface="Curier"/>
+              </a:rPr>
+              <a:t> </a:t>
+            </a:r>
+            <a:r>
+              <a:rPr lang="en-US" sz="1300" dirty="0">
+                <a:solidFill>
+                  <a:srgbClr val="660066"/>
+                </a:solidFill>
+                <a:latin typeface="Curier"/>
+                <a:cs typeface="Curier"/>
+              </a:rPr>
+              <a:t>class</a:t>
+            </a:r>
+            <a:r>
+              <a:rPr lang="en-US" sz="1300" dirty="0">
+                <a:solidFill>
+                  <a:srgbClr val="32946A"/>
+                </a:solidFill>
+                <a:latin typeface="Curier"/>
+                <a:cs typeface="Curier"/>
+              </a:rPr>
+              <a:t>=</a:t>
+            </a:r>
+            <a:r>
+              <a:rPr lang="en-US" sz="1300" dirty="0">
+                <a:solidFill>
+                  <a:srgbClr val="0033CC"/>
+                </a:solidFill>
+                <a:latin typeface="Curier"/>
+                <a:cs typeface="Curier"/>
+              </a:rPr>
+              <a:t>"Samplers"    </a:t>
+            </a:r>
+            <a:r>
+              <a:rPr lang="en-US" sz="1300" dirty="0">
+                <a:solidFill>
+                  <a:srgbClr val="660066"/>
+                </a:solidFill>
+                <a:latin typeface="Curier"/>
+                <a:cs typeface="Curier"/>
+              </a:rPr>
+              <a:t>type</a:t>
+            </a:r>
+            <a:r>
+              <a:rPr lang="en-US" sz="1300" dirty="0">
+                <a:solidFill>
+                  <a:srgbClr val="32946A"/>
+                </a:solidFill>
+                <a:latin typeface="Curier"/>
+                <a:cs typeface="Curier"/>
+              </a:rPr>
+              <a:t>=</a:t>
+            </a:r>
+            <a:r>
+              <a:rPr lang="en-US" sz="1300" dirty="0">
+                <a:solidFill>
+                  <a:srgbClr val="0033CC"/>
+                </a:solidFill>
+                <a:latin typeface="Curier"/>
+                <a:cs typeface="Curier"/>
+              </a:rPr>
+              <a:t>"</a:t>
+            </a:r>
+            <a:r>
+              <a:rPr lang="en-US" sz="1300" dirty="0" err="1">
+                <a:solidFill>
+                  <a:srgbClr val="0033CC"/>
+                </a:solidFill>
+                <a:latin typeface="Curier"/>
+                <a:cs typeface="Curier"/>
+              </a:rPr>
+              <a:t>MonteCarlo</a:t>
+            </a:r>
+            <a:r>
+              <a:rPr lang="en-US" sz="1300" dirty="0">
+                <a:solidFill>
+                  <a:srgbClr val="0033CC"/>
+                </a:solidFill>
+                <a:latin typeface="Curier"/>
+                <a:cs typeface="Curier"/>
+              </a:rPr>
+              <a:t>"</a:t>
+            </a:r>
+            <a:r>
+              <a:rPr lang="en-US" sz="1300" dirty="0">
+                <a:solidFill>
+                  <a:srgbClr val="32946A"/>
+                </a:solidFill>
+                <a:latin typeface="Curier"/>
+                <a:cs typeface="Curier"/>
+              </a:rPr>
+              <a:t>&gt;</a:t>
+            </a:r>
+            <a:r>
+              <a:rPr lang="en-US" sz="1300" dirty="0" err="1">
+                <a:latin typeface="Curier"/>
+                <a:cs typeface="Curier"/>
+              </a:rPr>
+              <a:t>myMC</a:t>
+            </a:r>
+            <a:r>
+              <a:rPr lang="en-US" sz="1300" dirty="0">
+                <a:solidFill>
+                  <a:srgbClr val="32946A"/>
+                </a:solidFill>
+                <a:latin typeface="Curier"/>
+                <a:cs typeface="Curier"/>
+              </a:rPr>
+              <a:t>&lt;/Sampler&gt;</a:t>
+            </a:r>
+          </a:p>
+          <a:p>
+            <a:r>
+              <a:rPr lang="en-US" sz="1300" dirty="0">
+                <a:solidFill>
+                  <a:srgbClr val="32946A"/>
+                </a:solidFill>
+                <a:latin typeface="Curier"/>
+                <a:cs typeface="Curier"/>
+              </a:rPr>
+              <a:t>      &lt;Input</a:t>
+            </a:r>
+            <a:r>
+              <a:rPr lang="en-US" sz="1300" dirty="0">
+                <a:latin typeface="Curier"/>
+                <a:cs typeface="Curier"/>
+              </a:rPr>
+              <a:t>   </a:t>
+            </a:r>
+            <a:r>
+              <a:rPr lang="en-US" sz="1300" dirty="0">
+                <a:solidFill>
+                  <a:srgbClr val="660066"/>
+                </a:solidFill>
+                <a:latin typeface="Curier"/>
+                <a:cs typeface="Curier"/>
+              </a:rPr>
+              <a:t>class</a:t>
+            </a:r>
+            <a:r>
+              <a:rPr lang="en-US" sz="1300" dirty="0">
+                <a:solidFill>
+                  <a:srgbClr val="32946A"/>
+                </a:solidFill>
+                <a:latin typeface="Curier"/>
+                <a:cs typeface="Curier"/>
+              </a:rPr>
+              <a:t>=</a:t>
+            </a:r>
+            <a:r>
+              <a:rPr lang="en-US" sz="1300" i="1" dirty="0">
+                <a:solidFill>
+                  <a:srgbClr val="0033CC"/>
+                </a:solidFill>
+                <a:latin typeface="Curier"/>
+                <a:cs typeface="Curier"/>
+              </a:rPr>
+              <a:t>"</a:t>
+            </a:r>
+            <a:r>
+              <a:rPr lang="en-US" sz="1300" i="1" dirty="0" err="1">
+                <a:solidFill>
+                  <a:srgbClr val="0033CC"/>
+                </a:solidFill>
+                <a:latin typeface="Curier"/>
+                <a:cs typeface="Curier"/>
+              </a:rPr>
+              <a:t>DataObjects</a:t>
+            </a:r>
+            <a:r>
+              <a:rPr lang="en-US" sz="1300" i="1" dirty="0">
+                <a:solidFill>
+                  <a:srgbClr val="0033CC"/>
+                </a:solidFill>
+                <a:latin typeface="Curier"/>
+                <a:cs typeface="Curier"/>
+              </a:rPr>
+              <a:t>"</a:t>
+            </a:r>
+            <a:r>
+              <a:rPr lang="en-US" sz="1300" i="1" dirty="0">
+                <a:latin typeface="Curier"/>
+                <a:cs typeface="Curier"/>
+              </a:rPr>
+              <a:t> </a:t>
+            </a:r>
+            <a:r>
+              <a:rPr lang="en-US" sz="1300" i="1" dirty="0">
+                <a:solidFill>
+                  <a:srgbClr val="660066"/>
+                </a:solidFill>
+                <a:latin typeface="Curier"/>
+                <a:cs typeface="Curier"/>
+              </a:rPr>
+              <a:t>type</a:t>
+            </a:r>
+            <a:r>
+              <a:rPr lang="en-US" sz="1300" i="1" dirty="0">
+                <a:solidFill>
+                  <a:srgbClr val="32946A"/>
+                </a:solidFill>
+                <a:latin typeface="Curier"/>
+                <a:cs typeface="Curier"/>
+              </a:rPr>
+              <a:t>=</a:t>
+            </a:r>
+            <a:r>
+              <a:rPr lang="en-US" sz="1300" i="1" dirty="0">
+                <a:solidFill>
+                  <a:srgbClr val="0033CC"/>
+                </a:solidFill>
+                <a:latin typeface="Curier"/>
+                <a:cs typeface="Curier"/>
+              </a:rPr>
+              <a:t>"</a:t>
+            </a:r>
+            <a:r>
+              <a:rPr lang="en-US" sz="1300" i="1" dirty="0" err="1">
+                <a:solidFill>
+                  <a:srgbClr val="0033CC"/>
+                </a:solidFill>
+                <a:latin typeface="Curier"/>
+                <a:cs typeface="Curier"/>
+              </a:rPr>
+              <a:t>PointSet</a:t>
+            </a:r>
+            <a:r>
+              <a:rPr lang="en-US" sz="1300" i="1" dirty="0">
+                <a:solidFill>
+                  <a:srgbClr val="0033CC"/>
+                </a:solidFill>
+                <a:latin typeface="Curier"/>
+                <a:cs typeface="Curier"/>
+              </a:rPr>
+              <a:t>"</a:t>
+            </a:r>
+            <a:r>
+              <a:rPr lang="en-US" sz="1300" i="1" dirty="0">
+                <a:solidFill>
+                  <a:srgbClr val="32946A"/>
+                </a:solidFill>
+                <a:latin typeface="Curier"/>
+                <a:cs typeface="Curier"/>
+              </a:rPr>
+              <a:t>&gt;</a:t>
+            </a:r>
+            <a:r>
+              <a:rPr lang="en-US" sz="1300" i="1" dirty="0" err="1">
+                <a:latin typeface="Curier"/>
+                <a:cs typeface="Curier"/>
+              </a:rPr>
+              <a:t>DummyIN</a:t>
+            </a:r>
+            <a:r>
+              <a:rPr lang="en-US" sz="1300" i="1" dirty="0">
+                <a:solidFill>
+                  <a:srgbClr val="32946A"/>
+                </a:solidFill>
+                <a:latin typeface="Curier"/>
+                <a:cs typeface="Curier"/>
+              </a:rPr>
+              <a:t>&lt;/Input&gt;</a:t>
+            </a:r>
+          </a:p>
+          <a:p>
+            <a:r>
+              <a:rPr lang="en-US" sz="1300" dirty="0">
+                <a:solidFill>
+                  <a:srgbClr val="32946A"/>
+                </a:solidFill>
+                <a:latin typeface="Curier"/>
+                <a:cs typeface="Curier"/>
+              </a:rPr>
+              <a:t>      &lt;Model </a:t>
+            </a:r>
+            <a:r>
+              <a:rPr lang="en-US" sz="1300" dirty="0">
+                <a:latin typeface="Curier"/>
+                <a:cs typeface="Curier"/>
+              </a:rPr>
+              <a:t>  </a:t>
+            </a:r>
+            <a:r>
+              <a:rPr lang="en-US" sz="1300" dirty="0">
+                <a:solidFill>
+                  <a:srgbClr val="660066"/>
+                </a:solidFill>
+                <a:latin typeface="Curier"/>
+                <a:cs typeface="Curier"/>
+              </a:rPr>
+              <a:t>class</a:t>
+            </a:r>
+            <a:r>
+              <a:rPr lang="en-US" sz="1300" dirty="0">
+                <a:solidFill>
+                  <a:srgbClr val="32946A"/>
+                </a:solidFill>
+                <a:latin typeface="Curier"/>
+                <a:cs typeface="Curier"/>
+              </a:rPr>
+              <a:t>=</a:t>
+            </a:r>
+            <a:r>
+              <a:rPr lang="en-US" sz="1300" i="1" dirty="0">
+                <a:solidFill>
+                  <a:srgbClr val="0033CC"/>
+                </a:solidFill>
+                <a:latin typeface="Curier"/>
+                <a:cs typeface="Curier"/>
+              </a:rPr>
+              <a:t>"Models"      </a:t>
+            </a:r>
+            <a:r>
+              <a:rPr lang="en-US" sz="1300" i="1" dirty="0">
+                <a:solidFill>
+                  <a:srgbClr val="660066"/>
+                </a:solidFill>
+                <a:latin typeface="Curier"/>
+                <a:cs typeface="Curier"/>
+              </a:rPr>
+              <a:t>type</a:t>
+            </a:r>
+            <a:r>
+              <a:rPr lang="en-US" sz="1300" i="1" dirty="0">
+                <a:latin typeface="Curier"/>
+                <a:cs typeface="Curier"/>
+              </a:rPr>
+              <a:t>=</a:t>
+            </a:r>
+            <a:r>
+              <a:rPr lang="en-US" sz="1300" i="1" dirty="0">
+                <a:solidFill>
+                  <a:srgbClr val="0033CC"/>
+                </a:solidFill>
+                <a:latin typeface="Curier"/>
+                <a:cs typeface="Curier"/>
+              </a:rPr>
+              <a:t>”</a:t>
+            </a:r>
+            <a:r>
+              <a:rPr lang="en-US" sz="1300" i="1" dirty="0" err="1">
+                <a:solidFill>
+                  <a:srgbClr val="0033CC"/>
+                </a:solidFill>
+                <a:latin typeface="Curier"/>
+                <a:cs typeface="Curier"/>
+              </a:rPr>
+              <a:t>ExternalModel</a:t>
+            </a:r>
+            <a:r>
+              <a:rPr lang="en-US" sz="1300" i="1" dirty="0">
+                <a:solidFill>
+                  <a:srgbClr val="0033CC"/>
+                </a:solidFill>
+                <a:latin typeface="Curier"/>
+                <a:cs typeface="Curier"/>
+              </a:rPr>
+              <a:t>"   </a:t>
+            </a:r>
+            <a:r>
+              <a:rPr lang="en-US" sz="1300" i="1" dirty="0">
+                <a:solidFill>
+                  <a:srgbClr val="32946A"/>
+                </a:solidFill>
+                <a:latin typeface="Curier"/>
+                <a:cs typeface="Curier"/>
+              </a:rPr>
+              <a:t>&gt;</a:t>
+            </a:r>
+            <a:r>
+              <a:rPr lang="en-US" sz="1300" i="1" dirty="0" err="1">
+                <a:latin typeface="Curier"/>
+                <a:cs typeface="Curier"/>
+              </a:rPr>
+              <a:t>PythonModule</a:t>
+            </a:r>
+            <a:r>
+              <a:rPr lang="en-US" sz="1300" i="1" dirty="0">
+                <a:solidFill>
+                  <a:srgbClr val="32946A"/>
+                </a:solidFill>
+                <a:latin typeface="Curier"/>
+                <a:cs typeface="Curier"/>
+              </a:rPr>
+              <a:t>&lt;/Model&gt;</a:t>
+            </a:r>
+          </a:p>
+          <a:p>
+            <a:r>
+              <a:rPr lang="en-US" sz="1300" dirty="0">
+                <a:solidFill>
+                  <a:srgbClr val="32946A"/>
+                </a:solidFill>
+                <a:latin typeface="Curier"/>
+                <a:cs typeface="Curier"/>
+              </a:rPr>
+              <a:t>      &lt;Output </a:t>
+            </a:r>
+            <a:r>
+              <a:rPr lang="en-US" sz="1300" dirty="0">
+                <a:latin typeface="Curier"/>
+                <a:cs typeface="Curier"/>
+              </a:rPr>
+              <a:t> </a:t>
+            </a:r>
+            <a:r>
+              <a:rPr lang="en-US" sz="1300" dirty="0">
+                <a:solidFill>
+                  <a:srgbClr val="660066"/>
+                </a:solidFill>
+                <a:latin typeface="Curier"/>
+                <a:cs typeface="Curier"/>
+              </a:rPr>
+              <a:t>class</a:t>
+            </a:r>
+            <a:r>
+              <a:rPr lang="en-US" sz="1300" dirty="0">
+                <a:solidFill>
+                  <a:srgbClr val="32946A"/>
+                </a:solidFill>
+                <a:latin typeface="Curier"/>
+                <a:cs typeface="Curier"/>
+              </a:rPr>
+              <a:t>=</a:t>
+            </a:r>
+            <a:r>
+              <a:rPr lang="en-US" sz="1300" i="1" dirty="0">
+                <a:solidFill>
+                  <a:srgbClr val="0033CC"/>
+                </a:solidFill>
+                <a:latin typeface="Curier"/>
+                <a:cs typeface="Curier"/>
+              </a:rPr>
+              <a:t>"</a:t>
+            </a:r>
+            <a:r>
+              <a:rPr lang="en-US" sz="1300" i="1" dirty="0" err="1">
+                <a:solidFill>
+                  <a:srgbClr val="0033CC"/>
+                </a:solidFill>
+                <a:latin typeface="Curier"/>
+                <a:cs typeface="Curier"/>
+              </a:rPr>
+              <a:t>DataObjects</a:t>
+            </a:r>
+            <a:r>
+              <a:rPr lang="en-US" sz="1300" i="1" dirty="0">
+                <a:solidFill>
+                  <a:srgbClr val="0033CC"/>
+                </a:solidFill>
+                <a:latin typeface="Curier"/>
+                <a:cs typeface="Curier"/>
+              </a:rPr>
+              <a:t>" </a:t>
+            </a:r>
+            <a:r>
+              <a:rPr lang="en-US" sz="1300" i="1" dirty="0">
+                <a:solidFill>
+                  <a:srgbClr val="660066"/>
+                </a:solidFill>
+                <a:latin typeface="Curier"/>
+                <a:cs typeface="Curier"/>
+              </a:rPr>
+              <a:t>type</a:t>
+            </a:r>
+            <a:r>
+              <a:rPr lang="en-US" sz="1300" i="1" dirty="0">
+                <a:solidFill>
+                  <a:srgbClr val="32946A"/>
+                </a:solidFill>
+                <a:latin typeface="Curier"/>
+                <a:cs typeface="Curier"/>
+              </a:rPr>
+              <a:t>=</a:t>
+            </a:r>
+            <a:r>
+              <a:rPr lang="en-US" sz="1300" i="1" dirty="0">
+                <a:solidFill>
+                  <a:srgbClr val="0033CC"/>
+                </a:solidFill>
+                <a:latin typeface="Curier"/>
+                <a:cs typeface="Curier"/>
+              </a:rPr>
+              <a:t>"</a:t>
+            </a:r>
+            <a:r>
+              <a:rPr lang="en-US" sz="1300" i="1" dirty="0" err="1">
+                <a:solidFill>
+                  <a:srgbClr val="0033CC"/>
+                </a:solidFill>
+                <a:latin typeface="Curier"/>
+                <a:cs typeface="Curier"/>
+              </a:rPr>
+              <a:t>PointSet</a:t>
+            </a:r>
+            <a:r>
+              <a:rPr lang="en-US" sz="1300" i="1" dirty="0">
+                <a:solidFill>
+                  <a:srgbClr val="0033CC"/>
+                </a:solidFill>
+                <a:latin typeface="Curier"/>
+                <a:cs typeface="Curier"/>
+              </a:rPr>
+              <a:t>"</a:t>
+            </a:r>
+            <a:r>
+              <a:rPr lang="en-US" sz="1300" i="1" dirty="0">
+                <a:solidFill>
+                  <a:srgbClr val="32946A"/>
+                </a:solidFill>
+                <a:latin typeface="Curier"/>
+                <a:cs typeface="Curier"/>
+              </a:rPr>
+              <a:t>&gt;</a:t>
+            </a:r>
+            <a:r>
+              <a:rPr lang="en-US" sz="1300" i="1" dirty="0">
+                <a:latin typeface="Curier"/>
+                <a:cs typeface="Curier"/>
+              </a:rPr>
+              <a:t>Out</a:t>
+            </a:r>
+            <a:r>
+              <a:rPr lang="en-US" sz="1300" i="1" dirty="0">
+                <a:solidFill>
+                  <a:srgbClr val="32946A"/>
+                </a:solidFill>
+                <a:latin typeface="Curier"/>
+                <a:cs typeface="Curier"/>
+              </a:rPr>
+              <a:t>&lt;/Output&gt;</a:t>
+            </a:r>
+          </a:p>
+          <a:p>
+            <a:r>
+              <a:rPr lang="en-US" sz="1300" dirty="0">
+                <a:solidFill>
+                  <a:srgbClr val="32946A"/>
+                </a:solidFill>
+                <a:latin typeface="Curier"/>
+                <a:cs typeface="Curier"/>
+              </a:rPr>
+              <a:t>    &lt;/</a:t>
+            </a:r>
+            <a:r>
+              <a:rPr lang="en-US" sz="1300" dirty="0" err="1">
+                <a:solidFill>
+                  <a:srgbClr val="32946A"/>
+                </a:solidFill>
+                <a:latin typeface="Curier"/>
+                <a:cs typeface="Curier"/>
+              </a:rPr>
+              <a:t>MultiRun</a:t>
+            </a:r>
+            <a:r>
+              <a:rPr lang="en-US" sz="1300" dirty="0">
+                <a:solidFill>
+                  <a:srgbClr val="32946A"/>
+                </a:solidFill>
+                <a:latin typeface="Curier"/>
+                <a:cs typeface="Curier"/>
+              </a:rPr>
+              <a:t>&gt;</a:t>
+            </a:r>
+          </a:p>
+          <a:p>
+            <a:r>
+              <a:rPr lang="en-US" sz="1300" dirty="0">
+                <a:solidFill>
+                  <a:srgbClr val="32946A"/>
+                </a:solidFill>
+                <a:latin typeface="Curier"/>
+                <a:cs typeface="Curier"/>
+              </a:rPr>
+              <a:t>    &lt;</a:t>
+            </a:r>
+            <a:r>
+              <a:rPr lang="en-US" sz="1300" dirty="0" err="1">
+                <a:solidFill>
+                  <a:srgbClr val="32946A"/>
+                </a:solidFill>
+                <a:latin typeface="Curier"/>
+                <a:cs typeface="Curier"/>
+              </a:rPr>
+              <a:t>IOStep</a:t>
+            </a:r>
+            <a:r>
+              <a:rPr lang="en-US" sz="1300" dirty="0">
+                <a:latin typeface="Curier"/>
+                <a:cs typeface="Curier"/>
+              </a:rPr>
+              <a:t> </a:t>
+            </a:r>
+            <a:r>
+              <a:rPr lang="en-US" sz="1300" dirty="0">
+                <a:solidFill>
+                  <a:srgbClr val="660066"/>
+                </a:solidFill>
+                <a:latin typeface="Curier"/>
+                <a:cs typeface="Curier"/>
+              </a:rPr>
+              <a:t>name</a:t>
+            </a:r>
+            <a:r>
+              <a:rPr lang="en-US" sz="1300" dirty="0">
+                <a:solidFill>
+                  <a:srgbClr val="32946A"/>
+                </a:solidFill>
+                <a:latin typeface="Curier"/>
+                <a:cs typeface="Curier"/>
+              </a:rPr>
+              <a:t>=</a:t>
+            </a:r>
+            <a:r>
+              <a:rPr lang="en-US" sz="1300" i="1" dirty="0">
+                <a:solidFill>
+                  <a:srgbClr val="0033CC"/>
+                </a:solidFill>
+                <a:latin typeface="Curier"/>
+                <a:cs typeface="Curier"/>
+              </a:rPr>
+              <a:t>"Plot" </a:t>
+            </a:r>
+            <a:r>
+              <a:rPr lang="en-US" sz="1300" i="1" dirty="0" err="1">
+                <a:solidFill>
+                  <a:srgbClr val="660066"/>
+                </a:solidFill>
+                <a:latin typeface="Curier"/>
+                <a:cs typeface="Curier"/>
+              </a:rPr>
+              <a:t>pauseAtEnd</a:t>
+            </a:r>
+            <a:r>
+              <a:rPr lang="en-US" sz="1300" i="1" dirty="0">
+                <a:solidFill>
+                  <a:srgbClr val="32946A"/>
+                </a:solidFill>
+                <a:latin typeface="Curier"/>
+                <a:cs typeface="Curier"/>
+              </a:rPr>
+              <a:t>=</a:t>
+            </a:r>
+            <a:r>
+              <a:rPr lang="en-US" sz="1300" i="1" dirty="0">
+                <a:solidFill>
+                  <a:srgbClr val="0033CC"/>
+                </a:solidFill>
+                <a:latin typeface="Curier"/>
+                <a:cs typeface="Curier"/>
+              </a:rPr>
+              <a:t>"True"</a:t>
+            </a:r>
+            <a:r>
+              <a:rPr lang="en-US" sz="1300" i="1" dirty="0">
+                <a:solidFill>
+                  <a:srgbClr val="32946A"/>
+                </a:solidFill>
+                <a:latin typeface="Curier"/>
+                <a:cs typeface="Curier"/>
+              </a:rPr>
+              <a:t>&gt;</a:t>
+            </a:r>
+          </a:p>
+          <a:p>
+            <a:r>
+              <a:rPr lang="en-US" sz="1300" dirty="0">
+                <a:solidFill>
+                  <a:srgbClr val="32946A"/>
+                </a:solidFill>
+                <a:latin typeface="Curier"/>
+                <a:cs typeface="Curier"/>
+              </a:rPr>
+              <a:t>      &lt;Input</a:t>
+            </a:r>
+            <a:r>
+              <a:rPr lang="en-US" sz="1300" dirty="0">
+                <a:latin typeface="Curier"/>
+                <a:cs typeface="Curier"/>
+              </a:rPr>
+              <a:t>  </a:t>
+            </a:r>
+            <a:r>
+              <a:rPr lang="en-US" sz="1300" dirty="0">
+                <a:solidFill>
+                  <a:srgbClr val="660066"/>
+                </a:solidFill>
+                <a:latin typeface="Curier"/>
+                <a:cs typeface="Curier"/>
+              </a:rPr>
+              <a:t>class</a:t>
+            </a:r>
+            <a:r>
+              <a:rPr lang="en-US" sz="1300" dirty="0">
+                <a:solidFill>
+                  <a:srgbClr val="32946A"/>
+                </a:solidFill>
+                <a:latin typeface="Curier"/>
+                <a:cs typeface="Curier"/>
+              </a:rPr>
+              <a:t>=</a:t>
+            </a:r>
+            <a:r>
+              <a:rPr lang="en-US" sz="1300" i="1" dirty="0">
+                <a:solidFill>
+                  <a:srgbClr val="0033CC"/>
+                </a:solidFill>
+                <a:latin typeface="Curier"/>
+                <a:cs typeface="Curier"/>
+              </a:rPr>
+              <a:t>"</a:t>
+            </a:r>
+            <a:r>
+              <a:rPr lang="en-US" sz="1300" i="1" dirty="0" err="1">
+                <a:solidFill>
+                  <a:srgbClr val="0033CC"/>
+                </a:solidFill>
+                <a:latin typeface="Curier"/>
+                <a:cs typeface="Curier"/>
+              </a:rPr>
+              <a:t>DataObjects</a:t>
+            </a:r>
+            <a:r>
+              <a:rPr lang="en-US" sz="1300" i="1" dirty="0">
+                <a:solidFill>
+                  <a:srgbClr val="0033CC"/>
+                </a:solidFill>
+                <a:latin typeface="Curier"/>
+                <a:cs typeface="Curier"/>
+              </a:rPr>
+              <a:t>"</a:t>
+            </a:r>
+            <a:r>
+              <a:rPr lang="en-US" sz="1300" i="1" dirty="0">
+                <a:latin typeface="Curier"/>
+                <a:cs typeface="Curier"/>
+              </a:rPr>
+              <a:t> </a:t>
+            </a:r>
+            <a:r>
+              <a:rPr lang="en-US" sz="1300" i="1" dirty="0">
+                <a:solidFill>
+                  <a:srgbClr val="660066"/>
+                </a:solidFill>
+                <a:latin typeface="Curier"/>
+                <a:cs typeface="Curier"/>
+              </a:rPr>
+              <a:t>type</a:t>
+            </a:r>
+            <a:r>
+              <a:rPr lang="en-US" sz="1300" i="1" dirty="0">
+                <a:solidFill>
+                  <a:srgbClr val="32946A"/>
+                </a:solidFill>
+                <a:latin typeface="Curier"/>
+                <a:cs typeface="Curier"/>
+              </a:rPr>
+              <a:t>=</a:t>
+            </a:r>
+            <a:r>
+              <a:rPr lang="en-US" sz="1300" i="1" dirty="0">
+                <a:solidFill>
+                  <a:srgbClr val="0033CC"/>
+                </a:solidFill>
+                <a:latin typeface="Curier"/>
+                <a:cs typeface="Curier"/>
+              </a:rPr>
+              <a:t>"</a:t>
+            </a:r>
+            <a:r>
+              <a:rPr lang="en-US" sz="1300" i="1" dirty="0" err="1">
+                <a:solidFill>
+                  <a:srgbClr val="0033CC"/>
+                </a:solidFill>
+                <a:latin typeface="Curier"/>
+                <a:cs typeface="Curier"/>
+              </a:rPr>
+              <a:t>PointSet</a:t>
+            </a:r>
+            <a:r>
+              <a:rPr lang="en-US" sz="1300" i="1" dirty="0">
+                <a:solidFill>
+                  <a:srgbClr val="0033CC"/>
+                </a:solidFill>
+                <a:latin typeface="Curier"/>
+                <a:cs typeface="Curier"/>
+              </a:rPr>
+              <a:t>"</a:t>
+            </a:r>
+            <a:r>
+              <a:rPr lang="en-US" sz="1300" i="1" dirty="0">
+                <a:solidFill>
+                  <a:srgbClr val="32946A"/>
+                </a:solidFill>
+                <a:latin typeface="Curier"/>
+                <a:cs typeface="Curier"/>
+              </a:rPr>
+              <a:t>&gt;</a:t>
+            </a:r>
+            <a:r>
+              <a:rPr lang="en-US" sz="1300" i="1" dirty="0">
+                <a:latin typeface="Curier"/>
+                <a:cs typeface="Curier"/>
+              </a:rPr>
+              <a:t>Out</a:t>
+            </a:r>
+            <a:r>
+              <a:rPr lang="en-US" sz="1300" i="1" dirty="0">
+                <a:solidFill>
+                  <a:srgbClr val="32946A"/>
+                </a:solidFill>
+                <a:latin typeface="Curier"/>
+                <a:cs typeface="Curier"/>
+              </a:rPr>
+              <a:t>&lt;/Input&gt;</a:t>
+            </a:r>
+          </a:p>
+          <a:p>
+            <a:r>
+              <a:rPr lang="en-US" sz="1300" dirty="0">
+                <a:solidFill>
+                  <a:srgbClr val="32946A"/>
+                </a:solidFill>
+                <a:latin typeface="Curier"/>
+                <a:cs typeface="Curier"/>
+              </a:rPr>
+              <a:t>      &lt;Output</a:t>
+            </a:r>
+            <a:r>
+              <a:rPr lang="en-US" sz="1300" dirty="0">
+                <a:latin typeface="Curier"/>
+                <a:cs typeface="Curier"/>
+              </a:rPr>
+              <a:t> </a:t>
+            </a:r>
+            <a:r>
+              <a:rPr lang="en-US" sz="1300" dirty="0">
+                <a:solidFill>
+                  <a:srgbClr val="660066"/>
+                </a:solidFill>
+                <a:latin typeface="Curier"/>
+                <a:cs typeface="Curier"/>
+              </a:rPr>
+              <a:t>class</a:t>
+            </a:r>
+            <a:r>
+              <a:rPr lang="en-US" sz="1300" dirty="0">
+                <a:solidFill>
+                  <a:srgbClr val="32946A"/>
+                </a:solidFill>
+                <a:latin typeface="Curier"/>
+                <a:cs typeface="Curier"/>
+              </a:rPr>
+              <a:t>=</a:t>
+            </a:r>
+            <a:r>
+              <a:rPr lang="en-US" sz="1300" i="1" dirty="0">
+                <a:solidFill>
+                  <a:srgbClr val="0033CC"/>
+                </a:solidFill>
+                <a:latin typeface="Curier"/>
+                <a:cs typeface="Curier"/>
+              </a:rPr>
+              <a:t>"</a:t>
+            </a:r>
+            <a:r>
+              <a:rPr lang="en-US" sz="1300" i="1" dirty="0" err="1">
+                <a:solidFill>
+                  <a:srgbClr val="0033CC"/>
+                </a:solidFill>
+                <a:latin typeface="Curier"/>
+                <a:cs typeface="Curier"/>
+              </a:rPr>
+              <a:t>OutStreams</a:t>
+            </a:r>
+            <a:r>
+              <a:rPr lang="en-US" sz="1300" i="1" dirty="0">
+                <a:solidFill>
+                  <a:srgbClr val="0033CC"/>
+                </a:solidFill>
+                <a:latin typeface="Curier"/>
+                <a:cs typeface="Curier"/>
+              </a:rPr>
+              <a:t>"  </a:t>
+            </a:r>
+            <a:r>
+              <a:rPr lang="en-US" sz="1300" i="1" dirty="0">
+                <a:solidFill>
+                  <a:srgbClr val="660066"/>
+                </a:solidFill>
+                <a:latin typeface="Curier"/>
+                <a:cs typeface="Curier"/>
+              </a:rPr>
+              <a:t>type</a:t>
+            </a:r>
+            <a:r>
+              <a:rPr lang="en-US" sz="1300" i="1" dirty="0">
+                <a:solidFill>
+                  <a:srgbClr val="32946A"/>
+                </a:solidFill>
+                <a:latin typeface="Curier"/>
+                <a:cs typeface="Curier"/>
+              </a:rPr>
+              <a:t>=</a:t>
+            </a:r>
+            <a:r>
+              <a:rPr lang="en-US" sz="1300" i="1" dirty="0">
+                <a:solidFill>
+                  <a:srgbClr val="0033CC"/>
+                </a:solidFill>
+                <a:latin typeface="Curier"/>
+                <a:cs typeface="Curier"/>
+              </a:rPr>
+              <a:t>"Print"   </a:t>
+            </a:r>
+            <a:r>
+              <a:rPr lang="en-US" sz="1300" i="1" dirty="0">
+                <a:solidFill>
+                  <a:srgbClr val="32946A"/>
+                </a:solidFill>
+                <a:latin typeface="Curier"/>
+                <a:cs typeface="Curier"/>
+              </a:rPr>
+              <a:t>&gt;</a:t>
+            </a:r>
+            <a:r>
+              <a:rPr lang="en-US" sz="1300" i="1" dirty="0" err="1">
+                <a:latin typeface="Curier"/>
+                <a:cs typeface="Curier"/>
+              </a:rPr>
+              <a:t>fileOut</a:t>
+            </a:r>
+            <a:r>
+              <a:rPr lang="en-US" sz="1300" i="1" dirty="0">
+                <a:solidFill>
+                  <a:srgbClr val="32946A"/>
+                </a:solidFill>
+                <a:latin typeface="Curier"/>
+                <a:cs typeface="Curier"/>
+              </a:rPr>
+              <a:t>&lt;/Output&gt;</a:t>
+            </a:r>
+          </a:p>
+          <a:p>
+            <a:r>
+              <a:rPr lang="en-US" sz="1300" dirty="0">
+                <a:solidFill>
+                  <a:srgbClr val="32946A"/>
+                </a:solidFill>
+                <a:latin typeface="Curier"/>
+                <a:cs typeface="Curier"/>
+              </a:rPr>
+              <a:t>      &lt;Output</a:t>
+            </a:r>
+            <a:r>
+              <a:rPr lang="en-US" sz="1300" dirty="0">
+                <a:latin typeface="Curier"/>
+                <a:cs typeface="Curier"/>
+              </a:rPr>
+              <a:t> </a:t>
+            </a:r>
+            <a:r>
+              <a:rPr lang="en-US" sz="1300" dirty="0">
+                <a:solidFill>
+                  <a:srgbClr val="660066"/>
+                </a:solidFill>
+                <a:latin typeface="Curier"/>
+                <a:cs typeface="Curier"/>
+              </a:rPr>
+              <a:t>class</a:t>
+            </a:r>
+            <a:r>
+              <a:rPr lang="en-US" sz="1300" dirty="0">
+                <a:solidFill>
+                  <a:srgbClr val="32946A"/>
+                </a:solidFill>
+                <a:latin typeface="Curier"/>
+                <a:cs typeface="Curier"/>
+              </a:rPr>
+              <a:t>=</a:t>
+            </a:r>
+            <a:r>
+              <a:rPr lang="en-US" sz="1300" i="1" dirty="0">
+                <a:solidFill>
+                  <a:srgbClr val="0033CC"/>
+                </a:solidFill>
+                <a:latin typeface="Curier"/>
+                <a:cs typeface="Curier"/>
+              </a:rPr>
+              <a:t>"</a:t>
+            </a:r>
+            <a:r>
+              <a:rPr lang="en-US" sz="1300" i="1" dirty="0" err="1">
+                <a:solidFill>
+                  <a:srgbClr val="0033CC"/>
+                </a:solidFill>
+                <a:latin typeface="Curier"/>
+                <a:cs typeface="Curier"/>
+              </a:rPr>
+              <a:t>OutStreams</a:t>
+            </a:r>
+            <a:r>
+              <a:rPr lang="en-US" sz="1300" i="1" dirty="0">
+                <a:solidFill>
+                  <a:srgbClr val="0033CC"/>
+                </a:solidFill>
+                <a:latin typeface="Curier"/>
+                <a:cs typeface="Curier"/>
+              </a:rPr>
+              <a:t>"  </a:t>
+            </a:r>
+            <a:r>
+              <a:rPr lang="en-US" sz="1300" i="1" dirty="0">
+                <a:solidFill>
+                  <a:srgbClr val="660066"/>
+                </a:solidFill>
+                <a:latin typeface="Curier"/>
+                <a:cs typeface="Curier"/>
+              </a:rPr>
+              <a:t>type</a:t>
+            </a:r>
+            <a:r>
+              <a:rPr lang="en-US" sz="1300" i="1" dirty="0">
+                <a:solidFill>
+                  <a:srgbClr val="32946A"/>
+                </a:solidFill>
+                <a:latin typeface="Curier"/>
+                <a:cs typeface="Curier"/>
+              </a:rPr>
+              <a:t>=</a:t>
+            </a:r>
+            <a:r>
+              <a:rPr lang="en-US" sz="1300" i="1" dirty="0">
+                <a:solidFill>
+                  <a:srgbClr val="0033CC"/>
+                </a:solidFill>
+                <a:latin typeface="Curier"/>
+                <a:cs typeface="Curier"/>
+              </a:rPr>
+              <a:t>"Plot"    </a:t>
+            </a:r>
+            <a:r>
+              <a:rPr lang="en-US" sz="1300" i="1" dirty="0">
+                <a:solidFill>
+                  <a:srgbClr val="32946A"/>
+                </a:solidFill>
+                <a:latin typeface="Curier"/>
+                <a:cs typeface="Curier"/>
+              </a:rPr>
+              <a:t>&gt;</a:t>
+            </a:r>
+            <a:r>
+              <a:rPr lang="en-US" sz="1300" i="1" dirty="0" err="1">
+                <a:latin typeface="Curier"/>
+                <a:cs typeface="Curier"/>
+              </a:rPr>
+              <a:t>myPlot</a:t>
+            </a:r>
+            <a:r>
+              <a:rPr lang="en-US" sz="1300" i="1" dirty="0">
+                <a:solidFill>
+                  <a:srgbClr val="32946A"/>
+                </a:solidFill>
+                <a:latin typeface="Curier"/>
+                <a:cs typeface="Curier"/>
+              </a:rPr>
+              <a:t>&lt;/Output&gt;</a:t>
+            </a:r>
+          </a:p>
+          <a:p>
+            <a:r>
+              <a:rPr lang="en-US" sz="1300" dirty="0">
+                <a:solidFill>
+                  <a:srgbClr val="32946A"/>
+                </a:solidFill>
+                <a:latin typeface="Curier"/>
+                <a:cs typeface="Curier"/>
+              </a:rPr>
+              <a:t>    &lt;/</a:t>
+            </a:r>
+            <a:r>
+              <a:rPr lang="en-US" sz="1300" dirty="0" err="1">
+                <a:solidFill>
+                  <a:srgbClr val="32946A"/>
+                </a:solidFill>
+                <a:latin typeface="Curier"/>
+                <a:cs typeface="Curier"/>
+              </a:rPr>
+              <a:t>IOStep</a:t>
+            </a:r>
+            <a:r>
+              <a:rPr lang="en-US" sz="1300" dirty="0">
+                <a:solidFill>
+                  <a:srgbClr val="32946A"/>
+                </a:solidFill>
+                <a:latin typeface="Curier"/>
+                <a:cs typeface="Curier"/>
+              </a:rPr>
+              <a:t>&gt;</a:t>
+            </a:r>
+          </a:p>
+          <a:p>
+            <a:r>
+              <a:rPr lang="en-US" sz="1300" dirty="0">
+                <a:solidFill>
+                  <a:srgbClr val="32946A"/>
+                </a:solidFill>
+                <a:latin typeface="Curier"/>
+                <a:cs typeface="Curier"/>
+              </a:rPr>
+              <a:t>  &lt;/Steps&gt;</a:t>
+            </a:r>
+          </a:p>
+        </p:txBody>
+      </p:sp>
+      <p:graphicFrame>
+        <p:nvGraphicFramePr>
+          <p:cNvPr id="13" name="Table 12"/>
+          <p:cNvGraphicFramePr>
+            <a:graphicFrameLocks noGrp="1"/>
+          </p:cNvGraphicFramePr>
+          <p:nvPr>
+            <p:extLst>
+              <p:ext uri="{D42A27DB-BD31-4B8C-83A1-F6EECF244321}">
+                <p14:modId xmlns:p14="http://schemas.microsoft.com/office/powerpoint/2010/main" val="2391556355"/>
+              </p:ext>
+            </p:extLst>
+          </p:nvPr>
+        </p:nvGraphicFramePr>
+        <p:xfrm>
+          <a:off x="455609" y="1436377"/>
+          <a:ext cx="8231190" cy="741680"/>
+        </p:xfrm>
+        <a:graphic>
+          <a:graphicData uri="http://schemas.openxmlformats.org/drawingml/2006/table">
+            <a:tbl>
+              <a:tblPr firstRow="1" bandRow="1">
+                <a:tableStyleId>{5C22544A-7EE6-4342-B048-85BDC9FD1C3A}</a:tableStyleId>
+              </a:tblPr>
+              <a:tblGrid>
+                <a:gridCol w="1371865">
+                  <a:extLst>
+                    <a:ext uri="{9D8B030D-6E8A-4147-A177-3AD203B41FA5}">
+                      <a16:colId xmlns:a16="http://schemas.microsoft.com/office/drawing/2014/main" val="20000"/>
+                    </a:ext>
+                  </a:extLst>
+                </a:gridCol>
+                <a:gridCol w="1371865">
+                  <a:extLst>
+                    <a:ext uri="{9D8B030D-6E8A-4147-A177-3AD203B41FA5}">
+                      <a16:colId xmlns:a16="http://schemas.microsoft.com/office/drawing/2014/main" val="20001"/>
+                    </a:ext>
+                  </a:extLst>
+                </a:gridCol>
+                <a:gridCol w="1371865">
+                  <a:extLst>
+                    <a:ext uri="{9D8B030D-6E8A-4147-A177-3AD203B41FA5}">
+                      <a16:colId xmlns:a16="http://schemas.microsoft.com/office/drawing/2014/main" val="20002"/>
+                    </a:ext>
+                  </a:extLst>
+                </a:gridCol>
+                <a:gridCol w="1371865">
+                  <a:extLst>
+                    <a:ext uri="{9D8B030D-6E8A-4147-A177-3AD203B41FA5}">
+                      <a16:colId xmlns:a16="http://schemas.microsoft.com/office/drawing/2014/main" val="20003"/>
+                    </a:ext>
+                  </a:extLst>
+                </a:gridCol>
+                <a:gridCol w="1371865">
+                  <a:extLst>
+                    <a:ext uri="{9D8B030D-6E8A-4147-A177-3AD203B41FA5}">
+                      <a16:colId xmlns:a16="http://schemas.microsoft.com/office/drawing/2014/main" val="20004"/>
+                    </a:ext>
+                  </a:extLst>
+                </a:gridCol>
+                <a:gridCol w="1371865">
+                  <a:extLst>
+                    <a:ext uri="{9D8B030D-6E8A-4147-A177-3AD203B41FA5}">
+                      <a16:colId xmlns:a16="http://schemas.microsoft.com/office/drawing/2014/main" val="20005"/>
+                    </a:ext>
+                  </a:extLst>
+                </a:gridCol>
+              </a:tblGrid>
+              <a:tr h="370840">
+                <a:tc>
+                  <a:txBody>
+                    <a:bodyPr/>
+                    <a:lstStyle/>
+                    <a:p>
+                      <a:pPr algn="ctr"/>
+                      <a:r>
+                        <a:rPr lang="en-US" sz="1600" b="0" dirty="0" err="1">
+                          <a:solidFill>
+                            <a:schemeClr val="tx1"/>
+                          </a:solidFill>
+                          <a:latin typeface="Arial"/>
+                          <a:cs typeface="Arial"/>
+                        </a:rPr>
+                        <a:t>RunInfo</a:t>
+                      </a:r>
+                      <a:endParaRPr lang="en-US" sz="1600" b="0" dirty="0">
+                        <a:solidFill>
+                          <a:schemeClr val="tx1"/>
+                        </a:solidFill>
+                        <a:latin typeface="Arial"/>
+                        <a:cs typeface="Arial"/>
+                      </a:endParaRPr>
+                    </a:p>
+                  </a:txBody>
+                  <a:tcPr>
+                    <a:solidFill>
+                      <a:schemeClr val="bg1">
+                        <a:lumMod val="85000"/>
+                      </a:schemeClr>
+                    </a:solidFill>
+                  </a:tcPr>
+                </a:tc>
+                <a:tc>
+                  <a:txBody>
+                    <a:bodyPr/>
+                    <a:lstStyle/>
+                    <a:p>
+                      <a:pPr algn="ctr"/>
+                      <a:r>
+                        <a:rPr lang="en-US" sz="1600" b="0" dirty="0">
+                          <a:solidFill>
+                            <a:schemeClr val="tx1"/>
+                          </a:solidFill>
+                          <a:latin typeface="Arial"/>
+                          <a:cs typeface="Arial"/>
+                        </a:rPr>
+                        <a:t>Distributions</a:t>
+                      </a:r>
+                    </a:p>
+                  </a:txBody>
+                  <a:tcPr>
+                    <a:solidFill>
+                      <a:schemeClr val="bg1">
+                        <a:lumMod val="85000"/>
+                      </a:schemeClr>
+                    </a:solidFill>
+                  </a:tcPr>
+                </a:tc>
+                <a:tc>
+                  <a:txBody>
+                    <a:bodyPr/>
+                    <a:lstStyle/>
+                    <a:p>
+                      <a:pPr algn="ctr"/>
+                      <a:r>
+                        <a:rPr lang="en-US" sz="1600" b="0" dirty="0">
+                          <a:solidFill>
+                            <a:schemeClr val="tx1"/>
+                          </a:solidFill>
+                          <a:latin typeface="Arial"/>
+                          <a:cs typeface="Arial"/>
+                        </a:rPr>
+                        <a:t>Samplers</a:t>
+                      </a:r>
+                    </a:p>
+                  </a:txBody>
+                  <a:tcPr>
+                    <a:solidFill>
+                      <a:schemeClr val="bg1">
+                        <a:lumMod val="85000"/>
+                      </a:schemeClr>
+                    </a:solidFill>
+                  </a:tcPr>
+                </a:tc>
+                <a:tc>
+                  <a:txBody>
+                    <a:bodyPr/>
+                    <a:lstStyle/>
+                    <a:p>
+                      <a:pPr algn="ctr"/>
+                      <a:r>
+                        <a:rPr lang="en-US" sz="1600" b="0" dirty="0" err="1">
+                          <a:solidFill>
+                            <a:schemeClr val="tx1"/>
+                          </a:solidFill>
+                          <a:latin typeface="Arial"/>
+                          <a:cs typeface="Arial"/>
+                        </a:rPr>
+                        <a:t>DataObjects</a:t>
+                      </a:r>
+                      <a:endParaRPr lang="en-US" sz="1600" b="0" dirty="0">
+                        <a:solidFill>
+                          <a:schemeClr val="tx1"/>
+                        </a:solidFill>
+                        <a:latin typeface="Arial"/>
+                        <a:cs typeface="Arial"/>
+                      </a:endParaRPr>
+                    </a:p>
+                  </a:txBody>
+                  <a:tcPr>
+                    <a:solidFill>
+                      <a:schemeClr val="bg1">
+                        <a:lumMod val="85000"/>
+                      </a:schemeClr>
+                    </a:solidFill>
+                  </a:tcPr>
+                </a:tc>
+                <a:tc>
+                  <a:txBody>
+                    <a:bodyPr/>
+                    <a:lstStyle/>
+                    <a:p>
+                      <a:pPr algn="ctr"/>
+                      <a:r>
+                        <a:rPr lang="en-US" sz="1600" b="0" dirty="0">
+                          <a:solidFill>
+                            <a:schemeClr val="tx1"/>
+                          </a:solidFill>
+                          <a:latin typeface="Arial"/>
+                          <a:cs typeface="Arial"/>
+                        </a:rPr>
+                        <a:t>Models</a:t>
+                      </a:r>
+                    </a:p>
+                  </a:txBody>
+                  <a:tcPr>
+                    <a:solidFill>
+                      <a:schemeClr val="bg1">
+                        <a:lumMod val="85000"/>
+                      </a:schemeClr>
+                    </a:solidFill>
+                  </a:tcPr>
+                </a:tc>
+                <a:tc>
+                  <a:txBody>
+                    <a:bodyPr/>
+                    <a:lstStyle/>
+                    <a:p>
+                      <a:pPr algn="ctr"/>
+                      <a:r>
+                        <a:rPr lang="en-US" sz="1600" b="0" dirty="0">
+                          <a:solidFill>
+                            <a:schemeClr val="tx1"/>
+                          </a:solidFill>
+                          <a:latin typeface="Arial"/>
+                          <a:cs typeface="Arial"/>
+                        </a:rPr>
+                        <a:t>Files</a:t>
+                      </a:r>
+                    </a:p>
+                  </a:txBody>
+                  <a:tcPr>
+                    <a:solidFill>
+                      <a:schemeClr val="bg1">
+                        <a:lumMod val="85000"/>
+                      </a:schemeClr>
+                    </a:solidFill>
+                  </a:tcPr>
+                </a:tc>
+                <a:extLst>
+                  <a:ext uri="{0D108BD9-81ED-4DB2-BD59-A6C34878D82A}">
+                    <a16:rowId xmlns:a16="http://schemas.microsoft.com/office/drawing/2014/main" val="10000"/>
+                  </a:ext>
+                </a:extLst>
+              </a:tr>
+              <a:tr h="370840">
+                <a:tc>
+                  <a:txBody>
+                    <a:bodyPr/>
+                    <a:lstStyle/>
+                    <a:p>
+                      <a:pPr algn="ctr"/>
+                      <a:r>
+                        <a:rPr lang="en-US" sz="1600" b="0" dirty="0" err="1">
+                          <a:solidFill>
+                            <a:schemeClr val="tx1"/>
+                          </a:solidFill>
+                          <a:latin typeface="Arial"/>
+                          <a:cs typeface="Arial"/>
+                        </a:rPr>
+                        <a:t>OutStreams</a:t>
+                      </a:r>
+                      <a:endParaRPr lang="en-US" sz="1600" b="0" dirty="0">
+                        <a:solidFill>
+                          <a:schemeClr val="tx1"/>
+                        </a:solidFill>
+                        <a:latin typeface="Arial"/>
+                        <a:cs typeface="Arial"/>
+                      </a:endParaRPr>
+                    </a:p>
+                  </a:txBody>
+                  <a:tcPr>
+                    <a:solidFill>
+                      <a:schemeClr val="bg1">
+                        <a:lumMod val="85000"/>
+                      </a:schemeClr>
+                    </a:solidFill>
+                  </a:tcPr>
+                </a:tc>
+                <a:tc>
+                  <a:txBody>
+                    <a:bodyPr/>
+                    <a:lstStyle/>
+                    <a:p>
+                      <a:pPr algn="ctr"/>
+                      <a:r>
+                        <a:rPr lang="en-US" sz="1600" b="0" dirty="0">
+                          <a:solidFill>
+                            <a:schemeClr val="tx1"/>
+                          </a:solidFill>
+                          <a:latin typeface="Arial"/>
+                          <a:cs typeface="Arial"/>
+                        </a:rPr>
+                        <a:t>Steps</a:t>
+                      </a:r>
+                    </a:p>
+                  </a:txBody>
+                  <a:tcPr>
+                    <a:solidFill>
+                      <a:schemeClr val="bg1">
+                        <a:lumMod val="65000"/>
+                      </a:schemeClr>
+                    </a:solidFill>
+                  </a:tcPr>
+                </a:tc>
+                <a:tc>
+                  <a:txBody>
+                    <a:bodyPr/>
+                    <a:lstStyle/>
+                    <a:p>
+                      <a:pPr algn="ctr"/>
+                      <a:endParaRPr lang="en-US" sz="1600" b="0" dirty="0">
+                        <a:solidFill>
+                          <a:schemeClr val="tx1"/>
+                        </a:solidFill>
+                        <a:latin typeface="Arial"/>
+                        <a:cs typeface="Arial"/>
+                      </a:endParaRPr>
+                    </a:p>
+                  </a:txBody>
+                  <a:tcPr>
+                    <a:solidFill>
+                      <a:schemeClr val="bg1">
+                        <a:lumMod val="85000"/>
+                      </a:schemeClr>
+                    </a:solidFill>
+                  </a:tcPr>
+                </a:tc>
+                <a:tc>
+                  <a:txBody>
+                    <a:bodyPr/>
+                    <a:lstStyle/>
+                    <a:p>
+                      <a:pPr algn="ctr"/>
+                      <a:endParaRPr lang="en-US" sz="1600" b="0" dirty="0">
+                        <a:solidFill>
+                          <a:schemeClr val="tx1"/>
+                        </a:solidFill>
+                        <a:latin typeface="Arial"/>
+                        <a:cs typeface="Arial"/>
+                      </a:endParaRPr>
+                    </a:p>
+                  </a:txBody>
+                  <a:tcPr>
+                    <a:solidFill>
+                      <a:schemeClr val="bg1">
+                        <a:lumMod val="85000"/>
+                      </a:schemeClr>
+                    </a:solidFill>
+                  </a:tcPr>
+                </a:tc>
+                <a:tc>
+                  <a:txBody>
+                    <a:bodyPr/>
+                    <a:lstStyle/>
+                    <a:p>
+                      <a:pPr algn="ctr"/>
+                      <a:endParaRPr lang="en-US" sz="1600" b="0" dirty="0">
+                        <a:solidFill>
+                          <a:schemeClr val="tx1"/>
+                        </a:solidFill>
+                        <a:latin typeface="Arial"/>
+                        <a:cs typeface="Arial"/>
+                      </a:endParaRPr>
+                    </a:p>
+                  </a:txBody>
+                  <a:tcPr>
+                    <a:solidFill>
+                      <a:schemeClr val="bg1">
+                        <a:lumMod val="85000"/>
+                      </a:schemeClr>
+                    </a:solidFill>
+                  </a:tcPr>
+                </a:tc>
+                <a:tc>
+                  <a:txBody>
+                    <a:bodyPr/>
+                    <a:lstStyle/>
+                    <a:p>
+                      <a:pPr algn="ctr"/>
+                      <a:endParaRPr lang="en-US" sz="1600" b="0" dirty="0">
+                        <a:solidFill>
+                          <a:schemeClr val="tx1"/>
+                        </a:solidFill>
+                        <a:latin typeface="Arial"/>
+                        <a:cs typeface="Arial"/>
+                      </a:endParaRPr>
+                    </a:p>
+                  </a:txBody>
+                  <a:tcPr>
+                    <a:solidFill>
+                      <a:schemeClr val="bg1">
+                        <a:lumMod val="85000"/>
+                      </a:schemeClr>
+                    </a:solidFill>
+                  </a:tcPr>
+                </a:tc>
+                <a:extLst>
+                  <a:ext uri="{0D108BD9-81ED-4DB2-BD59-A6C34878D82A}">
+                    <a16:rowId xmlns:a16="http://schemas.microsoft.com/office/drawing/2014/main" val="10001"/>
+                  </a:ext>
+                </a:extLst>
+              </a:tr>
+            </a:tbl>
+          </a:graphicData>
+        </a:graphic>
+      </p:graphicFrame>
+      <p:sp>
+        <p:nvSpPr>
+          <p:cNvPr id="5" name="TextBox 4">
+            <a:extLst>
+              <a:ext uri="{FF2B5EF4-FFF2-40B4-BE49-F238E27FC236}">
+                <a16:creationId xmlns:a16="http://schemas.microsoft.com/office/drawing/2014/main" id="{E19A1CBD-22A1-EC49-A51E-280064E6BCF8}"/>
+              </a:ext>
+            </a:extLst>
+          </p:cNvPr>
+          <p:cNvSpPr txBox="1"/>
+          <p:nvPr/>
+        </p:nvSpPr>
+        <p:spPr>
+          <a:xfrm>
+            <a:off x="0" y="6553200"/>
+            <a:ext cx="9144000" cy="307777"/>
+          </a:xfrm>
+          <a:prstGeom prst="rect">
+            <a:avLst/>
+          </a:prstGeom>
+          <a:noFill/>
+        </p:spPr>
+        <p:txBody>
+          <a:bodyPr wrap="square" rtlCol="0">
+            <a:spAutoFit/>
+          </a:bodyPr>
+          <a:lstStyle/>
+          <a:p>
+            <a:pPr algn="ctr"/>
+            <a:r>
+              <a:rPr lang="en-US" sz="1400" dirty="0">
+                <a:latin typeface="+mn-lt"/>
+              </a:rPr>
+              <a:t>Input file name: ForwardSampling1.xml</a:t>
+            </a:r>
+          </a:p>
+        </p:txBody>
+      </p:sp>
+    </p:spTree>
+    <p:extLst>
+      <p:ext uri="{BB962C8B-B14F-4D97-AF65-F5344CB8AC3E}">
+        <p14:creationId xmlns:p14="http://schemas.microsoft.com/office/powerpoint/2010/main" val="1656314952"/>
+      </p:ext>
+    </p:extLst>
+  </p:cSld>
+  <p:clrMapOvr>
+    <a:masterClrMapping/>
+  </p:clrMapOvr>
+  <mc:AlternateContent xmlns:mc="http://schemas.openxmlformats.org/markup-compatibility/2006" xmlns:p14="http://schemas.microsoft.com/office/powerpoint/2010/main">
+    <mc:Choice Requires="p14">
+      <p:transition spd="med" p14:dur="700">
+        <p:fade/>
+      </p:transition>
+    </mc:Choice>
+    <mc:Fallback xmlns="">
+      <p:transition xmlns:p14="http://schemas.microsoft.com/office/powerpoint/2010/main" spd="med">
+        <p:fade/>
+      </p:transition>
+    </mc:Fallback>
+  </mc:AlternateContent>
+</p:sld>
+</file>
+
+<file path=ppt/slides/slide6.xml><?xml version="1.0" encoding="utf-8"?>
+<p:sld xmlns:a="http://schemas.openxmlformats.org/drawingml/2006/main" xmlns:r="http://schemas.openxmlformats.org/officeDocument/2006/relationships" xmlns:p="http://schemas.openxmlformats.org/presentationml/2006/main">
+  <p:cSld>
+    <p:spTree>
+      <p:nvGrpSpPr>
+        <p:cNvPr id="1" name=""/>
+        <p:cNvGrpSpPr/>
+        <p:nvPr/>
+      </p:nvGrpSpPr>
+      <p:grpSpPr>
+        <a:xfrm>
+          <a:off x="0" y="0"/>
+          <a:ext cx="0" cy="0"/>
+          <a:chOff x="0" y="0"/>
+          <a:chExt cx="0" cy="0"/>
+        </a:xfrm>
+      </p:grpSpPr>
+      <p:sp>
+        <p:nvSpPr>
+          <p:cNvPr id="6" name="Title 1"/>
+          <p:cNvSpPr>
+            <a:spLocks noGrp="1"/>
+          </p:cNvSpPr>
+          <p:nvPr>
+            <p:ph type="title"/>
+          </p:nvPr>
+        </p:nvSpPr>
+        <p:spPr>
+          <a:xfrm>
+            <a:off x="455613" y="1004888"/>
+            <a:ext cx="8231187" cy="377026"/>
+          </a:xfrm>
+        </p:spPr>
+        <p:txBody>
+          <a:bodyPr/>
+          <a:lstStyle/>
+          <a:p>
+            <a:r>
+              <a:rPr lang="en-US" b="0" dirty="0"/>
               <a:t>Describe the statistical property</a:t>
             </a:r>
           </a:p>
@@ -51790,7 +54584,7 @@
 </p:sld>
 </file>
 
-<file path=ppt/slides/slide6.xml><?xml version="1.0" encoding="utf-8"?>
+<file path=ppt/slides/slide7.xml><?xml version="1.0" encoding="utf-8"?>
 <p:sld xmlns:a="http://schemas.openxmlformats.org/drawingml/2006/main" xmlns:r="http://schemas.openxmlformats.org/officeDocument/2006/relationships" xmlns:p="http://schemas.openxmlformats.org/presentationml/2006/main">
   <p:cSld>
     <p:spTree>
@@ -52796,7 +55590,7 @@
 </p:sld>
 </file>
 
-<file path=ppt/slides/slide7.xml><?xml version="1.0" encoding="utf-8"?>
+<file path=ppt/slides/slide8.xml><?xml version="1.0" encoding="utf-8"?>
 <p:sld xmlns:a="http://schemas.openxmlformats.org/drawingml/2006/main" xmlns:r="http://schemas.openxmlformats.org/officeDocument/2006/relationships" xmlns:p="http://schemas.openxmlformats.org/presentationml/2006/main">
   <p:cSld>
     <p:spTree>
@@ -53727,7 +56521,7 @@
 </p:sld>
 </file>
 
-<file path=ppt/slides/slide8.xml><?xml version="1.0" encoding="utf-8"?>
+<file path=ppt/slides/slide9.xml><?xml version="1.0" encoding="utf-8"?>
 <p:sld xmlns:a="http://schemas.openxmlformats.org/drawingml/2006/main" xmlns:r="http://schemas.openxmlformats.org/officeDocument/2006/relationships" xmlns:p="http://schemas.openxmlformats.org/presentationml/2006/main">
   <p:cSld>
     <p:spTree>
@@ -54719,1490 +57513,6 @@
     <p:extLst>
       <p:ext uri="{BB962C8B-B14F-4D97-AF65-F5344CB8AC3E}">
         <p14:creationId xmlns:p14="http://schemas.microsoft.com/office/powerpoint/2010/main" val="1125593075"/>
-      </p:ext>
-    </p:extLst>
-  </p:cSld>
-  <p:clrMapOvr>
-    <a:masterClrMapping/>
-  </p:clrMapOvr>
-  <mc:AlternateContent xmlns:mc="http://schemas.openxmlformats.org/markup-compatibility/2006" xmlns:p14="http://schemas.microsoft.com/office/powerpoint/2010/main">
-    <mc:Choice Requires="p14">
-      <p:transition spd="med" p14:dur="700">
-        <p:fade/>
-      </p:transition>
-    </mc:Choice>
-    <mc:Fallback xmlns="">
-      <p:transition xmlns:p14="http://schemas.microsoft.com/office/powerpoint/2010/main" spd="med">
-        <p:fade/>
-      </p:transition>
-    </mc:Fallback>
-  </mc:AlternateContent>
-</p:sld>
-</file>
-
-<file path=ppt/slides/slide9.xml><?xml version="1.0" encoding="utf-8"?>
-<p:sld xmlns:a="http://schemas.openxmlformats.org/drawingml/2006/main" xmlns:r="http://schemas.openxmlformats.org/officeDocument/2006/relationships" xmlns:p="http://schemas.openxmlformats.org/presentationml/2006/main">
-  <p:cSld>
-    <p:spTree>
-      <p:nvGrpSpPr>
-        <p:cNvPr id="1" name=""/>
-        <p:cNvGrpSpPr/>
-        <p:nvPr/>
-      </p:nvGrpSpPr>
-      <p:grpSpPr>
-        <a:xfrm>
-          <a:off x="0" y="0"/>
-          <a:ext cx="0" cy="0"/>
-          <a:chOff x="0" y="0"/>
-          <a:chExt cx="0" cy="0"/>
-        </a:xfrm>
-      </p:grpSpPr>
-      <p:sp>
-        <p:nvSpPr>
-          <p:cNvPr id="6" name="Title 1"/>
-          <p:cNvSpPr>
-            <a:spLocks noGrp="1"/>
-          </p:cNvSpPr>
-          <p:nvPr>
-            <p:ph type="title"/>
-          </p:nvPr>
-        </p:nvSpPr>
-        <p:spPr>
-          <a:xfrm>
-            <a:off x="455613" y="1004888"/>
-            <a:ext cx="8231187" cy="377026"/>
-          </a:xfrm>
-        </p:spPr>
-        <p:txBody>
-          <a:bodyPr/>
-          <a:lstStyle/>
-          <a:p>
-            <a:r>
-              <a:rPr lang="en-US" b="0" dirty="0"/>
-              <a:t>Define the exporting method</a:t>
-            </a:r>
-          </a:p>
-        </p:txBody>
-      </p:sp>
-      <p:sp>
-        <p:nvSpPr>
-          <p:cNvPr id="19" name="TextBox 18"/>
-          <p:cNvSpPr txBox="1"/>
-          <p:nvPr/>
-        </p:nvSpPr>
-        <p:spPr>
-          <a:xfrm>
-            <a:off x="227203" y="2307603"/>
-            <a:ext cx="8689594" cy="4293484"/>
-          </a:xfrm>
-          <a:prstGeom prst="rect">
-            <a:avLst/>
-          </a:prstGeom>
-          <a:solidFill>
-            <a:schemeClr val="bg1">
-              <a:lumMod val="85000"/>
-            </a:schemeClr>
-          </a:solidFill>
-          <a:ln>
-            <a:noFill/>
-          </a:ln>
-        </p:spPr>
-        <p:txBody>
-          <a:bodyPr wrap="square" rtlCol="0">
-            <a:spAutoFit/>
-          </a:bodyPr>
-          <a:lstStyle/>
-          <a:p>
-            <a:r>
-              <a:rPr lang="en-US" sz="1300" dirty="0">
-                <a:solidFill>
-                  <a:srgbClr val="32946A"/>
-                </a:solidFill>
-                <a:latin typeface="Curier"/>
-                <a:cs typeface="Curier"/>
-              </a:rPr>
-              <a:t> &lt;</a:t>
-            </a:r>
-            <a:r>
-              <a:rPr lang="en-US" sz="1300" dirty="0" err="1">
-                <a:solidFill>
-                  <a:srgbClr val="32946A"/>
-                </a:solidFill>
-                <a:latin typeface="Curier"/>
-                <a:cs typeface="Curier"/>
-              </a:rPr>
-              <a:t>OutStreams</a:t>
-            </a:r>
-            <a:r>
-              <a:rPr lang="en-US" sz="1300" dirty="0">
-                <a:solidFill>
-                  <a:srgbClr val="32946A"/>
-                </a:solidFill>
-                <a:latin typeface="Curier"/>
-                <a:cs typeface="Curier"/>
-              </a:rPr>
-              <a:t>&gt;</a:t>
-            </a:r>
-          </a:p>
-          <a:p>
-            <a:r>
-              <a:rPr lang="en-US" sz="1300" dirty="0">
-                <a:solidFill>
-                  <a:srgbClr val="32946A"/>
-                </a:solidFill>
-                <a:latin typeface="Curier"/>
-                <a:cs typeface="Curier"/>
-              </a:rPr>
-              <a:t>  &lt;Print </a:t>
-            </a:r>
-            <a:r>
-              <a:rPr lang="en-US" sz="1300" dirty="0">
-                <a:solidFill>
-                  <a:srgbClr val="660066"/>
-                </a:solidFill>
-                <a:latin typeface="Curier"/>
-                <a:cs typeface="Curier"/>
-              </a:rPr>
-              <a:t>name</a:t>
-            </a:r>
-            <a:r>
-              <a:rPr lang="en-US" sz="1300" dirty="0">
-                <a:solidFill>
-                  <a:srgbClr val="32946A"/>
-                </a:solidFill>
-                <a:latin typeface="Curier"/>
-                <a:cs typeface="Curier"/>
-              </a:rPr>
-              <a:t>=</a:t>
-            </a:r>
-            <a:r>
-              <a:rPr lang="en-US" sz="1300" i="1" dirty="0">
-                <a:solidFill>
-                  <a:srgbClr val="0033CC"/>
-                </a:solidFill>
-                <a:latin typeface="Curier"/>
-                <a:cs typeface="Curier"/>
-              </a:rPr>
-              <a:t>"</a:t>
-            </a:r>
-            <a:r>
-              <a:rPr lang="en-US" sz="1300" i="1" dirty="0" err="1">
-                <a:solidFill>
-                  <a:srgbClr val="0033CC"/>
-                </a:solidFill>
-                <a:latin typeface="Curier"/>
-                <a:cs typeface="Curier"/>
-              </a:rPr>
-              <a:t>fileOut</a:t>
-            </a:r>
-            <a:r>
-              <a:rPr lang="en-US" sz="1300" i="1" dirty="0">
-                <a:solidFill>
-                  <a:srgbClr val="0033CC"/>
-                </a:solidFill>
-                <a:latin typeface="Curier"/>
-                <a:cs typeface="Curier"/>
-              </a:rPr>
-              <a:t>"</a:t>
-            </a:r>
-            <a:r>
-              <a:rPr lang="en-US" sz="1300" i="1" dirty="0">
-                <a:solidFill>
-                  <a:srgbClr val="32946A"/>
-                </a:solidFill>
-                <a:latin typeface="Curier"/>
-                <a:cs typeface="Curier"/>
-              </a:rPr>
-              <a:t>&gt;</a:t>
-            </a:r>
-          </a:p>
-          <a:p>
-            <a:r>
-              <a:rPr lang="hu-HU" sz="1300" dirty="0">
-                <a:solidFill>
-                  <a:srgbClr val="32946A"/>
-                </a:solidFill>
-                <a:latin typeface="Curier"/>
-                <a:cs typeface="Curier"/>
-              </a:rPr>
-              <a:t>      &lt;type&gt;</a:t>
-            </a:r>
-            <a:r>
-              <a:rPr lang="hu-HU" sz="1300" dirty="0">
-                <a:latin typeface="Curier"/>
-                <a:cs typeface="Curier"/>
-              </a:rPr>
-              <a:t>csv</a:t>
-            </a:r>
-            <a:r>
-              <a:rPr lang="hu-HU" sz="1300" dirty="0">
-                <a:solidFill>
-                  <a:srgbClr val="32946A"/>
-                </a:solidFill>
-                <a:latin typeface="Curier"/>
-                <a:cs typeface="Curier"/>
-              </a:rPr>
-              <a:t>&lt;/type&gt;</a:t>
-            </a:r>
-          </a:p>
-          <a:p>
-            <a:r>
-              <a:rPr lang="en-US" sz="1300" dirty="0">
-                <a:solidFill>
-                  <a:srgbClr val="32946A"/>
-                </a:solidFill>
-                <a:latin typeface="Curier"/>
-                <a:cs typeface="Curier"/>
-              </a:rPr>
-              <a:t>      &lt;source&gt;</a:t>
-            </a:r>
-            <a:r>
-              <a:rPr lang="en-US" sz="1300" dirty="0">
-                <a:latin typeface="Curier"/>
-                <a:cs typeface="Curier"/>
-              </a:rPr>
-              <a:t>Out</a:t>
-            </a:r>
-            <a:r>
-              <a:rPr lang="en-US" sz="1300" dirty="0">
-                <a:solidFill>
-                  <a:srgbClr val="32946A"/>
-                </a:solidFill>
-                <a:latin typeface="Curier"/>
-                <a:cs typeface="Curier"/>
-              </a:rPr>
-              <a:t>&lt;/source&gt;</a:t>
-            </a:r>
-          </a:p>
-          <a:p>
-            <a:r>
-              <a:rPr lang="en-US" sz="1300" dirty="0">
-                <a:solidFill>
-                  <a:srgbClr val="32946A"/>
-                </a:solidFill>
-                <a:latin typeface="Curier"/>
-                <a:cs typeface="Curier"/>
-              </a:rPr>
-              <a:t>    &lt;/Print&gt;</a:t>
-            </a:r>
-          </a:p>
-          <a:p>
-            <a:r>
-              <a:rPr lang="en-US" sz="1300" dirty="0">
-                <a:latin typeface="Curier"/>
-                <a:cs typeface="Curier"/>
-              </a:rPr>
-              <a:t>    </a:t>
-            </a:r>
-            <a:r>
-              <a:rPr lang="en-US" sz="1300" dirty="0">
-                <a:solidFill>
-                  <a:srgbClr val="32946A"/>
-                </a:solidFill>
-                <a:latin typeface="Curier"/>
-                <a:cs typeface="Curier"/>
-              </a:rPr>
-              <a:t>&lt;Plot  </a:t>
-            </a:r>
-            <a:r>
-              <a:rPr lang="en-US" sz="1300" dirty="0">
-                <a:solidFill>
-                  <a:srgbClr val="660066"/>
-                </a:solidFill>
-                <a:latin typeface="Curier"/>
-                <a:cs typeface="Curier"/>
-              </a:rPr>
-              <a:t>name</a:t>
-            </a:r>
-            <a:r>
-              <a:rPr lang="en-US" sz="1300" dirty="0">
-                <a:solidFill>
-                  <a:srgbClr val="32946A"/>
-                </a:solidFill>
-                <a:latin typeface="Curier"/>
-                <a:cs typeface="Curier"/>
-              </a:rPr>
-              <a:t>=</a:t>
-            </a:r>
-            <a:r>
-              <a:rPr lang="en-US" sz="1300" i="1" dirty="0">
-                <a:solidFill>
-                  <a:srgbClr val="0033CC"/>
-                </a:solidFill>
-                <a:latin typeface="Curier"/>
-                <a:cs typeface="Curier"/>
-              </a:rPr>
-              <a:t>"</a:t>
-            </a:r>
-            <a:r>
-              <a:rPr lang="en-US" sz="1300" i="1" dirty="0" err="1">
-                <a:solidFill>
-                  <a:srgbClr val="0033CC"/>
-                </a:solidFill>
-                <a:latin typeface="Curier"/>
-                <a:cs typeface="Curier"/>
-              </a:rPr>
-              <a:t>myPlot</a:t>
-            </a:r>
-            <a:r>
-              <a:rPr lang="en-US" sz="1300" i="1" dirty="0">
-                <a:solidFill>
-                  <a:srgbClr val="0033CC"/>
-                </a:solidFill>
-                <a:latin typeface="Curier"/>
-                <a:cs typeface="Curier"/>
-              </a:rPr>
-              <a:t>"</a:t>
-            </a:r>
-            <a:r>
-              <a:rPr lang="en-US" sz="1300" i="1" dirty="0">
-                <a:solidFill>
-                  <a:srgbClr val="32946A"/>
-                </a:solidFill>
-                <a:latin typeface="Curier"/>
-                <a:cs typeface="Curier"/>
-              </a:rPr>
-              <a:t>&gt;</a:t>
-            </a:r>
-          </a:p>
-          <a:p>
-            <a:r>
-              <a:rPr lang="en-US" sz="1300" dirty="0">
-                <a:solidFill>
-                  <a:srgbClr val="32946A"/>
-                </a:solidFill>
-                <a:latin typeface="Curier"/>
-                <a:cs typeface="Curier"/>
-              </a:rPr>
-              <a:t>      &lt;</a:t>
-            </a:r>
-            <a:r>
-              <a:rPr lang="en-US" sz="1300" dirty="0" err="1">
-                <a:solidFill>
-                  <a:srgbClr val="32946A"/>
-                </a:solidFill>
-                <a:latin typeface="Curier"/>
-                <a:cs typeface="Curier"/>
-              </a:rPr>
-              <a:t>plotSettings</a:t>
-            </a:r>
-            <a:r>
-              <a:rPr lang="en-US" sz="1300" dirty="0">
-                <a:solidFill>
-                  <a:srgbClr val="32946A"/>
-                </a:solidFill>
-                <a:latin typeface="Curier"/>
-                <a:cs typeface="Curier"/>
-              </a:rPr>
-              <a:t>&gt;</a:t>
-            </a:r>
-          </a:p>
-          <a:p>
-            <a:r>
-              <a:rPr lang="en-US" sz="1300" dirty="0">
-                <a:solidFill>
-                  <a:srgbClr val="32946A"/>
-                </a:solidFill>
-                <a:latin typeface="Curier"/>
-                <a:cs typeface="Curier"/>
-              </a:rPr>
-              <a:t>        &lt;plot&gt;</a:t>
-            </a:r>
-          </a:p>
-          <a:p>
-            <a:r>
-              <a:rPr lang="it-IT" sz="1300" dirty="0">
-                <a:solidFill>
-                  <a:srgbClr val="32946A"/>
-                </a:solidFill>
-                <a:latin typeface="Curier"/>
-                <a:cs typeface="Curier"/>
-              </a:rPr>
-              <a:t>          &lt;</a:t>
-            </a:r>
-            <a:r>
-              <a:rPr lang="it-IT" sz="1300" dirty="0" err="1">
-                <a:solidFill>
-                  <a:srgbClr val="32946A"/>
-                </a:solidFill>
-                <a:latin typeface="Curier"/>
-                <a:cs typeface="Curier"/>
-              </a:rPr>
-              <a:t>type</a:t>
-            </a:r>
-            <a:r>
-              <a:rPr lang="it-IT" sz="1300" dirty="0">
-                <a:solidFill>
-                  <a:srgbClr val="32946A"/>
-                </a:solidFill>
-                <a:latin typeface="Curier"/>
-                <a:cs typeface="Curier"/>
-              </a:rPr>
-              <a:t>&gt;</a:t>
-            </a:r>
-            <a:r>
-              <a:rPr lang="it-IT" sz="1300" dirty="0" err="1">
-                <a:latin typeface="Curier"/>
-                <a:cs typeface="Curier"/>
-              </a:rPr>
-              <a:t>scatter</a:t>
-            </a:r>
-            <a:r>
-              <a:rPr lang="it-IT" sz="1300" dirty="0">
-                <a:solidFill>
-                  <a:srgbClr val="32946A"/>
-                </a:solidFill>
-                <a:latin typeface="Curier"/>
-                <a:cs typeface="Curier"/>
-              </a:rPr>
-              <a:t>&lt;/</a:t>
-            </a:r>
-            <a:r>
-              <a:rPr lang="it-IT" sz="1300" dirty="0" err="1">
-                <a:solidFill>
-                  <a:srgbClr val="32946A"/>
-                </a:solidFill>
-                <a:latin typeface="Curier"/>
-                <a:cs typeface="Curier"/>
-              </a:rPr>
-              <a:t>type</a:t>
-            </a:r>
-            <a:r>
-              <a:rPr lang="it-IT" sz="1300" dirty="0">
-                <a:solidFill>
-                  <a:srgbClr val="32946A"/>
-                </a:solidFill>
-                <a:latin typeface="Curier"/>
-                <a:cs typeface="Curier"/>
-              </a:rPr>
-              <a:t>&gt;</a:t>
-            </a:r>
-          </a:p>
-          <a:p>
-            <a:r>
-              <a:rPr lang="pt-BR" sz="1300" dirty="0">
-                <a:solidFill>
-                  <a:srgbClr val="32946A"/>
-                </a:solidFill>
-                <a:latin typeface="Curier"/>
-                <a:cs typeface="Curier"/>
-              </a:rPr>
-              <a:t>          &lt;</a:t>
-            </a:r>
-            <a:r>
-              <a:rPr lang="pt-BR" sz="1300" dirty="0" err="1">
-                <a:solidFill>
-                  <a:srgbClr val="32946A"/>
-                </a:solidFill>
-                <a:latin typeface="Curier"/>
-                <a:cs typeface="Curier"/>
-              </a:rPr>
-              <a:t>x</a:t>
-            </a:r>
-            <a:r>
-              <a:rPr lang="pt-BR" sz="1300" dirty="0">
-                <a:solidFill>
-                  <a:srgbClr val="32946A"/>
-                </a:solidFill>
-                <a:latin typeface="Curier"/>
-                <a:cs typeface="Curier"/>
-              </a:rPr>
-              <a:t>&gt;</a:t>
-            </a:r>
-            <a:r>
-              <a:rPr lang="pt-BR" sz="1300" dirty="0">
-                <a:latin typeface="Curier"/>
-                <a:cs typeface="Curier"/>
-              </a:rPr>
-              <a:t>Out|Input|X1</a:t>
-            </a:r>
-            <a:r>
-              <a:rPr lang="pt-BR" sz="1300" dirty="0">
-                <a:solidFill>
-                  <a:srgbClr val="32946A"/>
-                </a:solidFill>
-                <a:latin typeface="Curier"/>
-                <a:cs typeface="Curier"/>
-              </a:rPr>
-              <a:t>&lt;/</a:t>
-            </a:r>
-            <a:r>
-              <a:rPr lang="pt-BR" sz="1300" dirty="0" err="1">
-                <a:solidFill>
-                  <a:srgbClr val="32946A"/>
-                </a:solidFill>
-                <a:latin typeface="Curier"/>
-                <a:cs typeface="Curier"/>
-              </a:rPr>
-              <a:t>x</a:t>
-            </a:r>
-            <a:r>
-              <a:rPr lang="pt-BR" sz="1300" dirty="0">
-                <a:solidFill>
-                  <a:srgbClr val="32946A"/>
-                </a:solidFill>
-                <a:latin typeface="Curier"/>
-                <a:cs typeface="Curier"/>
-              </a:rPr>
-              <a:t>&gt;</a:t>
-            </a:r>
-          </a:p>
-          <a:p>
-            <a:r>
-              <a:rPr lang="pt-BR" sz="1300" dirty="0">
-                <a:solidFill>
-                  <a:srgbClr val="32946A"/>
-                </a:solidFill>
-                <a:latin typeface="Curier"/>
-                <a:cs typeface="Curier"/>
-              </a:rPr>
-              <a:t>          &lt;</a:t>
-            </a:r>
-            <a:r>
-              <a:rPr lang="pt-BR" sz="1300" dirty="0" err="1">
-                <a:solidFill>
-                  <a:srgbClr val="32946A"/>
-                </a:solidFill>
-                <a:latin typeface="Curier"/>
-                <a:cs typeface="Curier"/>
-              </a:rPr>
-              <a:t>y</a:t>
-            </a:r>
-            <a:r>
-              <a:rPr lang="pt-BR" sz="1300" dirty="0">
-                <a:solidFill>
-                  <a:srgbClr val="32946A"/>
-                </a:solidFill>
-                <a:latin typeface="Curier"/>
-                <a:cs typeface="Curier"/>
-              </a:rPr>
-              <a:t>&gt;</a:t>
-            </a:r>
-            <a:r>
-              <a:rPr lang="pt-BR" sz="1300" dirty="0">
-                <a:latin typeface="Curier"/>
-                <a:cs typeface="Curier"/>
-              </a:rPr>
-              <a:t>Out|Input|X2</a:t>
-            </a:r>
-            <a:r>
-              <a:rPr lang="pt-BR" sz="1300" dirty="0">
-                <a:solidFill>
-                  <a:srgbClr val="32946A"/>
-                </a:solidFill>
-                <a:latin typeface="Curier"/>
-                <a:cs typeface="Curier"/>
-              </a:rPr>
-              <a:t>&lt;/</a:t>
-            </a:r>
-            <a:r>
-              <a:rPr lang="pt-BR" sz="1300" dirty="0" err="1">
-                <a:solidFill>
-                  <a:srgbClr val="32946A"/>
-                </a:solidFill>
-                <a:latin typeface="Curier"/>
-                <a:cs typeface="Curier"/>
-              </a:rPr>
-              <a:t>y</a:t>
-            </a:r>
-            <a:r>
-              <a:rPr lang="pt-BR" sz="1300" dirty="0">
-                <a:solidFill>
-                  <a:srgbClr val="32946A"/>
-                </a:solidFill>
-                <a:latin typeface="Curier"/>
-                <a:cs typeface="Curier"/>
-              </a:rPr>
-              <a:t>&gt;</a:t>
-            </a:r>
-          </a:p>
-          <a:p>
-            <a:r>
-              <a:rPr lang="en-US" sz="1300" dirty="0">
-                <a:solidFill>
-                  <a:srgbClr val="32946A"/>
-                </a:solidFill>
-                <a:latin typeface="Curier"/>
-                <a:cs typeface="Curier"/>
-              </a:rPr>
-              <a:t>          &lt;z&gt;</a:t>
-            </a:r>
-            <a:r>
-              <a:rPr lang="en-US" sz="1300" dirty="0">
-                <a:latin typeface="Curier"/>
-                <a:cs typeface="Curier"/>
-              </a:rPr>
-              <a:t>Out|Output|Y1</a:t>
-            </a:r>
-            <a:r>
-              <a:rPr lang="en-US" sz="1300" dirty="0">
-                <a:solidFill>
-                  <a:srgbClr val="32946A"/>
-                </a:solidFill>
-                <a:latin typeface="Curier"/>
-                <a:cs typeface="Curier"/>
-              </a:rPr>
-              <a:t>&lt;/z&gt;</a:t>
-            </a:r>
-          </a:p>
-          <a:p>
-            <a:r>
-              <a:rPr lang="en-US" sz="1300" dirty="0">
-                <a:solidFill>
-                  <a:srgbClr val="32946A"/>
-                </a:solidFill>
-                <a:latin typeface="Curier"/>
-                <a:cs typeface="Curier"/>
-              </a:rPr>
-              <a:t>          &lt;</a:t>
-            </a:r>
-            <a:r>
-              <a:rPr lang="en-US" sz="1300" dirty="0" err="1">
-                <a:solidFill>
-                  <a:srgbClr val="32946A"/>
-                </a:solidFill>
-                <a:latin typeface="Curier"/>
-                <a:cs typeface="Curier"/>
-              </a:rPr>
-              <a:t>colorMap</a:t>
-            </a:r>
-            <a:r>
-              <a:rPr lang="en-US" sz="1300" dirty="0">
-                <a:solidFill>
-                  <a:srgbClr val="32946A"/>
-                </a:solidFill>
-                <a:latin typeface="Curier"/>
-                <a:cs typeface="Curier"/>
-              </a:rPr>
-              <a:t>&gt;</a:t>
-            </a:r>
-            <a:r>
-              <a:rPr lang="en-US" sz="1300" dirty="0">
-                <a:latin typeface="Curier"/>
-                <a:cs typeface="Curier"/>
-              </a:rPr>
-              <a:t>Out|Output|Y2</a:t>
-            </a:r>
-            <a:r>
-              <a:rPr lang="en-US" sz="1300" dirty="0">
-                <a:solidFill>
-                  <a:srgbClr val="32946A"/>
-                </a:solidFill>
-                <a:latin typeface="Curier"/>
-                <a:cs typeface="Curier"/>
-              </a:rPr>
-              <a:t>&lt;/</a:t>
-            </a:r>
-            <a:r>
-              <a:rPr lang="en-US" sz="1300" dirty="0" err="1">
-                <a:solidFill>
-                  <a:srgbClr val="32946A"/>
-                </a:solidFill>
-                <a:latin typeface="Curier"/>
-                <a:cs typeface="Curier"/>
-              </a:rPr>
-              <a:t>colorMap</a:t>
-            </a:r>
-            <a:r>
-              <a:rPr lang="en-US" sz="1300" dirty="0">
-                <a:solidFill>
-                  <a:srgbClr val="32946A"/>
-                </a:solidFill>
-                <a:latin typeface="Curier"/>
-                <a:cs typeface="Curier"/>
-              </a:rPr>
-              <a:t>&gt;</a:t>
-            </a:r>
-          </a:p>
-          <a:p>
-            <a:r>
-              <a:rPr lang="en-US" sz="1300" dirty="0">
-                <a:solidFill>
-                  <a:srgbClr val="32946A"/>
-                </a:solidFill>
-                <a:latin typeface="Curier"/>
-                <a:cs typeface="Curier"/>
-              </a:rPr>
-              <a:t>        &lt;/plot&gt;</a:t>
-            </a:r>
-          </a:p>
-          <a:p>
-            <a:r>
-              <a:rPr lang="en-US" sz="1300" dirty="0">
-                <a:solidFill>
-                  <a:srgbClr val="32946A"/>
-                </a:solidFill>
-                <a:latin typeface="Curier"/>
-                <a:cs typeface="Curier"/>
-              </a:rPr>
-              <a:t>        &lt;</a:t>
-            </a:r>
-            <a:r>
-              <a:rPr lang="en-US" sz="1300" dirty="0" err="1">
-                <a:solidFill>
-                  <a:srgbClr val="32946A"/>
-                </a:solidFill>
-                <a:latin typeface="Curier"/>
-                <a:cs typeface="Curier"/>
-              </a:rPr>
-              <a:t>xlabel</a:t>
-            </a:r>
-            <a:r>
-              <a:rPr lang="en-US" sz="1300" dirty="0">
-                <a:solidFill>
-                  <a:srgbClr val="32946A"/>
-                </a:solidFill>
-                <a:latin typeface="Curier"/>
-                <a:cs typeface="Curier"/>
-              </a:rPr>
-              <a:t>&gt;</a:t>
-            </a:r>
-            <a:r>
-              <a:rPr lang="en-US" sz="1300" dirty="0">
-                <a:latin typeface="Curier"/>
-                <a:cs typeface="Curier"/>
-              </a:rPr>
-              <a:t>X1</a:t>
-            </a:r>
-            <a:r>
-              <a:rPr lang="en-US" sz="1300" dirty="0">
-                <a:solidFill>
-                  <a:srgbClr val="32946A"/>
-                </a:solidFill>
-                <a:latin typeface="Curier"/>
-                <a:cs typeface="Curier"/>
-              </a:rPr>
-              <a:t>&lt;/</a:t>
-            </a:r>
-            <a:r>
-              <a:rPr lang="en-US" sz="1300" dirty="0" err="1">
-                <a:solidFill>
-                  <a:srgbClr val="32946A"/>
-                </a:solidFill>
-                <a:latin typeface="Curier"/>
-                <a:cs typeface="Curier"/>
-              </a:rPr>
-              <a:t>xlabel</a:t>
-            </a:r>
-            <a:r>
-              <a:rPr lang="en-US" sz="1300" dirty="0">
-                <a:solidFill>
-                  <a:srgbClr val="32946A"/>
-                </a:solidFill>
-                <a:latin typeface="Curier"/>
-                <a:cs typeface="Curier"/>
-              </a:rPr>
-              <a:t>&gt;</a:t>
-            </a:r>
-          </a:p>
-          <a:p>
-            <a:r>
-              <a:rPr lang="cs-CZ" sz="1300" dirty="0">
-                <a:solidFill>
-                  <a:srgbClr val="32946A"/>
-                </a:solidFill>
-                <a:latin typeface="Curier"/>
-                <a:cs typeface="Curier"/>
-              </a:rPr>
-              <a:t>        &lt;</a:t>
-            </a:r>
-            <a:r>
-              <a:rPr lang="cs-CZ" sz="1300" dirty="0" err="1">
-                <a:solidFill>
-                  <a:srgbClr val="32946A"/>
-                </a:solidFill>
-                <a:latin typeface="Curier"/>
-                <a:cs typeface="Curier"/>
-              </a:rPr>
-              <a:t>ylabel</a:t>
-            </a:r>
-            <a:r>
-              <a:rPr lang="cs-CZ" sz="1300" dirty="0">
-                <a:solidFill>
-                  <a:srgbClr val="32946A"/>
-                </a:solidFill>
-                <a:latin typeface="Curier"/>
-                <a:cs typeface="Curier"/>
-              </a:rPr>
-              <a:t>&gt;</a:t>
-            </a:r>
-            <a:r>
-              <a:rPr lang="cs-CZ" sz="1300" dirty="0">
-                <a:latin typeface="Curier"/>
-                <a:cs typeface="Curier"/>
-              </a:rPr>
-              <a:t>X2</a:t>
-            </a:r>
-            <a:r>
-              <a:rPr lang="cs-CZ" sz="1300" dirty="0">
-                <a:solidFill>
-                  <a:srgbClr val="32946A"/>
-                </a:solidFill>
-                <a:latin typeface="Curier"/>
-                <a:cs typeface="Curier"/>
-              </a:rPr>
-              <a:t>&lt;/</a:t>
-            </a:r>
-            <a:r>
-              <a:rPr lang="cs-CZ" sz="1300" dirty="0" err="1">
-                <a:solidFill>
-                  <a:srgbClr val="32946A"/>
-                </a:solidFill>
-                <a:latin typeface="Curier"/>
-                <a:cs typeface="Curier"/>
-              </a:rPr>
-              <a:t>ylabel</a:t>
-            </a:r>
-            <a:r>
-              <a:rPr lang="cs-CZ" sz="1300" dirty="0">
-                <a:solidFill>
-                  <a:srgbClr val="32946A"/>
-                </a:solidFill>
-                <a:latin typeface="Curier"/>
-                <a:cs typeface="Curier"/>
-              </a:rPr>
-              <a:t>&gt;</a:t>
-            </a:r>
-          </a:p>
-          <a:p>
-            <a:r>
-              <a:rPr lang="tr-TR" sz="1300" dirty="0">
-                <a:solidFill>
-                  <a:srgbClr val="32946A"/>
-                </a:solidFill>
-                <a:latin typeface="Curier"/>
-                <a:cs typeface="Curier"/>
-              </a:rPr>
-              <a:t>        &lt;</a:t>
-            </a:r>
-            <a:r>
-              <a:rPr lang="tr-TR" sz="1300" dirty="0" err="1">
-                <a:solidFill>
-                  <a:srgbClr val="32946A"/>
-                </a:solidFill>
-                <a:latin typeface="Curier"/>
-                <a:cs typeface="Curier"/>
-              </a:rPr>
-              <a:t>zlabel</a:t>
-            </a:r>
-            <a:r>
-              <a:rPr lang="tr-TR" sz="1300" dirty="0">
-                <a:solidFill>
-                  <a:srgbClr val="32946A"/>
-                </a:solidFill>
-                <a:latin typeface="Curier"/>
-                <a:cs typeface="Curier"/>
-              </a:rPr>
-              <a:t>&gt;</a:t>
-            </a:r>
-            <a:r>
-              <a:rPr lang="tr-TR" sz="1300" dirty="0">
-                <a:latin typeface="Curier"/>
-                <a:cs typeface="Curier"/>
-              </a:rPr>
-              <a:t>Y1</a:t>
-            </a:r>
-            <a:r>
-              <a:rPr lang="tr-TR" sz="1300" dirty="0">
-                <a:solidFill>
-                  <a:srgbClr val="32946A"/>
-                </a:solidFill>
-                <a:latin typeface="Curier"/>
-                <a:cs typeface="Curier"/>
-              </a:rPr>
-              <a:t>&lt;/</a:t>
-            </a:r>
-            <a:r>
-              <a:rPr lang="tr-TR" sz="1300" dirty="0" err="1">
-                <a:solidFill>
-                  <a:srgbClr val="32946A"/>
-                </a:solidFill>
-                <a:latin typeface="Curier"/>
-                <a:cs typeface="Curier"/>
-              </a:rPr>
-              <a:t>zlabel</a:t>
-            </a:r>
-            <a:r>
-              <a:rPr lang="tr-TR" sz="1300" dirty="0">
-                <a:solidFill>
-                  <a:srgbClr val="32946A"/>
-                </a:solidFill>
-                <a:latin typeface="Curier"/>
-                <a:cs typeface="Curier"/>
-              </a:rPr>
-              <a:t>&gt;</a:t>
-            </a:r>
-          </a:p>
-          <a:p>
-            <a:r>
-              <a:rPr lang="tr-TR" sz="1300" dirty="0">
-                <a:solidFill>
-                  <a:srgbClr val="32946A"/>
-                </a:solidFill>
-                <a:latin typeface="Curier"/>
-                <a:cs typeface="Curier"/>
-              </a:rPr>
-              <a:t>      &lt;/</a:t>
-            </a:r>
-            <a:r>
-              <a:rPr lang="tr-TR" sz="1300" dirty="0" err="1">
-                <a:solidFill>
-                  <a:srgbClr val="32946A"/>
-                </a:solidFill>
-                <a:latin typeface="Curier"/>
-                <a:cs typeface="Curier"/>
-              </a:rPr>
-              <a:t>plotSettings</a:t>
-            </a:r>
-            <a:r>
-              <a:rPr lang="tr-TR" sz="1300" dirty="0">
-                <a:solidFill>
-                  <a:srgbClr val="32946A"/>
-                </a:solidFill>
-                <a:latin typeface="Curier"/>
-                <a:cs typeface="Curier"/>
-              </a:rPr>
-              <a:t>&gt;</a:t>
-            </a:r>
-          </a:p>
-          <a:p>
-            <a:r>
-              <a:rPr lang="en-US" sz="1300" dirty="0">
-                <a:latin typeface="Curier"/>
-                <a:cs typeface="Curier"/>
-              </a:rPr>
-              <a:t>     </a:t>
-            </a:r>
-            <a:r>
-              <a:rPr lang="en-US" sz="1300" dirty="0">
-                <a:solidFill>
-                  <a:srgbClr val="32946A"/>
-                </a:solidFill>
-                <a:latin typeface="Curier"/>
-                <a:cs typeface="Curier"/>
-              </a:rPr>
-              <a:t> &lt;actions&gt;&lt;how&gt;</a:t>
-            </a:r>
-            <a:r>
-              <a:rPr lang="en-US" sz="1300" dirty="0" err="1">
-                <a:latin typeface="Curier"/>
-                <a:cs typeface="Curier"/>
-              </a:rPr>
-              <a:t>png</a:t>
-            </a:r>
-            <a:r>
-              <a:rPr lang="en-US" sz="1300" dirty="0">
-                <a:latin typeface="Curier"/>
-                <a:cs typeface="Curier"/>
-              </a:rPr>
-              <a:t>, screen</a:t>
-            </a:r>
-            <a:r>
-              <a:rPr lang="en-US" sz="1300" dirty="0">
-                <a:solidFill>
-                  <a:srgbClr val="32946A"/>
-                </a:solidFill>
-                <a:latin typeface="Curier"/>
-                <a:cs typeface="Curier"/>
-              </a:rPr>
-              <a:t>&lt;/how&gt;&lt;/actions&gt;</a:t>
-            </a:r>
-          </a:p>
-          <a:p>
-            <a:r>
-              <a:rPr lang="en-US" sz="1300" dirty="0">
-                <a:solidFill>
-                  <a:srgbClr val="32946A"/>
-                </a:solidFill>
-                <a:latin typeface="Curier"/>
-                <a:cs typeface="Curier"/>
-              </a:rPr>
-              <a:t>    &lt;/Plot&gt;</a:t>
-            </a:r>
-          </a:p>
-          <a:p>
-            <a:r>
-              <a:rPr lang="en-US" sz="1300" dirty="0">
-                <a:solidFill>
-                  <a:srgbClr val="32946A"/>
-                </a:solidFill>
-                <a:latin typeface="Curier"/>
-                <a:cs typeface="Curier"/>
-              </a:rPr>
-              <a:t>  &lt;/</a:t>
-            </a:r>
-            <a:r>
-              <a:rPr lang="en-US" sz="1300" dirty="0" err="1">
-                <a:solidFill>
-                  <a:srgbClr val="32946A"/>
-                </a:solidFill>
-                <a:latin typeface="Curier"/>
-                <a:cs typeface="Curier"/>
-              </a:rPr>
-              <a:t>OutStreams</a:t>
-            </a:r>
-            <a:r>
-              <a:rPr lang="en-US" sz="1300" dirty="0">
-                <a:solidFill>
-                  <a:srgbClr val="32946A"/>
-                </a:solidFill>
-                <a:latin typeface="Curier"/>
-                <a:cs typeface="Curier"/>
-              </a:rPr>
-              <a:t>&gt;</a:t>
-            </a:r>
-          </a:p>
-        </p:txBody>
-      </p:sp>
-      <p:graphicFrame>
-        <p:nvGraphicFramePr>
-          <p:cNvPr id="12" name="Table 11"/>
-          <p:cNvGraphicFramePr>
-            <a:graphicFrameLocks noGrp="1"/>
-          </p:cNvGraphicFramePr>
-          <p:nvPr>
-            <p:extLst>
-              <p:ext uri="{D42A27DB-BD31-4B8C-83A1-F6EECF244321}">
-                <p14:modId xmlns:p14="http://schemas.microsoft.com/office/powerpoint/2010/main" val="1643079489"/>
-              </p:ext>
-            </p:extLst>
-          </p:nvPr>
-        </p:nvGraphicFramePr>
-        <p:xfrm>
-          <a:off x="455609" y="1436377"/>
-          <a:ext cx="8231190" cy="741680"/>
-        </p:xfrm>
-        <a:graphic>
-          <a:graphicData uri="http://schemas.openxmlformats.org/drawingml/2006/table">
-            <a:tbl>
-              <a:tblPr firstRow="1" bandRow="1">
-                <a:tableStyleId>{5C22544A-7EE6-4342-B048-85BDC9FD1C3A}</a:tableStyleId>
-              </a:tblPr>
-              <a:tblGrid>
-                <a:gridCol w="1371865">
-                  <a:extLst>
-                    <a:ext uri="{9D8B030D-6E8A-4147-A177-3AD203B41FA5}">
-                      <a16:colId xmlns:a16="http://schemas.microsoft.com/office/drawing/2014/main" val="20000"/>
-                    </a:ext>
-                  </a:extLst>
-                </a:gridCol>
-                <a:gridCol w="1371865">
-                  <a:extLst>
-                    <a:ext uri="{9D8B030D-6E8A-4147-A177-3AD203B41FA5}">
-                      <a16:colId xmlns:a16="http://schemas.microsoft.com/office/drawing/2014/main" val="20001"/>
-                    </a:ext>
-                  </a:extLst>
-                </a:gridCol>
-                <a:gridCol w="1371865">
-                  <a:extLst>
-                    <a:ext uri="{9D8B030D-6E8A-4147-A177-3AD203B41FA5}">
-                      <a16:colId xmlns:a16="http://schemas.microsoft.com/office/drawing/2014/main" val="20002"/>
-                    </a:ext>
-                  </a:extLst>
-                </a:gridCol>
-                <a:gridCol w="1371865">
-                  <a:extLst>
-                    <a:ext uri="{9D8B030D-6E8A-4147-A177-3AD203B41FA5}">
-                      <a16:colId xmlns:a16="http://schemas.microsoft.com/office/drawing/2014/main" val="20003"/>
-                    </a:ext>
-                  </a:extLst>
-                </a:gridCol>
-                <a:gridCol w="1371865">
-                  <a:extLst>
-                    <a:ext uri="{9D8B030D-6E8A-4147-A177-3AD203B41FA5}">
-                      <a16:colId xmlns:a16="http://schemas.microsoft.com/office/drawing/2014/main" val="20004"/>
-                    </a:ext>
-                  </a:extLst>
-                </a:gridCol>
-                <a:gridCol w="1371865">
-                  <a:extLst>
-                    <a:ext uri="{9D8B030D-6E8A-4147-A177-3AD203B41FA5}">
-                      <a16:colId xmlns:a16="http://schemas.microsoft.com/office/drawing/2014/main" val="20005"/>
-                    </a:ext>
-                  </a:extLst>
-                </a:gridCol>
-              </a:tblGrid>
-              <a:tr h="370840">
-                <a:tc>
-                  <a:txBody>
-                    <a:bodyPr/>
-                    <a:lstStyle/>
-                    <a:p>
-                      <a:pPr algn="ctr"/>
-                      <a:r>
-                        <a:rPr lang="en-US" sz="1600" b="0" dirty="0" err="1">
-                          <a:solidFill>
-                            <a:schemeClr val="tx1"/>
-                          </a:solidFill>
-                          <a:latin typeface="Arial"/>
-                          <a:cs typeface="Arial"/>
-                        </a:rPr>
-                        <a:t>RunInfo</a:t>
-                      </a:r>
-                      <a:endParaRPr lang="en-US" sz="1600" b="0" dirty="0">
-                        <a:solidFill>
-                          <a:schemeClr val="tx1"/>
-                        </a:solidFill>
-                        <a:latin typeface="Arial"/>
-                        <a:cs typeface="Arial"/>
-                      </a:endParaRPr>
-                    </a:p>
-                  </a:txBody>
-                  <a:tcPr>
-                    <a:solidFill>
-                      <a:schemeClr val="bg1">
-                        <a:lumMod val="85000"/>
-                      </a:schemeClr>
-                    </a:solidFill>
-                  </a:tcPr>
-                </a:tc>
-                <a:tc>
-                  <a:txBody>
-                    <a:bodyPr/>
-                    <a:lstStyle/>
-                    <a:p>
-                      <a:pPr algn="ctr"/>
-                      <a:r>
-                        <a:rPr lang="en-US" sz="1600" b="0" dirty="0">
-                          <a:solidFill>
-                            <a:schemeClr val="tx1"/>
-                          </a:solidFill>
-                          <a:latin typeface="Arial"/>
-                          <a:cs typeface="Arial"/>
-                        </a:rPr>
-                        <a:t>Distributions</a:t>
-                      </a:r>
-                    </a:p>
-                  </a:txBody>
-                  <a:tcPr>
-                    <a:solidFill>
-                      <a:schemeClr val="bg1">
-                        <a:lumMod val="85000"/>
-                      </a:schemeClr>
-                    </a:solidFill>
-                  </a:tcPr>
-                </a:tc>
-                <a:tc>
-                  <a:txBody>
-                    <a:bodyPr/>
-                    <a:lstStyle/>
-                    <a:p>
-                      <a:pPr algn="ctr"/>
-                      <a:r>
-                        <a:rPr lang="en-US" sz="1600" b="0" dirty="0">
-                          <a:solidFill>
-                            <a:schemeClr val="tx1"/>
-                          </a:solidFill>
-                          <a:latin typeface="Arial"/>
-                          <a:cs typeface="Arial"/>
-                        </a:rPr>
-                        <a:t>Samplers</a:t>
-                      </a:r>
-                    </a:p>
-                  </a:txBody>
-                  <a:tcPr>
-                    <a:solidFill>
-                      <a:schemeClr val="bg1">
-                        <a:lumMod val="85000"/>
-                      </a:schemeClr>
-                    </a:solidFill>
-                  </a:tcPr>
-                </a:tc>
-                <a:tc>
-                  <a:txBody>
-                    <a:bodyPr/>
-                    <a:lstStyle/>
-                    <a:p>
-                      <a:pPr algn="ctr"/>
-                      <a:r>
-                        <a:rPr lang="en-US" sz="1600" b="0" dirty="0" err="1">
-                          <a:solidFill>
-                            <a:schemeClr val="tx1"/>
-                          </a:solidFill>
-                          <a:latin typeface="Arial"/>
-                          <a:cs typeface="Arial"/>
-                        </a:rPr>
-                        <a:t>DataObjects</a:t>
-                      </a:r>
-                      <a:endParaRPr lang="en-US" sz="1600" b="0" dirty="0">
-                        <a:solidFill>
-                          <a:schemeClr val="tx1"/>
-                        </a:solidFill>
-                        <a:latin typeface="Arial"/>
-                        <a:cs typeface="Arial"/>
-                      </a:endParaRPr>
-                    </a:p>
-                  </a:txBody>
-                  <a:tcPr>
-                    <a:solidFill>
-                      <a:schemeClr val="bg1">
-                        <a:lumMod val="85000"/>
-                      </a:schemeClr>
-                    </a:solidFill>
-                  </a:tcPr>
-                </a:tc>
-                <a:tc>
-                  <a:txBody>
-                    <a:bodyPr/>
-                    <a:lstStyle/>
-                    <a:p>
-                      <a:pPr algn="ctr"/>
-                      <a:r>
-                        <a:rPr lang="en-US" sz="1600" b="0" dirty="0">
-                          <a:solidFill>
-                            <a:schemeClr val="tx1"/>
-                          </a:solidFill>
-                          <a:latin typeface="Arial"/>
-                          <a:cs typeface="Arial"/>
-                        </a:rPr>
-                        <a:t>Models</a:t>
-                      </a:r>
-                    </a:p>
-                  </a:txBody>
-                  <a:tcPr>
-                    <a:solidFill>
-                      <a:schemeClr val="bg1">
-                        <a:lumMod val="85000"/>
-                      </a:schemeClr>
-                    </a:solidFill>
-                  </a:tcPr>
-                </a:tc>
-                <a:tc>
-                  <a:txBody>
-                    <a:bodyPr/>
-                    <a:lstStyle/>
-                    <a:p>
-                      <a:pPr algn="ctr"/>
-                      <a:r>
-                        <a:rPr lang="en-US" sz="1600" b="0" dirty="0">
-                          <a:solidFill>
-                            <a:schemeClr val="tx1"/>
-                          </a:solidFill>
-                          <a:latin typeface="Arial"/>
-                          <a:cs typeface="Arial"/>
-                        </a:rPr>
-                        <a:t>Files</a:t>
-                      </a:r>
-                    </a:p>
-                  </a:txBody>
-                  <a:tcPr>
-                    <a:solidFill>
-                      <a:schemeClr val="bg1">
-                        <a:lumMod val="85000"/>
-                      </a:schemeClr>
-                    </a:solidFill>
-                  </a:tcPr>
-                </a:tc>
-                <a:extLst>
-                  <a:ext uri="{0D108BD9-81ED-4DB2-BD59-A6C34878D82A}">
-                    <a16:rowId xmlns:a16="http://schemas.microsoft.com/office/drawing/2014/main" val="10000"/>
-                  </a:ext>
-                </a:extLst>
-              </a:tr>
-              <a:tr h="370840">
-                <a:tc>
-                  <a:txBody>
-                    <a:bodyPr/>
-                    <a:lstStyle/>
-                    <a:p>
-                      <a:pPr algn="ctr"/>
-                      <a:r>
-                        <a:rPr lang="en-US" sz="1600" b="0" dirty="0" err="1">
-                          <a:solidFill>
-                            <a:schemeClr val="tx1"/>
-                          </a:solidFill>
-                          <a:latin typeface="Arial"/>
-                          <a:cs typeface="Arial"/>
-                        </a:rPr>
-                        <a:t>OutStreams</a:t>
-                      </a:r>
-                      <a:endParaRPr lang="en-US" sz="1600" b="0" dirty="0">
-                        <a:solidFill>
-                          <a:schemeClr val="tx1"/>
-                        </a:solidFill>
-                        <a:latin typeface="Arial"/>
-                        <a:cs typeface="Arial"/>
-                      </a:endParaRPr>
-                    </a:p>
-                  </a:txBody>
-                  <a:tcPr>
-                    <a:solidFill>
-                      <a:schemeClr val="bg1">
-                        <a:lumMod val="65000"/>
-                      </a:schemeClr>
-                    </a:solidFill>
-                  </a:tcPr>
-                </a:tc>
-                <a:tc>
-                  <a:txBody>
-                    <a:bodyPr/>
-                    <a:lstStyle/>
-                    <a:p>
-                      <a:pPr algn="ctr"/>
-                      <a:r>
-                        <a:rPr lang="en-US" sz="1600" b="0" dirty="0">
-                          <a:solidFill>
-                            <a:schemeClr val="tx1"/>
-                          </a:solidFill>
-                          <a:latin typeface="Arial"/>
-                          <a:cs typeface="Arial"/>
-                        </a:rPr>
-                        <a:t>Steps</a:t>
-                      </a:r>
-                    </a:p>
-                  </a:txBody>
-                  <a:tcPr>
-                    <a:solidFill>
-                      <a:schemeClr val="bg1">
-                        <a:lumMod val="85000"/>
-                      </a:schemeClr>
-                    </a:solidFill>
-                  </a:tcPr>
-                </a:tc>
-                <a:tc>
-                  <a:txBody>
-                    <a:bodyPr/>
-                    <a:lstStyle/>
-                    <a:p>
-                      <a:pPr algn="ctr"/>
-                      <a:endParaRPr lang="en-US" sz="1600" b="0" dirty="0">
-                        <a:solidFill>
-                          <a:schemeClr val="tx1"/>
-                        </a:solidFill>
-                        <a:latin typeface="Arial"/>
-                        <a:cs typeface="Arial"/>
-                      </a:endParaRPr>
-                    </a:p>
-                  </a:txBody>
-                  <a:tcPr>
-                    <a:solidFill>
-                      <a:schemeClr val="bg1">
-                        <a:lumMod val="85000"/>
-                      </a:schemeClr>
-                    </a:solidFill>
-                  </a:tcPr>
-                </a:tc>
-                <a:tc>
-                  <a:txBody>
-                    <a:bodyPr/>
-                    <a:lstStyle/>
-                    <a:p>
-                      <a:pPr algn="ctr"/>
-                      <a:endParaRPr lang="en-US" sz="1600" b="0" dirty="0">
-                        <a:solidFill>
-                          <a:schemeClr val="tx1"/>
-                        </a:solidFill>
-                        <a:latin typeface="Arial"/>
-                        <a:cs typeface="Arial"/>
-                      </a:endParaRPr>
-                    </a:p>
-                  </a:txBody>
-                  <a:tcPr>
-                    <a:solidFill>
-                      <a:schemeClr val="bg1">
-                        <a:lumMod val="85000"/>
-                      </a:schemeClr>
-                    </a:solidFill>
-                  </a:tcPr>
-                </a:tc>
-                <a:tc>
-                  <a:txBody>
-                    <a:bodyPr/>
-                    <a:lstStyle/>
-                    <a:p>
-                      <a:pPr algn="ctr"/>
-                      <a:endParaRPr lang="en-US" sz="1600" b="0" dirty="0">
-                        <a:solidFill>
-                          <a:schemeClr val="tx1"/>
-                        </a:solidFill>
-                        <a:latin typeface="Arial"/>
-                        <a:cs typeface="Arial"/>
-                      </a:endParaRPr>
-                    </a:p>
-                  </a:txBody>
-                  <a:tcPr>
-                    <a:solidFill>
-                      <a:schemeClr val="bg1">
-                        <a:lumMod val="85000"/>
-                      </a:schemeClr>
-                    </a:solidFill>
-                  </a:tcPr>
-                </a:tc>
-                <a:tc>
-                  <a:txBody>
-                    <a:bodyPr/>
-                    <a:lstStyle/>
-                    <a:p>
-                      <a:pPr algn="ctr"/>
-                      <a:endParaRPr lang="en-US" sz="1600" b="0" dirty="0">
-                        <a:solidFill>
-                          <a:schemeClr val="tx1"/>
-                        </a:solidFill>
-                        <a:latin typeface="Arial"/>
-                        <a:cs typeface="Arial"/>
-                      </a:endParaRPr>
-                    </a:p>
-                  </a:txBody>
-                  <a:tcPr>
-                    <a:solidFill>
-                      <a:schemeClr val="bg1">
-                        <a:lumMod val="85000"/>
-                      </a:schemeClr>
-                    </a:solidFill>
-                  </a:tcPr>
-                </a:tc>
-                <a:extLst>
-                  <a:ext uri="{0D108BD9-81ED-4DB2-BD59-A6C34878D82A}">
-                    <a16:rowId xmlns:a16="http://schemas.microsoft.com/office/drawing/2014/main" val="10001"/>
-                  </a:ext>
-                </a:extLst>
-              </a:tr>
-            </a:tbl>
-          </a:graphicData>
-        </a:graphic>
-      </p:graphicFrame>
-      <p:sp>
-        <p:nvSpPr>
-          <p:cNvPr id="5" name="TextBox 4">
-            <a:extLst>
-              <a:ext uri="{FF2B5EF4-FFF2-40B4-BE49-F238E27FC236}">
-                <a16:creationId xmlns:a16="http://schemas.microsoft.com/office/drawing/2014/main" id="{6A3B8148-D441-474F-B7DD-A8D2277656ED}"/>
-              </a:ext>
-            </a:extLst>
-          </p:cNvPr>
-          <p:cNvSpPr txBox="1"/>
-          <p:nvPr/>
-        </p:nvSpPr>
-        <p:spPr>
-          <a:xfrm>
-            <a:off x="0" y="6553200"/>
-            <a:ext cx="9144000" cy="307777"/>
-          </a:xfrm>
-          <a:prstGeom prst="rect">
-            <a:avLst/>
-          </a:prstGeom>
-          <a:noFill/>
-        </p:spPr>
-        <p:txBody>
-          <a:bodyPr wrap="square" rtlCol="0">
-            <a:spAutoFit/>
-          </a:bodyPr>
-          <a:lstStyle/>
-          <a:p>
-            <a:pPr algn="ctr"/>
-            <a:r>
-              <a:rPr lang="en-US" sz="1400" dirty="0">
-                <a:latin typeface="+mn-lt"/>
-              </a:rPr>
-              <a:t>Input file name: ForwardSampling1.xml</a:t>
-            </a:r>
-          </a:p>
-        </p:txBody>
-      </p:sp>
-    </p:spTree>
-    <p:extLst>
-      <p:ext uri="{BB962C8B-B14F-4D97-AF65-F5344CB8AC3E}">
-        <p14:creationId xmlns:p14="http://schemas.microsoft.com/office/powerpoint/2010/main" val="1187122587"/>
       </p:ext>
     </p:extLst>
   </p:cSld>
